--- a/experiment/figure_generation/figure5/figure5_final_figures/rotation_merging.pptx
+++ b/experiment/figure_generation/figure5/figure5_final_figures/rotation_merging.pptx
@@ -4,11 +4,15 @@
   <p:sldMasterIdLst>
     <p:sldMasterId id="2147483648" r:id="rId1"/>
   </p:sldMasterIdLst>
+  <p:notesMasterIdLst>
+    <p:notesMasterId r:id="rId7"/>
+  </p:notesMasterIdLst>
   <p:sldIdLst>
     <p:sldId id="257" r:id="rId2"/>
     <p:sldId id="261" r:id="rId3"/>
     <p:sldId id="258" r:id="rId4"/>
     <p:sldId id="262" r:id="rId5"/>
+    <p:sldId id="263" r:id="rId6"/>
   </p:sldIdLst>
   <p:sldSz cx="12192000" cy="6858000"/>
   <p:notesSz cx="6858000" cy="9144000"/>
@@ -113,6 +117,440 @@
     </p:ext>
   </p:extLst>
 </p:presentation>
+</file>
+
+<file path=ppt/notesMasters/notesMaster1.xml><?xml version="1.0" encoding="utf-8"?>
+<p:notesMaster xmlns:a="http://schemas.openxmlformats.org/drawingml/2006/main" xmlns:r="http://schemas.openxmlformats.org/officeDocument/2006/relationships" xmlns:p="http://schemas.openxmlformats.org/presentationml/2006/main">
+  <p:cSld>
+    <p:bg>
+      <p:bgRef idx="1001">
+        <a:schemeClr val="bg1"/>
+      </p:bgRef>
+    </p:bg>
+    <p:spTree>
+      <p:nvGrpSpPr>
+        <p:cNvPr id="1" name=""/>
+        <p:cNvGrpSpPr/>
+        <p:nvPr/>
+      </p:nvGrpSpPr>
+      <p:grpSpPr>
+        <a:xfrm>
+          <a:off x="0" y="0"/>
+          <a:ext cx="0" cy="0"/>
+          <a:chOff x="0" y="0"/>
+          <a:chExt cx="0" cy="0"/>
+        </a:xfrm>
+      </p:grpSpPr>
+      <p:sp>
+        <p:nvSpPr>
+          <p:cNvPr id="2" name="Header Placeholder 1"/>
+          <p:cNvSpPr>
+            <a:spLocks noGrp="1"/>
+          </p:cNvSpPr>
+          <p:nvPr>
+            <p:ph type="hdr" sz="quarter"/>
+          </p:nvPr>
+        </p:nvSpPr>
+        <p:spPr>
+          <a:xfrm>
+            <a:off x="0" y="0"/>
+            <a:ext cx="2971800" cy="458788"/>
+          </a:xfrm>
+          <a:prstGeom prst="rect">
+            <a:avLst/>
+          </a:prstGeom>
+        </p:spPr>
+        <p:txBody>
+          <a:bodyPr vert="horz" lIns="91440" tIns="45720" rIns="91440" bIns="45720" rtlCol="0"/>
+          <a:lstStyle>
+            <a:lvl1pPr algn="l">
+              <a:defRPr sz="1200"/>
+            </a:lvl1pPr>
+          </a:lstStyle>
+          <a:p>
+            <a:endParaRPr lang="zh-CN" altLang="en-US"/>
+          </a:p>
+        </p:txBody>
+      </p:sp>
+      <p:sp>
+        <p:nvSpPr>
+          <p:cNvPr id="3" name="Date Placeholder 2"/>
+          <p:cNvSpPr>
+            <a:spLocks noGrp="1"/>
+          </p:cNvSpPr>
+          <p:nvPr>
+            <p:ph type="dt" idx="1"/>
+          </p:nvPr>
+        </p:nvSpPr>
+        <p:spPr>
+          <a:xfrm>
+            <a:off x="3884613" y="0"/>
+            <a:ext cx="2971800" cy="458788"/>
+          </a:xfrm>
+          <a:prstGeom prst="rect">
+            <a:avLst/>
+          </a:prstGeom>
+        </p:spPr>
+        <p:txBody>
+          <a:bodyPr vert="horz" lIns="91440" tIns="45720" rIns="91440" bIns="45720" rtlCol="0"/>
+          <a:lstStyle>
+            <a:lvl1pPr algn="r">
+              <a:defRPr sz="1200"/>
+            </a:lvl1pPr>
+          </a:lstStyle>
+          <a:p>
+            <a:fld id="{2F5D0EBD-042C-479E-925E-39E711ECD269}" type="datetimeFigureOut">
+              <a:rPr lang="zh-CN" altLang="en-US" smtClean="0"/>
+              <a:t>2022-07-06</a:t>
+            </a:fld>
+            <a:endParaRPr lang="zh-CN" altLang="en-US"/>
+          </a:p>
+        </p:txBody>
+      </p:sp>
+      <p:sp>
+        <p:nvSpPr>
+          <p:cNvPr id="4" name="Slide Image Placeholder 3"/>
+          <p:cNvSpPr>
+            <a:spLocks noGrp="1" noRot="1" noChangeAspect="1"/>
+          </p:cNvSpPr>
+          <p:nvPr>
+            <p:ph type="sldImg" idx="2"/>
+          </p:nvPr>
+        </p:nvSpPr>
+        <p:spPr>
+          <a:xfrm>
+            <a:off x="685800" y="1143000"/>
+            <a:ext cx="5486400" cy="3086100"/>
+          </a:xfrm>
+          <a:prstGeom prst="rect">
+            <a:avLst/>
+          </a:prstGeom>
+          <a:noFill/>
+          <a:ln w="12700">
+            <a:solidFill>
+              <a:prstClr val="black"/>
+            </a:solidFill>
+          </a:ln>
+        </p:spPr>
+        <p:txBody>
+          <a:bodyPr vert="horz" lIns="91440" tIns="45720" rIns="91440" bIns="45720" rtlCol="0" anchor="ctr"/>
+          <a:lstStyle/>
+          <a:p>
+            <a:endParaRPr lang="zh-CN" altLang="en-US"/>
+          </a:p>
+        </p:txBody>
+      </p:sp>
+      <p:sp>
+        <p:nvSpPr>
+          <p:cNvPr id="5" name="Notes Placeholder 4"/>
+          <p:cNvSpPr>
+            <a:spLocks noGrp="1"/>
+          </p:cNvSpPr>
+          <p:nvPr>
+            <p:ph type="body" sz="quarter" idx="3"/>
+          </p:nvPr>
+        </p:nvSpPr>
+        <p:spPr>
+          <a:xfrm>
+            <a:off x="685800" y="4400550"/>
+            <a:ext cx="5486400" cy="3600450"/>
+          </a:xfrm>
+          <a:prstGeom prst="rect">
+            <a:avLst/>
+          </a:prstGeom>
+        </p:spPr>
+        <p:txBody>
+          <a:bodyPr vert="horz" lIns="91440" tIns="45720" rIns="91440" bIns="45720" rtlCol="0"/>
+          <a:lstStyle/>
+          <a:p>
+            <a:pPr lvl="0"/>
+            <a:r>
+              <a:rPr lang="en-US" altLang="zh-CN"/>
+              <a:t>Click to edit Master text styles</a:t>
+            </a:r>
+          </a:p>
+          <a:p>
+            <a:pPr lvl="1"/>
+            <a:r>
+              <a:rPr lang="en-US" altLang="zh-CN"/>
+              <a:t>Second level</a:t>
+            </a:r>
+          </a:p>
+          <a:p>
+            <a:pPr lvl="2"/>
+            <a:r>
+              <a:rPr lang="en-US" altLang="zh-CN"/>
+              <a:t>Third level</a:t>
+            </a:r>
+          </a:p>
+          <a:p>
+            <a:pPr lvl="3"/>
+            <a:r>
+              <a:rPr lang="en-US" altLang="zh-CN"/>
+              <a:t>Fourth level</a:t>
+            </a:r>
+          </a:p>
+          <a:p>
+            <a:pPr lvl="4"/>
+            <a:r>
+              <a:rPr lang="en-US" altLang="zh-CN"/>
+              <a:t>Fifth level</a:t>
+            </a:r>
+            <a:endParaRPr lang="zh-CN" altLang="en-US"/>
+          </a:p>
+        </p:txBody>
+      </p:sp>
+      <p:sp>
+        <p:nvSpPr>
+          <p:cNvPr id="6" name="Footer Placeholder 5"/>
+          <p:cNvSpPr>
+            <a:spLocks noGrp="1"/>
+          </p:cNvSpPr>
+          <p:nvPr>
+            <p:ph type="ftr" sz="quarter" idx="4"/>
+          </p:nvPr>
+        </p:nvSpPr>
+        <p:spPr>
+          <a:xfrm>
+            <a:off x="0" y="8685213"/>
+            <a:ext cx="2971800" cy="458787"/>
+          </a:xfrm>
+          <a:prstGeom prst="rect">
+            <a:avLst/>
+          </a:prstGeom>
+        </p:spPr>
+        <p:txBody>
+          <a:bodyPr vert="horz" lIns="91440" tIns="45720" rIns="91440" bIns="45720" rtlCol="0" anchor="b"/>
+          <a:lstStyle>
+            <a:lvl1pPr algn="l">
+              <a:defRPr sz="1200"/>
+            </a:lvl1pPr>
+          </a:lstStyle>
+          <a:p>
+            <a:endParaRPr lang="zh-CN" altLang="en-US"/>
+          </a:p>
+        </p:txBody>
+      </p:sp>
+      <p:sp>
+        <p:nvSpPr>
+          <p:cNvPr id="7" name="Slide Number Placeholder 6"/>
+          <p:cNvSpPr>
+            <a:spLocks noGrp="1"/>
+          </p:cNvSpPr>
+          <p:nvPr>
+            <p:ph type="sldNum" sz="quarter" idx="5"/>
+          </p:nvPr>
+        </p:nvSpPr>
+        <p:spPr>
+          <a:xfrm>
+            <a:off x="3884613" y="8685213"/>
+            <a:ext cx="2971800" cy="458787"/>
+          </a:xfrm>
+          <a:prstGeom prst="rect">
+            <a:avLst/>
+          </a:prstGeom>
+        </p:spPr>
+        <p:txBody>
+          <a:bodyPr vert="horz" lIns="91440" tIns="45720" rIns="91440" bIns="45720" rtlCol="0" anchor="b"/>
+          <a:lstStyle>
+            <a:lvl1pPr algn="r">
+              <a:defRPr sz="1200"/>
+            </a:lvl1pPr>
+          </a:lstStyle>
+          <a:p>
+            <a:fld id="{5EB29AAF-DA1A-43A3-B521-1D3064B94D75}" type="slidenum">
+              <a:rPr lang="zh-CN" altLang="en-US" smtClean="0"/>
+              <a:t>‹#›</a:t>
+            </a:fld>
+            <a:endParaRPr lang="zh-CN" altLang="en-US"/>
+          </a:p>
+        </p:txBody>
+      </p:sp>
+    </p:spTree>
+    <p:extLst>
+      <p:ext uri="{BB962C8B-B14F-4D97-AF65-F5344CB8AC3E}">
+        <p14:creationId xmlns:p14="http://schemas.microsoft.com/office/powerpoint/2010/main" val="3779166754"/>
+      </p:ext>
+    </p:extLst>
+  </p:cSld>
+  <p:clrMap bg1="lt1" tx1="dk1" bg2="lt2" tx2="dk2" accent1="accent1" accent2="accent2" accent3="accent3" accent4="accent4" accent5="accent5" accent6="accent6" hlink="hlink" folHlink="folHlink"/>
+  <p:notesStyle>
+    <a:lvl1pPr marL="0" algn="l" defTabSz="914400" rtl="0" eaLnBrk="1" latinLnBrk="0" hangingPunct="1">
+      <a:defRPr sz="1200" kern="1200">
+        <a:solidFill>
+          <a:schemeClr val="tx1"/>
+        </a:solidFill>
+        <a:latin typeface="+mn-lt"/>
+        <a:ea typeface="+mn-ea"/>
+        <a:cs typeface="+mn-cs"/>
+      </a:defRPr>
+    </a:lvl1pPr>
+    <a:lvl2pPr marL="457200" algn="l" defTabSz="914400" rtl="0" eaLnBrk="1" latinLnBrk="0" hangingPunct="1">
+      <a:defRPr sz="1200" kern="1200">
+        <a:solidFill>
+          <a:schemeClr val="tx1"/>
+        </a:solidFill>
+        <a:latin typeface="+mn-lt"/>
+        <a:ea typeface="+mn-ea"/>
+        <a:cs typeface="+mn-cs"/>
+      </a:defRPr>
+    </a:lvl2pPr>
+    <a:lvl3pPr marL="914400" algn="l" defTabSz="914400" rtl="0" eaLnBrk="1" latinLnBrk="0" hangingPunct="1">
+      <a:defRPr sz="1200" kern="1200">
+        <a:solidFill>
+          <a:schemeClr val="tx1"/>
+        </a:solidFill>
+        <a:latin typeface="+mn-lt"/>
+        <a:ea typeface="+mn-ea"/>
+        <a:cs typeface="+mn-cs"/>
+      </a:defRPr>
+    </a:lvl3pPr>
+    <a:lvl4pPr marL="1371600" algn="l" defTabSz="914400" rtl="0" eaLnBrk="1" latinLnBrk="0" hangingPunct="1">
+      <a:defRPr sz="1200" kern="1200">
+        <a:solidFill>
+          <a:schemeClr val="tx1"/>
+        </a:solidFill>
+        <a:latin typeface="+mn-lt"/>
+        <a:ea typeface="+mn-ea"/>
+        <a:cs typeface="+mn-cs"/>
+      </a:defRPr>
+    </a:lvl4pPr>
+    <a:lvl5pPr marL="1828800" algn="l" defTabSz="914400" rtl="0" eaLnBrk="1" latinLnBrk="0" hangingPunct="1">
+      <a:defRPr sz="1200" kern="1200">
+        <a:solidFill>
+          <a:schemeClr val="tx1"/>
+        </a:solidFill>
+        <a:latin typeface="+mn-lt"/>
+        <a:ea typeface="+mn-ea"/>
+        <a:cs typeface="+mn-cs"/>
+      </a:defRPr>
+    </a:lvl5pPr>
+    <a:lvl6pPr marL="2286000" algn="l" defTabSz="914400" rtl="0" eaLnBrk="1" latinLnBrk="0" hangingPunct="1">
+      <a:defRPr sz="1200" kern="1200">
+        <a:solidFill>
+          <a:schemeClr val="tx1"/>
+        </a:solidFill>
+        <a:latin typeface="+mn-lt"/>
+        <a:ea typeface="+mn-ea"/>
+        <a:cs typeface="+mn-cs"/>
+      </a:defRPr>
+    </a:lvl6pPr>
+    <a:lvl7pPr marL="2743200" algn="l" defTabSz="914400" rtl="0" eaLnBrk="1" latinLnBrk="0" hangingPunct="1">
+      <a:defRPr sz="1200" kern="1200">
+        <a:solidFill>
+          <a:schemeClr val="tx1"/>
+        </a:solidFill>
+        <a:latin typeface="+mn-lt"/>
+        <a:ea typeface="+mn-ea"/>
+        <a:cs typeface="+mn-cs"/>
+      </a:defRPr>
+    </a:lvl7pPr>
+    <a:lvl8pPr marL="3200400" algn="l" defTabSz="914400" rtl="0" eaLnBrk="1" latinLnBrk="0" hangingPunct="1">
+      <a:defRPr sz="1200" kern="1200">
+        <a:solidFill>
+          <a:schemeClr val="tx1"/>
+        </a:solidFill>
+        <a:latin typeface="+mn-lt"/>
+        <a:ea typeface="+mn-ea"/>
+        <a:cs typeface="+mn-cs"/>
+      </a:defRPr>
+    </a:lvl8pPr>
+    <a:lvl9pPr marL="3657600" algn="l" defTabSz="914400" rtl="0" eaLnBrk="1" latinLnBrk="0" hangingPunct="1">
+      <a:defRPr sz="1200" kern="1200">
+        <a:solidFill>
+          <a:schemeClr val="tx1"/>
+        </a:solidFill>
+        <a:latin typeface="+mn-lt"/>
+        <a:ea typeface="+mn-ea"/>
+        <a:cs typeface="+mn-cs"/>
+      </a:defRPr>
+    </a:lvl9pPr>
+  </p:notesStyle>
+</p:notesMaster>
+</file>
+
+<file path=ppt/notesSlides/notesSlide1.xml><?xml version="1.0" encoding="utf-8"?>
+<p:notes xmlns:a="http://schemas.openxmlformats.org/drawingml/2006/main" xmlns:r="http://schemas.openxmlformats.org/officeDocument/2006/relationships" xmlns:p="http://schemas.openxmlformats.org/presentationml/2006/main">
+  <p:cSld>
+    <p:spTree>
+      <p:nvGrpSpPr>
+        <p:cNvPr id="1" name=""/>
+        <p:cNvGrpSpPr/>
+        <p:nvPr/>
+      </p:nvGrpSpPr>
+      <p:grpSpPr>
+        <a:xfrm>
+          <a:off x="0" y="0"/>
+          <a:ext cx="0" cy="0"/>
+          <a:chOff x="0" y="0"/>
+          <a:chExt cx="0" cy="0"/>
+        </a:xfrm>
+      </p:grpSpPr>
+      <p:sp>
+        <p:nvSpPr>
+          <p:cNvPr id="2" name="Slide Image Placeholder 1"/>
+          <p:cNvSpPr>
+            <a:spLocks noGrp="1" noRot="1" noChangeAspect="1"/>
+          </p:cNvSpPr>
+          <p:nvPr>
+            <p:ph type="sldImg"/>
+          </p:nvPr>
+        </p:nvSpPr>
+        <p:spPr/>
+      </p:sp>
+      <p:sp>
+        <p:nvSpPr>
+          <p:cNvPr id="3" name="Notes Placeholder 2"/>
+          <p:cNvSpPr>
+            <a:spLocks noGrp="1"/>
+          </p:cNvSpPr>
+          <p:nvPr>
+            <p:ph type="body" idx="1"/>
+          </p:nvPr>
+        </p:nvSpPr>
+        <p:spPr/>
+        <p:txBody>
+          <a:bodyPr/>
+          <a:lstStyle/>
+          <a:p>
+            <a:endParaRPr lang="zh-CN" altLang="en-US" dirty="0"/>
+          </a:p>
+        </p:txBody>
+      </p:sp>
+      <p:sp>
+        <p:nvSpPr>
+          <p:cNvPr id="4" name="Slide Number Placeholder 3"/>
+          <p:cNvSpPr>
+            <a:spLocks noGrp="1"/>
+          </p:cNvSpPr>
+          <p:nvPr>
+            <p:ph type="sldNum" sz="quarter" idx="5"/>
+          </p:nvPr>
+        </p:nvSpPr>
+        <p:spPr/>
+        <p:txBody>
+          <a:bodyPr/>
+          <a:lstStyle/>
+          <a:p>
+            <a:fld id="{5EB29AAF-DA1A-43A3-B521-1D3064B94D75}" type="slidenum">
+              <a:rPr lang="zh-CN" altLang="en-US" smtClean="0"/>
+              <a:t>5</a:t>
+            </a:fld>
+            <a:endParaRPr lang="zh-CN" altLang="en-US"/>
+          </a:p>
+        </p:txBody>
+      </p:sp>
+    </p:spTree>
+    <p:extLst>
+      <p:ext uri="{BB962C8B-B14F-4D97-AF65-F5344CB8AC3E}">
+        <p14:creationId xmlns:p14="http://schemas.microsoft.com/office/powerpoint/2010/main" val="4195226270"/>
+      </p:ext>
+    </p:extLst>
+  </p:cSld>
+  <p:clrMapOvr>
+    <a:masterClrMapping/>
+  </p:clrMapOvr>
+</p:notes>
 </file>
 
 <file path=ppt/slideLayouts/slideLayout1.xml><?xml version="1.0" encoding="utf-8"?>
@@ -3586,8 +4024,8 @@
             </a:p>
           </p:txBody>
         </p:sp>
-        <mc:AlternateContent xmlns:mc="http://schemas.openxmlformats.org/markup-compatibility/2006">
-          <mc:Choice xmlns:a14="http://schemas.microsoft.com/office/drawing/2010/main" Requires="a14">
+        <mc:AlternateContent xmlns:mc="http://schemas.openxmlformats.org/markup-compatibility/2006" xmlns:a14="http://schemas.microsoft.com/office/drawing/2010/main">
+          <mc:Choice Requires="a14">
             <p:sp>
               <p:nvSpPr>
                 <p:cNvPr id="8" name="TextBox 7">
@@ -3656,7 +4094,7 @@
               </p:txBody>
             </p:sp>
           </mc:Choice>
-          <mc:Fallback>
+          <mc:Fallback xmlns="">
             <p:sp>
               <p:nvSpPr>
                 <p:cNvPr id="8" name="TextBox 7">
@@ -3701,8 +4139,8 @@
             </p:sp>
           </mc:Fallback>
         </mc:AlternateContent>
-        <mc:AlternateContent xmlns:mc="http://schemas.openxmlformats.org/markup-compatibility/2006">
-          <mc:Choice xmlns:a14="http://schemas.microsoft.com/office/drawing/2010/main" Requires="a14">
+        <mc:AlternateContent xmlns:mc="http://schemas.openxmlformats.org/markup-compatibility/2006" xmlns:a14="http://schemas.microsoft.com/office/drawing/2010/main">
+          <mc:Choice Requires="a14">
             <p:sp>
               <p:nvSpPr>
                 <p:cNvPr id="10" name="TextBox 9">
@@ -3771,7 +4209,7 @@
               </p:txBody>
             </p:sp>
           </mc:Choice>
-          <mc:Fallback>
+          <mc:Fallback xmlns="">
             <p:sp>
               <p:nvSpPr>
                 <p:cNvPr id="10" name="TextBox 9">
@@ -3816,8 +4254,8 @@
             </p:sp>
           </mc:Fallback>
         </mc:AlternateContent>
-        <mc:AlternateContent xmlns:mc="http://schemas.openxmlformats.org/markup-compatibility/2006">
-          <mc:Choice xmlns:a14="http://schemas.microsoft.com/office/drawing/2010/main" Requires="a14">
+        <mc:AlternateContent xmlns:mc="http://schemas.openxmlformats.org/markup-compatibility/2006" xmlns:a14="http://schemas.microsoft.com/office/drawing/2010/main">
+          <mc:Choice Requires="a14">
             <p:sp>
               <p:nvSpPr>
                 <p:cNvPr id="12" name="TextBox 11">
@@ -3886,7 +4324,7 @@
               </p:txBody>
             </p:sp>
           </mc:Choice>
-          <mc:Fallback>
+          <mc:Fallback xmlns="">
             <p:sp>
               <p:nvSpPr>
                 <p:cNvPr id="12" name="TextBox 11">
@@ -4087,8 +4525,8 @@
             </p:style>
           </p:cxnSp>
         </p:grpSp>
-        <mc:AlternateContent xmlns:mc="http://schemas.openxmlformats.org/markup-compatibility/2006">
-          <mc:Choice xmlns:a14="http://schemas.microsoft.com/office/drawing/2010/main" Requires="a14">
+        <mc:AlternateContent xmlns:mc="http://schemas.openxmlformats.org/markup-compatibility/2006" xmlns:a14="http://schemas.microsoft.com/office/drawing/2010/main">
+          <mc:Choice Requires="a14">
             <p:sp>
               <p:nvSpPr>
                 <p:cNvPr id="13" name="Rectangle 12">
@@ -4175,7 +4613,7 @@
               </p:txBody>
             </p:sp>
           </mc:Choice>
-          <mc:Fallback>
+          <mc:Fallback xmlns="">
             <p:sp>
               <p:nvSpPr>
                 <p:cNvPr id="13" name="Rectangle 12">
@@ -4573,8 +5011,8 @@
             </p:style>
           </p:cxnSp>
         </p:grpSp>
-        <mc:AlternateContent xmlns:mc="http://schemas.openxmlformats.org/markup-compatibility/2006">
-          <mc:Choice xmlns:a14="http://schemas.microsoft.com/office/drawing/2010/main" Requires="a14">
+        <mc:AlternateContent xmlns:mc="http://schemas.openxmlformats.org/markup-compatibility/2006" xmlns:a14="http://schemas.microsoft.com/office/drawing/2010/main">
+          <mc:Choice Requires="a14">
             <p:sp>
               <p:nvSpPr>
                 <p:cNvPr id="25" name="Rectangle 24">
@@ -4661,7 +5099,7 @@
               </p:txBody>
             </p:sp>
           </mc:Choice>
-          <mc:Fallback>
+          <mc:Fallback xmlns="">
             <p:sp>
               <p:nvSpPr>
                 <p:cNvPr id="25" name="Rectangle 24">
@@ -4885,8 +5323,8 @@
             </p:style>
           </p:cxnSp>
         </p:grpSp>
-        <mc:AlternateContent xmlns:mc="http://schemas.openxmlformats.org/markup-compatibility/2006">
-          <mc:Choice xmlns:a14="http://schemas.microsoft.com/office/drawing/2010/main" Requires="a14">
+        <mc:AlternateContent xmlns:mc="http://schemas.openxmlformats.org/markup-compatibility/2006" xmlns:a14="http://schemas.microsoft.com/office/drawing/2010/main">
+          <mc:Choice Requires="a14">
             <p:sp>
               <p:nvSpPr>
                 <p:cNvPr id="34" name="Rectangle 33">
@@ -4990,7 +5428,7 @@
               </p:txBody>
             </p:sp>
           </mc:Choice>
-          <mc:Fallback>
+          <mc:Fallback xmlns="">
             <p:sp>
               <p:nvSpPr>
                 <p:cNvPr id="34" name="Rectangle 33">
@@ -5214,8 +5652,8 @@
             </p:style>
           </p:cxnSp>
         </p:grpSp>
-        <mc:AlternateContent xmlns:mc="http://schemas.openxmlformats.org/markup-compatibility/2006">
-          <mc:Choice xmlns:a14="http://schemas.microsoft.com/office/drawing/2010/main" Requires="a14">
+        <mc:AlternateContent xmlns:mc="http://schemas.openxmlformats.org/markup-compatibility/2006" xmlns:a14="http://schemas.microsoft.com/office/drawing/2010/main">
+          <mc:Choice Requires="a14">
             <p:sp>
               <p:nvSpPr>
                 <p:cNvPr id="53" name="Rectangle 52">
@@ -5302,7 +5740,7 @@
               </p:txBody>
             </p:sp>
           </mc:Choice>
-          <mc:Fallback>
+          <mc:Fallback xmlns="">
             <p:sp>
               <p:nvSpPr>
                 <p:cNvPr id="53" name="Rectangle 52">
@@ -5526,8 +5964,8 @@
             </p:style>
           </p:cxnSp>
         </p:grpSp>
-        <mc:AlternateContent xmlns:mc="http://schemas.openxmlformats.org/markup-compatibility/2006">
-          <mc:Choice xmlns:a14="http://schemas.microsoft.com/office/drawing/2010/main" Requires="a14">
+        <mc:AlternateContent xmlns:mc="http://schemas.openxmlformats.org/markup-compatibility/2006" xmlns:a14="http://schemas.microsoft.com/office/drawing/2010/main">
+          <mc:Choice Requires="a14">
             <p:sp>
               <p:nvSpPr>
                 <p:cNvPr id="91" name="Rectangle 90">
@@ -5614,7 +6052,7 @@
               </p:txBody>
             </p:sp>
           </mc:Choice>
-          <mc:Fallback>
+          <mc:Fallback xmlns="">
             <p:sp>
               <p:nvSpPr>
                 <p:cNvPr id="91" name="Rectangle 90">
@@ -5664,8 +6102,8 @@
             </p:sp>
           </mc:Fallback>
         </mc:AlternateContent>
-        <mc:AlternateContent xmlns:mc="http://schemas.openxmlformats.org/markup-compatibility/2006">
-          <mc:Choice xmlns:a14="http://schemas.microsoft.com/office/drawing/2010/main" Requires="a14">
+        <mc:AlternateContent xmlns:mc="http://schemas.openxmlformats.org/markup-compatibility/2006" xmlns:a14="http://schemas.microsoft.com/office/drawing/2010/main">
+          <mc:Choice Requires="a14">
             <p:sp>
               <p:nvSpPr>
                 <p:cNvPr id="92" name="Rectangle 91">
@@ -5769,7 +6207,7 @@
               </p:txBody>
             </p:sp>
           </mc:Choice>
-          <mc:Fallback>
+          <mc:Fallback xmlns="">
             <p:sp>
               <p:nvSpPr>
                 <p:cNvPr id="92" name="Rectangle 91">
@@ -5819,8 +6257,8 @@
             </p:sp>
           </mc:Fallback>
         </mc:AlternateContent>
-        <mc:AlternateContent xmlns:mc="http://schemas.openxmlformats.org/markup-compatibility/2006">
-          <mc:Choice xmlns:a14="http://schemas.microsoft.com/office/drawing/2010/main" Requires="a14">
+        <mc:AlternateContent xmlns:mc="http://schemas.openxmlformats.org/markup-compatibility/2006" xmlns:a14="http://schemas.microsoft.com/office/drawing/2010/main">
+          <mc:Choice Requires="a14">
             <p:sp>
               <p:nvSpPr>
                 <p:cNvPr id="94" name="Rectangle 93">
@@ -5907,7 +6345,7 @@
               </p:txBody>
             </p:sp>
           </mc:Choice>
-          <mc:Fallback>
+          <mc:Fallback xmlns="">
             <p:sp>
               <p:nvSpPr>
                 <p:cNvPr id="94" name="Rectangle 93">
@@ -6175,8 +6613,8 @@
             </a:p>
           </p:txBody>
         </p:sp>
-        <mc:AlternateContent xmlns:mc="http://schemas.openxmlformats.org/markup-compatibility/2006">
-          <mc:Choice xmlns:a14="http://schemas.microsoft.com/office/drawing/2010/main" Requires="a14">
+        <mc:AlternateContent xmlns:mc="http://schemas.openxmlformats.org/markup-compatibility/2006" xmlns:a14="http://schemas.microsoft.com/office/drawing/2010/main">
+          <mc:Choice Requires="a14">
             <p:sp>
               <p:nvSpPr>
                 <p:cNvPr id="59" name="TextBox 58">
@@ -6245,7 +6683,7 @@
               </p:txBody>
             </p:sp>
           </mc:Choice>
-          <mc:Fallback>
+          <mc:Fallback xmlns="">
             <p:sp>
               <p:nvSpPr>
                 <p:cNvPr id="59" name="TextBox 58">
@@ -6290,8 +6728,8 @@
             </p:sp>
           </mc:Fallback>
         </mc:AlternateContent>
-        <mc:AlternateContent xmlns:mc="http://schemas.openxmlformats.org/markup-compatibility/2006">
-          <mc:Choice xmlns:a14="http://schemas.microsoft.com/office/drawing/2010/main" Requires="a14">
+        <mc:AlternateContent xmlns:mc="http://schemas.openxmlformats.org/markup-compatibility/2006" xmlns:a14="http://schemas.microsoft.com/office/drawing/2010/main">
+          <mc:Choice Requires="a14">
             <p:sp>
               <p:nvSpPr>
                 <p:cNvPr id="60" name="TextBox 59">
@@ -6360,7 +6798,7 @@
               </p:txBody>
             </p:sp>
           </mc:Choice>
-          <mc:Fallback>
+          <mc:Fallback xmlns="">
             <p:sp>
               <p:nvSpPr>
                 <p:cNvPr id="60" name="TextBox 59">
@@ -6405,8 +6843,8 @@
             </p:sp>
           </mc:Fallback>
         </mc:AlternateContent>
-        <mc:AlternateContent xmlns:mc="http://schemas.openxmlformats.org/markup-compatibility/2006">
-          <mc:Choice xmlns:a14="http://schemas.microsoft.com/office/drawing/2010/main" Requires="a14">
+        <mc:AlternateContent xmlns:mc="http://schemas.openxmlformats.org/markup-compatibility/2006" xmlns:a14="http://schemas.microsoft.com/office/drawing/2010/main">
+          <mc:Choice Requires="a14">
             <p:sp>
               <p:nvSpPr>
                 <p:cNvPr id="61" name="TextBox 60">
@@ -6475,7 +6913,7 @@
               </p:txBody>
             </p:sp>
           </mc:Choice>
-          <mc:Fallback>
+          <mc:Fallback xmlns="">
             <p:sp>
               <p:nvSpPr>
                 <p:cNvPr id="61" name="TextBox 60">
@@ -6676,8 +7114,8 @@
             </p:style>
           </p:cxnSp>
         </p:grpSp>
-        <mc:AlternateContent xmlns:mc="http://schemas.openxmlformats.org/markup-compatibility/2006">
-          <mc:Choice xmlns:a14="http://schemas.microsoft.com/office/drawing/2010/main" Requires="a14">
+        <mc:AlternateContent xmlns:mc="http://schemas.openxmlformats.org/markup-compatibility/2006" xmlns:a14="http://schemas.microsoft.com/office/drawing/2010/main">
+          <mc:Choice Requires="a14">
             <p:sp>
               <p:nvSpPr>
                 <p:cNvPr id="64" name="Rectangle 63">
@@ -6764,7 +7202,7 @@
               </p:txBody>
             </p:sp>
           </mc:Choice>
-          <mc:Fallback>
+          <mc:Fallback xmlns="">
             <p:sp>
               <p:nvSpPr>
                 <p:cNvPr id="64" name="Rectangle 63">
@@ -7162,8 +7600,8 @@
             </p:style>
           </p:cxnSp>
         </p:grpSp>
-        <mc:AlternateContent xmlns:mc="http://schemas.openxmlformats.org/markup-compatibility/2006">
-          <mc:Choice xmlns:a14="http://schemas.microsoft.com/office/drawing/2010/main" Requires="a14">
+        <mc:AlternateContent xmlns:mc="http://schemas.openxmlformats.org/markup-compatibility/2006" xmlns:a14="http://schemas.microsoft.com/office/drawing/2010/main">
+          <mc:Choice Requires="a14">
             <p:sp>
               <p:nvSpPr>
                 <p:cNvPr id="67" name="Rectangle 66">
@@ -7250,7 +7688,7 @@
               </p:txBody>
             </p:sp>
           </mc:Choice>
-          <mc:Fallback>
+          <mc:Fallback xmlns="">
             <p:sp>
               <p:nvSpPr>
                 <p:cNvPr id="67" name="Rectangle 66">
@@ -7474,8 +7912,8 @@
             </p:style>
           </p:cxnSp>
         </p:grpSp>
-        <mc:AlternateContent xmlns:mc="http://schemas.openxmlformats.org/markup-compatibility/2006">
-          <mc:Choice xmlns:a14="http://schemas.microsoft.com/office/drawing/2010/main" Requires="a14">
+        <mc:AlternateContent xmlns:mc="http://schemas.openxmlformats.org/markup-compatibility/2006" xmlns:a14="http://schemas.microsoft.com/office/drawing/2010/main">
+          <mc:Choice Requires="a14">
             <p:sp>
               <p:nvSpPr>
                 <p:cNvPr id="69" name="Rectangle 68">
@@ -7579,7 +8017,7 @@
               </p:txBody>
             </p:sp>
           </mc:Choice>
-          <mc:Fallback>
+          <mc:Fallback xmlns="">
             <p:sp>
               <p:nvSpPr>
                 <p:cNvPr id="69" name="Rectangle 68">
@@ -7803,8 +8241,8 @@
             </p:style>
           </p:cxnSp>
         </p:grpSp>
-        <mc:AlternateContent xmlns:mc="http://schemas.openxmlformats.org/markup-compatibility/2006">
-          <mc:Choice xmlns:a14="http://schemas.microsoft.com/office/drawing/2010/main" Requires="a14">
+        <mc:AlternateContent xmlns:mc="http://schemas.openxmlformats.org/markup-compatibility/2006" xmlns:a14="http://schemas.microsoft.com/office/drawing/2010/main">
+          <mc:Choice Requires="a14">
             <p:sp>
               <p:nvSpPr>
                 <p:cNvPr id="71" name="Rectangle 70">
@@ -7891,7 +8329,7 @@
               </p:txBody>
             </p:sp>
           </mc:Choice>
-          <mc:Fallback>
+          <mc:Fallback xmlns="">
             <p:sp>
               <p:nvSpPr>
                 <p:cNvPr id="71" name="Rectangle 70">
@@ -8186,8 +8624,8 @@
             </a:p>
           </p:txBody>
         </p:sp>
-        <mc:AlternateContent xmlns:mc="http://schemas.openxmlformats.org/markup-compatibility/2006">
-          <mc:Choice xmlns:a14="http://schemas.microsoft.com/office/drawing/2010/main" Requires="a14">
+        <mc:AlternateContent xmlns:mc="http://schemas.openxmlformats.org/markup-compatibility/2006" xmlns:a14="http://schemas.microsoft.com/office/drawing/2010/main">
+          <mc:Choice Requires="a14">
             <p:sp>
               <p:nvSpPr>
                 <p:cNvPr id="101" name="Rectangle 100">
@@ -8274,7 +8712,7 @@
               </p:txBody>
             </p:sp>
           </mc:Choice>
-          <mc:Fallback>
+          <mc:Fallback xmlns="">
             <p:sp>
               <p:nvSpPr>
                 <p:cNvPr id="101" name="Rectangle 100">
@@ -8324,8 +8762,8 @@
             </p:sp>
           </mc:Fallback>
         </mc:AlternateContent>
-        <mc:AlternateContent xmlns:mc="http://schemas.openxmlformats.org/markup-compatibility/2006">
-          <mc:Choice xmlns:a14="http://schemas.microsoft.com/office/drawing/2010/main" Requires="a14">
+        <mc:AlternateContent xmlns:mc="http://schemas.openxmlformats.org/markup-compatibility/2006" xmlns:a14="http://schemas.microsoft.com/office/drawing/2010/main">
+          <mc:Choice Requires="a14">
             <p:sp>
               <p:nvSpPr>
                 <p:cNvPr id="102" name="Rectangle 101">
@@ -8412,7 +8850,7 @@
               </p:txBody>
             </p:sp>
           </mc:Choice>
-          <mc:Fallback>
+          <mc:Fallback xmlns="">
             <p:sp>
               <p:nvSpPr>
                 <p:cNvPr id="102" name="Rectangle 101">
@@ -8462,8 +8900,8 @@
             </p:sp>
           </mc:Fallback>
         </mc:AlternateContent>
-        <mc:AlternateContent xmlns:mc="http://schemas.openxmlformats.org/markup-compatibility/2006">
-          <mc:Choice xmlns:a14="http://schemas.microsoft.com/office/drawing/2010/main" Requires="a14">
+        <mc:AlternateContent xmlns:mc="http://schemas.openxmlformats.org/markup-compatibility/2006" xmlns:a14="http://schemas.microsoft.com/office/drawing/2010/main">
+          <mc:Choice Requires="a14">
             <p:sp>
               <p:nvSpPr>
                 <p:cNvPr id="103" name="Rectangle 102">
@@ -8567,7 +9005,7 @@
               </p:txBody>
             </p:sp>
           </mc:Choice>
-          <mc:Fallback>
+          <mc:Fallback xmlns="">
             <p:sp>
               <p:nvSpPr>
                 <p:cNvPr id="103" name="Rectangle 102">
@@ -8784,8 +9222,8 @@
             </a:p>
           </p:txBody>
         </p:sp>
-        <mc:AlternateContent xmlns:mc="http://schemas.openxmlformats.org/markup-compatibility/2006">
-          <mc:Choice xmlns:a14="http://schemas.microsoft.com/office/drawing/2010/main" Requires="a14">
+        <mc:AlternateContent xmlns:mc="http://schemas.openxmlformats.org/markup-compatibility/2006" xmlns:a14="http://schemas.microsoft.com/office/drawing/2010/main">
+          <mc:Choice Requires="a14">
             <p:sp>
               <p:nvSpPr>
                 <p:cNvPr id="5" name="TextBox 4">
@@ -8854,7 +9292,7 @@
               </p:txBody>
             </p:sp>
           </mc:Choice>
-          <mc:Fallback>
+          <mc:Fallback xmlns="">
             <p:sp>
               <p:nvSpPr>
                 <p:cNvPr id="5" name="TextBox 4">
@@ -8899,8 +9337,8 @@
             </p:sp>
           </mc:Fallback>
         </mc:AlternateContent>
-        <mc:AlternateContent xmlns:mc="http://schemas.openxmlformats.org/markup-compatibility/2006">
-          <mc:Choice xmlns:a14="http://schemas.microsoft.com/office/drawing/2010/main" Requires="a14">
+        <mc:AlternateContent xmlns:mc="http://schemas.openxmlformats.org/markup-compatibility/2006" xmlns:a14="http://schemas.microsoft.com/office/drawing/2010/main">
+          <mc:Choice Requires="a14">
             <p:sp>
               <p:nvSpPr>
                 <p:cNvPr id="6" name="TextBox 5">
@@ -8969,7 +9407,7 @@
               </p:txBody>
             </p:sp>
           </mc:Choice>
-          <mc:Fallback>
+          <mc:Fallback xmlns="">
             <p:sp>
               <p:nvSpPr>
                 <p:cNvPr id="6" name="TextBox 5">
@@ -9014,8 +9452,8 @@
             </p:sp>
           </mc:Fallback>
         </mc:AlternateContent>
-        <mc:AlternateContent xmlns:mc="http://schemas.openxmlformats.org/markup-compatibility/2006">
-          <mc:Choice xmlns:a14="http://schemas.microsoft.com/office/drawing/2010/main" Requires="a14">
+        <mc:AlternateContent xmlns:mc="http://schemas.openxmlformats.org/markup-compatibility/2006" xmlns:a14="http://schemas.microsoft.com/office/drawing/2010/main">
+          <mc:Choice Requires="a14">
             <p:sp>
               <p:nvSpPr>
                 <p:cNvPr id="7" name="TextBox 6">
@@ -9084,7 +9522,7 @@
               </p:txBody>
             </p:sp>
           </mc:Choice>
-          <mc:Fallback>
+          <mc:Fallback xmlns="">
             <p:sp>
               <p:nvSpPr>
                 <p:cNvPr id="7" name="TextBox 6">
@@ -9285,8 +9723,8 @@
             </p:style>
           </p:cxnSp>
         </p:grpSp>
-        <mc:AlternateContent xmlns:mc="http://schemas.openxmlformats.org/markup-compatibility/2006">
-          <mc:Choice xmlns:a14="http://schemas.microsoft.com/office/drawing/2010/main" Requires="a14">
+        <mc:AlternateContent xmlns:mc="http://schemas.openxmlformats.org/markup-compatibility/2006" xmlns:a14="http://schemas.microsoft.com/office/drawing/2010/main">
+          <mc:Choice Requires="a14">
             <p:sp>
               <p:nvSpPr>
                 <p:cNvPr id="9" name="Rectangle 8">
@@ -9373,7 +9811,7 @@
               </p:txBody>
             </p:sp>
           </mc:Choice>
-          <mc:Fallback>
+          <mc:Fallback xmlns="">
             <p:sp>
               <p:nvSpPr>
                 <p:cNvPr id="9" name="Rectangle 8">
@@ -9771,8 +10209,8 @@
             </p:style>
           </p:cxnSp>
         </p:grpSp>
-        <mc:AlternateContent xmlns:mc="http://schemas.openxmlformats.org/markup-compatibility/2006">
-          <mc:Choice xmlns:a14="http://schemas.microsoft.com/office/drawing/2010/main" Requires="a14">
+        <mc:AlternateContent xmlns:mc="http://schemas.openxmlformats.org/markup-compatibility/2006" xmlns:a14="http://schemas.microsoft.com/office/drawing/2010/main">
+          <mc:Choice Requires="a14">
             <p:sp>
               <p:nvSpPr>
                 <p:cNvPr id="12" name="Rectangle 11">
@@ -9859,7 +10297,7 @@
               </p:txBody>
             </p:sp>
           </mc:Choice>
-          <mc:Fallback>
+          <mc:Fallback xmlns="">
             <p:sp>
               <p:nvSpPr>
                 <p:cNvPr id="12" name="Rectangle 11">
@@ -10257,8 +10695,8 @@
             </p:style>
           </p:cxnSp>
         </p:grpSp>
-        <mc:AlternateContent xmlns:mc="http://schemas.openxmlformats.org/markup-compatibility/2006">
-          <mc:Choice xmlns:a14="http://schemas.microsoft.com/office/drawing/2010/main" Requires="a14">
+        <mc:AlternateContent xmlns:mc="http://schemas.openxmlformats.org/markup-compatibility/2006" xmlns:a14="http://schemas.microsoft.com/office/drawing/2010/main">
+          <mc:Choice Requires="a14">
             <p:sp>
               <p:nvSpPr>
                 <p:cNvPr id="16" name="Rectangle 15">
@@ -10345,7 +10783,7 @@
               </p:txBody>
             </p:sp>
           </mc:Choice>
-          <mc:Fallback>
+          <mc:Fallback xmlns="">
             <p:sp>
               <p:nvSpPr>
                 <p:cNvPr id="16" name="Rectangle 15">
@@ -10640,8 +11078,8 @@
             </a:p>
           </p:txBody>
         </p:sp>
-        <mc:AlternateContent xmlns:mc="http://schemas.openxmlformats.org/markup-compatibility/2006">
-          <mc:Choice xmlns:a14="http://schemas.microsoft.com/office/drawing/2010/main" Requires="a14">
+        <mc:AlternateContent xmlns:mc="http://schemas.openxmlformats.org/markup-compatibility/2006" xmlns:a14="http://schemas.microsoft.com/office/drawing/2010/main">
+          <mc:Choice Requires="a14">
             <p:sp>
               <p:nvSpPr>
                 <p:cNvPr id="19" name="Rectangle 18">
@@ -10728,7 +11166,7 @@
               </p:txBody>
             </p:sp>
           </mc:Choice>
-          <mc:Fallback>
+          <mc:Fallback xmlns="">
             <p:sp>
               <p:nvSpPr>
                 <p:cNvPr id="19" name="Rectangle 18">
@@ -10778,8 +11216,8 @@
             </p:sp>
           </mc:Fallback>
         </mc:AlternateContent>
-        <mc:AlternateContent xmlns:mc="http://schemas.openxmlformats.org/markup-compatibility/2006">
-          <mc:Choice xmlns:a14="http://schemas.microsoft.com/office/drawing/2010/main" Requires="a14">
+        <mc:AlternateContent xmlns:mc="http://schemas.openxmlformats.org/markup-compatibility/2006" xmlns:a14="http://schemas.microsoft.com/office/drawing/2010/main">
+          <mc:Choice Requires="a14">
             <p:sp>
               <p:nvSpPr>
                 <p:cNvPr id="21" name="Rectangle 20">
@@ -10883,7 +11321,7 @@
               </p:txBody>
             </p:sp>
           </mc:Choice>
-          <mc:Fallback>
+          <mc:Fallback xmlns="">
             <p:sp>
               <p:nvSpPr>
                 <p:cNvPr id="21" name="Rectangle 20">
@@ -11141,8 +11579,8 @@
             </a:p>
           </p:txBody>
         </p:sp>
-        <mc:AlternateContent xmlns:mc="http://schemas.openxmlformats.org/markup-compatibility/2006">
-          <mc:Choice xmlns:a14="http://schemas.microsoft.com/office/drawing/2010/main" Requires="a14">
+        <mc:AlternateContent xmlns:mc="http://schemas.openxmlformats.org/markup-compatibility/2006" xmlns:a14="http://schemas.microsoft.com/office/drawing/2010/main">
+          <mc:Choice Requires="a14">
             <p:sp>
               <p:nvSpPr>
                 <p:cNvPr id="43" name="TextBox 42">
@@ -11211,7 +11649,7 @@
               </p:txBody>
             </p:sp>
           </mc:Choice>
-          <mc:Fallback>
+          <mc:Fallback xmlns="">
             <p:sp>
               <p:nvSpPr>
                 <p:cNvPr id="43" name="TextBox 42">
@@ -11256,8 +11694,8 @@
             </p:sp>
           </mc:Fallback>
         </mc:AlternateContent>
-        <mc:AlternateContent xmlns:mc="http://schemas.openxmlformats.org/markup-compatibility/2006">
-          <mc:Choice xmlns:a14="http://schemas.microsoft.com/office/drawing/2010/main" Requires="a14">
+        <mc:AlternateContent xmlns:mc="http://schemas.openxmlformats.org/markup-compatibility/2006" xmlns:a14="http://schemas.microsoft.com/office/drawing/2010/main">
+          <mc:Choice Requires="a14">
             <p:sp>
               <p:nvSpPr>
                 <p:cNvPr id="44" name="TextBox 43">
@@ -11326,7 +11764,7 @@
               </p:txBody>
             </p:sp>
           </mc:Choice>
-          <mc:Fallback>
+          <mc:Fallback xmlns="">
             <p:sp>
               <p:nvSpPr>
                 <p:cNvPr id="44" name="TextBox 43">
@@ -11371,8 +11809,8 @@
             </p:sp>
           </mc:Fallback>
         </mc:AlternateContent>
-        <mc:AlternateContent xmlns:mc="http://schemas.openxmlformats.org/markup-compatibility/2006">
-          <mc:Choice xmlns:a14="http://schemas.microsoft.com/office/drawing/2010/main" Requires="a14">
+        <mc:AlternateContent xmlns:mc="http://schemas.openxmlformats.org/markup-compatibility/2006" xmlns:a14="http://schemas.microsoft.com/office/drawing/2010/main">
+          <mc:Choice Requires="a14">
             <p:sp>
               <p:nvSpPr>
                 <p:cNvPr id="45" name="TextBox 44">
@@ -11441,7 +11879,7 @@
               </p:txBody>
             </p:sp>
           </mc:Choice>
-          <mc:Fallback>
+          <mc:Fallback xmlns="">
             <p:sp>
               <p:nvSpPr>
                 <p:cNvPr id="45" name="TextBox 44">
@@ -11642,8 +12080,8 @@
             </p:style>
           </p:cxnSp>
         </p:grpSp>
-        <mc:AlternateContent xmlns:mc="http://schemas.openxmlformats.org/markup-compatibility/2006">
-          <mc:Choice xmlns:a14="http://schemas.microsoft.com/office/drawing/2010/main" Requires="a14">
+        <mc:AlternateContent xmlns:mc="http://schemas.openxmlformats.org/markup-compatibility/2006" xmlns:a14="http://schemas.microsoft.com/office/drawing/2010/main">
+          <mc:Choice Requires="a14">
             <p:sp>
               <p:nvSpPr>
                 <p:cNvPr id="47" name="Rectangle 46">
@@ -11730,7 +12168,7 @@
               </p:txBody>
             </p:sp>
           </mc:Choice>
-          <mc:Fallback>
+          <mc:Fallback xmlns="">
             <p:sp>
               <p:nvSpPr>
                 <p:cNvPr id="47" name="Rectangle 46">
@@ -12128,8 +12566,8 @@
             </p:style>
           </p:cxnSp>
         </p:grpSp>
-        <mc:AlternateContent xmlns:mc="http://schemas.openxmlformats.org/markup-compatibility/2006">
-          <mc:Choice xmlns:a14="http://schemas.microsoft.com/office/drawing/2010/main" Requires="a14">
+        <mc:AlternateContent xmlns:mc="http://schemas.openxmlformats.org/markup-compatibility/2006" xmlns:a14="http://schemas.microsoft.com/office/drawing/2010/main">
+          <mc:Choice Requires="a14">
             <p:sp>
               <p:nvSpPr>
                 <p:cNvPr id="50" name="Rectangle 49">
@@ -12216,7 +12654,7 @@
               </p:txBody>
             </p:sp>
           </mc:Choice>
-          <mc:Fallback>
+          <mc:Fallback xmlns="">
             <p:sp>
               <p:nvSpPr>
                 <p:cNvPr id="50" name="Rectangle 49">
@@ -12440,8 +12878,8 @@
             </p:style>
           </p:cxnSp>
         </p:grpSp>
-        <mc:AlternateContent xmlns:mc="http://schemas.openxmlformats.org/markup-compatibility/2006">
-          <mc:Choice xmlns:a14="http://schemas.microsoft.com/office/drawing/2010/main" Requires="a14">
+        <mc:AlternateContent xmlns:mc="http://schemas.openxmlformats.org/markup-compatibility/2006" xmlns:a14="http://schemas.microsoft.com/office/drawing/2010/main">
+          <mc:Choice Requires="a14">
             <p:sp>
               <p:nvSpPr>
                 <p:cNvPr id="52" name="Rectangle 51">
@@ -12545,7 +12983,7 @@
               </p:txBody>
             </p:sp>
           </mc:Choice>
-          <mc:Fallback>
+          <mc:Fallback xmlns="">
             <p:sp>
               <p:nvSpPr>
                 <p:cNvPr id="52" name="Rectangle 51">
@@ -12769,8 +13207,8 @@
             </p:style>
           </p:cxnSp>
         </p:grpSp>
-        <mc:AlternateContent xmlns:mc="http://schemas.openxmlformats.org/markup-compatibility/2006">
-          <mc:Choice xmlns:a14="http://schemas.microsoft.com/office/drawing/2010/main" Requires="a14">
+        <mc:AlternateContent xmlns:mc="http://schemas.openxmlformats.org/markup-compatibility/2006" xmlns:a14="http://schemas.microsoft.com/office/drawing/2010/main">
+          <mc:Choice Requires="a14">
             <p:sp>
               <p:nvSpPr>
                 <p:cNvPr id="54" name="Rectangle 53">
@@ -12857,7 +13295,7 @@
               </p:txBody>
             </p:sp>
           </mc:Choice>
-          <mc:Fallback>
+          <mc:Fallback xmlns="">
             <p:sp>
               <p:nvSpPr>
                 <p:cNvPr id="54" name="Rectangle 53">
@@ -13081,8 +13519,8 @@
             </p:style>
           </p:cxnSp>
         </p:grpSp>
-        <mc:AlternateContent xmlns:mc="http://schemas.openxmlformats.org/markup-compatibility/2006">
-          <mc:Choice xmlns:a14="http://schemas.microsoft.com/office/drawing/2010/main" Requires="a14">
+        <mc:AlternateContent xmlns:mc="http://schemas.openxmlformats.org/markup-compatibility/2006" xmlns:a14="http://schemas.microsoft.com/office/drawing/2010/main">
+          <mc:Choice Requires="a14">
             <p:sp>
               <p:nvSpPr>
                 <p:cNvPr id="77" name="Rectangle 76">
@@ -13169,7 +13607,7 @@
               </p:txBody>
             </p:sp>
           </mc:Choice>
-          <mc:Fallback>
+          <mc:Fallback xmlns="">
             <p:sp>
               <p:nvSpPr>
                 <p:cNvPr id="77" name="Rectangle 76">
@@ -13509,8 +13947,8 @@
             </a:p>
           </p:txBody>
         </p:sp>
-        <mc:AlternateContent xmlns:mc="http://schemas.openxmlformats.org/markup-compatibility/2006">
-          <mc:Choice xmlns:a14="http://schemas.microsoft.com/office/drawing/2010/main" Requires="a14">
+        <mc:AlternateContent xmlns:mc="http://schemas.openxmlformats.org/markup-compatibility/2006" xmlns:a14="http://schemas.microsoft.com/office/drawing/2010/main">
+          <mc:Choice Requires="a14">
             <p:sp>
               <p:nvSpPr>
                 <p:cNvPr id="91" name="TextBox 90">
@@ -13579,7 +14017,7 @@
               </p:txBody>
             </p:sp>
           </mc:Choice>
-          <mc:Fallback>
+          <mc:Fallback xmlns="">
             <p:sp>
               <p:nvSpPr>
                 <p:cNvPr id="91" name="TextBox 90">
@@ -13624,8 +14062,8 @@
             </p:sp>
           </mc:Fallback>
         </mc:AlternateContent>
-        <mc:AlternateContent xmlns:mc="http://schemas.openxmlformats.org/markup-compatibility/2006">
-          <mc:Choice xmlns:a14="http://schemas.microsoft.com/office/drawing/2010/main" Requires="a14">
+        <mc:AlternateContent xmlns:mc="http://schemas.openxmlformats.org/markup-compatibility/2006" xmlns:a14="http://schemas.microsoft.com/office/drawing/2010/main">
+          <mc:Choice Requires="a14">
             <p:sp>
               <p:nvSpPr>
                 <p:cNvPr id="92" name="TextBox 91">
@@ -13694,7 +14132,7 @@
               </p:txBody>
             </p:sp>
           </mc:Choice>
-          <mc:Fallback>
+          <mc:Fallback xmlns="">
             <p:sp>
               <p:nvSpPr>
                 <p:cNvPr id="92" name="TextBox 91">
@@ -13739,8 +14177,8 @@
             </p:sp>
           </mc:Fallback>
         </mc:AlternateContent>
-        <mc:AlternateContent xmlns:mc="http://schemas.openxmlformats.org/markup-compatibility/2006">
-          <mc:Choice xmlns:a14="http://schemas.microsoft.com/office/drawing/2010/main" Requires="a14">
+        <mc:AlternateContent xmlns:mc="http://schemas.openxmlformats.org/markup-compatibility/2006" xmlns:a14="http://schemas.microsoft.com/office/drawing/2010/main">
+          <mc:Choice Requires="a14">
             <p:sp>
               <p:nvSpPr>
                 <p:cNvPr id="94" name="TextBox 93">
@@ -13809,7 +14247,7 @@
               </p:txBody>
             </p:sp>
           </mc:Choice>
-          <mc:Fallback>
+          <mc:Fallback xmlns="">
             <p:sp>
               <p:nvSpPr>
                 <p:cNvPr id="94" name="TextBox 93">
@@ -14010,8 +14448,8 @@
             </p:style>
           </p:cxnSp>
         </p:grpSp>
-        <mc:AlternateContent xmlns:mc="http://schemas.openxmlformats.org/markup-compatibility/2006">
-          <mc:Choice xmlns:a14="http://schemas.microsoft.com/office/drawing/2010/main" Requires="a14">
+        <mc:AlternateContent xmlns:mc="http://schemas.openxmlformats.org/markup-compatibility/2006" xmlns:a14="http://schemas.microsoft.com/office/drawing/2010/main">
+          <mc:Choice Requires="a14">
             <p:sp>
               <p:nvSpPr>
                 <p:cNvPr id="100" name="Rectangle 99">
@@ -14098,7 +14536,7 @@
               </p:txBody>
             </p:sp>
           </mc:Choice>
-          <mc:Fallback>
+          <mc:Fallback xmlns="">
             <p:sp>
               <p:nvSpPr>
                 <p:cNvPr id="100" name="Rectangle 99">
@@ -14496,8 +14934,8 @@
             </p:style>
           </p:cxnSp>
         </p:grpSp>
-        <mc:AlternateContent xmlns:mc="http://schemas.openxmlformats.org/markup-compatibility/2006">
-          <mc:Choice xmlns:a14="http://schemas.microsoft.com/office/drawing/2010/main" Requires="a14">
+        <mc:AlternateContent xmlns:mc="http://schemas.openxmlformats.org/markup-compatibility/2006" xmlns:a14="http://schemas.microsoft.com/office/drawing/2010/main">
+          <mc:Choice Requires="a14">
             <p:sp>
               <p:nvSpPr>
                 <p:cNvPr id="109" name="Rectangle 108">
@@ -14584,7 +15022,7 @@
               </p:txBody>
             </p:sp>
           </mc:Choice>
-          <mc:Fallback>
+          <mc:Fallback xmlns="">
             <p:sp>
               <p:nvSpPr>
                 <p:cNvPr id="109" name="Rectangle 108">
@@ -14808,8 +15246,8 @@
             </p:style>
           </p:cxnSp>
         </p:grpSp>
-        <mc:AlternateContent xmlns:mc="http://schemas.openxmlformats.org/markup-compatibility/2006">
-          <mc:Choice xmlns:a14="http://schemas.microsoft.com/office/drawing/2010/main" Requires="a14">
+        <mc:AlternateContent xmlns:mc="http://schemas.openxmlformats.org/markup-compatibility/2006" xmlns:a14="http://schemas.microsoft.com/office/drawing/2010/main">
+          <mc:Choice Requires="a14">
             <p:sp>
               <p:nvSpPr>
                 <p:cNvPr id="114" name="Rectangle 113">
@@ -14913,7 +15351,7 @@
               </p:txBody>
             </p:sp>
           </mc:Choice>
-          <mc:Fallback>
+          <mc:Fallback xmlns="">
             <p:sp>
               <p:nvSpPr>
                 <p:cNvPr id="114" name="Rectangle 113">
@@ -15137,8 +15575,8 @@
             </p:style>
           </p:cxnSp>
         </p:grpSp>
-        <mc:AlternateContent xmlns:mc="http://schemas.openxmlformats.org/markup-compatibility/2006">
-          <mc:Choice xmlns:a14="http://schemas.microsoft.com/office/drawing/2010/main" Requires="a14">
+        <mc:AlternateContent xmlns:mc="http://schemas.openxmlformats.org/markup-compatibility/2006" xmlns:a14="http://schemas.microsoft.com/office/drawing/2010/main">
+          <mc:Choice Requires="a14">
             <p:sp>
               <p:nvSpPr>
                 <p:cNvPr id="119" name="Rectangle 118">
@@ -15225,7 +15663,7 @@
               </p:txBody>
             </p:sp>
           </mc:Choice>
-          <mc:Fallback>
+          <mc:Fallback xmlns="">
             <p:sp>
               <p:nvSpPr>
                 <p:cNvPr id="119" name="Rectangle 118">
@@ -15520,8 +15958,8 @@
             </a:p>
           </p:txBody>
         </p:sp>
-        <mc:AlternateContent xmlns:mc="http://schemas.openxmlformats.org/markup-compatibility/2006">
-          <mc:Choice xmlns:a14="http://schemas.microsoft.com/office/drawing/2010/main" Requires="a14">
+        <mc:AlternateContent xmlns:mc="http://schemas.openxmlformats.org/markup-compatibility/2006" xmlns:a14="http://schemas.microsoft.com/office/drawing/2010/main">
+          <mc:Choice Requires="a14">
             <p:sp>
               <p:nvSpPr>
                 <p:cNvPr id="125" name="Rectangle 124">
@@ -15608,7 +16046,7 @@
               </p:txBody>
             </p:sp>
           </mc:Choice>
-          <mc:Fallback>
+          <mc:Fallback xmlns="">
             <p:sp>
               <p:nvSpPr>
                 <p:cNvPr id="125" name="Rectangle 124">
@@ -15916,8 +16354,8 @@
             </a:p>
           </p:txBody>
         </p:sp>
-        <mc:AlternateContent xmlns:mc="http://schemas.openxmlformats.org/markup-compatibility/2006">
-          <mc:Choice xmlns:a14="http://schemas.microsoft.com/office/drawing/2010/main" Requires="a14">
+        <mc:AlternateContent xmlns:mc="http://schemas.openxmlformats.org/markup-compatibility/2006" xmlns:a14="http://schemas.microsoft.com/office/drawing/2010/main">
+          <mc:Choice Requires="a14">
             <p:sp>
               <p:nvSpPr>
                 <p:cNvPr id="167" name="TextBox 166">
@@ -15986,7 +16424,7 @@
               </p:txBody>
             </p:sp>
           </mc:Choice>
-          <mc:Fallback>
+          <mc:Fallback xmlns="">
             <p:sp>
               <p:nvSpPr>
                 <p:cNvPr id="167" name="TextBox 166">
@@ -16031,8 +16469,8 @@
             </p:sp>
           </mc:Fallback>
         </mc:AlternateContent>
-        <mc:AlternateContent xmlns:mc="http://schemas.openxmlformats.org/markup-compatibility/2006">
-          <mc:Choice xmlns:a14="http://schemas.microsoft.com/office/drawing/2010/main" Requires="a14">
+        <mc:AlternateContent xmlns:mc="http://schemas.openxmlformats.org/markup-compatibility/2006" xmlns:a14="http://schemas.microsoft.com/office/drawing/2010/main">
+          <mc:Choice Requires="a14">
             <p:sp>
               <p:nvSpPr>
                 <p:cNvPr id="168" name="TextBox 167">
@@ -16101,7 +16539,7 @@
               </p:txBody>
             </p:sp>
           </mc:Choice>
-          <mc:Fallback>
+          <mc:Fallback xmlns="">
             <p:sp>
               <p:nvSpPr>
                 <p:cNvPr id="168" name="TextBox 167">
@@ -16146,8 +16584,8 @@
             </p:sp>
           </mc:Fallback>
         </mc:AlternateContent>
-        <mc:AlternateContent xmlns:mc="http://schemas.openxmlformats.org/markup-compatibility/2006">
-          <mc:Choice xmlns:a14="http://schemas.microsoft.com/office/drawing/2010/main" Requires="a14">
+        <mc:AlternateContent xmlns:mc="http://schemas.openxmlformats.org/markup-compatibility/2006" xmlns:a14="http://schemas.microsoft.com/office/drawing/2010/main">
+          <mc:Choice Requires="a14">
             <p:sp>
               <p:nvSpPr>
                 <p:cNvPr id="169" name="TextBox 168">
@@ -16216,7 +16654,7 @@
               </p:txBody>
             </p:sp>
           </mc:Choice>
-          <mc:Fallback>
+          <mc:Fallback xmlns="">
             <p:sp>
               <p:nvSpPr>
                 <p:cNvPr id="169" name="TextBox 168">
@@ -16417,8 +16855,8 @@
             </p:style>
           </p:cxnSp>
         </p:grpSp>
-        <mc:AlternateContent xmlns:mc="http://schemas.openxmlformats.org/markup-compatibility/2006">
-          <mc:Choice xmlns:a14="http://schemas.microsoft.com/office/drawing/2010/main" Requires="a14">
+        <mc:AlternateContent xmlns:mc="http://schemas.openxmlformats.org/markup-compatibility/2006" xmlns:a14="http://schemas.microsoft.com/office/drawing/2010/main">
+          <mc:Choice Requires="a14">
             <p:sp>
               <p:nvSpPr>
                 <p:cNvPr id="171" name="Rectangle 170">
@@ -16505,7 +16943,7 @@
               </p:txBody>
             </p:sp>
           </mc:Choice>
-          <mc:Fallback>
+          <mc:Fallback xmlns="">
             <p:sp>
               <p:nvSpPr>
                 <p:cNvPr id="171" name="Rectangle 170">
@@ -16903,8 +17341,8 @@
             </p:style>
           </p:cxnSp>
         </p:grpSp>
-        <mc:AlternateContent xmlns:mc="http://schemas.openxmlformats.org/markup-compatibility/2006">
-          <mc:Choice xmlns:a14="http://schemas.microsoft.com/office/drawing/2010/main" Requires="a14">
+        <mc:AlternateContent xmlns:mc="http://schemas.openxmlformats.org/markup-compatibility/2006" xmlns:a14="http://schemas.microsoft.com/office/drawing/2010/main">
+          <mc:Choice Requires="a14">
             <p:sp>
               <p:nvSpPr>
                 <p:cNvPr id="174" name="Rectangle 173">
@@ -16991,7 +17429,7 @@
               </p:txBody>
             </p:sp>
           </mc:Choice>
-          <mc:Fallback>
+          <mc:Fallback xmlns="">
             <p:sp>
               <p:nvSpPr>
                 <p:cNvPr id="174" name="Rectangle 173">
@@ -17215,8 +17653,8 @@
             </p:style>
           </p:cxnSp>
         </p:grpSp>
-        <mc:AlternateContent xmlns:mc="http://schemas.openxmlformats.org/markup-compatibility/2006">
-          <mc:Choice xmlns:a14="http://schemas.microsoft.com/office/drawing/2010/main" Requires="a14">
+        <mc:AlternateContent xmlns:mc="http://schemas.openxmlformats.org/markup-compatibility/2006" xmlns:a14="http://schemas.microsoft.com/office/drawing/2010/main">
+          <mc:Choice Requires="a14">
             <p:sp>
               <p:nvSpPr>
                 <p:cNvPr id="176" name="Rectangle 175">
@@ -17320,7 +17758,7 @@
               </p:txBody>
             </p:sp>
           </mc:Choice>
-          <mc:Fallback>
+          <mc:Fallback xmlns="">
             <p:sp>
               <p:nvSpPr>
                 <p:cNvPr id="176" name="Rectangle 175">
@@ -17544,8 +17982,8 @@
             </p:style>
           </p:cxnSp>
         </p:grpSp>
-        <mc:AlternateContent xmlns:mc="http://schemas.openxmlformats.org/markup-compatibility/2006">
-          <mc:Choice xmlns:a14="http://schemas.microsoft.com/office/drawing/2010/main" Requires="a14">
+        <mc:AlternateContent xmlns:mc="http://schemas.openxmlformats.org/markup-compatibility/2006" xmlns:a14="http://schemas.microsoft.com/office/drawing/2010/main">
+          <mc:Choice Requires="a14">
             <p:sp>
               <p:nvSpPr>
                 <p:cNvPr id="178" name="Rectangle 177">
@@ -17632,7 +18070,7 @@
               </p:txBody>
             </p:sp>
           </mc:Choice>
-          <mc:Fallback>
+          <mc:Fallback xmlns="">
             <p:sp>
               <p:nvSpPr>
                 <p:cNvPr id="178" name="Rectangle 177">
@@ -17927,8 +18365,8 @@
             </a:p>
           </p:txBody>
         </p:sp>
-        <mc:AlternateContent xmlns:mc="http://schemas.openxmlformats.org/markup-compatibility/2006">
-          <mc:Choice xmlns:a14="http://schemas.microsoft.com/office/drawing/2010/main" Requires="a14">
+        <mc:AlternateContent xmlns:mc="http://schemas.openxmlformats.org/markup-compatibility/2006" xmlns:a14="http://schemas.microsoft.com/office/drawing/2010/main">
+          <mc:Choice Requires="a14">
             <p:sp>
               <p:nvSpPr>
                 <p:cNvPr id="181" name="Rectangle 180">
@@ -18015,7 +18453,7 @@
               </p:txBody>
             </p:sp>
           </mc:Choice>
-          <mc:Fallback>
+          <mc:Fallback xmlns="">
             <p:sp>
               <p:nvSpPr>
                 <p:cNvPr id="181" name="Rectangle 180">
@@ -18174,8 +18612,8 @@
             </a:p>
           </p:txBody>
         </p:sp>
-        <mc:AlternateContent xmlns:mc="http://schemas.openxmlformats.org/markup-compatibility/2006">
-          <mc:Choice xmlns:a14="http://schemas.microsoft.com/office/drawing/2010/main" Requires="a14">
+        <mc:AlternateContent xmlns:mc="http://schemas.openxmlformats.org/markup-compatibility/2006" xmlns:a14="http://schemas.microsoft.com/office/drawing/2010/main">
+          <mc:Choice Requires="a14">
             <p:sp>
               <p:nvSpPr>
                 <p:cNvPr id="167" name="TextBox 166">
@@ -18244,7 +18682,7 @@
               </p:txBody>
             </p:sp>
           </mc:Choice>
-          <mc:Fallback>
+          <mc:Fallback xmlns="">
             <p:sp>
               <p:nvSpPr>
                 <p:cNvPr id="167" name="TextBox 166">
@@ -18289,8 +18727,8 @@
             </p:sp>
           </mc:Fallback>
         </mc:AlternateContent>
-        <mc:AlternateContent xmlns:mc="http://schemas.openxmlformats.org/markup-compatibility/2006">
-          <mc:Choice xmlns:a14="http://schemas.microsoft.com/office/drawing/2010/main" Requires="a14">
+        <mc:AlternateContent xmlns:mc="http://schemas.openxmlformats.org/markup-compatibility/2006" xmlns:a14="http://schemas.microsoft.com/office/drawing/2010/main">
+          <mc:Choice Requires="a14">
             <p:sp>
               <p:nvSpPr>
                 <p:cNvPr id="168" name="TextBox 167">
@@ -18359,7 +18797,7 @@
               </p:txBody>
             </p:sp>
           </mc:Choice>
-          <mc:Fallback>
+          <mc:Fallback xmlns="">
             <p:sp>
               <p:nvSpPr>
                 <p:cNvPr id="168" name="TextBox 167">
@@ -18404,8 +18842,8 @@
             </p:sp>
           </mc:Fallback>
         </mc:AlternateContent>
-        <mc:AlternateContent xmlns:mc="http://schemas.openxmlformats.org/markup-compatibility/2006">
-          <mc:Choice xmlns:a14="http://schemas.microsoft.com/office/drawing/2010/main" Requires="a14">
+        <mc:AlternateContent xmlns:mc="http://schemas.openxmlformats.org/markup-compatibility/2006" xmlns:a14="http://schemas.microsoft.com/office/drawing/2010/main">
+          <mc:Choice Requires="a14">
             <p:sp>
               <p:nvSpPr>
                 <p:cNvPr id="169" name="TextBox 168">
@@ -18474,7 +18912,7 @@
               </p:txBody>
             </p:sp>
           </mc:Choice>
-          <mc:Fallback>
+          <mc:Fallback xmlns="">
             <p:sp>
               <p:nvSpPr>
                 <p:cNvPr id="169" name="TextBox 168">
@@ -18675,8 +19113,8 @@
             </p:style>
           </p:cxnSp>
         </p:grpSp>
-        <mc:AlternateContent xmlns:mc="http://schemas.openxmlformats.org/markup-compatibility/2006">
-          <mc:Choice xmlns:a14="http://schemas.microsoft.com/office/drawing/2010/main" Requires="a14">
+        <mc:AlternateContent xmlns:mc="http://schemas.openxmlformats.org/markup-compatibility/2006" xmlns:a14="http://schemas.microsoft.com/office/drawing/2010/main">
+          <mc:Choice Requires="a14">
             <p:sp>
               <p:nvSpPr>
                 <p:cNvPr id="171" name="Rectangle 170">
@@ -18763,7 +19201,7 @@
               </p:txBody>
             </p:sp>
           </mc:Choice>
-          <mc:Fallback>
+          <mc:Fallback xmlns="">
             <p:sp>
               <p:nvSpPr>
                 <p:cNvPr id="171" name="Rectangle 170">
@@ -19161,8 +19599,8 @@
             </p:style>
           </p:cxnSp>
         </p:grpSp>
-        <mc:AlternateContent xmlns:mc="http://schemas.openxmlformats.org/markup-compatibility/2006">
-          <mc:Choice xmlns:a14="http://schemas.microsoft.com/office/drawing/2010/main" Requires="a14">
+        <mc:AlternateContent xmlns:mc="http://schemas.openxmlformats.org/markup-compatibility/2006" xmlns:a14="http://schemas.microsoft.com/office/drawing/2010/main">
+          <mc:Choice Requires="a14">
             <p:sp>
               <p:nvSpPr>
                 <p:cNvPr id="174" name="Rectangle 173">
@@ -19249,7 +19687,7 @@
               </p:txBody>
             </p:sp>
           </mc:Choice>
-          <mc:Fallback>
+          <mc:Fallback xmlns="">
             <p:sp>
               <p:nvSpPr>
                 <p:cNvPr id="174" name="Rectangle 173">
@@ -19647,8 +20085,8 @@
             </p:style>
           </p:cxnSp>
         </p:grpSp>
-        <mc:AlternateContent xmlns:mc="http://schemas.openxmlformats.org/markup-compatibility/2006">
-          <mc:Choice xmlns:a14="http://schemas.microsoft.com/office/drawing/2010/main" Requires="a14">
+        <mc:AlternateContent xmlns:mc="http://schemas.openxmlformats.org/markup-compatibility/2006" xmlns:a14="http://schemas.microsoft.com/office/drawing/2010/main">
+          <mc:Choice Requires="a14">
             <p:sp>
               <p:nvSpPr>
                 <p:cNvPr id="178" name="Rectangle 177">
@@ -19735,7 +20173,7 @@
               </p:txBody>
             </p:sp>
           </mc:Choice>
-          <mc:Fallback>
+          <mc:Fallback xmlns="">
             <p:sp>
               <p:nvSpPr>
                 <p:cNvPr id="178" name="Rectangle 177">
@@ -19964,6 +20402,4906 @@
     <p:extLst>
       <p:ext uri="{BB962C8B-B14F-4D97-AF65-F5344CB8AC3E}">
         <p14:creationId xmlns:p14="http://schemas.microsoft.com/office/powerpoint/2010/main" val="2502185038"/>
+      </p:ext>
+    </p:extLst>
+  </p:cSld>
+  <p:clrMapOvr>
+    <a:masterClrMapping/>
+  </p:clrMapOvr>
+</p:sld>
+</file>
+
+<file path=ppt/slides/slide5.xml><?xml version="1.0" encoding="utf-8"?>
+<p:sld xmlns:a="http://schemas.openxmlformats.org/drawingml/2006/main" xmlns:r="http://schemas.openxmlformats.org/officeDocument/2006/relationships" xmlns:p="http://schemas.openxmlformats.org/presentationml/2006/main">
+  <p:cSld>
+    <p:spTree>
+      <p:nvGrpSpPr>
+        <p:cNvPr id="1" name=""/>
+        <p:cNvGrpSpPr/>
+        <p:nvPr/>
+      </p:nvGrpSpPr>
+      <p:grpSpPr>
+        <a:xfrm>
+          <a:off x="0" y="0"/>
+          <a:ext cx="0" cy="0"/>
+          <a:chOff x="0" y="0"/>
+          <a:chExt cx="0" cy="0"/>
+        </a:xfrm>
+      </p:grpSpPr>
+      <p:grpSp>
+        <p:nvGrpSpPr>
+          <p:cNvPr id="55" name="Group 54">
+            <a:extLst>
+              <a:ext uri="{FF2B5EF4-FFF2-40B4-BE49-F238E27FC236}">
+                <a16:creationId xmlns:a16="http://schemas.microsoft.com/office/drawing/2014/main" id="{01F9E859-AAB5-E306-7FDF-130BDA4C20DF}"/>
+              </a:ext>
+            </a:extLst>
+          </p:cNvPr>
+          <p:cNvGrpSpPr/>
+          <p:nvPr/>
+        </p:nvGrpSpPr>
+        <p:grpSpPr>
+          <a:xfrm>
+            <a:off x="1748771" y="2049282"/>
+            <a:ext cx="7689869" cy="2232867"/>
+            <a:chOff x="1748771" y="2049282"/>
+            <a:chExt cx="7689869" cy="2232867"/>
+          </a:xfrm>
+        </p:grpSpPr>
+        <mc:AlternateContent xmlns:mc="http://schemas.openxmlformats.org/markup-compatibility/2006" xmlns:a14="http://schemas.microsoft.com/office/drawing/2010/main">
+          <mc:Choice Requires="a14">
+            <p:sp>
+              <p:nvSpPr>
+                <p:cNvPr id="5" name="TextBox 4">
+                  <a:extLst>
+                    <a:ext uri="{FF2B5EF4-FFF2-40B4-BE49-F238E27FC236}">
+                      <a16:creationId xmlns:a16="http://schemas.microsoft.com/office/drawing/2014/main" id="{DA269EB8-CC8A-7274-A44C-76F8CB84DF76}"/>
+                    </a:ext>
+                  </a:extLst>
+                </p:cNvPr>
+                <p:cNvSpPr txBox="1"/>
+                <p:nvPr/>
+              </p:nvSpPr>
+              <p:spPr>
+                <a:xfrm>
+                  <a:off x="1750631" y="3879013"/>
+                  <a:ext cx="465447" cy="369332"/>
+                </a:xfrm>
+                <a:prstGeom prst="rect">
+                  <a:avLst/>
+                </a:prstGeom>
+                <a:noFill/>
+              </p:spPr>
+              <p:txBody>
+                <a:bodyPr wrap="none" rtlCol="0">
+                  <a:spAutoFit/>
+                </a:bodyPr>
+                <a:lstStyle/>
+                <a:p>
+                  <a:pPr/>
+                  <a14:m>
+                    <m:oMathPara xmlns:m="http://schemas.openxmlformats.org/officeDocument/2006/math">
+                      <m:oMathParaPr>
+                        <m:jc m:val="centerGroup"/>
+                      </m:oMathParaPr>
+                      <m:oMath xmlns:m="http://schemas.openxmlformats.org/officeDocument/2006/math">
+                        <m:sSub>
+                          <m:sSubPr>
+                            <m:ctrlPr>
+                              <a:rPr lang="en-US" i="1" smtClean="0">
+                                <a:latin typeface="Cambria Math" panose="02040503050406030204" pitchFamily="18" charset="0"/>
+                              </a:rPr>
+                            </m:ctrlPr>
+                          </m:sSubPr>
+                          <m:e>
+                            <m:r>
+                              <a:rPr lang="en-US" b="0" i="1" smtClean="0">
+                                <a:latin typeface="Cambria Math" panose="02040503050406030204" pitchFamily="18" charset="0"/>
+                              </a:rPr>
+                              <m:t>𝑞</m:t>
+                            </m:r>
+                          </m:e>
+                          <m:sub>
+                            <m:r>
+                              <a:rPr lang="en-US" b="0" i="1" smtClean="0">
+                                <a:latin typeface="Cambria Math" panose="02040503050406030204" pitchFamily="18" charset="0"/>
+                              </a:rPr>
+                              <m:t>2</m:t>
+                            </m:r>
+                          </m:sub>
+                        </m:sSub>
+                      </m:oMath>
+                    </m:oMathPara>
+                  </a14:m>
+                  <a:endParaRPr lang="en-US" dirty="0"/>
+                </a:p>
+              </p:txBody>
+            </p:sp>
+          </mc:Choice>
+          <mc:Fallback xmlns="">
+            <p:sp>
+              <p:nvSpPr>
+                <p:cNvPr id="5" name="TextBox 4">
+                  <a:extLst>
+                    <a:ext uri="{FF2B5EF4-FFF2-40B4-BE49-F238E27FC236}">
+                      <a16:creationId xmlns:a16="http://schemas.microsoft.com/office/drawing/2014/main" id="{DA269EB8-CC8A-7274-A44C-76F8CB84DF76}"/>
+                    </a:ext>
+                  </a:extLst>
+                </p:cNvPr>
+                <p:cNvSpPr txBox="1">
+                  <a:spLocks noRot="1" noChangeAspect="1" noMove="1" noResize="1" noEditPoints="1" noAdjustHandles="1" noChangeArrowheads="1" noChangeShapeType="1" noTextEdit="1"/>
+                </p:cNvSpPr>
+                <p:nvPr/>
+              </p:nvSpPr>
+              <p:spPr>
+                <a:xfrm>
+                  <a:off x="1750631" y="3879013"/>
+                  <a:ext cx="465447" cy="369332"/>
+                </a:xfrm>
+                <a:prstGeom prst="rect">
+                  <a:avLst/>
+                </a:prstGeom>
+                <a:blipFill>
+                  <a:blip r:embed="rId3"/>
+                  <a:stretch>
+                    <a:fillRect b="-6557"/>
+                  </a:stretch>
+                </a:blipFill>
+              </p:spPr>
+              <p:txBody>
+                <a:bodyPr/>
+                <a:lstStyle/>
+                <a:p>
+                  <a:r>
+                    <a:rPr lang="zh-CN" altLang="en-US">
+                      <a:noFill/>
+                    </a:rPr>
+                    <a:t> </a:t>
+                  </a:r>
+                </a:p>
+              </p:txBody>
+            </p:sp>
+          </mc:Fallback>
+        </mc:AlternateContent>
+        <mc:AlternateContent xmlns:mc="http://schemas.openxmlformats.org/markup-compatibility/2006" xmlns:a14="http://schemas.microsoft.com/office/drawing/2010/main">
+          <mc:Choice Requires="a14">
+            <p:sp>
+              <p:nvSpPr>
+                <p:cNvPr id="6" name="TextBox 5">
+                  <a:extLst>
+                    <a:ext uri="{FF2B5EF4-FFF2-40B4-BE49-F238E27FC236}">
+                      <a16:creationId xmlns:a16="http://schemas.microsoft.com/office/drawing/2014/main" id="{BF930BF9-2398-7797-0085-19D8A2FFACC1}"/>
+                    </a:ext>
+                  </a:extLst>
+                </p:cNvPr>
+                <p:cNvSpPr txBox="1"/>
+                <p:nvPr/>
+              </p:nvSpPr>
+              <p:spPr>
+                <a:xfrm>
+                  <a:off x="1750631" y="3200701"/>
+                  <a:ext cx="465447" cy="369332"/>
+                </a:xfrm>
+                <a:prstGeom prst="rect">
+                  <a:avLst/>
+                </a:prstGeom>
+                <a:noFill/>
+              </p:spPr>
+              <p:txBody>
+                <a:bodyPr wrap="none" rtlCol="0">
+                  <a:spAutoFit/>
+                </a:bodyPr>
+                <a:lstStyle/>
+                <a:p>
+                  <a:pPr/>
+                  <a14:m>
+                    <m:oMathPara xmlns:m="http://schemas.openxmlformats.org/officeDocument/2006/math">
+                      <m:oMathParaPr>
+                        <m:jc m:val="centerGroup"/>
+                      </m:oMathParaPr>
+                      <m:oMath xmlns:m="http://schemas.openxmlformats.org/officeDocument/2006/math">
+                        <m:sSub>
+                          <m:sSubPr>
+                            <m:ctrlPr>
+                              <a:rPr lang="en-US" i="1" smtClean="0">
+                                <a:latin typeface="Cambria Math" panose="02040503050406030204" pitchFamily="18" charset="0"/>
+                              </a:rPr>
+                            </m:ctrlPr>
+                          </m:sSubPr>
+                          <m:e>
+                            <m:r>
+                              <a:rPr lang="en-US" b="0" i="1" smtClean="0">
+                                <a:latin typeface="Cambria Math" panose="02040503050406030204" pitchFamily="18" charset="0"/>
+                              </a:rPr>
+                              <m:t>𝑞</m:t>
+                            </m:r>
+                          </m:e>
+                          <m:sub>
+                            <m:r>
+                              <a:rPr lang="en-US" b="0" i="1" smtClean="0">
+                                <a:latin typeface="Cambria Math" panose="02040503050406030204" pitchFamily="18" charset="0"/>
+                              </a:rPr>
+                              <m:t>1</m:t>
+                            </m:r>
+                          </m:sub>
+                        </m:sSub>
+                      </m:oMath>
+                    </m:oMathPara>
+                  </a14:m>
+                  <a:endParaRPr lang="en-US" dirty="0"/>
+                </a:p>
+              </p:txBody>
+            </p:sp>
+          </mc:Choice>
+          <mc:Fallback xmlns="">
+            <p:sp>
+              <p:nvSpPr>
+                <p:cNvPr id="6" name="TextBox 5">
+                  <a:extLst>
+                    <a:ext uri="{FF2B5EF4-FFF2-40B4-BE49-F238E27FC236}">
+                      <a16:creationId xmlns:a16="http://schemas.microsoft.com/office/drawing/2014/main" id="{BF930BF9-2398-7797-0085-19D8A2FFACC1}"/>
+                    </a:ext>
+                  </a:extLst>
+                </p:cNvPr>
+                <p:cNvSpPr txBox="1">
+                  <a:spLocks noRot="1" noChangeAspect="1" noMove="1" noResize="1" noEditPoints="1" noAdjustHandles="1" noChangeArrowheads="1" noChangeShapeType="1" noTextEdit="1"/>
+                </p:cNvSpPr>
+                <p:nvPr/>
+              </p:nvSpPr>
+              <p:spPr>
+                <a:xfrm>
+                  <a:off x="1750631" y="3200701"/>
+                  <a:ext cx="465447" cy="369332"/>
+                </a:xfrm>
+                <a:prstGeom prst="rect">
+                  <a:avLst/>
+                </a:prstGeom>
+                <a:blipFill>
+                  <a:blip r:embed="rId4"/>
+                  <a:stretch>
+                    <a:fillRect b="-6557"/>
+                  </a:stretch>
+                </a:blipFill>
+              </p:spPr>
+              <p:txBody>
+                <a:bodyPr/>
+                <a:lstStyle/>
+                <a:p>
+                  <a:r>
+                    <a:rPr lang="zh-CN" altLang="en-US">
+                      <a:noFill/>
+                    </a:rPr>
+                    <a:t> </a:t>
+                  </a:r>
+                </a:p>
+              </p:txBody>
+            </p:sp>
+          </mc:Fallback>
+        </mc:AlternateContent>
+        <mc:AlternateContent xmlns:mc="http://schemas.openxmlformats.org/markup-compatibility/2006" xmlns:a14="http://schemas.microsoft.com/office/drawing/2010/main">
+          <mc:Choice Requires="a14">
+            <p:sp>
+              <p:nvSpPr>
+                <p:cNvPr id="7" name="TextBox 6">
+                  <a:extLst>
+                    <a:ext uri="{FF2B5EF4-FFF2-40B4-BE49-F238E27FC236}">
+                      <a16:creationId xmlns:a16="http://schemas.microsoft.com/office/drawing/2014/main" id="{1718D9B4-B220-1637-A549-180CEFF2B537}"/>
+                    </a:ext>
+                  </a:extLst>
+                </p:cNvPr>
+                <p:cNvSpPr txBox="1"/>
+                <p:nvPr/>
+              </p:nvSpPr>
+              <p:spPr>
+                <a:xfrm>
+                  <a:off x="1748771" y="2536175"/>
+                  <a:ext cx="465447" cy="369332"/>
+                </a:xfrm>
+                <a:prstGeom prst="rect">
+                  <a:avLst/>
+                </a:prstGeom>
+                <a:noFill/>
+              </p:spPr>
+              <p:txBody>
+                <a:bodyPr wrap="none" rtlCol="0">
+                  <a:spAutoFit/>
+                </a:bodyPr>
+                <a:lstStyle/>
+                <a:p>
+                  <a:pPr/>
+                  <a14:m>
+                    <m:oMathPara xmlns:m="http://schemas.openxmlformats.org/officeDocument/2006/math">
+                      <m:oMathParaPr>
+                        <m:jc m:val="centerGroup"/>
+                      </m:oMathParaPr>
+                      <m:oMath xmlns:m="http://schemas.openxmlformats.org/officeDocument/2006/math">
+                        <m:sSub>
+                          <m:sSubPr>
+                            <m:ctrlPr>
+                              <a:rPr lang="en-US" i="1" smtClean="0">
+                                <a:latin typeface="Cambria Math" panose="02040503050406030204" pitchFamily="18" charset="0"/>
+                              </a:rPr>
+                            </m:ctrlPr>
+                          </m:sSubPr>
+                          <m:e>
+                            <m:r>
+                              <a:rPr lang="en-US" b="0" i="1" smtClean="0">
+                                <a:latin typeface="Cambria Math" panose="02040503050406030204" pitchFamily="18" charset="0"/>
+                              </a:rPr>
+                              <m:t>𝑞</m:t>
+                            </m:r>
+                          </m:e>
+                          <m:sub>
+                            <m:r>
+                              <a:rPr lang="en-US" b="0" i="1" smtClean="0">
+                                <a:latin typeface="Cambria Math" panose="02040503050406030204" pitchFamily="18" charset="0"/>
+                              </a:rPr>
+                              <m:t>0</m:t>
+                            </m:r>
+                          </m:sub>
+                        </m:sSub>
+                      </m:oMath>
+                    </m:oMathPara>
+                  </a14:m>
+                  <a:endParaRPr lang="en-US" dirty="0"/>
+                </a:p>
+              </p:txBody>
+            </p:sp>
+          </mc:Choice>
+          <mc:Fallback xmlns="">
+            <p:sp>
+              <p:nvSpPr>
+                <p:cNvPr id="7" name="TextBox 6">
+                  <a:extLst>
+                    <a:ext uri="{FF2B5EF4-FFF2-40B4-BE49-F238E27FC236}">
+                      <a16:creationId xmlns:a16="http://schemas.microsoft.com/office/drawing/2014/main" id="{1718D9B4-B220-1637-A549-180CEFF2B537}"/>
+                    </a:ext>
+                  </a:extLst>
+                </p:cNvPr>
+                <p:cNvSpPr txBox="1">
+                  <a:spLocks noRot="1" noChangeAspect="1" noMove="1" noResize="1" noEditPoints="1" noAdjustHandles="1" noChangeArrowheads="1" noChangeShapeType="1" noTextEdit="1"/>
+                </p:cNvSpPr>
+                <p:nvPr/>
+              </p:nvSpPr>
+              <p:spPr>
+                <a:xfrm>
+                  <a:off x="1748771" y="2536175"/>
+                  <a:ext cx="465447" cy="369332"/>
+                </a:xfrm>
+                <a:prstGeom prst="rect">
+                  <a:avLst/>
+                </a:prstGeom>
+                <a:blipFill>
+                  <a:blip r:embed="rId5"/>
+                  <a:stretch>
+                    <a:fillRect b="-6557"/>
+                  </a:stretch>
+                </a:blipFill>
+              </p:spPr>
+              <p:txBody>
+                <a:bodyPr/>
+                <a:lstStyle/>
+                <a:p>
+                  <a:r>
+                    <a:rPr lang="zh-CN" altLang="en-US">
+                      <a:noFill/>
+                    </a:rPr>
+                    <a:t> </a:t>
+                  </a:r>
+                </a:p>
+              </p:txBody>
+            </p:sp>
+          </mc:Fallback>
+        </mc:AlternateContent>
+        <p:grpSp>
+          <p:nvGrpSpPr>
+            <p:cNvPr id="8" name="Group 7">
+              <a:extLst>
+                <a:ext uri="{FF2B5EF4-FFF2-40B4-BE49-F238E27FC236}">
+                  <a16:creationId xmlns:a16="http://schemas.microsoft.com/office/drawing/2014/main" id="{1B237B3D-2692-2C8F-8296-5C544B8D33B0}"/>
+                </a:ext>
+              </a:extLst>
+            </p:cNvPr>
+            <p:cNvGrpSpPr/>
+            <p:nvPr/>
+          </p:nvGrpSpPr>
+          <p:grpSpPr>
+            <a:xfrm>
+              <a:off x="2225883" y="2720841"/>
+              <a:ext cx="7212757" cy="1342838"/>
+              <a:chOff x="3753948" y="1031665"/>
+              <a:chExt cx="3082898" cy="1342838"/>
+            </a:xfrm>
+          </p:grpSpPr>
+          <p:cxnSp>
+            <p:nvCxnSpPr>
+              <p:cNvPr id="36" name="Straight Connector 35">
+                <a:extLst>
+                  <a:ext uri="{FF2B5EF4-FFF2-40B4-BE49-F238E27FC236}">
+                    <a16:creationId xmlns:a16="http://schemas.microsoft.com/office/drawing/2014/main" id="{8D3A1F0A-49BF-87D1-961E-2A8C1C81379B}"/>
+                  </a:ext>
+                </a:extLst>
+              </p:cNvPr>
+              <p:cNvCxnSpPr>
+                <a:cxnSpLocks/>
+              </p:cNvCxnSpPr>
+              <p:nvPr/>
+            </p:nvCxnSpPr>
+            <p:spPr>
+              <a:xfrm>
+                <a:off x="3755455" y="2374503"/>
+                <a:ext cx="3081391" cy="0"/>
+              </a:xfrm>
+              <a:prstGeom prst="line">
+                <a:avLst/>
+              </a:prstGeom>
+              <a:ln w="19050">
+                <a:solidFill>
+                  <a:schemeClr val="tx1"/>
+                </a:solidFill>
+                <a:headEnd type="none" w="med" len="med"/>
+                <a:tailEnd type="none" w="med" len="med"/>
+              </a:ln>
+            </p:spPr>
+            <p:style>
+              <a:lnRef idx="1">
+                <a:schemeClr val="accent1"/>
+              </a:lnRef>
+              <a:fillRef idx="0">
+                <a:schemeClr val="accent1"/>
+              </a:fillRef>
+              <a:effectRef idx="0">
+                <a:schemeClr val="accent1"/>
+              </a:effectRef>
+              <a:fontRef idx="minor">
+                <a:schemeClr val="tx1"/>
+              </a:fontRef>
+            </p:style>
+          </p:cxnSp>
+          <p:cxnSp>
+            <p:nvCxnSpPr>
+              <p:cNvPr id="37" name="Straight Connector 36">
+                <a:extLst>
+                  <a:ext uri="{FF2B5EF4-FFF2-40B4-BE49-F238E27FC236}">
+                    <a16:creationId xmlns:a16="http://schemas.microsoft.com/office/drawing/2014/main" id="{280F6E5B-B82A-6CE0-452B-F4BC9960C850}"/>
+                  </a:ext>
+                </a:extLst>
+              </p:cNvPr>
+              <p:cNvCxnSpPr>
+                <a:cxnSpLocks/>
+              </p:cNvCxnSpPr>
+              <p:nvPr/>
+            </p:nvCxnSpPr>
+            <p:spPr>
+              <a:xfrm>
+                <a:off x="3755455" y="1696191"/>
+                <a:ext cx="3081391" cy="0"/>
+              </a:xfrm>
+              <a:prstGeom prst="line">
+                <a:avLst/>
+              </a:prstGeom>
+              <a:ln w="19050">
+                <a:solidFill>
+                  <a:schemeClr val="tx1"/>
+                </a:solidFill>
+                <a:headEnd type="none" w="med" len="med"/>
+                <a:tailEnd type="none" w="med" len="med"/>
+              </a:ln>
+            </p:spPr>
+            <p:style>
+              <a:lnRef idx="1">
+                <a:schemeClr val="accent1"/>
+              </a:lnRef>
+              <a:fillRef idx="0">
+                <a:schemeClr val="accent1"/>
+              </a:fillRef>
+              <a:effectRef idx="0">
+                <a:schemeClr val="accent1"/>
+              </a:effectRef>
+              <a:fontRef idx="minor">
+                <a:schemeClr val="tx1"/>
+              </a:fontRef>
+            </p:style>
+          </p:cxnSp>
+          <p:cxnSp>
+            <p:nvCxnSpPr>
+              <p:cNvPr id="38" name="Straight Connector 37">
+                <a:extLst>
+                  <a:ext uri="{FF2B5EF4-FFF2-40B4-BE49-F238E27FC236}">
+                    <a16:creationId xmlns:a16="http://schemas.microsoft.com/office/drawing/2014/main" id="{A1D73BC0-1764-3980-97EB-BDC64BF4B752}"/>
+                  </a:ext>
+                </a:extLst>
+              </p:cNvPr>
+              <p:cNvCxnSpPr>
+                <a:cxnSpLocks/>
+              </p:cNvCxnSpPr>
+              <p:nvPr/>
+            </p:nvCxnSpPr>
+            <p:spPr>
+              <a:xfrm>
+                <a:off x="3753948" y="1031665"/>
+                <a:ext cx="3082545" cy="0"/>
+              </a:xfrm>
+              <a:prstGeom prst="line">
+                <a:avLst/>
+              </a:prstGeom>
+              <a:ln w="19050">
+                <a:solidFill>
+                  <a:schemeClr val="tx1"/>
+                </a:solidFill>
+                <a:headEnd type="none" w="med" len="med"/>
+                <a:tailEnd type="none" w="med" len="med"/>
+              </a:ln>
+            </p:spPr>
+            <p:style>
+              <a:lnRef idx="1">
+                <a:schemeClr val="accent1"/>
+              </a:lnRef>
+              <a:fillRef idx="0">
+                <a:schemeClr val="accent1"/>
+              </a:fillRef>
+              <a:effectRef idx="0">
+                <a:schemeClr val="accent1"/>
+              </a:effectRef>
+              <a:fontRef idx="minor">
+                <a:schemeClr val="tx1"/>
+              </a:fontRef>
+            </p:style>
+          </p:cxnSp>
+        </p:grpSp>
+        <mc:AlternateContent xmlns:mc="http://schemas.openxmlformats.org/markup-compatibility/2006" xmlns:a14="http://schemas.microsoft.com/office/drawing/2010/main">
+          <mc:Choice Requires="a14">
+            <p:sp>
+              <p:nvSpPr>
+                <p:cNvPr id="9" name="Rectangle 8">
+                  <a:extLst>
+                    <a:ext uri="{FF2B5EF4-FFF2-40B4-BE49-F238E27FC236}">
+                      <a16:creationId xmlns:a16="http://schemas.microsoft.com/office/drawing/2014/main" id="{E56F0613-C227-22A3-98B4-BE17FA5F9977}"/>
+                    </a:ext>
+                  </a:extLst>
+                </p:cNvPr>
+                <p:cNvSpPr/>
+                <p:nvPr/>
+              </p:nvSpPr>
+              <p:spPr>
+                <a:xfrm>
+                  <a:off x="3487484" y="2488586"/>
+                  <a:ext cx="454483" cy="430924"/>
+                </a:xfrm>
+                <a:prstGeom prst="rect">
+                  <a:avLst/>
+                </a:prstGeom>
+                <a:solidFill>
+                  <a:schemeClr val="bg1"/>
+                </a:solidFill>
+                <a:ln w="19050">
+                  <a:solidFill>
+                    <a:schemeClr val="accent2"/>
+                  </a:solidFill>
+                </a:ln>
+              </p:spPr>
+              <p:style>
+                <a:lnRef idx="2">
+                  <a:schemeClr val="accent1">
+                    <a:shade val="50000"/>
+                  </a:schemeClr>
+                </a:lnRef>
+                <a:fillRef idx="1">
+                  <a:schemeClr val="accent1"/>
+                </a:fillRef>
+                <a:effectRef idx="0">
+                  <a:schemeClr val="accent1"/>
+                </a:effectRef>
+                <a:fontRef idx="minor">
+                  <a:schemeClr val="lt1"/>
+                </a:fontRef>
+              </p:style>
+              <p:txBody>
+                <a:bodyPr rtlCol="0" anchor="ctr"/>
+                <a:lstStyle/>
+                <a:p>
+                  <a:pPr algn="ctr"/>
+                  <a14:m>
+                    <m:oMathPara xmlns:m="http://schemas.openxmlformats.org/officeDocument/2006/math">
+                      <m:oMathParaPr>
+                        <m:jc m:val="left"/>
+                      </m:oMathParaPr>
+                      <m:oMath xmlns:m="http://schemas.openxmlformats.org/officeDocument/2006/math">
+                        <m:r>
+                          <a:rPr lang="en-US" altLang="zh-CN" sz="2400" b="0" i="1" dirty="0" smtClean="0">
+                            <a:solidFill>
+                              <a:schemeClr val="accent2"/>
+                            </a:solidFill>
+                            <a:latin typeface="Cambria Math" panose="02040503050406030204" pitchFamily="18" charset="0"/>
+                          </a:rPr>
+                          <m:t> </m:t>
+                        </m:r>
+                        <m:r>
+                          <a:rPr lang="en-US" altLang="zh-CN" sz="2400" b="0" i="1" dirty="0" smtClean="0">
+                            <a:solidFill>
+                              <a:schemeClr val="accent2"/>
+                            </a:solidFill>
+                            <a:latin typeface="Cambria Math" panose="02040503050406030204" pitchFamily="18" charset="0"/>
+                          </a:rPr>
+                          <m:t>𝑇</m:t>
+                        </m:r>
+                      </m:oMath>
+                    </m:oMathPara>
+                  </a14:m>
+                  <a:endParaRPr lang="en-US" sz="2400" i="1" dirty="0">
+                    <a:solidFill>
+                      <a:schemeClr val="accent2"/>
+                    </a:solidFill>
+                  </a:endParaRPr>
+                </a:p>
+              </p:txBody>
+            </p:sp>
+          </mc:Choice>
+          <mc:Fallback xmlns="">
+            <p:sp>
+              <p:nvSpPr>
+                <p:cNvPr id="9" name="Rectangle 8">
+                  <a:extLst>
+                    <a:ext uri="{FF2B5EF4-FFF2-40B4-BE49-F238E27FC236}">
+                      <a16:creationId xmlns:a16="http://schemas.microsoft.com/office/drawing/2014/main" id="{E56F0613-C227-22A3-98B4-BE17FA5F9977}"/>
+                    </a:ext>
+                  </a:extLst>
+                </p:cNvPr>
+                <p:cNvSpPr>
+                  <a:spLocks noRot="1" noChangeAspect="1" noMove="1" noResize="1" noEditPoints="1" noAdjustHandles="1" noChangeArrowheads="1" noChangeShapeType="1" noTextEdit="1"/>
+                </p:cNvSpPr>
+                <p:nvPr/>
+              </p:nvSpPr>
+              <p:spPr>
+                <a:xfrm>
+                  <a:off x="3487484" y="2488586"/>
+                  <a:ext cx="454483" cy="430924"/>
+                </a:xfrm>
+                <a:prstGeom prst="rect">
+                  <a:avLst/>
+                </a:prstGeom>
+                <a:blipFill>
+                  <a:blip r:embed="rId6"/>
+                  <a:stretch>
+                    <a:fillRect/>
+                  </a:stretch>
+                </a:blipFill>
+                <a:ln w="19050">
+                  <a:solidFill>
+                    <a:schemeClr val="accent2"/>
+                  </a:solidFill>
+                </a:ln>
+              </p:spPr>
+              <p:txBody>
+                <a:bodyPr/>
+                <a:lstStyle/>
+                <a:p>
+                  <a:r>
+                    <a:rPr lang="zh-CN" altLang="en-US">
+                      <a:noFill/>
+                    </a:rPr>
+                    <a:t> </a:t>
+                  </a:r>
+                </a:p>
+              </p:txBody>
+            </p:sp>
+          </mc:Fallback>
+        </mc:AlternateContent>
+        <p:grpSp>
+          <p:nvGrpSpPr>
+            <p:cNvPr id="10" name="Group 9">
+              <a:extLst>
+                <a:ext uri="{FF2B5EF4-FFF2-40B4-BE49-F238E27FC236}">
+                  <a16:creationId xmlns:a16="http://schemas.microsoft.com/office/drawing/2014/main" id="{4DAA322D-3B1B-01FB-A865-FA1AFDD1017A}"/>
+                </a:ext>
+              </a:extLst>
+            </p:cNvPr>
+            <p:cNvGrpSpPr/>
+            <p:nvPr/>
+          </p:nvGrpSpPr>
+          <p:grpSpPr>
+            <a:xfrm rot="10800000">
+              <a:off x="4795513" y="2647015"/>
+              <a:ext cx="288705" cy="1557002"/>
+              <a:chOff x="7216975" y="4086852"/>
+              <a:chExt cx="288705" cy="1557002"/>
+            </a:xfrm>
+          </p:grpSpPr>
+          <p:sp>
+            <p:nvSpPr>
+              <p:cNvPr id="33" name="Or 71">
+                <a:extLst>
+                  <a:ext uri="{FF2B5EF4-FFF2-40B4-BE49-F238E27FC236}">
+                    <a16:creationId xmlns:a16="http://schemas.microsoft.com/office/drawing/2014/main" id="{14D4A2E2-8E54-FCAC-AA9E-516EDF337935}"/>
+                  </a:ext>
+                </a:extLst>
+              </p:cNvPr>
+              <p:cNvSpPr/>
+              <p:nvPr/>
+            </p:nvSpPr>
+            <p:spPr>
+              <a:xfrm>
+                <a:off x="7216975" y="4086852"/>
+                <a:ext cx="288705" cy="288705"/>
+              </a:xfrm>
+              <a:prstGeom prst="flowChartOr">
+                <a:avLst/>
+              </a:prstGeom>
+              <a:solidFill>
+                <a:schemeClr val="bg1"/>
+              </a:solidFill>
+              <a:ln w="19050">
+                <a:solidFill>
+                  <a:schemeClr val="accent2"/>
+                </a:solidFill>
+              </a:ln>
+            </p:spPr>
+            <p:style>
+              <a:lnRef idx="2">
+                <a:schemeClr val="accent1">
+                  <a:shade val="50000"/>
+                </a:schemeClr>
+              </a:lnRef>
+              <a:fillRef idx="1">
+                <a:schemeClr val="accent1"/>
+              </a:fillRef>
+              <a:effectRef idx="0">
+                <a:schemeClr val="accent1"/>
+              </a:effectRef>
+              <a:fontRef idx="minor">
+                <a:schemeClr val="lt1"/>
+              </a:fontRef>
+            </p:style>
+            <p:txBody>
+              <a:bodyPr rtlCol="0" anchor="ctr"/>
+              <a:lstStyle/>
+              <a:p>
+                <a:pPr algn="ctr"/>
+                <a:endParaRPr lang="en-US"/>
+              </a:p>
+            </p:txBody>
+          </p:sp>
+          <p:sp>
+            <p:nvSpPr>
+              <p:cNvPr id="34" name="Connector 72">
+                <a:extLst>
+                  <a:ext uri="{FF2B5EF4-FFF2-40B4-BE49-F238E27FC236}">
+                    <a16:creationId xmlns:a16="http://schemas.microsoft.com/office/drawing/2014/main" id="{ABDD5213-CDD4-8CA3-AB88-5562EE9F5BD1}"/>
+                  </a:ext>
+                </a:extLst>
+              </p:cNvPr>
+              <p:cNvSpPr/>
+              <p:nvPr/>
+            </p:nvSpPr>
+            <p:spPr>
+              <a:xfrm>
+                <a:off x="7304293" y="5529786"/>
+                <a:ext cx="114068" cy="114068"/>
+              </a:xfrm>
+              <a:prstGeom prst="flowChartConnector">
+                <a:avLst/>
+              </a:prstGeom>
+              <a:solidFill>
+                <a:schemeClr val="accent2"/>
+              </a:solidFill>
+              <a:ln>
+                <a:noFill/>
+              </a:ln>
+            </p:spPr>
+            <p:style>
+              <a:lnRef idx="2">
+                <a:schemeClr val="accent1">
+                  <a:shade val="50000"/>
+                </a:schemeClr>
+              </a:lnRef>
+              <a:fillRef idx="1">
+                <a:schemeClr val="accent1"/>
+              </a:fillRef>
+              <a:effectRef idx="0">
+                <a:schemeClr val="accent1"/>
+              </a:effectRef>
+              <a:fontRef idx="minor">
+                <a:schemeClr val="lt1"/>
+              </a:fontRef>
+            </p:style>
+            <p:txBody>
+              <a:bodyPr rtlCol="0" anchor="ctr"/>
+              <a:lstStyle/>
+              <a:p>
+                <a:pPr algn="ctr"/>
+                <a:endParaRPr lang="en-US"/>
+              </a:p>
+            </p:txBody>
+          </p:sp>
+          <p:cxnSp>
+            <p:nvCxnSpPr>
+              <p:cNvPr id="35" name="Straight Connector 34">
+                <a:extLst>
+                  <a:ext uri="{FF2B5EF4-FFF2-40B4-BE49-F238E27FC236}">
+                    <a16:creationId xmlns:a16="http://schemas.microsoft.com/office/drawing/2014/main" id="{8DC665BA-A6A9-2238-71B3-2D2C7DAC2CE7}"/>
+                  </a:ext>
+                </a:extLst>
+              </p:cNvPr>
+              <p:cNvCxnSpPr>
+                <a:cxnSpLocks/>
+                <a:stCxn id="33" idx="4"/>
+                <a:endCxn id="34" idx="0"/>
+              </p:cNvCxnSpPr>
+              <p:nvPr/>
+            </p:nvCxnSpPr>
+            <p:spPr>
+              <a:xfrm flipV="1">
+                <a:off x="7361327" y="4375557"/>
+                <a:ext cx="1" cy="1154229"/>
+              </a:xfrm>
+              <a:prstGeom prst="line">
+                <a:avLst/>
+              </a:prstGeom>
+              <a:ln w="19050">
+                <a:solidFill>
+                  <a:schemeClr val="accent2"/>
+                </a:solidFill>
+                <a:headEnd type="none" w="med" len="med"/>
+                <a:tailEnd type="none" w="med" len="med"/>
+              </a:ln>
+            </p:spPr>
+            <p:style>
+              <a:lnRef idx="1">
+                <a:schemeClr val="accent1"/>
+              </a:lnRef>
+              <a:fillRef idx="0">
+                <a:schemeClr val="accent1"/>
+              </a:fillRef>
+              <a:effectRef idx="0">
+                <a:schemeClr val="accent1"/>
+              </a:effectRef>
+              <a:fontRef idx="minor">
+                <a:schemeClr val="tx1"/>
+              </a:fontRef>
+            </p:style>
+          </p:cxnSp>
+        </p:grpSp>
+        <p:grpSp>
+          <p:nvGrpSpPr>
+            <p:cNvPr id="11" name="Group 10">
+              <a:extLst>
+                <a:ext uri="{FF2B5EF4-FFF2-40B4-BE49-F238E27FC236}">
+                  <a16:creationId xmlns:a16="http://schemas.microsoft.com/office/drawing/2014/main" id="{F72FB54C-D06A-26AD-331F-52356B260743}"/>
+                </a:ext>
+              </a:extLst>
+            </p:cNvPr>
+            <p:cNvGrpSpPr/>
+            <p:nvPr/>
+          </p:nvGrpSpPr>
+          <p:grpSpPr>
+            <a:xfrm>
+              <a:off x="2993018" y="2578690"/>
+              <a:ext cx="288705" cy="871948"/>
+              <a:chOff x="6355062" y="908275"/>
+              <a:chExt cx="288705" cy="871948"/>
+            </a:xfrm>
+          </p:grpSpPr>
+          <p:sp>
+            <p:nvSpPr>
+              <p:cNvPr id="30" name="Or 77">
+                <a:extLst>
+                  <a:ext uri="{FF2B5EF4-FFF2-40B4-BE49-F238E27FC236}">
+                    <a16:creationId xmlns:a16="http://schemas.microsoft.com/office/drawing/2014/main" id="{B6B3133D-4871-7516-4304-8CE9CC730CFC}"/>
+                  </a:ext>
+                </a:extLst>
+              </p:cNvPr>
+              <p:cNvSpPr/>
+              <p:nvPr/>
+            </p:nvSpPr>
+            <p:spPr>
+              <a:xfrm>
+                <a:off x="6355062" y="908275"/>
+                <a:ext cx="288705" cy="288705"/>
+              </a:xfrm>
+              <a:prstGeom prst="flowChartOr">
+                <a:avLst/>
+              </a:prstGeom>
+              <a:solidFill>
+                <a:schemeClr val="bg1"/>
+              </a:solidFill>
+              <a:ln w="19050">
+                <a:solidFill>
+                  <a:schemeClr val="accent2"/>
+                </a:solidFill>
+              </a:ln>
+            </p:spPr>
+            <p:style>
+              <a:lnRef idx="2">
+                <a:schemeClr val="accent1">
+                  <a:shade val="50000"/>
+                </a:schemeClr>
+              </a:lnRef>
+              <a:fillRef idx="1">
+                <a:schemeClr val="accent1"/>
+              </a:fillRef>
+              <a:effectRef idx="0">
+                <a:schemeClr val="accent1"/>
+              </a:effectRef>
+              <a:fontRef idx="minor">
+                <a:schemeClr val="lt1"/>
+              </a:fontRef>
+            </p:style>
+            <p:txBody>
+              <a:bodyPr rtlCol="0" anchor="ctr"/>
+              <a:lstStyle/>
+              <a:p>
+                <a:pPr algn="ctr"/>
+                <a:endParaRPr lang="en-US"/>
+              </a:p>
+            </p:txBody>
+          </p:sp>
+          <p:sp>
+            <p:nvSpPr>
+              <p:cNvPr id="31" name="Connector 78">
+                <a:extLst>
+                  <a:ext uri="{FF2B5EF4-FFF2-40B4-BE49-F238E27FC236}">
+                    <a16:creationId xmlns:a16="http://schemas.microsoft.com/office/drawing/2014/main" id="{17AFDED7-EF8C-97EA-0D0D-22E9D6FE2085}"/>
+                  </a:ext>
+                </a:extLst>
+              </p:cNvPr>
+              <p:cNvSpPr/>
+              <p:nvPr/>
+            </p:nvSpPr>
+            <p:spPr>
+              <a:xfrm>
+                <a:off x="6439629" y="1666155"/>
+                <a:ext cx="114068" cy="114068"/>
+              </a:xfrm>
+              <a:prstGeom prst="flowChartConnector">
+                <a:avLst/>
+              </a:prstGeom>
+              <a:solidFill>
+                <a:schemeClr val="accent2"/>
+              </a:solidFill>
+              <a:ln>
+                <a:noFill/>
+              </a:ln>
+            </p:spPr>
+            <p:style>
+              <a:lnRef idx="2">
+                <a:schemeClr val="accent1">
+                  <a:shade val="50000"/>
+                </a:schemeClr>
+              </a:lnRef>
+              <a:fillRef idx="1">
+                <a:schemeClr val="accent1"/>
+              </a:fillRef>
+              <a:effectRef idx="0">
+                <a:schemeClr val="accent1"/>
+              </a:effectRef>
+              <a:fontRef idx="minor">
+                <a:schemeClr val="lt1"/>
+              </a:fontRef>
+            </p:style>
+            <p:txBody>
+              <a:bodyPr rtlCol="0" anchor="ctr"/>
+              <a:lstStyle/>
+              <a:p>
+                <a:pPr algn="ctr"/>
+                <a:endParaRPr lang="en-US"/>
+              </a:p>
+            </p:txBody>
+          </p:sp>
+          <p:cxnSp>
+            <p:nvCxnSpPr>
+              <p:cNvPr id="32" name="Straight Connector 31">
+                <a:extLst>
+                  <a:ext uri="{FF2B5EF4-FFF2-40B4-BE49-F238E27FC236}">
+                    <a16:creationId xmlns:a16="http://schemas.microsoft.com/office/drawing/2014/main" id="{08100023-0AAD-40A9-A6E7-1D2A991FD898}"/>
+                  </a:ext>
+                </a:extLst>
+              </p:cNvPr>
+              <p:cNvCxnSpPr>
+                <a:cxnSpLocks/>
+                <a:stCxn id="31" idx="0"/>
+                <a:endCxn id="30" idx="4"/>
+              </p:cNvCxnSpPr>
+              <p:nvPr/>
+            </p:nvCxnSpPr>
+            <p:spPr>
+              <a:xfrm flipV="1">
+                <a:off x="6496663" y="1196980"/>
+                <a:ext cx="2752" cy="469175"/>
+              </a:xfrm>
+              <a:prstGeom prst="line">
+                <a:avLst/>
+              </a:prstGeom>
+              <a:ln w="19050">
+                <a:solidFill>
+                  <a:schemeClr val="accent2"/>
+                </a:solidFill>
+                <a:headEnd type="none" w="med" len="med"/>
+                <a:tailEnd type="none" w="med" len="med"/>
+              </a:ln>
+            </p:spPr>
+            <p:style>
+              <a:lnRef idx="1">
+                <a:schemeClr val="accent1"/>
+              </a:lnRef>
+              <a:fillRef idx="0">
+                <a:schemeClr val="accent1"/>
+              </a:fillRef>
+              <a:effectRef idx="0">
+                <a:schemeClr val="accent1"/>
+              </a:effectRef>
+              <a:fontRef idx="minor">
+                <a:schemeClr val="tx1"/>
+              </a:fontRef>
+            </p:style>
+          </p:cxnSp>
+        </p:grpSp>
+        <mc:AlternateContent xmlns:mc="http://schemas.openxmlformats.org/markup-compatibility/2006" xmlns:a14="http://schemas.microsoft.com/office/drawing/2010/main">
+          <mc:Choice Requires="a14">
+            <p:sp>
+              <p:nvSpPr>
+                <p:cNvPr id="12" name="Rectangle 11">
+                  <a:extLst>
+                    <a:ext uri="{FF2B5EF4-FFF2-40B4-BE49-F238E27FC236}">
+                      <a16:creationId xmlns:a16="http://schemas.microsoft.com/office/drawing/2014/main" id="{7AFAE6DD-B326-320B-DD16-75116A0B76B1}"/>
+                    </a:ext>
+                  </a:extLst>
+                </p:cNvPr>
+                <p:cNvSpPr/>
+                <p:nvPr/>
+              </p:nvSpPr>
+              <p:spPr>
+                <a:xfrm>
+                  <a:off x="4204208" y="2488586"/>
+                  <a:ext cx="454483" cy="430924"/>
+                </a:xfrm>
+                <a:prstGeom prst="rect">
+                  <a:avLst/>
+                </a:prstGeom>
+                <a:solidFill>
+                  <a:schemeClr val="bg1"/>
+                </a:solidFill>
+                <a:ln w="19050">
+                  <a:solidFill>
+                    <a:schemeClr val="accent2"/>
+                  </a:solidFill>
+                </a:ln>
+              </p:spPr>
+              <p:style>
+                <a:lnRef idx="2">
+                  <a:schemeClr val="accent1">
+                    <a:shade val="50000"/>
+                  </a:schemeClr>
+                </a:lnRef>
+                <a:fillRef idx="1">
+                  <a:schemeClr val="accent1"/>
+                </a:fillRef>
+                <a:effectRef idx="0">
+                  <a:schemeClr val="accent1"/>
+                </a:effectRef>
+                <a:fontRef idx="minor">
+                  <a:schemeClr val="lt1"/>
+                </a:fontRef>
+              </p:style>
+              <p:txBody>
+                <a:bodyPr rtlCol="0" anchor="ctr"/>
+                <a:lstStyle/>
+                <a:p>
+                  <a:pPr algn="ctr"/>
+                  <a14:m>
+                    <m:oMathPara xmlns:m="http://schemas.openxmlformats.org/officeDocument/2006/math">
+                      <m:oMathParaPr>
+                        <m:jc m:val="left"/>
+                      </m:oMathParaPr>
+                      <m:oMath xmlns:m="http://schemas.openxmlformats.org/officeDocument/2006/math">
+                        <m:r>
+                          <a:rPr lang="en-US" altLang="zh-CN" sz="2400" b="0" i="1" dirty="0" smtClean="0">
+                            <a:solidFill>
+                              <a:schemeClr val="accent2"/>
+                            </a:solidFill>
+                            <a:latin typeface="Cambria Math" panose="02040503050406030204" pitchFamily="18" charset="0"/>
+                          </a:rPr>
+                          <m:t> </m:t>
+                        </m:r>
+                        <m:r>
+                          <a:rPr lang="en-US" altLang="zh-CN" sz="2400" b="0" i="1" dirty="0" smtClean="0">
+                            <a:solidFill>
+                              <a:schemeClr val="accent2"/>
+                            </a:solidFill>
+                            <a:latin typeface="Cambria Math" panose="02040503050406030204" pitchFamily="18" charset="0"/>
+                          </a:rPr>
+                          <m:t>𝑇</m:t>
+                        </m:r>
+                      </m:oMath>
+                    </m:oMathPara>
+                  </a14:m>
+                  <a:endParaRPr lang="en-US" sz="2400" i="1" dirty="0">
+                    <a:solidFill>
+                      <a:schemeClr val="accent2"/>
+                    </a:solidFill>
+                  </a:endParaRPr>
+                </a:p>
+              </p:txBody>
+            </p:sp>
+          </mc:Choice>
+          <mc:Fallback xmlns="">
+            <p:sp>
+              <p:nvSpPr>
+                <p:cNvPr id="12" name="Rectangle 11">
+                  <a:extLst>
+                    <a:ext uri="{FF2B5EF4-FFF2-40B4-BE49-F238E27FC236}">
+                      <a16:creationId xmlns:a16="http://schemas.microsoft.com/office/drawing/2014/main" id="{7AFAE6DD-B326-320B-DD16-75116A0B76B1}"/>
+                    </a:ext>
+                  </a:extLst>
+                </p:cNvPr>
+                <p:cNvSpPr>
+                  <a:spLocks noRot="1" noChangeAspect="1" noMove="1" noResize="1" noEditPoints="1" noAdjustHandles="1" noChangeArrowheads="1" noChangeShapeType="1" noTextEdit="1"/>
+                </p:cNvSpPr>
+                <p:nvPr/>
+              </p:nvSpPr>
+              <p:spPr>
+                <a:xfrm>
+                  <a:off x="4204208" y="2488586"/>
+                  <a:ext cx="454483" cy="430924"/>
+                </a:xfrm>
+                <a:prstGeom prst="rect">
+                  <a:avLst/>
+                </a:prstGeom>
+                <a:blipFill>
+                  <a:blip r:embed="rId7"/>
+                  <a:stretch>
+                    <a:fillRect/>
+                  </a:stretch>
+                </a:blipFill>
+                <a:ln w="19050">
+                  <a:solidFill>
+                    <a:schemeClr val="accent2"/>
+                  </a:solidFill>
+                </a:ln>
+              </p:spPr>
+              <p:txBody>
+                <a:bodyPr/>
+                <a:lstStyle/>
+                <a:p>
+                  <a:r>
+                    <a:rPr lang="zh-CN" altLang="en-US">
+                      <a:noFill/>
+                    </a:rPr>
+                    <a:t> </a:t>
+                  </a:r>
+                </a:p>
+              </p:txBody>
+            </p:sp>
+          </mc:Fallback>
+        </mc:AlternateContent>
+        <p:grpSp>
+          <p:nvGrpSpPr>
+            <p:cNvPr id="13" name="Group 12">
+              <a:extLst>
+                <a:ext uri="{FF2B5EF4-FFF2-40B4-BE49-F238E27FC236}">
+                  <a16:creationId xmlns:a16="http://schemas.microsoft.com/office/drawing/2014/main" id="{85FC54B1-5B6C-AEE5-C06A-223D3B368D00}"/>
+                </a:ext>
+              </a:extLst>
+            </p:cNvPr>
+            <p:cNvGrpSpPr/>
+            <p:nvPr/>
+          </p:nvGrpSpPr>
+          <p:grpSpPr>
+            <a:xfrm>
+              <a:off x="5962417" y="3240239"/>
+              <a:ext cx="288705" cy="880346"/>
+              <a:chOff x="7216975" y="4763508"/>
+              <a:chExt cx="288705" cy="880346"/>
+            </a:xfrm>
+          </p:grpSpPr>
+          <p:sp>
+            <p:nvSpPr>
+              <p:cNvPr id="27" name="Or 71">
+                <a:extLst>
+                  <a:ext uri="{FF2B5EF4-FFF2-40B4-BE49-F238E27FC236}">
+                    <a16:creationId xmlns:a16="http://schemas.microsoft.com/office/drawing/2014/main" id="{F2D7D7DE-B41A-602B-D73D-146C9EE57B10}"/>
+                  </a:ext>
+                </a:extLst>
+              </p:cNvPr>
+              <p:cNvSpPr/>
+              <p:nvPr/>
+            </p:nvSpPr>
+            <p:spPr>
+              <a:xfrm>
+                <a:off x="7216975" y="4763508"/>
+                <a:ext cx="288705" cy="288705"/>
+              </a:xfrm>
+              <a:prstGeom prst="flowChartOr">
+                <a:avLst/>
+              </a:prstGeom>
+              <a:solidFill>
+                <a:schemeClr val="bg1"/>
+              </a:solidFill>
+              <a:ln w="19050">
+                <a:solidFill>
+                  <a:schemeClr val="accent2"/>
+                </a:solidFill>
+              </a:ln>
+            </p:spPr>
+            <p:style>
+              <a:lnRef idx="2">
+                <a:schemeClr val="accent1">
+                  <a:shade val="50000"/>
+                </a:schemeClr>
+              </a:lnRef>
+              <a:fillRef idx="1">
+                <a:schemeClr val="accent1"/>
+              </a:fillRef>
+              <a:effectRef idx="0">
+                <a:schemeClr val="accent1"/>
+              </a:effectRef>
+              <a:fontRef idx="minor">
+                <a:schemeClr val="lt1"/>
+              </a:fontRef>
+            </p:style>
+            <p:txBody>
+              <a:bodyPr rtlCol="0" anchor="ctr"/>
+              <a:lstStyle/>
+              <a:p>
+                <a:pPr algn="ctr"/>
+                <a:endParaRPr lang="en-US"/>
+              </a:p>
+            </p:txBody>
+          </p:sp>
+          <p:sp>
+            <p:nvSpPr>
+              <p:cNvPr id="28" name="Connector 72">
+                <a:extLst>
+                  <a:ext uri="{FF2B5EF4-FFF2-40B4-BE49-F238E27FC236}">
+                    <a16:creationId xmlns:a16="http://schemas.microsoft.com/office/drawing/2014/main" id="{89EC96F2-DAF7-EE5D-4238-EC83EEFEFA56}"/>
+                  </a:ext>
+                </a:extLst>
+              </p:cNvPr>
+              <p:cNvSpPr/>
+              <p:nvPr/>
+            </p:nvSpPr>
+            <p:spPr>
+              <a:xfrm>
+                <a:off x="7304293" y="5529786"/>
+                <a:ext cx="114068" cy="114068"/>
+              </a:xfrm>
+              <a:prstGeom prst="flowChartConnector">
+                <a:avLst/>
+              </a:prstGeom>
+              <a:solidFill>
+                <a:schemeClr val="accent2"/>
+              </a:solidFill>
+              <a:ln>
+                <a:noFill/>
+              </a:ln>
+            </p:spPr>
+            <p:style>
+              <a:lnRef idx="2">
+                <a:schemeClr val="accent1">
+                  <a:shade val="50000"/>
+                </a:schemeClr>
+              </a:lnRef>
+              <a:fillRef idx="1">
+                <a:schemeClr val="accent1"/>
+              </a:fillRef>
+              <a:effectRef idx="0">
+                <a:schemeClr val="accent1"/>
+              </a:effectRef>
+              <a:fontRef idx="minor">
+                <a:schemeClr val="lt1"/>
+              </a:fontRef>
+            </p:style>
+            <p:txBody>
+              <a:bodyPr rtlCol="0" anchor="ctr"/>
+              <a:lstStyle/>
+              <a:p>
+                <a:pPr algn="ctr"/>
+                <a:endParaRPr lang="en-US"/>
+              </a:p>
+            </p:txBody>
+          </p:sp>
+          <p:cxnSp>
+            <p:nvCxnSpPr>
+              <p:cNvPr id="29" name="Straight Connector 28">
+                <a:extLst>
+                  <a:ext uri="{FF2B5EF4-FFF2-40B4-BE49-F238E27FC236}">
+                    <a16:creationId xmlns:a16="http://schemas.microsoft.com/office/drawing/2014/main" id="{4BE164EA-862D-9B86-90E1-225F6E39F147}"/>
+                  </a:ext>
+                </a:extLst>
+              </p:cNvPr>
+              <p:cNvCxnSpPr>
+                <a:cxnSpLocks/>
+                <a:stCxn id="27" idx="4"/>
+                <a:endCxn id="28" idx="0"/>
+              </p:cNvCxnSpPr>
+              <p:nvPr/>
+            </p:nvCxnSpPr>
+            <p:spPr>
+              <a:xfrm flipH="1">
+                <a:off x="7361327" y="5052213"/>
+                <a:ext cx="1" cy="477573"/>
+              </a:xfrm>
+              <a:prstGeom prst="line">
+                <a:avLst/>
+              </a:prstGeom>
+              <a:ln w="19050">
+                <a:solidFill>
+                  <a:schemeClr val="accent2"/>
+                </a:solidFill>
+                <a:headEnd type="none" w="med" len="med"/>
+                <a:tailEnd type="none" w="med" len="med"/>
+              </a:ln>
+            </p:spPr>
+            <p:style>
+              <a:lnRef idx="1">
+                <a:schemeClr val="accent1"/>
+              </a:lnRef>
+              <a:fillRef idx="0">
+                <a:schemeClr val="accent1"/>
+              </a:fillRef>
+              <a:effectRef idx="0">
+                <a:schemeClr val="accent1"/>
+              </a:effectRef>
+              <a:fontRef idx="minor">
+                <a:schemeClr val="tx1"/>
+              </a:fontRef>
+            </p:style>
+          </p:cxnSp>
+        </p:grpSp>
+        <mc:AlternateContent xmlns:mc="http://schemas.openxmlformats.org/markup-compatibility/2006">
+          <mc:Choice xmlns:a14="http://schemas.microsoft.com/office/drawing/2010/main" Requires="a14">
+            <p:sp>
+              <p:nvSpPr>
+                <p:cNvPr id="14" name="Rectangle 13">
+                  <a:extLst>
+                    <a:ext uri="{FF2B5EF4-FFF2-40B4-BE49-F238E27FC236}">
+                      <a16:creationId xmlns:a16="http://schemas.microsoft.com/office/drawing/2014/main" id="{CABBAD27-7F4A-52C7-B404-7C89D83834EE}"/>
+                    </a:ext>
+                  </a:extLst>
+                </p:cNvPr>
+                <p:cNvSpPr/>
+                <p:nvPr/>
+              </p:nvSpPr>
+              <p:spPr>
+                <a:xfrm>
+                  <a:off x="8651270" y="2517157"/>
+                  <a:ext cx="454483" cy="430924"/>
+                </a:xfrm>
+                <a:prstGeom prst="rect">
+                  <a:avLst/>
+                </a:prstGeom>
+                <a:solidFill>
+                  <a:schemeClr val="accent5">
+                    <a:lumMod val="20000"/>
+                    <a:lumOff val="80000"/>
+                  </a:schemeClr>
+                </a:solidFill>
+                <a:ln w="19050">
+                  <a:solidFill>
+                    <a:schemeClr val="accent5"/>
+                  </a:solidFill>
+                </a:ln>
+              </p:spPr>
+              <p:style>
+                <a:lnRef idx="2">
+                  <a:schemeClr val="accent1">
+                    <a:shade val="50000"/>
+                  </a:schemeClr>
+                </a:lnRef>
+                <a:fillRef idx="1">
+                  <a:schemeClr val="accent1"/>
+                </a:fillRef>
+                <a:effectRef idx="0">
+                  <a:schemeClr val="accent1"/>
+                </a:effectRef>
+                <a:fontRef idx="minor">
+                  <a:schemeClr val="lt1"/>
+                </a:fontRef>
+              </p:style>
+              <p:txBody>
+                <a:bodyPr rtlCol="0" anchor="ctr"/>
+                <a:lstStyle/>
+                <a:p>
+                  <a:pPr algn="ctr"/>
+                  <a14:m>
+                    <m:oMathPara xmlns:m="http://schemas.openxmlformats.org/officeDocument/2006/math">
+                      <m:oMathParaPr>
+                        <m:jc m:val="left"/>
+                      </m:oMathParaPr>
+                      <m:oMath xmlns:m="http://schemas.openxmlformats.org/officeDocument/2006/math">
+                        <m:sSup>
+                          <m:sSupPr>
+                            <m:ctrlPr>
+                              <a:rPr lang="en-US" altLang="zh-CN" sz="2400" i="1" dirty="0" smtClean="0">
+                                <a:solidFill>
+                                  <a:schemeClr val="accent5"/>
+                                </a:solidFill>
+                                <a:latin typeface="Cambria Math" panose="02040503050406030204" pitchFamily="18" charset="0"/>
+                              </a:rPr>
+                            </m:ctrlPr>
+                          </m:sSupPr>
+                          <m:e>
+                            <m:r>
+                              <a:rPr lang="en-US" altLang="zh-CN" sz="2400" b="0" i="1" dirty="0" smtClean="0">
+                                <a:solidFill>
+                                  <a:schemeClr val="accent5"/>
+                                </a:solidFill>
+                                <a:latin typeface="Cambria Math" panose="02040503050406030204" pitchFamily="18" charset="0"/>
+                              </a:rPr>
+                              <m:t>𝑇</m:t>
+                            </m:r>
+                          </m:e>
+                          <m:sup>
+                            <m:r>
+                              <a:rPr lang="en-US" altLang="zh-CN" sz="2400" i="1" dirty="0" smtClean="0">
+                                <a:solidFill>
+                                  <a:schemeClr val="accent5"/>
+                                </a:solidFill>
+                                <a:latin typeface="Cambria Math" panose="02040503050406030204" pitchFamily="18" charset="0"/>
+                                <a:ea typeface="Cambria Math" panose="02040503050406030204" pitchFamily="18" charset="0"/>
+                              </a:rPr>
+                              <m:t>†</m:t>
+                            </m:r>
+                          </m:sup>
+                        </m:sSup>
+                      </m:oMath>
+                    </m:oMathPara>
+                  </a14:m>
+                  <a:endParaRPr lang="en-US" sz="2400" i="1" dirty="0">
+                    <a:solidFill>
+                      <a:schemeClr val="accent5"/>
+                    </a:solidFill>
+                  </a:endParaRPr>
+                </a:p>
+              </p:txBody>
+            </p:sp>
+          </mc:Choice>
+          <mc:Fallback>
+            <p:sp>
+              <p:nvSpPr>
+                <p:cNvPr id="14" name="Rectangle 13">
+                  <a:extLst>
+                    <a:ext uri="{FF2B5EF4-FFF2-40B4-BE49-F238E27FC236}">
+                      <a16:creationId xmlns:a16="http://schemas.microsoft.com/office/drawing/2014/main" id="{CABBAD27-7F4A-52C7-B404-7C89D83834EE}"/>
+                    </a:ext>
+                  </a:extLst>
+                </p:cNvPr>
+                <p:cNvSpPr>
+                  <a:spLocks noRot="1" noChangeAspect="1" noMove="1" noResize="1" noEditPoints="1" noAdjustHandles="1" noChangeArrowheads="1" noChangeShapeType="1" noTextEdit="1"/>
+                </p:cNvSpPr>
+                <p:nvPr/>
+              </p:nvSpPr>
+              <p:spPr>
+                <a:xfrm>
+                  <a:off x="8651270" y="2517157"/>
+                  <a:ext cx="454483" cy="430924"/>
+                </a:xfrm>
+                <a:prstGeom prst="rect">
+                  <a:avLst/>
+                </a:prstGeom>
+                <a:blipFill>
+                  <a:blip r:embed="rId8"/>
+                  <a:stretch>
+                    <a:fillRect l="-1282" r="-11538"/>
+                  </a:stretch>
+                </a:blipFill>
+                <a:ln w="19050">
+                  <a:solidFill>
+                    <a:schemeClr val="accent5"/>
+                  </a:solidFill>
+                </a:ln>
+              </p:spPr>
+              <p:txBody>
+                <a:bodyPr/>
+                <a:lstStyle/>
+                <a:p>
+                  <a:r>
+                    <a:rPr lang="zh-CN" altLang="en-US">
+                      <a:noFill/>
+                    </a:rPr>
+                    <a:t> </a:t>
+                  </a:r>
+                </a:p>
+              </p:txBody>
+            </p:sp>
+          </mc:Fallback>
+        </mc:AlternateContent>
+        <p:grpSp>
+          <p:nvGrpSpPr>
+            <p:cNvPr id="15" name="Group 14">
+              <a:extLst>
+                <a:ext uri="{FF2B5EF4-FFF2-40B4-BE49-F238E27FC236}">
+                  <a16:creationId xmlns:a16="http://schemas.microsoft.com/office/drawing/2014/main" id="{62E847CA-CC8C-B1F3-009B-F7CE0B2A084B}"/>
+                </a:ext>
+              </a:extLst>
+            </p:cNvPr>
+            <p:cNvGrpSpPr/>
+            <p:nvPr/>
+          </p:nvGrpSpPr>
+          <p:grpSpPr>
+            <a:xfrm>
+              <a:off x="6961599" y="2574198"/>
+              <a:ext cx="288705" cy="879083"/>
+              <a:chOff x="6355062" y="908275"/>
+              <a:chExt cx="288705" cy="879083"/>
+            </a:xfrm>
+          </p:grpSpPr>
+          <p:sp>
+            <p:nvSpPr>
+              <p:cNvPr id="24" name="Or 77">
+                <a:extLst>
+                  <a:ext uri="{FF2B5EF4-FFF2-40B4-BE49-F238E27FC236}">
+                    <a16:creationId xmlns:a16="http://schemas.microsoft.com/office/drawing/2014/main" id="{69DC530F-F4AF-1A4F-A105-3C2730C48857}"/>
+                  </a:ext>
+                </a:extLst>
+              </p:cNvPr>
+              <p:cNvSpPr/>
+              <p:nvPr/>
+            </p:nvSpPr>
+            <p:spPr>
+              <a:xfrm>
+                <a:off x="6355062" y="908275"/>
+                <a:ext cx="288705" cy="288705"/>
+              </a:xfrm>
+              <a:prstGeom prst="flowChartOr">
+                <a:avLst/>
+              </a:prstGeom>
+              <a:solidFill>
+                <a:schemeClr val="bg1"/>
+              </a:solidFill>
+              <a:ln w="19050">
+                <a:solidFill>
+                  <a:schemeClr val="accent2"/>
+                </a:solidFill>
+              </a:ln>
+            </p:spPr>
+            <p:style>
+              <a:lnRef idx="2">
+                <a:schemeClr val="accent1">
+                  <a:shade val="50000"/>
+                </a:schemeClr>
+              </a:lnRef>
+              <a:fillRef idx="1">
+                <a:schemeClr val="accent1"/>
+              </a:fillRef>
+              <a:effectRef idx="0">
+                <a:schemeClr val="accent1"/>
+              </a:effectRef>
+              <a:fontRef idx="minor">
+                <a:schemeClr val="lt1"/>
+              </a:fontRef>
+            </p:style>
+            <p:txBody>
+              <a:bodyPr rtlCol="0" anchor="ctr"/>
+              <a:lstStyle/>
+              <a:p>
+                <a:pPr algn="ctr"/>
+                <a:endParaRPr lang="en-US"/>
+              </a:p>
+            </p:txBody>
+          </p:sp>
+          <p:sp>
+            <p:nvSpPr>
+              <p:cNvPr id="25" name="Connector 78">
+                <a:extLst>
+                  <a:ext uri="{FF2B5EF4-FFF2-40B4-BE49-F238E27FC236}">
+                    <a16:creationId xmlns:a16="http://schemas.microsoft.com/office/drawing/2014/main" id="{5D0C1BFC-6E38-E389-47CA-98B63B77F1B4}"/>
+                  </a:ext>
+                </a:extLst>
+              </p:cNvPr>
+              <p:cNvSpPr/>
+              <p:nvPr/>
+            </p:nvSpPr>
+            <p:spPr>
+              <a:xfrm>
+                <a:off x="6442381" y="1673290"/>
+                <a:ext cx="114068" cy="114068"/>
+              </a:xfrm>
+              <a:prstGeom prst="flowChartConnector">
+                <a:avLst/>
+              </a:prstGeom>
+              <a:solidFill>
+                <a:schemeClr val="accent2"/>
+              </a:solidFill>
+              <a:ln>
+                <a:noFill/>
+              </a:ln>
+            </p:spPr>
+            <p:style>
+              <a:lnRef idx="2">
+                <a:schemeClr val="accent1">
+                  <a:shade val="50000"/>
+                </a:schemeClr>
+              </a:lnRef>
+              <a:fillRef idx="1">
+                <a:schemeClr val="accent1"/>
+              </a:fillRef>
+              <a:effectRef idx="0">
+                <a:schemeClr val="accent1"/>
+              </a:effectRef>
+              <a:fontRef idx="minor">
+                <a:schemeClr val="lt1"/>
+              </a:fontRef>
+            </p:style>
+            <p:txBody>
+              <a:bodyPr rtlCol="0" anchor="ctr"/>
+              <a:lstStyle/>
+              <a:p>
+                <a:pPr algn="ctr"/>
+                <a:endParaRPr lang="en-US" dirty="0"/>
+              </a:p>
+            </p:txBody>
+          </p:sp>
+          <p:cxnSp>
+            <p:nvCxnSpPr>
+              <p:cNvPr id="26" name="Straight Connector 25">
+                <a:extLst>
+                  <a:ext uri="{FF2B5EF4-FFF2-40B4-BE49-F238E27FC236}">
+                    <a16:creationId xmlns:a16="http://schemas.microsoft.com/office/drawing/2014/main" id="{32204404-FEE9-A020-FEFC-829F4E6DCCEC}"/>
+                  </a:ext>
+                </a:extLst>
+              </p:cNvPr>
+              <p:cNvCxnSpPr>
+                <a:cxnSpLocks/>
+                <a:stCxn id="25" idx="0"/>
+                <a:endCxn id="24" idx="4"/>
+              </p:cNvCxnSpPr>
+              <p:nvPr/>
+            </p:nvCxnSpPr>
+            <p:spPr>
+              <a:xfrm flipV="1">
+                <a:off x="6499415" y="1196980"/>
+                <a:ext cx="0" cy="476310"/>
+              </a:xfrm>
+              <a:prstGeom prst="line">
+                <a:avLst/>
+              </a:prstGeom>
+              <a:ln w="19050">
+                <a:solidFill>
+                  <a:schemeClr val="accent2"/>
+                </a:solidFill>
+                <a:headEnd type="none" w="med" len="med"/>
+                <a:tailEnd type="none" w="med" len="med"/>
+              </a:ln>
+            </p:spPr>
+            <p:style>
+              <a:lnRef idx="1">
+                <a:schemeClr val="accent1"/>
+              </a:lnRef>
+              <a:fillRef idx="0">
+                <a:schemeClr val="accent1"/>
+              </a:fillRef>
+              <a:effectRef idx="0">
+                <a:schemeClr val="accent1"/>
+              </a:effectRef>
+              <a:fontRef idx="minor">
+                <a:schemeClr val="tx1"/>
+              </a:fontRef>
+            </p:style>
+          </p:cxnSp>
+        </p:grpSp>
+        <mc:AlternateContent xmlns:mc="http://schemas.openxmlformats.org/markup-compatibility/2006" xmlns:a14="http://schemas.microsoft.com/office/drawing/2010/main">
+          <mc:Choice Requires="a14">
+            <p:sp>
+              <p:nvSpPr>
+                <p:cNvPr id="16" name="Rectangle 15">
+                  <a:extLst>
+                    <a:ext uri="{FF2B5EF4-FFF2-40B4-BE49-F238E27FC236}">
+                      <a16:creationId xmlns:a16="http://schemas.microsoft.com/office/drawing/2014/main" id="{A92FA6A8-3725-52E9-E399-D186685C8180}"/>
+                    </a:ext>
+                  </a:extLst>
+                </p:cNvPr>
+                <p:cNvSpPr/>
+                <p:nvPr/>
+              </p:nvSpPr>
+              <p:spPr>
+                <a:xfrm>
+                  <a:off x="7447908" y="2507550"/>
+                  <a:ext cx="454483" cy="430924"/>
+                </a:xfrm>
+                <a:prstGeom prst="rect">
+                  <a:avLst/>
+                </a:prstGeom>
+                <a:solidFill>
+                  <a:schemeClr val="bg1"/>
+                </a:solidFill>
+                <a:ln w="19050">
+                  <a:solidFill>
+                    <a:schemeClr val="accent2"/>
+                  </a:solidFill>
+                </a:ln>
+              </p:spPr>
+              <p:style>
+                <a:lnRef idx="2">
+                  <a:schemeClr val="accent1">
+                    <a:shade val="50000"/>
+                  </a:schemeClr>
+                </a:lnRef>
+                <a:fillRef idx="1">
+                  <a:schemeClr val="accent1"/>
+                </a:fillRef>
+                <a:effectRef idx="0">
+                  <a:schemeClr val="accent1"/>
+                </a:effectRef>
+                <a:fontRef idx="minor">
+                  <a:schemeClr val="lt1"/>
+                </a:fontRef>
+              </p:style>
+              <p:txBody>
+                <a:bodyPr rtlCol="0" anchor="ctr"/>
+                <a:lstStyle/>
+                <a:p>
+                  <a:pPr algn="ctr"/>
+                  <a14:m>
+                    <m:oMathPara xmlns:m="http://schemas.openxmlformats.org/officeDocument/2006/math">
+                      <m:oMathParaPr>
+                        <m:jc m:val="left"/>
+                      </m:oMathParaPr>
+                      <m:oMath xmlns:m="http://schemas.openxmlformats.org/officeDocument/2006/math">
+                        <m:r>
+                          <a:rPr lang="en-US" altLang="zh-CN" sz="2400" b="0" i="1" dirty="0" smtClean="0">
+                            <a:solidFill>
+                              <a:schemeClr val="accent2"/>
+                            </a:solidFill>
+                            <a:latin typeface="Cambria Math" panose="02040503050406030204" pitchFamily="18" charset="0"/>
+                          </a:rPr>
+                          <m:t> </m:t>
+                        </m:r>
+                        <m:r>
+                          <a:rPr lang="en-US" altLang="zh-CN" sz="2400" b="0" i="1" dirty="0" smtClean="0">
+                            <a:solidFill>
+                              <a:schemeClr val="accent2"/>
+                            </a:solidFill>
+                            <a:latin typeface="Cambria Math" panose="02040503050406030204" pitchFamily="18" charset="0"/>
+                          </a:rPr>
+                          <m:t>𝑇</m:t>
+                        </m:r>
+                      </m:oMath>
+                    </m:oMathPara>
+                  </a14:m>
+                  <a:endParaRPr lang="en-US" sz="2400" i="1" dirty="0">
+                    <a:solidFill>
+                      <a:schemeClr val="accent2"/>
+                    </a:solidFill>
+                  </a:endParaRPr>
+                </a:p>
+              </p:txBody>
+            </p:sp>
+          </mc:Choice>
+          <mc:Fallback xmlns="">
+            <p:sp>
+              <p:nvSpPr>
+                <p:cNvPr id="16" name="Rectangle 15">
+                  <a:extLst>
+                    <a:ext uri="{FF2B5EF4-FFF2-40B4-BE49-F238E27FC236}">
+                      <a16:creationId xmlns:a16="http://schemas.microsoft.com/office/drawing/2014/main" id="{A92FA6A8-3725-52E9-E399-D186685C8180}"/>
+                    </a:ext>
+                  </a:extLst>
+                </p:cNvPr>
+                <p:cNvSpPr>
+                  <a:spLocks noRot="1" noChangeAspect="1" noMove="1" noResize="1" noEditPoints="1" noAdjustHandles="1" noChangeArrowheads="1" noChangeShapeType="1" noTextEdit="1"/>
+                </p:cNvSpPr>
+                <p:nvPr/>
+              </p:nvSpPr>
+              <p:spPr>
+                <a:xfrm>
+                  <a:off x="7447908" y="2507550"/>
+                  <a:ext cx="454483" cy="430924"/>
+                </a:xfrm>
+                <a:prstGeom prst="rect">
+                  <a:avLst/>
+                </a:prstGeom>
+                <a:blipFill>
+                  <a:blip r:embed="rId9"/>
+                  <a:stretch>
+                    <a:fillRect/>
+                  </a:stretch>
+                </a:blipFill>
+                <a:ln w="19050">
+                  <a:solidFill>
+                    <a:schemeClr val="accent2"/>
+                  </a:solidFill>
+                </a:ln>
+              </p:spPr>
+              <p:txBody>
+                <a:bodyPr/>
+                <a:lstStyle/>
+                <a:p>
+                  <a:r>
+                    <a:rPr lang="zh-CN" altLang="en-US">
+                      <a:noFill/>
+                    </a:rPr>
+                    <a:t> </a:t>
+                  </a:r>
+                </a:p>
+              </p:txBody>
+            </p:sp>
+          </mc:Fallback>
+        </mc:AlternateContent>
+        <p:grpSp>
+          <p:nvGrpSpPr>
+            <p:cNvPr id="17" name="Group 16">
+              <a:extLst>
+                <a:ext uri="{FF2B5EF4-FFF2-40B4-BE49-F238E27FC236}">
+                  <a16:creationId xmlns:a16="http://schemas.microsoft.com/office/drawing/2014/main" id="{C2031207-35FF-B49C-7FAA-675104259189}"/>
+                </a:ext>
+              </a:extLst>
+            </p:cNvPr>
+            <p:cNvGrpSpPr/>
+            <p:nvPr/>
+          </p:nvGrpSpPr>
+          <p:grpSpPr>
+            <a:xfrm>
+              <a:off x="8116063" y="2579381"/>
+              <a:ext cx="288705" cy="1547300"/>
+              <a:chOff x="6355062" y="908275"/>
+              <a:chExt cx="288705" cy="1547300"/>
+            </a:xfrm>
+          </p:grpSpPr>
+          <p:sp>
+            <p:nvSpPr>
+              <p:cNvPr id="21" name="Or 77">
+                <a:extLst>
+                  <a:ext uri="{FF2B5EF4-FFF2-40B4-BE49-F238E27FC236}">
+                    <a16:creationId xmlns:a16="http://schemas.microsoft.com/office/drawing/2014/main" id="{1DCFB7C8-F31C-CCD4-F009-8F6D45B5C5D4}"/>
+                  </a:ext>
+                </a:extLst>
+              </p:cNvPr>
+              <p:cNvSpPr/>
+              <p:nvPr/>
+            </p:nvSpPr>
+            <p:spPr>
+              <a:xfrm>
+                <a:off x="6355062" y="908275"/>
+                <a:ext cx="288705" cy="288705"/>
+              </a:xfrm>
+              <a:prstGeom prst="flowChartOr">
+                <a:avLst/>
+              </a:prstGeom>
+              <a:solidFill>
+                <a:schemeClr val="bg1"/>
+              </a:solidFill>
+              <a:ln w="19050">
+                <a:solidFill>
+                  <a:schemeClr val="accent2"/>
+                </a:solidFill>
+              </a:ln>
+            </p:spPr>
+            <p:style>
+              <a:lnRef idx="2">
+                <a:schemeClr val="accent1">
+                  <a:shade val="50000"/>
+                </a:schemeClr>
+              </a:lnRef>
+              <a:fillRef idx="1">
+                <a:schemeClr val="accent1"/>
+              </a:fillRef>
+              <a:effectRef idx="0">
+                <a:schemeClr val="accent1"/>
+              </a:effectRef>
+              <a:fontRef idx="minor">
+                <a:schemeClr val="lt1"/>
+              </a:fontRef>
+            </p:style>
+            <p:txBody>
+              <a:bodyPr rtlCol="0" anchor="ctr"/>
+              <a:lstStyle/>
+              <a:p>
+                <a:pPr algn="ctr"/>
+                <a:endParaRPr lang="en-US"/>
+              </a:p>
+            </p:txBody>
+          </p:sp>
+          <p:sp>
+            <p:nvSpPr>
+              <p:cNvPr id="22" name="Connector 78">
+                <a:extLst>
+                  <a:ext uri="{FF2B5EF4-FFF2-40B4-BE49-F238E27FC236}">
+                    <a16:creationId xmlns:a16="http://schemas.microsoft.com/office/drawing/2014/main" id="{D952E675-E250-0FA0-4027-354A3D8CA8C9}"/>
+                  </a:ext>
+                </a:extLst>
+              </p:cNvPr>
+              <p:cNvSpPr/>
+              <p:nvPr/>
+            </p:nvSpPr>
+            <p:spPr>
+              <a:xfrm>
+                <a:off x="6442380" y="2341507"/>
+                <a:ext cx="114068" cy="114068"/>
+              </a:xfrm>
+              <a:prstGeom prst="flowChartConnector">
+                <a:avLst/>
+              </a:prstGeom>
+              <a:solidFill>
+                <a:schemeClr val="accent2"/>
+              </a:solidFill>
+              <a:ln>
+                <a:noFill/>
+              </a:ln>
+            </p:spPr>
+            <p:style>
+              <a:lnRef idx="2">
+                <a:schemeClr val="accent1">
+                  <a:shade val="50000"/>
+                </a:schemeClr>
+              </a:lnRef>
+              <a:fillRef idx="1">
+                <a:schemeClr val="accent1"/>
+              </a:fillRef>
+              <a:effectRef idx="0">
+                <a:schemeClr val="accent1"/>
+              </a:effectRef>
+              <a:fontRef idx="minor">
+                <a:schemeClr val="lt1"/>
+              </a:fontRef>
+            </p:style>
+            <p:txBody>
+              <a:bodyPr rtlCol="0" anchor="ctr"/>
+              <a:lstStyle/>
+              <a:p>
+                <a:pPr algn="ctr"/>
+                <a:endParaRPr lang="en-US"/>
+              </a:p>
+            </p:txBody>
+          </p:sp>
+          <p:cxnSp>
+            <p:nvCxnSpPr>
+              <p:cNvPr id="23" name="Straight Connector 22">
+                <a:extLst>
+                  <a:ext uri="{FF2B5EF4-FFF2-40B4-BE49-F238E27FC236}">
+                    <a16:creationId xmlns:a16="http://schemas.microsoft.com/office/drawing/2014/main" id="{16B85FFB-D918-435A-65B1-615F8A8DCCCC}"/>
+                  </a:ext>
+                </a:extLst>
+              </p:cNvPr>
+              <p:cNvCxnSpPr>
+                <a:cxnSpLocks/>
+                <a:stCxn id="22" idx="0"/>
+                <a:endCxn id="21" idx="4"/>
+              </p:cNvCxnSpPr>
+              <p:nvPr/>
+            </p:nvCxnSpPr>
+            <p:spPr>
+              <a:xfrm flipV="1">
+                <a:off x="6499414" y="1196980"/>
+                <a:ext cx="1" cy="1144527"/>
+              </a:xfrm>
+              <a:prstGeom prst="line">
+                <a:avLst/>
+              </a:prstGeom>
+              <a:ln w="19050">
+                <a:solidFill>
+                  <a:schemeClr val="accent2"/>
+                </a:solidFill>
+                <a:headEnd type="none" w="med" len="med"/>
+                <a:tailEnd type="none" w="med" len="med"/>
+              </a:ln>
+            </p:spPr>
+            <p:style>
+              <a:lnRef idx="1">
+                <a:schemeClr val="accent1"/>
+              </a:lnRef>
+              <a:fillRef idx="0">
+                <a:schemeClr val="accent1"/>
+              </a:fillRef>
+              <a:effectRef idx="0">
+                <a:schemeClr val="accent1"/>
+              </a:effectRef>
+              <a:fontRef idx="minor">
+                <a:schemeClr val="tx1"/>
+              </a:fontRef>
+            </p:style>
+          </p:cxnSp>
+        </p:grpSp>
+        <mc:AlternateContent xmlns:mc="http://schemas.openxmlformats.org/markup-compatibility/2006">
+          <mc:Choice xmlns:a14="http://schemas.microsoft.com/office/drawing/2010/main" Requires="a14">
+            <p:sp>
+              <p:nvSpPr>
+                <p:cNvPr id="18" name="Rectangle 17">
+                  <a:extLst>
+                    <a:ext uri="{FF2B5EF4-FFF2-40B4-BE49-F238E27FC236}">
+                      <a16:creationId xmlns:a16="http://schemas.microsoft.com/office/drawing/2014/main" id="{AD2F371A-C3AB-3ADF-8325-3B6FF06D76C2}"/>
+                    </a:ext>
+                  </a:extLst>
+                </p:cNvPr>
+                <p:cNvSpPr/>
+                <p:nvPr/>
+              </p:nvSpPr>
+              <p:spPr>
+                <a:xfrm>
+                  <a:off x="2352424" y="2496120"/>
+                  <a:ext cx="454483" cy="430924"/>
+                </a:xfrm>
+                <a:prstGeom prst="rect">
+                  <a:avLst/>
+                </a:prstGeom>
+                <a:solidFill>
+                  <a:schemeClr val="accent5">
+                    <a:lumMod val="20000"/>
+                    <a:lumOff val="80000"/>
+                  </a:schemeClr>
+                </a:solidFill>
+                <a:ln w="19050">
+                  <a:solidFill>
+                    <a:schemeClr val="accent5"/>
+                  </a:solidFill>
+                </a:ln>
+              </p:spPr>
+              <p:style>
+                <a:lnRef idx="2">
+                  <a:schemeClr val="accent1">
+                    <a:shade val="50000"/>
+                  </a:schemeClr>
+                </a:lnRef>
+                <a:fillRef idx="1">
+                  <a:schemeClr val="accent1"/>
+                </a:fillRef>
+                <a:effectRef idx="0">
+                  <a:schemeClr val="accent1"/>
+                </a:effectRef>
+                <a:fontRef idx="minor">
+                  <a:schemeClr val="lt1"/>
+                </a:fontRef>
+              </p:style>
+              <p:txBody>
+                <a:bodyPr rtlCol="0" anchor="ctr"/>
+                <a:lstStyle/>
+                <a:p>
+                  <a:pPr algn="ctr"/>
+                  <a14:m>
+                    <m:oMathPara xmlns:m="http://schemas.openxmlformats.org/officeDocument/2006/math">
+                      <m:oMathParaPr>
+                        <m:jc m:val="left"/>
+                      </m:oMathParaPr>
+                      <m:oMath xmlns:m="http://schemas.openxmlformats.org/officeDocument/2006/math">
+                        <m:r>
+                          <a:rPr lang="en-US" altLang="zh-CN" sz="2400" b="0" i="1" dirty="0" smtClean="0">
+                            <a:solidFill>
+                              <a:schemeClr val="accent5"/>
+                            </a:solidFill>
+                            <a:latin typeface="Cambria Math" panose="02040503050406030204" pitchFamily="18" charset="0"/>
+                          </a:rPr>
+                          <m:t> </m:t>
+                        </m:r>
+                        <m:r>
+                          <a:rPr lang="en-US" altLang="zh-CN" sz="2400" b="0" i="1" dirty="0" smtClean="0">
+                            <a:solidFill>
+                              <a:schemeClr val="accent5"/>
+                            </a:solidFill>
+                            <a:latin typeface="Cambria Math" panose="02040503050406030204" pitchFamily="18" charset="0"/>
+                          </a:rPr>
+                          <m:t>𝑇</m:t>
+                        </m:r>
+                      </m:oMath>
+                    </m:oMathPara>
+                  </a14:m>
+                  <a:endParaRPr lang="en-US" sz="2400" i="1" dirty="0">
+                    <a:solidFill>
+                      <a:schemeClr val="accent5"/>
+                    </a:solidFill>
+                  </a:endParaRPr>
+                </a:p>
+              </p:txBody>
+            </p:sp>
+          </mc:Choice>
+          <mc:Fallback>
+            <p:sp>
+              <p:nvSpPr>
+                <p:cNvPr id="18" name="Rectangle 17">
+                  <a:extLst>
+                    <a:ext uri="{FF2B5EF4-FFF2-40B4-BE49-F238E27FC236}">
+                      <a16:creationId xmlns:a16="http://schemas.microsoft.com/office/drawing/2014/main" id="{AD2F371A-C3AB-3ADF-8325-3B6FF06D76C2}"/>
+                    </a:ext>
+                  </a:extLst>
+                </p:cNvPr>
+                <p:cNvSpPr>
+                  <a:spLocks noRot="1" noChangeAspect="1" noMove="1" noResize="1" noEditPoints="1" noAdjustHandles="1" noChangeArrowheads="1" noChangeShapeType="1" noTextEdit="1"/>
+                </p:cNvSpPr>
+                <p:nvPr/>
+              </p:nvSpPr>
+              <p:spPr>
+                <a:xfrm>
+                  <a:off x="2352424" y="2496120"/>
+                  <a:ext cx="454483" cy="430924"/>
+                </a:xfrm>
+                <a:prstGeom prst="rect">
+                  <a:avLst/>
+                </a:prstGeom>
+                <a:blipFill>
+                  <a:blip r:embed="rId10"/>
+                  <a:stretch>
+                    <a:fillRect/>
+                  </a:stretch>
+                </a:blipFill>
+                <a:ln w="19050">
+                  <a:solidFill>
+                    <a:schemeClr val="accent5"/>
+                  </a:solidFill>
+                </a:ln>
+              </p:spPr>
+              <p:txBody>
+                <a:bodyPr/>
+                <a:lstStyle/>
+                <a:p>
+                  <a:r>
+                    <a:rPr lang="zh-CN" altLang="en-US">
+                      <a:noFill/>
+                    </a:rPr>
+                    <a:t> </a:t>
+                  </a:r>
+                </a:p>
+              </p:txBody>
+            </p:sp>
+          </mc:Fallback>
+        </mc:AlternateContent>
+        <mc:AlternateContent xmlns:mc="http://schemas.openxmlformats.org/markup-compatibility/2006">
+          <mc:Choice xmlns:a14="http://schemas.microsoft.com/office/drawing/2010/main" Requires="a14">
+            <p:sp>
+              <p:nvSpPr>
+                <p:cNvPr id="19" name="Rectangle 18">
+                  <a:extLst>
+                    <a:ext uri="{FF2B5EF4-FFF2-40B4-BE49-F238E27FC236}">
+                      <a16:creationId xmlns:a16="http://schemas.microsoft.com/office/drawing/2014/main" id="{BF461864-85CD-964C-A57E-B6C8A7C292D4}"/>
+                    </a:ext>
+                  </a:extLst>
+                </p:cNvPr>
+                <p:cNvSpPr/>
+                <p:nvPr/>
+              </p:nvSpPr>
+              <p:spPr>
+                <a:xfrm>
+                  <a:off x="5298392" y="3844203"/>
+                  <a:ext cx="454483" cy="430924"/>
+                </a:xfrm>
+                <a:prstGeom prst="rect">
+                  <a:avLst/>
+                </a:prstGeom>
+                <a:solidFill>
+                  <a:schemeClr val="accent6">
+                    <a:lumMod val="20000"/>
+                    <a:lumOff val="80000"/>
+                  </a:schemeClr>
+                </a:solidFill>
+                <a:ln w="19050">
+                  <a:solidFill>
+                    <a:schemeClr val="accent6"/>
+                  </a:solidFill>
+                </a:ln>
+              </p:spPr>
+              <p:style>
+                <a:lnRef idx="2">
+                  <a:schemeClr val="accent1">
+                    <a:shade val="50000"/>
+                  </a:schemeClr>
+                </a:lnRef>
+                <a:fillRef idx="1">
+                  <a:schemeClr val="accent1"/>
+                </a:fillRef>
+                <a:effectRef idx="0">
+                  <a:schemeClr val="accent1"/>
+                </a:effectRef>
+                <a:fontRef idx="minor">
+                  <a:schemeClr val="lt1"/>
+                </a:fontRef>
+              </p:style>
+              <p:txBody>
+                <a:bodyPr rtlCol="0" anchor="ctr"/>
+                <a:lstStyle/>
+                <a:p>
+                  <a:pPr algn="ctr"/>
+                  <a14:m>
+                    <m:oMathPara xmlns:m="http://schemas.openxmlformats.org/officeDocument/2006/math">
+                      <m:oMathParaPr>
+                        <m:jc m:val="left"/>
+                      </m:oMathParaPr>
+                      <m:oMath xmlns:m="http://schemas.openxmlformats.org/officeDocument/2006/math">
+                        <m:sSup>
+                          <m:sSupPr>
+                            <m:ctrlPr>
+                              <a:rPr lang="en-US" altLang="zh-CN" sz="2400" i="1" dirty="0" smtClean="0">
+                                <a:solidFill>
+                                  <a:schemeClr val="accent6"/>
+                                </a:solidFill>
+                                <a:latin typeface="Cambria Math" panose="02040503050406030204" pitchFamily="18" charset="0"/>
+                              </a:rPr>
+                            </m:ctrlPr>
+                          </m:sSupPr>
+                          <m:e>
+                            <m:r>
+                              <a:rPr lang="en-US" altLang="zh-CN" sz="2400" b="0" i="1" dirty="0" smtClean="0">
+                                <a:solidFill>
+                                  <a:schemeClr val="accent6"/>
+                                </a:solidFill>
+                                <a:latin typeface="Cambria Math" panose="02040503050406030204" pitchFamily="18" charset="0"/>
+                              </a:rPr>
+                              <m:t>𝑇</m:t>
+                            </m:r>
+                          </m:e>
+                          <m:sup>
+                            <m:r>
+                              <a:rPr lang="en-US" altLang="zh-CN" sz="2400" i="1" dirty="0" smtClean="0">
+                                <a:solidFill>
+                                  <a:schemeClr val="accent6"/>
+                                </a:solidFill>
+                                <a:latin typeface="Cambria Math" panose="02040503050406030204" pitchFamily="18" charset="0"/>
+                                <a:ea typeface="Cambria Math" panose="02040503050406030204" pitchFamily="18" charset="0"/>
+                              </a:rPr>
+                              <m:t>†</m:t>
+                            </m:r>
+                          </m:sup>
+                        </m:sSup>
+                      </m:oMath>
+                    </m:oMathPara>
+                  </a14:m>
+                  <a:endParaRPr lang="en-US" sz="2400" i="1" dirty="0">
+                    <a:solidFill>
+                      <a:schemeClr val="accent6"/>
+                    </a:solidFill>
+                  </a:endParaRPr>
+                </a:p>
+              </p:txBody>
+            </p:sp>
+          </mc:Choice>
+          <mc:Fallback>
+            <p:sp>
+              <p:nvSpPr>
+                <p:cNvPr id="19" name="Rectangle 18">
+                  <a:extLst>
+                    <a:ext uri="{FF2B5EF4-FFF2-40B4-BE49-F238E27FC236}">
+                      <a16:creationId xmlns:a16="http://schemas.microsoft.com/office/drawing/2014/main" id="{BF461864-85CD-964C-A57E-B6C8A7C292D4}"/>
+                    </a:ext>
+                  </a:extLst>
+                </p:cNvPr>
+                <p:cNvSpPr>
+                  <a:spLocks noRot="1" noChangeAspect="1" noMove="1" noResize="1" noEditPoints="1" noAdjustHandles="1" noChangeArrowheads="1" noChangeShapeType="1" noTextEdit="1"/>
+                </p:cNvSpPr>
+                <p:nvPr/>
+              </p:nvSpPr>
+              <p:spPr>
+                <a:xfrm>
+                  <a:off x="5298392" y="3844203"/>
+                  <a:ext cx="454483" cy="430924"/>
+                </a:xfrm>
+                <a:prstGeom prst="rect">
+                  <a:avLst/>
+                </a:prstGeom>
+                <a:blipFill>
+                  <a:blip r:embed="rId11"/>
+                  <a:stretch>
+                    <a:fillRect l="-1282" r="-11538"/>
+                  </a:stretch>
+                </a:blipFill>
+                <a:ln w="19050">
+                  <a:solidFill>
+                    <a:schemeClr val="accent6"/>
+                  </a:solidFill>
+                </a:ln>
+              </p:spPr>
+              <p:txBody>
+                <a:bodyPr/>
+                <a:lstStyle/>
+                <a:p>
+                  <a:r>
+                    <a:rPr lang="zh-CN" altLang="en-US">
+                      <a:noFill/>
+                    </a:rPr>
+                    <a:t> </a:t>
+                  </a:r>
+                </a:p>
+              </p:txBody>
+            </p:sp>
+          </mc:Fallback>
+        </mc:AlternateContent>
+        <mc:AlternateContent xmlns:mc="http://schemas.openxmlformats.org/markup-compatibility/2006">
+          <mc:Choice xmlns:a14="http://schemas.microsoft.com/office/drawing/2010/main" Requires="a14">
+            <p:sp>
+              <p:nvSpPr>
+                <p:cNvPr id="20" name="Rectangle 19">
+                  <a:extLst>
+                    <a:ext uri="{FF2B5EF4-FFF2-40B4-BE49-F238E27FC236}">
+                      <a16:creationId xmlns:a16="http://schemas.microsoft.com/office/drawing/2014/main" id="{52C83E50-C361-D7C5-C535-80B3F845F8EF}"/>
+                    </a:ext>
+                  </a:extLst>
+                </p:cNvPr>
+                <p:cNvSpPr/>
+                <p:nvPr/>
+              </p:nvSpPr>
+              <p:spPr>
+                <a:xfrm>
+                  <a:off x="8646113" y="3851225"/>
+                  <a:ext cx="454483" cy="430924"/>
+                </a:xfrm>
+                <a:prstGeom prst="rect">
+                  <a:avLst/>
+                </a:prstGeom>
+                <a:solidFill>
+                  <a:schemeClr val="accent6">
+                    <a:lumMod val="20000"/>
+                    <a:lumOff val="80000"/>
+                  </a:schemeClr>
+                </a:solidFill>
+                <a:ln w="19050">
+                  <a:solidFill>
+                    <a:schemeClr val="accent6"/>
+                  </a:solidFill>
+                </a:ln>
+              </p:spPr>
+              <p:style>
+                <a:lnRef idx="2">
+                  <a:schemeClr val="accent1">
+                    <a:shade val="50000"/>
+                  </a:schemeClr>
+                </a:lnRef>
+                <a:fillRef idx="1">
+                  <a:schemeClr val="accent1"/>
+                </a:fillRef>
+                <a:effectRef idx="0">
+                  <a:schemeClr val="accent1"/>
+                </a:effectRef>
+                <a:fontRef idx="minor">
+                  <a:schemeClr val="lt1"/>
+                </a:fontRef>
+              </p:style>
+              <p:txBody>
+                <a:bodyPr rtlCol="0" anchor="ctr"/>
+                <a:lstStyle/>
+                <a:p>
+                  <a:pPr algn="ctr"/>
+                  <a14:m>
+                    <m:oMathPara xmlns:m="http://schemas.openxmlformats.org/officeDocument/2006/math">
+                      <m:oMathParaPr>
+                        <m:jc m:val="left"/>
+                      </m:oMathParaPr>
+                      <m:oMath xmlns:m="http://schemas.openxmlformats.org/officeDocument/2006/math">
+                        <m:r>
+                          <a:rPr lang="en-US" altLang="zh-CN" sz="2400" b="0" i="1" dirty="0" smtClean="0">
+                            <a:solidFill>
+                              <a:schemeClr val="accent6"/>
+                            </a:solidFill>
+                            <a:latin typeface="Cambria Math" panose="02040503050406030204" pitchFamily="18" charset="0"/>
+                          </a:rPr>
+                          <m:t> </m:t>
+                        </m:r>
+                        <m:r>
+                          <a:rPr lang="en-US" altLang="zh-CN" sz="2400" b="0" i="1" dirty="0" smtClean="0">
+                            <a:solidFill>
+                              <a:schemeClr val="accent6"/>
+                            </a:solidFill>
+                            <a:latin typeface="Cambria Math" panose="02040503050406030204" pitchFamily="18" charset="0"/>
+                          </a:rPr>
+                          <m:t>𝑇</m:t>
+                        </m:r>
+                      </m:oMath>
+                    </m:oMathPara>
+                  </a14:m>
+                  <a:endParaRPr lang="en-US" sz="2400" i="1" dirty="0">
+                    <a:solidFill>
+                      <a:schemeClr val="accent6"/>
+                    </a:solidFill>
+                  </a:endParaRPr>
+                </a:p>
+              </p:txBody>
+            </p:sp>
+          </mc:Choice>
+          <mc:Fallback>
+            <p:sp>
+              <p:nvSpPr>
+                <p:cNvPr id="20" name="Rectangle 19">
+                  <a:extLst>
+                    <a:ext uri="{FF2B5EF4-FFF2-40B4-BE49-F238E27FC236}">
+                      <a16:creationId xmlns:a16="http://schemas.microsoft.com/office/drawing/2014/main" id="{52C83E50-C361-D7C5-C535-80B3F845F8EF}"/>
+                    </a:ext>
+                  </a:extLst>
+                </p:cNvPr>
+                <p:cNvSpPr>
+                  <a:spLocks noRot="1" noChangeAspect="1" noMove="1" noResize="1" noEditPoints="1" noAdjustHandles="1" noChangeArrowheads="1" noChangeShapeType="1" noTextEdit="1"/>
+                </p:cNvSpPr>
+                <p:nvPr/>
+              </p:nvSpPr>
+              <p:spPr>
+                <a:xfrm>
+                  <a:off x="8646113" y="3851225"/>
+                  <a:ext cx="454483" cy="430924"/>
+                </a:xfrm>
+                <a:prstGeom prst="rect">
+                  <a:avLst/>
+                </a:prstGeom>
+                <a:blipFill>
+                  <a:blip r:embed="rId12"/>
+                  <a:stretch>
+                    <a:fillRect/>
+                  </a:stretch>
+                </a:blipFill>
+                <a:ln w="19050">
+                  <a:solidFill>
+                    <a:schemeClr val="accent6"/>
+                  </a:solidFill>
+                </a:ln>
+              </p:spPr>
+              <p:txBody>
+                <a:bodyPr/>
+                <a:lstStyle/>
+                <a:p>
+                  <a:r>
+                    <a:rPr lang="zh-CN" altLang="en-US">
+                      <a:noFill/>
+                    </a:rPr>
+                    <a:t> </a:t>
+                  </a:r>
+                </a:p>
+              </p:txBody>
+            </p:sp>
+          </mc:Fallback>
+        </mc:AlternateContent>
+        <mc:AlternateContent xmlns:mc="http://schemas.openxmlformats.org/markup-compatibility/2006" xmlns:a14="http://schemas.microsoft.com/office/drawing/2010/main">
+          <mc:Choice Requires="a14">
+            <p:sp>
+              <p:nvSpPr>
+                <p:cNvPr id="39" name="TextBox 38">
+                  <a:extLst>
+                    <a:ext uri="{FF2B5EF4-FFF2-40B4-BE49-F238E27FC236}">
+                      <a16:creationId xmlns:a16="http://schemas.microsoft.com/office/drawing/2014/main" id="{5FF1ED10-DDF9-768C-69F6-F5D6F18EE596}"/>
+                    </a:ext>
+                  </a:extLst>
+                </p:cNvPr>
+                <p:cNvSpPr txBox="1"/>
+                <p:nvPr/>
+              </p:nvSpPr>
+              <p:spPr>
+                <a:xfrm>
+                  <a:off x="2359890" y="2055601"/>
+                  <a:ext cx="475065" cy="369332"/>
+                </a:xfrm>
+                <a:prstGeom prst="rect">
+                  <a:avLst/>
+                </a:prstGeom>
+                <a:noFill/>
+              </p:spPr>
+              <p:txBody>
+                <a:bodyPr wrap="none" rtlCol="0">
+                  <a:spAutoFit/>
+                </a:bodyPr>
+                <a:lstStyle/>
+                <a:p>
+                  <a:pPr/>
+                  <a14:m>
+                    <m:oMathPara xmlns:m="http://schemas.openxmlformats.org/officeDocument/2006/math">
+                      <m:oMathParaPr>
+                        <m:jc m:val="centerGroup"/>
+                      </m:oMathParaPr>
+                      <m:oMath xmlns:m="http://schemas.openxmlformats.org/officeDocument/2006/math">
+                        <m:sSub>
+                          <m:sSubPr>
+                            <m:ctrlPr>
+                              <a:rPr lang="en-US" i="1" smtClean="0">
+                                <a:solidFill>
+                                  <a:schemeClr val="accent3"/>
+                                </a:solidFill>
+                                <a:latin typeface="Cambria Math" panose="02040503050406030204" pitchFamily="18" charset="0"/>
+                              </a:rPr>
+                            </m:ctrlPr>
+                          </m:sSubPr>
+                          <m:e>
+                            <m:r>
+                              <a:rPr lang="en-US" b="0" i="1" smtClean="0">
+                                <a:solidFill>
+                                  <a:schemeClr val="accent3"/>
+                                </a:solidFill>
+                                <a:latin typeface="Cambria Math" panose="02040503050406030204" pitchFamily="18" charset="0"/>
+                              </a:rPr>
+                              <m:t>𝑞</m:t>
+                            </m:r>
+                          </m:e>
+                          <m:sub>
+                            <m:r>
+                              <a:rPr lang="en-US" b="0" i="1" smtClean="0">
+                                <a:solidFill>
+                                  <a:schemeClr val="accent3"/>
+                                </a:solidFill>
+                                <a:latin typeface="Cambria Math" panose="02040503050406030204" pitchFamily="18" charset="0"/>
+                              </a:rPr>
+                              <m:t>0</m:t>
+                            </m:r>
+                          </m:sub>
+                        </m:sSub>
+                      </m:oMath>
+                    </m:oMathPara>
+                  </a14:m>
+                  <a:endParaRPr lang="en-US" dirty="0">
+                    <a:solidFill>
+                      <a:schemeClr val="accent3"/>
+                    </a:solidFill>
+                  </a:endParaRPr>
+                </a:p>
+              </p:txBody>
+            </p:sp>
+          </mc:Choice>
+          <mc:Fallback xmlns="">
+            <p:sp>
+              <p:nvSpPr>
+                <p:cNvPr id="39" name="TextBox 38">
+                  <a:extLst>
+                    <a:ext uri="{FF2B5EF4-FFF2-40B4-BE49-F238E27FC236}">
+                      <a16:creationId xmlns:a16="http://schemas.microsoft.com/office/drawing/2014/main" id="{5FF1ED10-DDF9-768C-69F6-F5D6F18EE596}"/>
+                    </a:ext>
+                  </a:extLst>
+                </p:cNvPr>
+                <p:cNvSpPr txBox="1">
+                  <a:spLocks noRot="1" noChangeAspect="1" noMove="1" noResize="1" noEditPoints="1" noAdjustHandles="1" noChangeArrowheads="1" noChangeShapeType="1" noTextEdit="1"/>
+                </p:cNvSpPr>
+                <p:nvPr/>
+              </p:nvSpPr>
+              <p:spPr>
+                <a:xfrm>
+                  <a:off x="2359890" y="2055601"/>
+                  <a:ext cx="475065" cy="369332"/>
+                </a:xfrm>
+                <a:prstGeom prst="rect">
+                  <a:avLst/>
+                </a:prstGeom>
+                <a:blipFill>
+                  <a:blip r:embed="rId13"/>
+                  <a:stretch>
+                    <a:fillRect b="-6557"/>
+                  </a:stretch>
+                </a:blipFill>
+              </p:spPr>
+              <p:txBody>
+                <a:bodyPr/>
+                <a:lstStyle/>
+                <a:p>
+                  <a:r>
+                    <a:rPr lang="zh-CN" altLang="en-US">
+                      <a:noFill/>
+                    </a:rPr>
+                    <a:t> </a:t>
+                  </a:r>
+                </a:p>
+              </p:txBody>
+            </p:sp>
+          </mc:Fallback>
+        </mc:AlternateContent>
+        <mc:AlternateContent xmlns:mc="http://schemas.openxmlformats.org/markup-compatibility/2006" xmlns:a14="http://schemas.microsoft.com/office/drawing/2010/main">
+          <mc:Choice Requires="a14">
+            <p:sp>
+              <p:nvSpPr>
+                <p:cNvPr id="40" name="TextBox 39">
+                  <a:extLst>
+                    <a:ext uri="{FF2B5EF4-FFF2-40B4-BE49-F238E27FC236}">
+                      <a16:creationId xmlns:a16="http://schemas.microsoft.com/office/drawing/2014/main" id="{DC700789-1D97-0619-3971-1D7CE7EEFF2C}"/>
+                    </a:ext>
+                  </a:extLst>
+                </p:cNvPr>
+                <p:cNvSpPr txBox="1"/>
+                <p:nvPr/>
+              </p:nvSpPr>
+              <p:spPr>
+                <a:xfrm>
+                  <a:off x="3365911" y="2055601"/>
+                  <a:ext cx="697627" cy="369332"/>
+                </a:xfrm>
+                <a:prstGeom prst="rect">
+                  <a:avLst/>
+                </a:prstGeom>
+                <a:noFill/>
+              </p:spPr>
+              <p:txBody>
+                <a:bodyPr wrap="none" rtlCol="0">
+                  <a:spAutoFit/>
+                </a:bodyPr>
+                <a:lstStyle/>
+                <a:p>
+                  <a:pPr/>
+                  <a14:m>
+                    <m:oMathPara xmlns:m="http://schemas.openxmlformats.org/officeDocument/2006/math">
+                      <m:oMathParaPr>
+                        <m:jc m:val="centerGroup"/>
+                      </m:oMathParaPr>
+                      <m:oMath xmlns:m="http://schemas.openxmlformats.org/officeDocument/2006/math">
+                        <m:sSub>
+                          <m:sSubPr>
+                            <m:ctrlPr>
+                              <a:rPr lang="en-US" i="1" smtClean="0">
+                                <a:solidFill>
+                                  <a:schemeClr val="accent3"/>
+                                </a:solidFill>
+                                <a:latin typeface="Cambria Math" panose="02040503050406030204" pitchFamily="18" charset="0"/>
+                              </a:rPr>
+                            </m:ctrlPr>
+                          </m:sSubPr>
+                          <m:e>
+                            <m:r>
+                              <a:rPr lang="en-US" b="0" i="1" smtClean="0">
+                                <a:solidFill>
+                                  <a:schemeClr val="accent3"/>
+                                </a:solidFill>
+                                <a:latin typeface="Cambria Math" panose="02040503050406030204" pitchFamily="18" charset="0"/>
+                              </a:rPr>
+                              <m:t>𝑞</m:t>
+                            </m:r>
+                          </m:e>
+                          <m:sub>
+                            <m:r>
+                              <a:rPr lang="en-US" b="0" i="1" smtClean="0">
+                                <a:solidFill>
+                                  <a:schemeClr val="accent3"/>
+                                </a:solidFill>
+                                <a:latin typeface="Cambria Math" panose="02040503050406030204" pitchFamily="18" charset="0"/>
+                              </a:rPr>
+                              <m:t>0</m:t>
+                            </m:r>
+                          </m:sub>
+                        </m:sSub>
+                        <m:sSub>
+                          <m:sSubPr>
+                            <m:ctrlPr>
+                              <a:rPr lang="en-US" altLang="zh-CN" i="1">
+                                <a:solidFill>
+                                  <a:schemeClr val="accent3"/>
+                                </a:solidFill>
+                                <a:latin typeface="Cambria Math" panose="02040503050406030204" pitchFamily="18" charset="0"/>
+                              </a:rPr>
+                            </m:ctrlPr>
+                          </m:sSubPr>
+                          <m:e>
+                            <m:r>
+                              <a:rPr lang="en-US" altLang="zh-CN" i="1">
+                                <a:solidFill>
+                                  <a:schemeClr val="accent3"/>
+                                </a:solidFill>
+                                <a:latin typeface="Cambria Math" panose="02040503050406030204" pitchFamily="18" charset="0"/>
+                              </a:rPr>
+                              <m:t>𝑞</m:t>
+                            </m:r>
+                          </m:e>
+                          <m:sub>
+                            <m:r>
+                              <a:rPr lang="en-US" altLang="zh-CN" i="1">
+                                <a:solidFill>
+                                  <a:schemeClr val="accent3"/>
+                                </a:solidFill>
+                                <a:latin typeface="Cambria Math" panose="02040503050406030204" pitchFamily="18" charset="0"/>
+                              </a:rPr>
+                              <m:t>1</m:t>
+                            </m:r>
+                          </m:sub>
+                        </m:sSub>
+                      </m:oMath>
+                    </m:oMathPara>
+                  </a14:m>
+                  <a:endParaRPr lang="en-US" altLang="zh-CN" dirty="0">
+                    <a:solidFill>
+                      <a:schemeClr val="accent3"/>
+                    </a:solidFill>
+                  </a:endParaRPr>
+                </a:p>
+              </p:txBody>
+            </p:sp>
+          </mc:Choice>
+          <mc:Fallback xmlns="">
+            <p:sp>
+              <p:nvSpPr>
+                <p:cNvPr id="40" name="TextBox 39">
+                  <a:extLst>
+                    <a:ext uri="{FF2B5EF4-FFF2-40B4-BE49-F238E27FC236}">
+                      <a16:creationId xmlns:a16="http://schemas.microsoft.com/office/drawing/2014/main" id="{DC700789-1D97-0619-3971-1D7CE7EEFF2C}"/>
+                    </a:ext>
+                  </a:extLst>
+                </p:cNvPr>
+                <p:cNvSpPr txBox="1">
+                  <a:spLocks noRot="1" noChangeAspect="1" noMove="1" noResize="1" noEditPoints="1" noAdjustHandles="1" noChangeArrowheads="1" noChangeShapeType="1" noTextEdit="1"/>
+                </p:cNvSpPr>
+                <p:nvPr/>
+              </p:nvSpPr>
+              <p:spPr>
+                <a:xfrm>
+                  <a:off x="3365911" y="2055601"/>
+                  <a:ext cx="697627" cy="369332"/>
+                </a:xfrm>
+                <a:prstGeom prst="rect">
+                  <a:avLst/>
+                </a:prstGeom>
+                <a:blipFill>
+                  <a:blip r:embed="rId14"/>
+                  <a:stretch>
+                    <a:fillRect b="-6557"/>
+                  </a:stretch>
+                </a:blipFill>
+              </p:spPr>
+              <p:txBody>
+                <a:bodyPr/>
+                <a:lstStyle/>
+                <a:p>
+                  <a:r>
+                    <a:rPr lang="zh-CN" altLang="en-US">
+                      <a:noFill/>
+                    </a:rPr>
+                    <a:t> </a:t>
+                  </a:r>
+                </a:p>
+              </p:txBody>
+            </p:sp>
+          </mc:Fallback>
+        </mc:AlternateContent>
+        <mc:AlternateContent xmlns:mc="http://schemas.openxmlformats.org/markup-compatibility/2006" xmlns:a14="http://schemas.microsoft.com/office/drawing/2010/main">
+          <mc:Choice Requires="a14">
+            <p:sp>
+              <p:nvSpPr>
+                <p:cNvPr id="42" name="TextBox 41">
+                  <a:extLst>
+                    <a:ext uri="{FF2B5EF4-FFF2-40B4-BE49-F238E27FC236}">
+                      <a16:creationId xmlns:a16="http://schemas.microsoft.com/office/drawing/2014/main" id="{85A2EBC0-4F0B-FB8E-A8C8-040FBA6C1D84}"/>
+                    </a:ext>
+                  </a:extLst>
+                </p:cNvPr>
+                <p:cNvSpPr txBox="1"/>
+                <p:nvPr/>
+              </p:nvSpPr>
+              <p:spPr>
+                <a:xfrm>
+                  <a:off x="4082635" y="2049282"/>
+                  <a:ext cx="697627" cy="369332"/>
+                </a:xfrm>
+                <a:prstGeom prst="rect">
+                  <a:avLst/>
+                </a:prstGeom>
+                <a:noFill/>
+              </p:spPr>
+              <p:txBody>
+                <a:bodyPr wrap="none" rtlCol="0">
+                  <a:spAutoFit/>
+                </a:bodyPr>
+                <a:lstStyle/>
+                <a:p>
+                  <a:pPr/>
+                  <a14:m>
+                    <m:oMathPara xmlns:m="http://schemas.openxmlformats.org/officeDocument/2006/math">
+                      <m:oMathParaPr>
+                        <m:jc m:val="centerGroup"/>
+                      </m:oMathParaPr>
+                      <m:oMath xmlns:m="http://schemas.openxmlformats.org/officeDocument/2006/math">
+                        <m:sSub>
+                          <m:sSubPr>
+                            <m:ctrlPr>
+                              <a:rPr lang="en-US" i="1" smtClean="0">
+                                <a:solidFill>
+                                  <a:schemeClr val="accent3"/>
+                                </a:solidFill>
+                                <a:latin typeface="Cambria Math" panose="02040503050406030204" pitchFamily="18" charset="0"/>
+                              </a:rPr>
+                            </m:ctrlPr>
+                          </m:sSubPr>
+                          <m:e>
+                            <m:r>
+                              <a:rPr lang="en-US" b="0" i="1" smtClean="0">
+                                <a:solidFill>
+                                  <a:schemeClr val="accent3"/>
+                                </a:solidFill>
+                                <a:latin typeface="Cambria Math" panose="02040503050406030204" pitchFamily="18" charset="0"/>
+                              </a:rPr>
+                              <m:t>𝑞</m:t>
+                            </m:r>
+                          </m:e>
+                          <m:sub>
+                            <m:r>
+                              <a:rPr lang="en-US" b="0" i="1" smtClean="0">
+                                <a:solidFill>
+                                  <a:schemeClr val="accent3"/>
+                                </a:solidFill>
+                                <a:latin typeface="Cambria Math" panose="02040503050406030204" pitchFamily="18" charset="0"/>
+                              </a:rPr>
+                              <m:t>0</m:t>
+                            </m:r>
+                          </m:sub>
+                        </m:sSub>
+                        <m:sSub>
+                          <m:sSubPr>
+                            <m:ctrlPr>
+                              <a:rPr lang="en-US" altLang="zh-CN" i="1">
+                                <a:solidFill>
+                                  <a:schemeClr val="accent3"/>
+                                </a:solidFill>
+                                <a:latin typeface="Cambria Math" panose="02040503050406030204" pitchFamily="18" charset="0"/>
+                              </a:rPr>
+                            </m:ctrlPr>
+                          </m:sSubPr>
+                          <m:e>
+                            <m:r>
+                              <a:rPr lang="en-US" altLang="zh-CN" i="1">
+                                <a:solidFill>
+                                  <a:schemeClr val="accent3"/>
+                                </a:solidFill>
+                                <a:latin typeface="Cambria Math" panose="02040503050406030204" pitchFamily="18" charset="0"/>
+                              </a:rPr>
+                              <m:t>𝑞</m:t>
+                            </m:r>
+                          </m:e>
+                          <m:sub>
+                            <m:r>
+                              <a:rPr lang="en-US" altLang="zh-CN" i="1">
+                                <a:solidFill>
+                                  <a:schemeClr val="accent3"/>
+                                </a:solidFill>
+                                <a:latin typeface="Cambria Math" panose="02040503050406030204" pitchFamily="18" charset="0"/>
+                              </a:rPr>
+                              <m:t>1</m:t>
+                            </m:r>
+                          </m:sub>
+                        </m:sSub>
+                      </m:oMath>
+                    </m:oMathPara>
+                  </a14:m>
+                  <a:endParaRPr lang="en-US" altLang="zh-CN" dirty="0">
+                    <a:solidFill>
+                      <a:schemeClr val="accent3"/>
+                    </a:solidFill>
+                  </a:endParaRPr>
+                </a:p>
+              </p:txBody>
+            </p:sp>
+          </mc:Choice>
+          <mc:Fallback xmlns="">
+            <p:sp>
+              <p:nvSpPr>
+                <p:cNvPr id="42" name="TextBox 41">
+                  <a:extLst>
+                    <a:ext uri="{FF2B5EF4-FFF2-40B4-BE49-F238E27FC236}">
+                      <a16:creationId xmlns:a16="http://schemas.microsoft.com/office/drawing/2014/main" id="{85A2EBC0-4F0B-FB8E-A8C8-040FBA6C1D84}"/>
+                    </a:ext>
+                  </a:extLst>
+                </p:cNvPr>
+                <p:cNvSpPr txBox="1">
+                  <a:spLocks noRot="1" noChangeAspect="1" noMove="1" noResize="1" noEditPoints="1" noAdjustHandles="1" noChangeArrowheads="1" noChangeShapeType="1" noTextEdit="1"/>
+                </p:cNvSpPr>
+                <p:nvPr/>
+              </p:nvSpPr>
+              <p:spPr>
+                <a:xfrm>
+                  <a:off x="4082635" y="2049282"/>
+                  <a:ext cx="697627" cy="369332"/>
+                </a:xfrm>
+                <a:prstGeom prst="rect">
+                  <a:avLst/>
+                </a:prstGeom>
+                <a:blipFill>
+                  <a:blip r:embed="rId15"/>
+                  <a:stretch>
+                    <a:fillRect b="-6557"/>
+                  </a:stretch>
+                </a:blipFill>
+              </p:spPr>
+              <p:txBody>
+                <a:bodyPr/>
+                <a:lstStyle/>
+                <a:p>
+                  <a:r>
+                    <a:rPr lang="zh-CN" altLang="en-US">
+                      <a:noFill/>
+                    </a:rPr>
+                    <a:t> </a:t>
+                  </a:r>
+                </a:p>
+              </p:txBody>
+            </p:sp>
+          </mc:Fallback>
+        </mc:AlternateContent>
+        <mc:AlternateContent xmlns:mc="http://schemas.openxmlformats.org/markup-compatibility/2006" xmlns:a14="http://schemas.microsoft.com/office/drawing/2010/main">
+          <mc:Choice Requires="a14">
+            <p:sp>
+              <p:nvSpPr>
+                <p:cNvPr id="43" name="TextBox 42">
+                  <a:extLst>
+                    <a:ext uri="{FF2B5EF4-FFF2-40B4-BE49-F238E27FC236}">
+                      <a16:creationId xmlns:a16="http://schemas.microsoft.com/office/drawing/2014/main" id="{A07CBECF-73D5-E74A-53A7-09AEFFC745A3}"/>
+                    </a:ext>
+                  </a:extLst>
+                </p:cNvPr>
+                <p:cNvSpPr txBox="1"/>
+                <p:nvPr/>
+              </p:nvSpPr>
+              <p:spPr>
+                <a:xfrm>
+                  <a:off x="5099387" y="3421470"/>
+                  <a:ext cx="925510" cy="369332"/>
+                </a:xfrm>
+                <a:prstGeom prst="rect">
+                  <a:avLst/>
+                </a:prstGeom>
+                <a:noFill/>
+              </p:spPr>
+              <p:txBody>
+                <a:bodyPr wrap="none" rtlCol="0">
+                  <a:spAutoFit/>
+                </a:bodyPr>
+                <a:lstStyle/>
+                <a:p>
+                  <a:pPr/>
+                  <a14:m>
+                    <m:oMathPara xmlns:m="http://schemas.openxmlformats.org/officeDocument/2006/math">
+                      <m:oMathParaPr>
+                        <m:jc m:val="centerGroup"/>
+                      </m:oMathParaPr>
+                      <m:oMath xmlns:m="http://schemas.openxmlformats.org/officeDocument/2006/math">
+                        <m:sSub>
+                          <m:sSubPr>
+                            <m:ctrlPr>
+                              <a:rPr lang="en-US" i="1" smtClean="0">
+                                <a:solidFill>
+                                  <a:schemeClr val="accent3"/>
+                                </a:solidFill>
+                                <a:latin typeface="Cambria Math" panose="02040503050406030204" pitchFamily="18" charset="0"/>
+                              </a:rPr>
+                            </m:ctrlPr>
+                          </m:sSubPr>
+                          <m:e>
+                            <m:r>
+                              <a:rPr lang="en-US" b="0" i="1" smtClean="0">
+                                <a:solidFill>
+                                  <a:schemeClr val="accent3"/>
+                                </a:solidFill>
+                                <a:latin typeface="Cambria Math" panose="02040503050406030204" pitchFamily="18" charset="0"/>
+                              </a:rPr>
+                              <m:t>𝑞</m:t>
+                            </m:r>
+                          </m:e>
+                          <m:sub>
+                            <m:r>
+                              <a:rPr lang="en-US" b="0" i="1" smtClean="0">
+                                <a:solidFill>
+                                  <a:schemeClr val="accent3"/>
+                                </a:solidFill>
+                                <a:latin typeface="Cambria Math" panose="02040503050406030204" pitchFamily="18" charset="0"/>
+                              </a:rPr>
+                              <m:t>0</m:t>
+                            </m:r>
+                          </m:sub>
+                        </m:sSub>
+                        <m:sSub>
+                          <m:sSubPr>
+                            <m:ctrlPr>
+                              <a:rPr lang="en-US" altLang="zh-CN" i="1">
+                                <a:solidFill>
+                                  <a:schemeClr val="accent3"/>
+                                </a:solidFill>
+                                <a:latin typeface="Cambria Math" panose="02040503050406030204" pitchFamily="18" charset="0"/>
+                              </a:rPr>
+                            </m:ctrlPr>
+                          </m:sSubPr>
+                          <m:e>
+                            <m:r>
+                              <a:rPr lang="en-US" altLang="zh-CN" i="1">
+                                <a:solidFill>
+                                  <a:schemeClr val="accent3"/>
+                                </a:solidFill>
+                                <a:latin typeface="Cambria Math" panose="02040503050406030204" pitchFamily="18" charset="0"/>
+                              </a:rPr>
+                              <m:t>𝑞</m:t>
+                            </m:r>
+                          </m:e>
+                          <m:sub>
+                            <m:r>
+                              <a:rPr lang="en-US" altLang="zh-CN" i="1">
+                                <a:solidFill>
+                                  <a:schemeClr val="accent3"/>
+                                </a:solidFill>
+                                <a:latin typeface="Cambria Math" panose="02040503050406030204" pitchFamily="18" charset="0"/>
+                              </a:rPr>
+                              <m:t>1</m:t>
+                            </m:r>
+                          </m:sub>
+                        </m:sSub>
+                        <m:sSub>
+                          <m:sSubPr>
+                            <m:ctrlPr>
+                              <a:rPr lang="en-US" altLang="zh-CN" i="1" smtClean="0">
+                                <a:solidFill>
+                                  <a:schemeClr val="accent3"/>
+                                </a:solidFill>
+                                <a:latin typeface="Cambria Math" panose="02040503050406030204" pitchFamily="18" charset="0"/>
+                              </a:rPr>
+                            </m:ctrlPr>
+                          </m:sSubPr>
+                          <m:e>
+                            <m:r>
+                              <a:rPr lang="en-US" altLang="zh-CN" i="1">
+                                <a:solidFill>
+                                  <a:schemeClr val="accent3"/>
+                                </a:solidFill>
+                                <a:latin typeface="Cambria Math" panose="02040503050406030204" pitchFamily="18" charset="0"/>
+                              </a:rPr>
+                              <m:t>𝑞</m:t>
+                            </m:r>
+                          </m:e>
+                          <m:sub>
+                            <m:r>
+                              <a:rPr lang="en-US" altLang="zh-CN" i="1">
+                                <a:solidFill>
+                                  <a:schemeClr val="accent3"/>
+                                </a:solidFill>
+                                <a:latin typeface="Cambria Math" panose="02040503050406030204" pitchFamily="18" charset="0"/>
+                              </a:rPr>
+                              <m:t>2</m:t>
+                            </m:r>
+                          </m:sub>
+                        </m:sSub>
+                      </m:oMath>
+                    </m:oMathPara>
+                  </a14:m>
+                  <a:endParaRPr lang="en-US" altLang="zh-CN" dirty="0"/>
+                </a:p>
+              </p:txBody>
+            </p:sp>
+          </mc:Choice>
+          <mc:Fallback xmlns="">
+            <p:sp>
+              <p:nvSpPr>
+                <p:cNvPr id="43" name="TextBox 42">
+                  <a:extLst>
+                    <a:ext uri="{FF2B5EF4-FFF2-40B4-BE49-F238E27FC236}">
+                      <a16:creationId xmlns:a16="http://schemas.microsoft.com/office/drawing/2014/main" id="{A07CBECF-73D5-E74A-53A7-09AEFFC745A3}"/>
+                    </a:ext>
+                  </a:extLst>
+                </p:cNvPr>
+                <p:cNvSpPr txBox="1">
+                  <a:spLocks noRot="1" noChangeAspect="1" noMove="1" noResize="1" noEditPoints="1" noAdjustHandles="1" noChangeArrowheads="1" noChangeShapeType="1" noTextEdit="1"/>
+                </p:cNvSpPr>
+                <p:nvPr/>
+              </p:nvSpPr>
+              <p:spPr>
+                <a:xfrm>
+                  <a:off x="5099387" y="3421470"/>
+                  <a:ext cx="925510" cy="369332"/>
+                </a:xfrm>
+                <a:prstGeom prst="rect">
+                  <a:avLst/>
+                </a:prstGeom>
+                <a:blipFill>
+                  <a:blip r:embed="rId16"/>
+                  <a:stretch>
+                    <a:fillRect b="-6557"/>
+                  </a:stretch>
+                </a:blipFill>
+              </p:spPr>
+              <p:txBody>
+                <a:bodyPr/>
+                <a:lstStyle/>
+                <a:p>
+                  <a:r>
+                    <a:rPr lang="zh-CN" altLang="en-US">
+                      <a:noFill/>
+                    </a:rPr>
+                    <a:t> </a:t>
+                  </a:r>
+                </a:p>
+              </p:txBody>
+            </p:sp>
+          </mc:Fallback>
+        </mc:AlternateContent>
+        <mc:AlternateContent xmlns:mc="http://schemas.openxmlformats.org/markup-compatibility/2006" xmlns:a14="http://schemas.microsoft.com/office/drawing/2010/main">
+          <mc:Choice Requires="a14">
+            <p:sp>
+              <p:nvSpPr>
+                <p:cNvPr id="44" name="TextBox 43">
+                  <a:extLst>
+                    <a:ext uri="{FF2B5EF4-FFF2-40B4-BE49-F238E27FC236}">
+                      <a16:creationId xmlns:a16="http://schemas.microsoft.com/office/drawing/2014/main" id="{12058A78-1E88-D12B-EB78-1E566F7ADFFC}"/>
+                    </a:ext>
+                  </a:extLst>
+                </p:cNvPr>
+                <p:cNvSpPr txBox="1"/>
+                <p:nvPr/>
+              </p:nvSpPr>
+              <p:spPr>
+                <a:xfrm>
+                  <a:off x="2365535" y="2994568"/>
+                  <a:ext cx="469744" cy="369332"/>
+                </a:xfrm>
+                <a:prstGeom prst="rect">
+                  <a:avLst/>
+                </a:prstGeom>
+                <a:noFill/>
+              </p:spPr>
+              <p:txBody>
+                <a:bodyPr wrap="none" rtlCol="0">
+                  <a:spAutoFit/>
+                </a:bodyPr>
+                <a:lstStyle/>
+                <a:p>
+                  <a:pPr/>
+                  <a14:m>
+                    <m:oMathPara xmlns:m="http://schemas.openxmlformats.org/officeDocument/2006/math">
+                      <m:oMathParaPr>
+                        <m:jc m:val="centerGroup"/>
+                      </m:oMathParaPr>
+                      <m:oMath xmlns:m="http://schemas.openxmlformats.org/officeDocument/2006/math">
+                        <m:sSub>
+                          <m:sSubPr>
+                            <m:ctrlPr>
+                              <a:rPr lang="en-US" i="1" smtClean="0">
+                                <a:solidFill>
+                                  <a:schemeClr val="accent3"/>
+                                </a:solidFill>
+                                <a:latin typeface="Cambria Math" panose="02040503050406030204" pitchFamily="18" charset="0"/>
+                              </a:rPr>
+                            </m:ctrlPr>
+                          </m:sSubPr>
+                          <m:e>
+                            <m:r>
+                              <a:rPr lang="en-US" b="0" i="1" smtClean="0">
+                                <a:solidFill>
+                                  <a:schemeClr val="accent3"/>
+                                </a:solidFill>
+                                <a:latin typeface="Cambria Math" panose="02040503050406030204" pitchFamily="18" charset="0"/>
+                              </a:rPr>
+                              <m:t>𝑞</m:t>
+                            </m:r>
+                          </m:e>
+                          <m:sub>
+                            <m:r>
+                              <a:rPr lang="en-US" b="0" i="1" smtClean="0">
+                                <a:solidFill>
+                                  <a:schemeClr val="accent3"/>
+                                </a:solidFill>
+                                <a:latin typeface="Cambria Math" panose="02040503050406030204" pitchFamily="18" charset="0"/>
+                              </a:rPr>
+                              <m:t>1</m:t>
+                            </m:r>
+                          </m:sub>
+                        </m:sSub>
+                      </m:oMath>
+                    </m:oMathPara>
+                  </a14:m>
+                  <a:endParaRPr lang="en-US" dirty="0">
+                    <a:solidFill>
+                      <a:schemeClr val="accent3"/>
+                    </a:solidFill>
+                  </a:endParaRPr>
+                </a:p>
+              </p:txBody>
+            </p:sp>
+          </mc:Choice>
+          <mc:Fallback xmlns="">
+            <p:sp>
+              <p:nvSpPr>
+                <p:cNvPr id="44" name="TextBox 43">
+                  <a:extLst>
+                    <a:ext uri="{FF2B5EF4-FFF2-40B4-BE49-F238E27FC236}">
+                      <a16:creationId xmlns:a16="http://schemas.microsoft.com/office/drawing/2014/main" id="{12058A78-1E88-D12B-EB78-1E566F7ADFFC}"/>
+                    </a:ext>
+                  </a:extLst>
+                </p:cNvPr>
+                <p:cNvSpPr txBox="1">
+                  <a:spLocks noRot="1" noChangeAspect="1" noMove="1" noResize="1" noEditPoints="1" noAdjustHandles="1" noChangeArrowheads="1" noChangeShapeType="1" noTextEdit="1"/>
+                </p:cNvSpPr>
+                <p:nvPr/>
+              </p:nvSpPr>
+              <p:spPr>
+                <a:xfrm>
+                  <a:off x="2365535" y="2994568"/>
+                  <a:ext cx="469744" cy="369332"/>
+                </a:xfrm>
+                <a:prstGeom prst="rect">
+                  <a:avLst/>
+                </a:prstGeom>
+                <a:blipFill>
+                  <a:blip r:embed="rId17"/>
+                  <a:stretch>
+                    <a:fillRect b="-6557"/>
+                  </a:stretch>
+                </a:blipFill>
+              </p:spPr>
+              <p:txBody>
+                <a:bodyPr/>
+                <a:lstStyle/>
+                <a:p>
+                  <a:r>
+                    <a:rPr lang="zh-CN" altLang="en-US">
+                      <a:noFill/>
+                    </a:rPr>
+                    <a:t> </a:t>
+                  </a:r>
+                </a:p>
+              </p:txBody>
+            </p:sp>
+          </mc:Fallback>
+        </mc:AlternateContent>
+        <mc:AlternateContent xmlns:mc="http://schemas.openxmlformats.org/markup-compatibility/2006" xmlns:a14="http://schemas.microsoft.com/office/drawing/2010/main">
+          <mc:Choice Requires="a14">
+            <p:sp>
+              <p:nvSpPr>
+                <p:cNvPr id="45" name="TextBox 44">
+                  <a:extLst>
+                    <a:ext uri="{FF2B5EF4-FFF2-40B4-BE49-F238E27FC236}">
+                      <a16:creationId xmlns:a16="http://schemas.microsoft.com/office/drawing/2014/main" id="{4612078D-C544-0EEC-0AC6-E7C2EE97FB5D}"/>
+                    </a:ext>
+                  </a:extLst>
+                </p:cNvPr>
+                <p:cNvSpPr txBox="1"/>
+                <p:nvPr/>
+              </p:nvSpPr>
+              <p:spPr>
+                <a:xfrm>
+                  <a:off x="3847844" y="2994568"/>
+                  <a:ext cx="469744" cy="369332"/>
+                </a:xfrm>
+                <a:prstGeom prst="rect">
+                  <a:avLst/>
+                </a:prstGeom>
+                <a:noFill/>
+              </p:spPr>
+              <p:txBody>
+                <a:bodyPr wrap="none" rtlCol="0">
+                  <a:spAutoFit/>
+                </a:bodyPr>
+                <a:lstStyle/>
+                <a:p>
+                  <a:pPr/>
+                  <a14:m>
+                    <m:oMathPara xmlns:m="http://schemas.openxmlformats.org/officeDocument/2006/math">
+                      <m:oMathParaPr>
+                        <m:jc m:val="centerGroup"/>
+                      </m:oMathParaPr>
+                      <m:oMath xmlns:m="http://schemas.openxmlformats.org/officeDocument/2006/math">
+                        <m:sSub>
+                          <m:sSubPr>
+                            <m:ctrlPr>
+                              <a:rPr lang="en-US" i="1" smtClean="0">
+                                <a:solidFill>
+                                  <a:schemeClr val="accent3"/>
+                                </a:solidFill>
+                                <a:latin typeface="Cambria Math" panose="02040503050406030204" pitchFamily="18" charset="0"/>
+                              </a:rPr>
+                            </m:ctrlPr>
+                          </m:sSubPr>
+                          <m:e>
+                            <m:r>
+                              <a:rPr lang="en-US" b="0" i="1" smtClean="0">
+                                <a:solidFill>
+                                  <a:schemeClr val="accent3"/>
+                                </a:solidFill>
+                                <a:latin typeface="Cambria Math" panose="02040503050406030204" pitchFamily="18" charset="0"/>
+                              </a:rPr>
+                              <m:t>𝑞</m:t>
+                            </m:r>
+                          </m:e>
+                          <m:sub>
+                            <m:r>
+                              <a:rPr lang="en-US" b="0" i="1" smtClean="0">
+                                <a:solidFill>
+                                  <a:schemeClr val="accent3"/>
+                                </a:solidFill>
+                                <a:latin typeface="Cambria Math" panose="02040503050406030204" pitchFamily="18" charset="0"/>
+                              </a:rPr>
+                              <m:t>1</m:t>
+                            </m:r>
+                          </m:sub>
+                        </m:sSub>
+                      </m:oMath>
+                    </m:oMathPara>
+                  </a14:m>
+                  <a:endParaRPr lang="en-US" dirty="0">
+                    <a:solidFill>
+                      <a:schemeClr val="accent3"/>
+                    </a:solidFill>
+                  </a:endParaRPr>
+                </a:p>
+              </p:txBody>
+            </p:sp>
+          </mc:Choice>
+          <mc:Fallback xmlns="">
+            <p:sp>
+              <p:nvSpPr>
+                <p:cNvPr id="45" name="TextBox 44">
+                  <a:extLst>
+                    <a:ext uri="{FF2B5EF4-FFF2-40B4-BE49-F238E27FC236}">
+                      <a16:creationId xmlns:a16="http://schemas.microsoft.com/office/drawing/2014/main" id="{4612078D-C544-0EEC-0AC6-E7C2EE97FB5D}"/>
+                    </a:ext>
+                  </a:extLst>
+                </p:cNvPr>
+                <p:cNvSpPr txBox="1">
+                  <a:spLocks noRot="1" noChangeAspect="1" noMove="1" noResize="1" noEditPoints="1" noAdjustHandles="1" noChangeArrowheads="1" noChangeShapeType="1" noTextEdit="1"/>
+                </p:cNvSpPr>
+                <p:nvPr/>
+              </p:nvSpPr>
+              <p:spPr>
+                <a:xfrm>
+                  <a:off x="3847844" y="2994568"/>
+                  <a:ext cx="469744" cy="369332"/>
+                </a:xfrm>
+                <a:prstGeom prst="rect">
+                  <a:avLst/>
+                </a:prstGeom>
+                <a:blipFill>
+                  <a:blip r:embed="rId18"/>
+                  <a:stretch>
+                    <a:fillRect b="-6557"/>
+                  </a:stretch>
+                </a:blipFill>
+              </p:spPr>
+              <p:txBody>
+                <a:bodyPr/>
+                <a:lstStyle/>
+                <a:p>
+                  <a:r>
+                    <a:rPr lang="zh-CN" altLang="en-US">
+                      <a:noFill/>
+                    </a:rPr>
+                    <a:t> </a:t>
+                  </a:r>
+                </a:p>
+              </p:txBody>
+            </p:sp>
+          </mc:Fallback>
+        </mc:AlternateContent>
+        <mc:AlternateContent xmlns:mc="http://schemas.openxmlformats.org/markup-compatibility/2006" xmlns:a14="http://schemas.microsoft.com/office/drawing/2010/main">
+          <mc:Choice Requires="a14">
+            <p:sp>
+              <p:nvSpPr>
+                <p:cNvPr id="46" name="TextBox 45">
+                  <a:extLst>
+                    <a:ext uri="{FF2B5EF4-FFF2-40B4-BE49-F238E27FC236}">
+                      <a16:creationId xmlns:a16="http://schemas.microsoft.com/office/drawing/2014/main" id="{4477D4DD-2BAA-0B09-C9EF-A3D42C6C6B45}"/>
+                    </a:ext>
+                  </a:extLst>
+                </p:cNvPr>
+                <p:cNvSpPr txBox="1"/>
+                <p:nvPr/>
+              </p:nvSpPr>
+              <p:spPr>
+                <a:xfrm>
+                  <a:off x="3270923" y="3639939"/>
+                  <a:ext cx="475066" cy="369332"/>
+                </a:xfrm>
+                <a:prstGeom prst="rect">
+                  <a:avLst/>
+                </a:prstGeom>
+                <a:noFill/>
+              </p:spPr>
+              <p:txBody>
+                <a:bodyPr wrap="none" rtlCol="0">
+                  <a:spAutoFit/>
+                </a:bodyPr>
+                <a:lstStyle/>
+                <a:p>
+                  <a:pPr/>
+                  <a14:m>
+                    <m:oMathPara xmlns:m="http://schemas.openxmlformats.org/officeDocument/2006/math">
+                      <m:oMathParaPr>
+                        <m:jc m:val="centerGroup"/>
+                      </m:oMathParaPr>
+                      <m:oMath xmlns:m="http://schemas.openxmlformats.org/officeDocument/2006/math">
+                        <m:sSub>
+                          <m:sSubPr>
+                            <m:ctrlPr>
+                              <a:rPr lang="en-US" i="1" smtClean="0">
+                                <a:solidFill>
+                                  <a:schemeClr val="accent3"/>
+                                </a:solidFill>
+                                <a:latin typeface="Cambria Math" panose="02040503050406030204" pitchFamily="18" charset="0"/>
+                              </a:rPr>
+                            </m:ctrlPr>
+                          </m:sSubPr>
+                          <m:e>
+                            <m:r>
+                              <a:rPr lang="en-US" b="0" i="1" smtClean="0">
+                                <a:solidFill>
+                                  <a:schemeClr val="accent3"/>
+                                </a:solidFill>
+                                <a:latin typeface="Cambria Math" panose="02040503050406030204" pitchFamily="18" charset="0"/>
+                              </a:rPr>
+                              <m:t>𝑞</m:t>
+                            </m:r>
+                          </m:e>
+                          <m:sub>
+                            <m:r>
+                              <a:rPr lang="en-US" b="0" i="1" smtClean="0">
+                                <a:solidFill>
+                                  <a:schemeClr val="accent3"/>
+                                </a:solidFill>
+                                <a:latin typeface="Cambria Math" panose="02040503050406030204" pitchFamily="18" charset="0"/>
+                              </a:rPr>
+                              <m:t>2</m:t>
+                            </m:r>
+                          </m:sub>
+                        </m:sSub>
+                      </m:oMath>
+                    </m:oMathPara>
+                  </a14:m>
+                  <a:endParaRPr lang="en-US" dirty="0">
+                    <a:solidFill>
+                      <a:schemeClr val="accent3"/>
+                    </a:solidFill>
+                  </a:endParaRPr>
+                </a:p>
+              </p:txBody>
+            </p:sp>
+          </mc:Choice>
+          <mc:Fallback xmlns="">
+            <p:sp>
+              <p:nvSpPr>
+                <p:cNvPr id="46" name="TextBox 45">
+                  <a:extLst>
+                    <a:ext uri="{FF2B5EF4-FFF2-40B4-BE49-F238E27FC236}">
+                      <a16:creationId xmlns:a16="http://schemas.microsoft.com/office/drawing/2014/main" id="{4477D4DD-2BAA-0B09-C9EF-A3D42C6C6B45}"/>
+                    </a:ext>
+                  </a:extLst>
+                </p:cNvPr>
+                <p:cNvSpPr txBox="1">
+                  <a:spLocks noRot="1" noChangeAspect="1" noMove="1" noResize="1" noEditPoints="1" noAdjustHandles="1" noChangeArrowheads="1" noChangeShapeType="1" noTextEdit="1"/>
+                </p:cNvSpPr>
+                <p:nvPr/>
+              </p:nvSpPr>
+              <p:spPr>
+                <a:xfrm>
+                  <a:off x="3270923" y="3639939"/>
+                  <a:ext cx="475066" cy="369332"/>
+                </a:xfrm>
+                <a:prstGeom prst="rect">
+                  <a:avLst/>
+                </a:prstGeom>
+                <a:blipFill>
+                  <a:blip r:embed="rId19"/>
+                  <a:stretch>
+                    <a:fillRect b="-6557"/>
+                  </a:stretch>
+                </a:blipFill>
+              </p:spPr>
+              <p:txBody>
+                <a:bodyPr/>
+                <a:lstStyle/>
+                <a:p>
+                  <a:r>
+                    <a:rPr lang="zh-CN" altLang="en-US">
+                      <a:noFill/>
+                    </a:rPr>
+                    <a:t> </a:t>
+                  </a:r>
+                </a:p>
+              </p:txBody>
+            </p:sp>
+          </mc:Fallback>
+        </mc:AlternateContent>
+        <mc:AlternateContent xmlns:mc="http://schemas.openxmlformats.org/markup-compatibility/2006" xmlns:a14="http://schemas.microsoft.com/office/drawing/2010/main">
+          <mc:Choice Requires="a14">
+            <p:sp>
+              <p:nvSpPr>
+                <p:cNvPr id="47" name="TextBox 46">
+                  <a:extLst>
+                    <a:ext uri="{FF2B5EF4-FFF2-40B4-BE49-F238E27FC236}">
+                      <a16:creationId xmlns:a16="http://schemas.microsoft.com/office/drawing/2014/main" id="{8B122532-ACDB-BB4B-2AC5-194F69E4B322}"/>
+                    </a:ext>
+                  </a:extLst>
+                </p:cNvPr>
+                <p:cNvSpPr txBox="1"/>
+                <p:nvPr/>
+              </p:nvSpPr>
+              <p:spPr>
+                <a:xfrm>
+                  <a:off x="5700921" y="2301744"/>
+                  <a:ext cx="697627" cy="369332"/>
+                </a:xfrm>
+                <a:prstGeom prst="rect">
+                  <a:avLst/>
+                </a:prstGeom>
+                <a:noFill/>
+              </p:spPr>
+              <p:txBody>
+                <a:bodyPr wrap="none" rtlCol="0">
+                  <a:spAutoFit/>
+                </a:bodyPr>
+                <a:lstStyle/>
+                <a:p>
+                  <a:pPr/>
+                  <a14:m>
+                    <m:oMathPara xmlns:m="http://schemas.openxmlformats.org/officeDocument/2006/math">
+                      <m:oMathParaPr>
+                        <m:jc m:val="centerGroup"/>
+                      </m:oMathParaPr>
+                      <m:oMath xmlns:m="http://schemas.openxmlformats.org/officeDocument/2006/math">
+                        <m:sSub>
+                          <m:sSubPr>
+                            <m:ctrlPr>
+                              <a:rPr lang="en-US" i="1" smtClean="0">
+                                <a:solidFill>
+                                  <a:schemeClr val="accent3"/>
+                                </a:solidFill>
+                                <a:latin typeface="Cambria Math" panose="02040503050406030204" pitchFamily="18" charset="0"/>
+                              </a:rPr>
+                            </m:ctrlPr>
+                          </m:sSubPr>
+                          <m:e>
+                            <m:r>
+                              <a:rPr lang="en-US" b="0" i="1" smtClean="0">
+                                <a:solidFill>
+                                  <a:schemeClr val="accent3"/>
+                                </a:solidFill>
+                                <a:latin typeface="Cambria Math" panose="02040503050406030204" pitchFamily="18" charset="0"/>
+                              </a:rPr>
+                              <m:t>𝑞</m:t>
+                            </m:r>
+                          </m:e>
+                          <m:sub>
+                            <m:r>
+                              <a:rPr lang="en-US" b="0" i="1" smtClean="0">
+                                <a:solidFill>
+                                  <a:schemeClr val="accent3"/>
+                                </a:solidFill>
+                                <a:latin typeface="Cambria Math" panose="02040503050406030204" pitchFamily="18" charset="0"/>
+                              </a:rPr>
+                              <m:t>0</m:t>
+                            </m:r>
+                          </m:sub>
+                        </m:sSub>
+                        <m:sSub>
+                          <m:sSubPr>
+                            <m:ctrlPr>
+                              <a:rPr lang="en-US" altLang="zh-CN" i="1">
+                                <a:solidFill>
+                                  <a:schemeClr val="accent3"/>
+                                </a:solidFill>
+                                <a:latin typeface="Cambria Math" panose="02040503050406030204" pitchFamily="18" charset="0"/>
+                              </a:rPr>
+                            </m:ctrlPr>
+                          </m:sSubPr>
+                          <m:e>
+                            <m:r>
+                              <a:rPr lang="en-US" altLang="zh-CN" i="1">
+                                <a:solidFill>
+                                  <a:schemeClr val="accent3"/>
+                                </a:solidFill>
+                                <a:latin typeface="Cambria Math" panose="02040503050406030204" pitchFamily="18" charset="0"/>
+                              </a:rPr>
+                              <m:t>𝑞</m:t>
+                            </m:r>
+                          </m:e>
+                          <m:sub>
+                            <m:r>
+                              <a:rPr lang="en-US" altLang="zh-CN" i="1">
+                                <a:solidFill>
+                                  <a:schemeClr val="accent3"/>
+                                </a:solidFill>
+                                <a:latin typeface="Cambria Math" panose="02040503050406030204" pitchFamily="18" charset="0"/>
+                              </a:rPr>
+                              <m:t>1</m:t>
+                            </m:r>
+                          </m:sub>
+                        </m:sSub>
+                      </m:oMath>
+                    </m:oMathPara>
+                  </a14:m>
+                  <a:endParaRPr lang="en-US" altLang="zh-CN" dirty="0">
+                    <a:solidFill>
+                      <a:schemeClr val="accent3"/>
+                    </a:solidFill>
+                  </a:endParaRPr>
+                </a:p>
+              </p:txBody>
+            </p:sp>
+          </mc:Choice>
+          <mc:Fallback xmlns="">
+            <p:sp>
+              <p:nvSpPr>
+                <p:cNvPr id="47" name="TextBox 46">
+                  <a:extLst>
+                    <a:ext uri="{FF2B5EF4-FFF2-40B4-BE49-F238E27FC236}">
+                      <a16:creationId xmlns:a16="http://schemas.microsoft.com/office/drawing/2014/main" id="{8B122532-ACDB-BB4B-2AC5-194F69E4B322}"/>
+                    </a:ext>
+                  </a:extLst>
+                </p:cNvPr>
+                <p:cNvSpPr txBox="1">
+                  <a:spLocks noRot="1" noChangeAspect="1" noMove="1" noResize="1" noEditPoints="1" noAdjustHandles="1" noChangeArrowheads="1" noChangeShapeType="1" noTextEdit="1"/>
+                </p:cNvSpPr>
+                <p:nvPr/>
+              </p:nvSpPr>
+              <p:spPr>
+                <a:xfrm>
+                  <a:off x="5700921" y="2301744"/>
+                  <a:ext cx="697627" cy="369332"/>
+                </a:xfrm>
+                <a:prstGeom prst="rect">
+                  <a:avLst/>
+                </a:prstGeom>
+                <a:blipFill>
+                  <a:blip r:embed="rId20"/>
+                  <a:stretch>
+                    <a:fillRect b="-6667"/>
+                  </a:stretch>
+                </a:blipFill>
+              </p:spPr>
+              <p:txBody>
+                <a:bodyPr/>
+                <a:lstStyle/>
+                <a:p>
+                  <a:r>
+                    <a:rPr lang="zh-CN" altLang="en-US">
+                      <a:noFill/>
+                    </a:rPr>
+                    <a:t> </a:t>
+                  </a:r>
+                </a:p>
+              </p:txBody>
+            </p:sp>
+          </mc:Fallback>
+        </mc:AlternateContent>
+        <mc:AlternateContent xmlns:mc="http://schemas.openxmlformats.org/markup-compatibility/2006" xmlns:a14="http://schemas.microsoft.com/office/drawing/2010/main">
+          <mc:Choice Requires="a14">
+            <p:sp>
+              <p:nvSpPr>
+                <p:cNvPr id="48" name="TextBox 47">
+                  <a:extLst>
+                    <a:ext uri="{FF2B5EF4-FFF2-40B4-BE49-F238E27FC236}">
+                      <a16:creationId xmlns:a16="http://schemas.microsoft.com/office/drawing/2014/main" id="{C29D51CA-03B7-5D9C-2954-8780612ACDAB}"/>
+                    </a:ext>
+                  </a:extLst>
+                </p:cNvPr>
+                <p:cNvSpPr txBox="1"/>
+                <p:nvPr/>
+              </p:nvSpPr>
+              <p:spPr>
+                <a:xfrm>
+                  <a:off x="5324193" y="2988831"/>
+                  <a:ext cx="469744" cy="369332"/>
+                </a:xfrm>
+                <a:prstGeom prst="rect">
+                  <a:avLst/>
+                </a:prstGeom>
+                <a:noFill/>
+              </p:spPr>
+              <p:txBody>
+                <a:bodyPr wrap="none" rtlCol="0">
+                  <a:spAutoFit/>
+                </a:bodyPr>
+                <a:lstStyle/>
+                <a:p>
+                  <a:pPr/>
+                  <a14:m>
+                    <m:oMathPara xmlns:m="http://schemas.openxmlformats.org/officeDocument/2006/math">
+                      <m:oMathParaPr>
+                        <m:jc m:val="centerGroup"/>
+                      </m:oMathParaPr>
+                      <m:oMath xmlns:m="http://schemas.openxmlformats.org/officeDocument/2006/math">
+                        <m:sSub>
+                          <m:sSubPr>
+                            <m:ctrlPr>
+                              <a:rPr lang="en-US" i="1" smtClean="0">
+                                <a:solidFill>
+                                  <a:schemeClr val="accent3"/>
+                                </a:solidFill>
+                                <a:latin typeface="Cambria Math" panose="02040503050406030204" pitchFamily="18" charset="0"/>
+                              </a:rPr>
+                            </m:ctrlPr>
+                          </m:sSubPr>
+                          <m:e>
+                            <m:r>
+                              <a:rPr lang="en-US" b="0" i="1" smtClean="0">
+                                <a:solidFill>
+                                  <a:schemeClr val="accent3"/>
+                                </a:solidFill>
+                                <a:latin typeface="Cambria Math" panose="02040503050406030204" pitchFamily="18" charset="0"/>
+                              </a:rPr>
+                              <m:t>𝑞</m:t>
+                            </m:r>
+                          </m:e>
+                          <m:sub>
+                            <m:r>
+                              <a:rPr lang="en-US" b="0" i="1" smtClean="0">
+                                <a:solidFill>
+                                  <a:schemeClr val="accent3"/>
+                                </a:solidFill>
+                                <a:latin typeface="Cambria Math" panose="02040503050406030204" pitchFamily="18" charset="0"/>
+                              </a:rPr>
+                              <m:t>1</m:t>
+                            </m:r>
+                          </m:sub>
+                        </m:sSub>
+                      </m:oMath>
+                    </m:oMathPara>
+                  </a14:m>
+                  <a:endParaRPr lang="en-US" dirty="0">
+                    <a:solidFill>
+                      <a:schemeClr val="accent3"/>
+                    </a:solidFill>
+                  </a:endParaRPr>
+                </a:p>
+              </p:txBody>
+            </p:sp>
+          </mc:Choice>
+          <mc:Fallback xmlns="">
+            <p:sp>
+              <p:nvSpPr>
+                <p:cNvPr id="48" name="TextBox 47">
+                  <a:extLst>
+                    <a:ext uri="{FF2B5EF4-FFF2-40B4-BE49-F238E27FC236}">
+                      <a16:creationId xmlns:a16="http://schemas.microsoft.com/office/drawing/2014/main" id="{C29D51CA-03B7-5D9C-2954-8780612ACDAB}"/>
+                    </a:ext>
+                  </a:extLst>
+                </p:cNvPr>
+                <p:cNvSpPr txBox="1">
+                  <a:spLocks noRot="1" noChangeAspect="1" noMove="1" noResize="1" noEditPoints="1" noAdjustHandles="1" noChangeArrowheads="1" noChangeShapeType="1" noTextEdit="1"/>
+                </p:cNvSpPr>
+                <p:nvPr/>
+              </p:nvSpPr>
+              <p:spPr>
+                <a:xfrm>
+                  <a:off x="5324193" y="2988831"/>
+                  <a:ext cx="469744" cy="369332"/>
+                </a:xfrm>
+                <a:prstGeom prst="rect">
+                  <a:avLst/>
+                </a:prstGeom>
+                <a:blipFill>
+                  <a:blip r:embed="rId21"/>
+                  <a:stretch>
+                    <a:fillRect b="-6557"/>
+                  </a:stretch>
+                </a:blipFill>
+              </p:spPr>
+              <p:txBody>
+                <a:bodyPr/>
+                <a:lstStyle/>
+                <a:p>
+                  <a:r>
+                    <a:rPr lang="zh-CN" altLang="en-US">
+                      <a:noFill/>
+                    </a:rPr>
+                    <a:t> </a:t>
+                  </a:r>
+                </a:p>
+              </p:txBody>
+            </p:sp>
+          </mc:Fallback>
+        </mc:AlternateContent>
+        <mc:AlternateContent xmlns:mc="http://schemas.openxmlformats.org/markup-compatibility/2006" xmlns:a14="http://schemas.microsoft.com/office/drawing/2010/main">
+          <mc:Choice Requires="a14">
+            <p:sp>
+              <p:nvSpPr>
+                <p:cNvPr id="49" name="TextBox 48">
+                  <a:extLst>
+                    <a:ext uri="{FF2B5EF4-FFF2-40B4-BE49-F238E27FC236}">
+                      <a16:creationId xmlns:a16="http://schemas.microsoft.com/office/drawing/2014/main" id="{550348C5-6CD6-970C-CDA7-A2D8150C4B35}"/>
+                    </a:ext>
+                  </a:extLst>
+                </p:cNvPr>
+                <p:cNvSpPr txBox="1"/>
+                <p:nvPr/>
+              </p:nvSpPr>
+              <p:spPr>
+                <a:xfrm>
+                  <a:off x="6308156" y="2983427"/>
+                  <a:ext cx="702948" cy="369332"/>
+                </a:xfrm>
+                <a:prstGeom prst="rect">
+                  <a:avLst/>
+                </a:prstGeom>
+                <a:noFill/>
+              </p:spPr>
+              <p:txBody>
+                <a:bodyPr wrap="none" rtlCol="0">
+                  <a:spAutoFit/>
+                </a:bodyPr>
+                <a:lstStyle/>
+                <a:p>
+                  <a:pPr/>
+                  <a14:m>
+                    <m:oMathPara xmlns:m="http://schemas.openxmlformats.org/officeDocument/2006/math">
+                      <m:oMathParaPr>
+                        <m:jc m:val="centerGroup"/>
+                      </m:oMathParaPr>
+                      <m:oMath xmlns:m="http://schemas.openxmlformats.org/officeDocument/2006/math">
+                        <m:sSub>
+                          <m:sSubPr>
+                            <m:ctrlPr>
+                              <a:rPr lang="en-US" i="1" smtClean="0">
+                                <a:solidFill>
+                                  <a:schemeClr val="accent3"/>
+                                </a:solidFill>
+                                <a:latin typeface="Cambria Math" panose="02040503050406030204" pitchFamily="18" charset="0"/>
+                              </a:rPr>
+                            </m:ctrlPr>
+                          </m:sSubPr>
+                          <m:e>
+                            <m:r>
+                              <a:rPr lang="en-US" b="0" i="1" smtClean="0">
+                                <a:solidFill>
+                                  <a:schemeClr val="accent3"/>
+                                </a:solidFill>
+                                <a:latin typeface="Cambria Math" panose="02040503050406030204" pitchFamily="18" charset="0"/>
+                              </a:rPr>
+                              <m:t>𝑞</m:t>
+                            </m:r>
+                          </m:e>
+                          <m:sub>
+                            <m:r>
+                              <a:rPr lang="en-US" b="0" i="1" smtClean="0">
+                                <a:solidFill>
+                                  <a:schemeClr val="accent3"/>
+                                </a:solidFill>
+                                <a:latin typeface="Cambria Math" panose="02040503050406030204" pitchFamily="18" charset="0"/>
+                              </a:rPr>
+                              <m:t>0</m:t>
+                            </m:r>
+                          </m:sub>
+                        </m:sSub>
+                        <m:sSub>
+                          <m:sSubPr>
+                            <m:ctrlPr>
+                              <a:rPr lang="en-US" altLang="zh-CN" i="1" smtClean="0">
+                                <a:solidFill>
+                                  <a:schemeClr val="accent3"/>
+                                </a:solidFill>
+                                <a:latin typeface="Cambria Math" panose="02040503050406030204" pitchFamily="18" charset="0"/>
+                              </a:rPr>
+                            </m:ctrlPr>
+                          </m:sSubPr>
+                          <m:e>
+                            <m:r>
+                              <a:rPr lang="en-US" altLang="zh-CN" i="1">
+                                <a:solidFill>
+                                  <a:schemeClr val="accent3"/>
+                                </a:solidFill>
+                                <a:latin typeface="Cambria Math" panose="02040503050406030204" pitchFamily="18" charset="0"/>
+                              </a:rPr>
+                              <m:t>𝑞</m:t>
+                            </m:r>
+                          </m:e>
+                          <m:sub>
+                            <m:r>
+                              <a:rPr lang="en-US" altLang="zh-CN" i="1">
+                                <a:solidFill>
+                                  <a:schemeClr val="accent3"/>
+                                </a:solidFill>
+                                <a:latin typeface="Cambria Math" panose="02040503050406030204" pitchFamily="18" charset="0"/>
+                              </a:rPr>
+                              <m:t>2</m:t>
+                            </m:r>
+                          </m:sub>
+                        </m:sSub>
+                      </m:oMath>
+                    </m:oMathPara>
+                  </a14:m>
+                  <a:endParaRPr lang="en-US" altLang="zh-CN" dirty="0"/>
+                </a:p>
+              </p:txBody>
+            </p:sp>
+          </mc:Choice>
+          <mc:Fallback xmlns="">
+            <p:sp>
+              <p:nvSpPr>
+                <p:cNvPr id="49" name="TextBox 48">
+                  <a:extLst>
+                    <a:ext uri="{FF2B5EF4-FFF2-40B4-BE49-F238E27FC236}">
+                      <a16:creationId xmlns:a16="http://schemas.microsoft.com/office/drawing/2014/main" id="{550348C5-6CD6-970C-CDA7-A2D8150C4B35}"/>
+                    </a:ext>
+                  </a:extLst>
+                </p:cNvPr>
+                <p:cNvSpPr txBox="1">
+                  <a:spLocks noRot="1" noChangeAspect="1" noMove="1" noResize="1" noEditPoints="1" noAdjustHandles="1" noChangeArrowheads="1" noChangeShapeType="1" noTextEdit="1"/>
+                </p:cNvSpPr>
+                <p:nvPr/>
+              </p:nvSpPr>
+              <p:spPr>
+                <a:xfrm>
+                  <a:off x="6308156" y="2983427"/>
+                  <a:ext cx="702948" cy="369332"/>
+                </a:xfrm>
+                <a:prstGeom prst="rect">
+                  <a:avLst/>
+                </a:prstGeom>
+                <a:blipFill>
+                  <a:blip r:embed="rId22"/>
+                  <a:stretch>
+                    <a:fillRect b="-6557"/>
+                  </a:stretch>
+                </a:blipFill>
+              </p:spPr>
+              <p:txBody>
+                <a:bodyPr/>
+                <a:lstStyle/>
+                <a:p>
+                  <a:r>
+                    <a:rPr lang="zh-CN" altLang="en-US">
+                      <a:noFill/>
+                    </a:rPr>
+                    <a:t> </a:t>
+                  </a:r>
+                </a:p>
+              </p:txBody>
+            </p:sp>
+          </mc:Fallback>
+        </mc:AlternateContent>
+        <mc:AlternateContent xmlns:mc="http://schemas.openxmlformats.org/markup-compatibility/2006" xmlns:a14="http://schemas.microsoft.com/office/drawing/2010/main">
+          <mc:Choice Requires="a14">
+            <p:sp>
+              <p:nvSpPr>
+                <p:cNvPr id="50" name="TextBox 49">
+                  <a:extLst>
+                    <a:ext uri="{FF2B5EF4-FFF2-40B4-BE49-F238E27FC236}">
+                      <a16:creationId xmlns:a16="http://schemas.microsoft.com/office/drawing/2014/main" id="{728A53F3-FD66-ECB8-9E18-88548125E0ED}"/>
+                    </a:ext>
+                  </a:extLst>
+                </p:cNvPr>
+                <p:cNvSpPr txBox="1"/>
+                <p:nvPr/>
+              </p:nvSpPr>
+              <p:spPr>
+                <a:xfrm>
+                  <a:off x="7341777" y="2055310"/>
+                  <a:ext cx="697627" cy="369332"/>
+                </a:xfrm>
+                <a:prstGeom prst="rect">
+                  <a:avLst/>
+                </a:prstGeom>
+                <a:noFill/>
+              </p:spPr>
+              <p:txBody>
+                <a:bodyPr wrap="none" rtlCol="0">
+                  <a:spAutoFit/>
+                </a:bodyPr>
+                <a:lstStyle/>
+                <a:p>
+                  <a:pPr/>
+                  <a14:m>
+                    <m:oMathPara xmlns:m="http://schemas.openxmlformats.org/officeDocument/2006/math">
+                      <m:oMathParaPr>
+                        <m:jc m:val="centerGroup"/>
+                      </m:oMathParaPr>
+                      <m:oMath xmlns:m="http://schemas.openxmlformats.org/officeDocument/2006/math">
+                        <m:sSub>
+                          <m:sSubPr>
+                            <m:ctrlPr>
+                              <a:rPr lang="en-US" i="1" smtClean="0">
+                                <a:solidFill>
+                                  <a:schemeClr val="accent3"/>
+                                </a:solidFill>
+                                <a:latin typeface="Cambria Math" panose="02040503050406030204" pitchFamily="18" charset="0"/>
+                              </a:rPr>
+                            </m:ctrlPr>
+                          </m:sSubPr>
+                          <m:e>
+                            <m:r>
+                              <a:rPr lang="en-US" b="0" i="1" smtClean="0">
+                                <a:solidFill>
+                                  <a:schemeClr val="accent3"/>
+                                </a:solidFill>
+                                <a:latin typeface="Cambria Math" panose="02040503050406030204" pitchFamily="18" charset="0"/>
+                              </a:rPr>
+                              <m:t>𝑞</m:t>
+                            </m:r>
+                          </m:e>
+                          <m:sub>
+                            <m:r>
+                              <a:rPr lang="en-US" b="0" i="1" smtClean="0">
+                                <a:solidFill>
+                                  <a:schemeClr val="accent3"/>
+                                </a:solidFill>
+                                <a:latin typeface="Cambria Math" panose="02040503050406030204" pitchFamily="18" charset="0"/>
+                              </a:rPr>
+                              <m:t>1</m:t>
+                            </m:r>
+                          </m:sub>
+                        </m:sSub>
+                        <m:sSub>
+                          <m:sSubPr>
+                            <m:ctrlPr>
+                              <a:rPr lang="en-US" altLang="zh-CN" i="1">
+                                <a:solidFill>
+                                  <a:schemeClr val="accent3"/>
+                                </a:solidFill>
+                                <a:latin typeface="Cambria Math" panose="02040503050406030204" pitchFamily="18" charset="0"/>
+                              </a:rPr>
+                            </m:ctrlPr>
+                          </m:sSubPr>
+                          <m:e>
+                            <m:r>
+                              <a:rPr lang="en-US" altLang="zh-CN" i="1">
+                                <a:solidFill>
+                                  <a:schemeClr val="accent3"/>
+                                </a:solidFill>
+                                <a:latin typeface="Cambria Math" panose="02040503050406030204" pitchFamily="18" charset="0"/>
+                              </a:rPr>
+                              <m:t>𝑞</m:t>
+                            </m:r>
+                          </m:e>
+                          <m:sub>
+                            <m:r>
+                              <a:rPr lang="en-US" altLang="zh-CN" b="0" i="1" smtClean="0">
+                                <a:solidFill>
+                                  <a:schemeClr val="accent3"/>
+                                </a:solidFill>
+                                <a:latin typeface="Cambria Math" panose="02040503050406030204" pitchFamily="18" charset="0"/>
+                              </a:rPr>
+                              <m:t>2</m:t>
+                            </m:r>
+                          </m:sub>
+                        </m:sSub>
+                      </m:oMath>
+                    </m:oMathPara>
+                  </a14:m>
+                  <a:endParaRPr lang="en-US" altLang="zh-CN" dirty="0">
+                    <a:solidFill>
+                      <a:schemeClr val="accent3"/>
+                    </a:solidFill>
+                  </a:endParaRPr>
+                </a:p>
+              </p:txBody>
+            </p:sp>
+          </mc:Choice>
+          <mc:Fallback xmlns="">
+            <p:sp>
+              <p:nvSpPr>
+                <p:cNvPr id="50" name="TextBox 49">
+                  <a:extLst>
+                    <a:ext uri="{FF2B5EF4-FFF2-40B4-BE49-F238E27FC236}">
+                      <a16:creationId xmlns:a16="http://schemas.microsoft.com/office/drawing/2014/main" id="{728A53F3-FD66-ECB8-9E18-88548125E0ED}"/>
+                    </a:ext>
+                  </a:extLst>
+                </p:cNvPr>
+                <p:cNvSpPr txBox="1">
+                  <a:spLocks noRot="1" noChangeAspect="1" noMove="1" noResize="1" noEditPoints="1" noAdjustHandles="1" noChangeArrowheads="1" noChangeShapeType="1" noTextEdit="1"/>
+                </p:cNvSpPr>
+                <p:nvPr/>
+              </p:nvSpPr>
+              <p:spPr>
+                <a:xfrm>
+                  <a:off x="7341777" y="2055310"/>
+                  <a:ext cx="697627" cy="369332"/>
+                </a:xfrm>
+                <a:prstGeom prst="rect">
+                  <a:avLst/>
+                </a:prstGeom>
+                <a:blipFill>
+                  <a:blip r:embed="rId23"/>
+                  <a:stretch>
+                    <a:fillRect b="-6557"/>
+                  </a:stretch>
+                </a:blipFill>
+              </p:spPr>
+              <p:txBody>
+                <a:bodyPr/>
+                <a:lstStyle/>
+                <a:p>
+                  <a:r>
+                    <a:rPr lang="zh-CN" altLang="en-US">
+                      <a:noFill/>
+                    </a:rPr>
+                    <a:t> </a:t>
+                  </a:r>
+                </a:p>
+              </p:txBody>
+            </p:sp>
+          </mc:Fallback>
+        </mc:AlternateContent>
+        <mc:AlternateContent xmlns:mc="http://schemas.openxmlformats.org/markup-compatibility/2006" xmlns:a14="http://schemas.microsoft.com/office/drawing/2010/main">
+          <mc:Choice Requires="a14">
+            <p:sp>
+              <p:nvSpPr>
+                <p:cNvPr id="51" name="TextBox 50">
+                  <a:extLst>
+                    <a:ext uri="{FF2B5EF4-FFF2-40B4-BE49-F238E27FC236}">
+                      <a16:creationId xmlns:a16="http://schemas.microsoft.com/office/drawing/2014/main" id="{FB8FEE8E-1894-3A4F-0A08-651C1BA7C1BC}"/>
+                    </a:ext>
+                  </a:extLst>
+                </p:cNvPr>
+                <p:cNvSpPr txBox="1"/>
+                <p:nvPr/>
+              </p:nvSpPr>
+              <p:spPr>
+                <a:xfrm>
+                  <a:off x="7327886" y="2988831"/>
+                  <a:ext cx="702948" cy="369332"/>
+                </a:xfrm>
+                <a:prstGeom prst="rect">
+                  <a:avLst/>
+                </a:prstGeom>
+                <a:noFill/>
+              </p:spPr>
+              <p:txBody>
+                <a:bodyPr wrap="none" rtlCol="0">
+                  <a:spAutoFit/>
+                </a:bodyPr>
+                <a:lstStyle/>
+                <a:p>
+                  <a:pPr/>
+                  <a14:m>
+                    <m:oMathPara xmlns:m="http://schemas.openxmlformats.org/officeDocument/2006/math">
+                      <m:oMathParaPr>
+                        <m:jc m:val="centerGroup"/>
+                      </m:oMathParaPr>
+                      <m:oMath xmlns:m="http://schemas.openxmlformats.org/officeDocument/2006/math">
+                        <m:sSub>
+                          <m:sSubPr>
+                            <m:ctrlPr>
+                              <a:rPr lang="en-US" i="1" smtClean="0">
+                                <a:solidFill>
+                                  <a:schemeClr val="accent3"/>
+                                </a:solidFill>
+                                <a:latin typeface="Cambria Math" panose="02040503050406030204" pitchFamily="18" charset="0"/>
+                              </a:rPr>
+                            </m:ctrlPr>
+                          </m:sSubPr>
+                          <m:e>
+                            <m:r>
+                              <a:rPr lang="en-US" b="0" i="1" smtClean="0">
+                                <a:solidFill>
+                                  <a:schemeClr val="accent3"/>
+                                </a:solidFill>
+                                <a:latin typeface="Cambria Math" panose="02040503050406030204" pitchFamily="18" charset="0"/>
+                              </a:rPr>
+                              <m:t>𝑞</m:t>
+                            </m:r>
+                          </m:e>
+                          <m:sub>
+                            <m:r>
+                              <a:rPr lang="en-US" b="0" i="1" smtClean="0">
+                                <a:solidFill>
+                                  <a:schemeClr val="accent3"/>
+                                </a:solidFill>
+                                <a:latin typeface="Cambria Math" panose="02040503050406030204" pitchFamily="18" charset="0"/>
+                              </a:rPr>
+                              <m:t>0</m:t>
+                            </m:r>
+                          </m:sub>
+                        </m:sSub>
+                        <m:sSub>
+                          <m:sSubPr>
+                            <m:ctrlPr>
+                              <a:rPr lang="en-US" altLang="zh-CN" i="1" smtClean="0">
+                                <a:solidFill>
+                                  <a:schemeClr val="accent3"/>
+                                </a:solidFill>
+                                <a:latin typeface="Cambria Math" panose="02040503050406030204" pitchFamily="18" charset="0"/>
+                              </a:rPr>
+                            </m:ctrlPr>
+                          </m:sSubPr>
+                          <m:e>
+                            <m:r>
+                              <a:rPr lang="en-US" altLang="zh-CN" i="1">
+                                <a:solidFill>
+                                  <a:schemeClr val="accent3"/>
+                                </a:solidFill>
+                                <a:latin typeface="Cambria Math" panose="02040503050406030204" pitchFamily="18" charset="0"/>
+                              </a:rPr>
+                              <m:t>𝑞</m:t>
+                            </m:r>
+                          </m:e>
+                          <m:sub>
+                            <m:r>
+                              <a:rPr lang="en-US" altLang="zh-CN" i="1">
+                                <a:solidFill>
+                                  <a:schemeClr val="accent3"/>
+                                </a:solidFill>
+                                <a:latin typeface="Cambria Math" panose="02040503050406030204" pitchFamily="18" charset="0"/>
+                              </a:rPr>
+                              <m:t>2</m:t>
+                            </m:r>
+                          </m:sub>
+                        </m:sSub>
+                      </m:oMath>
+                    </m:oMathPara>
+                  </a14:m>
+                  <a:endParaRPr lang="en-US" altLang="zh-CN" dirty="0"/>
+                </a:p>
+              </p:txBody>
+            </p:sp>
+          </mc:Choice>
+          <mc:Fallback xmlns="">
+            <p:sp>
+              <p:nvSpPr>
+                <p:cNvPr id="51" name="TextBox 50">
+                  <a:extLst>
+                    <a:ext uri="{FF2B5EF4-FFF2-40B4-BE49-F238E27FC236}">
+                      <a16:creationId xmlns:a16="http://schemas.microsoft.com/office/drawing/2014/main" id="{FB8FEE8E-1894-3A4F-0A08-651C1BA7C1BC}"/>
+                    </a:ext>
+                  </a:extLst>
+                </p:cNvPr>
+                <p:cNvSpPr txBox="1">
+                  <a:spLocks noRot="1" noChangeAspect="1" noMove="1" noResize="1" noEditPoints="1" noAdjustHandles="1" noChangeArrowheads="1" noChangeShapeType="1" noTextEdit="1"/>
+                </p:cNvSpPr>
+                <p:nvPr/>
+              </p:nvSpPr>
+              <p:spPr>
+                <a:xfrm>
+                  <a:off x="7327886" y="2988831"/>
+                  <a:ext cx="702948" cy="369332"/>
+                </a:xfrm>
+                <a:prstGeom prst="rect">
+                  <a:avLst/>
+                </a:prstGeom>
+                <a:blipFill>
+                  <a:blip r:embed="rId24"/>
+                  <a:stretch>
+                    <a:fillRect b="-6557"/>
+                  </a:stretch>
+                </a:blipFill>
+              </p:spPr>
+              <p:txBody>
+                <a:bodyPr/>
+                <a:lstStyle/>
+                <a:p>
+                  <a:r>
+                    <a:rPr lang="zh-CN" altLang="en-US">
+                      <a:noFill/>
+                    </a:rPr>
+                    <a:t> </a:t>
+                  </a:r>
+                </a:p>
+              </p:txBody>
+            </p:sp>
+          </mc:Fallback>
+        </mc:AlternateContent>
+        <mc:AlternateContent xmlns:mc="http://schemas.openxmlformats.org/markup-compatibility/2006" xmlns:a14="http://schemas.microsoft.com/office/drawing/2010/main">
+          <mc:Choice Requires="a14">
+            <p:sp>
+              <p:nvSpPr>
+                <p:cNvPr id="52" name="TextBox 51">
+                  <a:extLst>
+                    <a:ext uri="{FF2B5EF4-FFF2-40B4-BE49-F238E27FC236}">
+                      <a16:creationId xmlns:a16="http://schemas.microsoft.com/office/drawing/2014/main" id="{725AE2B6-BECA-ECE3-1C23-401093558DC9}"/>
+                    </a:ext>
+                  </a:extLst>
+                </p:cNvPr>
+                <p:cNvSpPr txBox="1"/>
+                <p:nvPr/>
+              </p:nvSpPr>
+              <p:spPr>
+                <a:xfrm>
+                  <a:off x="6690710" y="3644403"/>
+                  <a:ext cx="925510" cy="369332"/>
+                </a:xfrm>
+                <a:prstGeom prst="rect">
+                  <a:avLst/>
+                </a:prstGeom>
+                <a:noFill/>
+              </p:spPr>
+              <p:txBody>
+                <a:bodyPr wrap="none" rtlCol="0">
+                  <a:spAutoFit/>
+                </a:bodyPr>
+                <a:lstStyle/>
+                <a:p>
+                  <a:pPr/>
+                  <a14:m>
+                    <m:oMathPara xmlns:m="http://schemas.openxmlformats.org/officeDocument/2006/math">
+                      <m:oMathParaPr>
+                        <m:jc m:val="centerGroup"/>
+                      </m:oMathParaPr>
+                      <m:oMath xmlns:m="http://schemas.openxmlformats.org/officeDocument/2006/math">
+                        <m:sSub>
+                          <m:sSubPr>
+                            <m:ctrlPr>
+                              <a:rPr lang="en-US" i="1" smtClean="0">
+                                <a:solidFill>
+                                  <a:schemeClr val="accent3"/>
+                                </a:solidFill>
+                                <a:latin typeface="Cambria Math" panose="02040503050406030204" pitchFamily="18" charset="0"/>
+                              </a:rPr>
+                            </m:ctrlPr>
+                          </m:sSubPr>
+                          <m:e>
+                            <m:r>
+                              <a:rPr lang="en-US" b="0" i="1" smtClean="0">
+                                <a:solidFill>
+                                  <a:schemeClr val="accent3"/>
+                                </a:solidFill>
+                                <a:latin typeface="Cambria Math" panose="02040503050406030204" pitchFamily="18" charset="0"/>
+                              </a:rPr>
+                              <m:t>𝑞</m:t>
+                            </m:r>
+                          </m:e>
+                          <m:sub>
+                            <m:r>
+                              <a:rPr lang="en-US" b="0" i="1" smtClean="0">
+                                <a:solidFill>
+                                  <a:schemeClr val="accent3"/>
+                                </a:solidFill>
+                                <a:latin typeface="Cambria Math" panose="02040503050406030204" pitchFamily="18" charset="0"/>
+                              </a:rPr>
+                              <m:t>0</m:t>
+                            </m:r>
+                          </m:sub>
+                        </m:sSub>
+                        <m:sSub>
+                          <m:sSubPr>
+                            <m:ctrlPr>
+                              <a:rPr lang="en-US" altLang="zh-CN" i="1">
+                                <a:solidFill>
+                                  <a:schemeClr val="accent3"/>
+                                </a:solidFill>
+                                <a:latin typeface="Cambria Math" panose="02040503050406030204" pitchFamily="18" charset="0"/>
+                              </a:rPr>
+                            </m:ctrlPr>
+                          </m:sSubPr>
+                          <m:e>
+                            <m:r>
+                              <a:rPr lang="en-US" altLang="zh-CN" i="1">
+                                <a:solidFill>
+                                  <a:schemeClr val="accent3"/>
+                                </a:solidFill>
+                                <a:latin typeface="Cambria Math" panose="02040503050406030204" pitchFamily="18" charset="0"/>
+                              </a:rPr>
+                              <m:t>𝑞</m:t>
+                            </m:r>
+                          </m:e>
+                          <m:sub>
+                            <m:r>
+                              <a:rPr lang="en-US" altLang="zh-CN" i="1">
+                                <a:solidFill>
+                                  <a:schemeClr val="accent3"/>
+                                </a:solidFill>
+                                <a:latin typeface="Cambria Math" panose="02040503050406030204" pitchFamily="18" charset="0"/>
+                              </a:rPr>
+                              <m:t>1</m:t>
+                            </m:r>
+                          </m:sub>
+                        </m:sSub>
+                        <m:sSub>
+                          <m:sSubPr>
+                            <m:ctrlPr>
+                              <a:rPr lang="en-US" altLang="zh-CN" i="1" smtClean="0">
+                                <a:solidFill>
+                                  <a:schemeClr val="accent3"/>
+                                </a:solidFill>
+                                <a:latin typeface="Cambria Math" panose="02040503050406030204" pitchFamily="18" charset="0"/>
+                              </a:rPr>
+                            </m:ctrlPr>
+                          </m:sSubPr>
+                          <m:e>
+                            <m:r>
+                              <a:rPr lang="en-US" altLang="zh-CN" i="1">
+                                <a:solidFill>
+                                  <a:schemeClr val="accent3"/>
+                                </a:solidFill>
+                                <a:latin typeface="Cambria Math" panose="02040503050406030204" pitchFamily="18" charset="0"/>
+                              </a:rPr>
+                              <m:t>𝑞</m:t>
+                            </m:r>
+                          </m:e>
+                          <m:sub>
+                            <m:r>
+                              <a:rPr lang="en-US" altLang="zh-CN" i="1">
+                                <a:solidFill>
+                                  <a:schemeClr val="accent3"/>
+                                </a:solidFill>
+                                <a:latin typeface="Cambria Math" panose="02040503050406030204" pitchFamily="18" charset="0"/>
+                              </a:rPr>
+                              <m:t>2</m:t>
+                            </m:r>
+                          </m:sub>
+                        </m:sSub>
+                      </m:oMath>
+                    </m:oMathPara>
+                  </a14:m>
+                  <a:endParaRPr lang="en-US" altLang="zh-CN" dirty="0"/>
+                </a:p>
+              </p:txBody>
+            </p:sp>
+          </mc:Choice>
+          <mc:Fallback xmlns="">
+            <p:sp>
+              <p:nvSpPr>
+                <p:cNvPr id="52" name="TextBox 51">
+                  <a:extLst>
+                    <a:ext uri="{FF2B5EF4-FFF2-40B4-BE49-F238E27FC236}">
+                      <a16:creationId xmlns:a16="http://schemas.microsoft.com/office/drawing/2014/main" id="{725AE2B6-BECA-ECE3-1C23-401093558DC9}"/>
+                    </a:ext>
+                  </a:extLst>
+                </p:cNvPr>
+                <p:cNvSpPr txBox="1">
+                  <a:spLocks noRot="1" noChangeAspect="1" noMove="1" noResize="1" noEditPoints="1" noAdjustHandles="1" noChangeArrowheads="1" noChangeShapeType="1" noTextEdit="1"/>
+                </p:cNvSpPr>
+                <p:nvPr/>
+              </p:nvSpPr>
+              <p:spPr>
+                <a:xfrm>
+                  <a:off x="6690710" y="3644403"/>
+                  <a:ext cx="925510" cy="369332"/>
+                </a:xfrm>
+                <a:prstGeom prst="rect">
+                  <a:avLst/>
+                </a:prstGeom>
+                <a:blipFill>
+                  <a:blip r:embed="rId25"/>
+                  <a:stretch>
+                    <a:fillRect b="-6667"/>
+                  </a:stretch>
+                </a:blipFill>
+              </p:spPr>
+              <p:txBody>
+                <a:bodyPr/>
+                <a:lstStyle/>
+                <a:p>
+                  <a:r>
+                    <a:rPr lang="zh-CN" altLang="en-US">
+                      <a:noFill/>
+                    </a:rPr>
+                    <a:t> </a:t>
+                  </a:r>
+                </a:p>
+              </p:txBody>
+            </p:sp>
+          </mc:Fallback>
+        </mc:AlternateContent>
+        <mc:AlternateContent xmlns:mc="http://schemas.openxmlformats.org/markup-compatibility/2006" xmlns:a14="http://schemas.microsoft.com/office/drawing/2010/main">
+          <mc:Choice Requires="a14">
+            <p:sp>
+              <p:nvSpPr>
+                <p:cNvPr id="53" name="TextBox 52">
+                  <a:extLst>
+                    <a:ext uri="{FF2B5EF4-FFF2-40B4-BE49-F238E27FC236}">
+                      <a16:creationId xmlns:a16="http://schemas.microsoft.com/office/drawing/2014/main" id="{649592BE-9BC8-136B-D817-95592AD27F4D}"/>
+                    </a:ext>
+                  </a:extLst>
+                </p:cNvPr>
+                <p:cNvSpPr txBox="1"/>
+                <p:nvPr/>
+              </p:nvSpPr>
+              <p:spPr>
+                <a:xfrm>
+                  <a:off x="8414016" y="3425899"/>
+                  <a:ext cx="925510" cy="369332"/>
+                </a:xfrm>
+                <a:prstGeom prst="rect">
+                  <a:avLst/>
+                </a:prstGeom>
+                <a:noFill/>
+              </p:spPr>
+              <p:txBody>
+                <a:bodyPr wrap="none" rtlCol="0">
+                  <a:spAutoFit/>
+                </a:bodyPr>
+                <a:lstStyle/>
+                <a:p>
+                  <a:pPr/>
+                  <a14:m>
+                    <m:oMathPara xmlns:m="http://schemas.openxmlformats.org/officeDocument/2006/math">
+                      <m:oMathParaPr>
+                        <m:jc m:val="centerGroup"/>
+                      </m:oMathParaPr>
+                      <m:oMath xmlns:m="http://schemas.openxmlformats.org/officeDocument/2006/math">
+                        <m:sSub>
+                          <m:sSubPr>
+                            <m:ctrlPr>
+                              <a:rPr lang="en-US" i="1" smtClean="0">
+                                <a:solidFill>
+                                  <a:schemeClr val="accent3"/>
+                                </a:solidFill>
+                                <a:latin typeface="Cambria Math" panose="02040503050406030204" pitchFamily="18" charset="0"/>
+                              </a:rPr>
+                            </m:ctrlPr>
+                          </m:sSubPr>
+                          <m:e>
+                            <m:r>
+                              <a:rPr lang="en-US" b="0" i="1" smtClean="0">
+                                <a:solidFill>
+                                  <a:schemeClr val="accent3"/>
+                                </a:solidFill>
+                                <a:latin typeface="Cambria Math" panose="02040503050406030204" pitchFamily="18" charset="0"/>
+                              </a:rPr>
+                              <m:t>𝑞</m:t>
+                            </m:r>
+                          </m:e>
+                          <m:sub>
+                            <m:r>
+                              <a:rPr lang="en-US" b="0" i="1" smtClean="0">
+                                <a:solidFill>
+                                  <a:schemeClr val="accent3"/>
+                                </a:solidFill>
+                                <a:latin typeface="Cambria Math" panose="02040503050406030204" pitchFamily="18" charset="0"/>
+                              </a:rPr>
+                              <m:t>0</m:t>
+                            </m:r>
+                          </m:sub>
+                        </m:sSub>
+                        <m:sSub>
+                          <m:sSubPr>
+                            <m:ctrlPr>
+                              <a:rPr lang="en-US" altLang="zh-CN" i="1">
+                                <a:solidFill>
+                                  <a:schemeClr val="accent3"/>
+                                </a:solidFill>
+                                <a:latin typeface="Cambria Math" panose="02040503050406030204" pitchFamily="18" charset="0"/>
+                              </a:rPr>
+                            </m:ctrlPr>
+                          </m:sSubPr>
+                          <m:e>
+                            <m:r>
+                              <a:rPr lang="en-US" altLang="zh-CN" i="1">
+                                <a:solidFill>
+                                  <a:schemeClr val="accent3"/>
+                                </a:solidFill>
+                                <a:latin typeface="Cambria Math" panose="02040503050406030204" pitchFamily="18" charset="0"/>
+                              </a:rPr>
+                              <m:t>𝑞</m:t>
+                            </m:r>
+                          </m:e>
+                          <m:sub>
+                            <m:r>
+                              <a:rPr lang="en-US" altLang="zh-CN" i="1">
+                                <a:solidFill>
+                                  <a:schemeClr val="accent3"/>
+                                </a:solidFill>
+                                <a:latin typeface="Cambria Math" panose="02040503050406030204" pitchFamily="18" charset="0"/>
+                              </a:rPr>
+                              <m:t>1</m:t>
+                            </m:r>
+                          </m:sub>
+                        </m:sSub>
+                        <m:sSub>
+                          <m:sSubPr>
+                            <m:ctrlPr>
+                              <a:rPr lang="en-US" altLang="zh-CN" i="1" smtClean="0">
+                                <a:solidFill>
+                                  <a:schemeClr val="accent3"/>
+                                </a:solidFill>
+                                <a:latin typeface="Cambria Math" panose="02040503050406030204" pitchFamily="18" charset="0"/>
+                              </a:rPr>
+                            </m:ctrlPr>
+                          </m:sSubPr>
+                          <m:e>
+                            <m:r>
+                              <a:rPr lang="en-US" altLang="zh-CN" i="1">
+                                <a:solidFill>
+                                  <a:schemeClr val="accent3"/>
+                                </a:solidFill>
+                                <a:latin typeface="Cambria Math" panose="02040503050406030204" pitchFamily="18" charset="0"/>
+                              </a:rPr>
+                              <m:t>𝑞</m:t>
+                            </m:r>
+                          </m:e>
+                          <m:sub>
+                            <m:r>
+                              <a:rPr lang="en-US" altLang="zh-CN" i="1">
+                                <a:solidFill>
+                                  <a:schemeClr val="accent3"/>
+                                </a:solidFill>
+                                <a:latin typeface="Cambria Math" panose="02040503050406030204" pitchFamily="18" charset="0"/>
+                              </a:rPr>
+                              <m:t>2</m:t>
+                            </m:r>
+                          </m:sub>
+                        </m:sSub>
+                      </m:oMath>
+                    </m:oMathPara>
+                  </a14:m>
+                  <a:endParaRPr lang="en-US" altLang="zh-CN" dirty="0"/>
+                </a:p>
+              </p:txBody>
+            </p:sp>
+          </mc:Choice>
+          <mc:Fallback xmlns="">
+            <p:sp>
+              <p:nvSpPr>
+                <p:cNvPr id="53" name="TextBox 52">
+                  <a:extLst>
+                    <a:ext uri="{FF2B5EF4-FFF2-40B4-BE49-F238E27FC236}">
+                      <a16:creationId xmlns:a16="http://schemas.microsoft.com/office/drawing/2014/main" id="{649592BE-9BC8-136B-D817-95592AD27F4D}"/>
+                    </a:ext>
+                  </a:extLst>
+                </p:cNvPr>
+                <p:cNvSpPr txBox="1">
+                  <a:spLocks noRot="1" noChangeAspect="1" noMove="1" noResize="1" noEditPoints="1" noAdjustHandles="1" noChangeArrowheads="1" noChangeShapeType="1" noTextEdit="1"/>
+                </p:cNvSpPr>
+                <p:nvPr/>
+              </p:nvSpPr>
+              <p:spPr>
+                <a:xfrm>
+                  <a:off x="8414016" y="3425899"/>
+                  <a:ext cx="925510" cy="369332"/>
+                </a:xfrm>
+                <a:prstGeom prst="rect">
+                  <a:avLst/>
+                </a:prstGeom>
+                <a:blipFill>
+                  <a:blip r:embed="rId26"/>
+                  <a:stretch>
+                    <a:fillRect b="-4918"/>
+                  </a:stretch>
+                </a:blipFill>
+              </p:spPr>
+              <p:txBody>
+                <a:bodyPr/>
+                <a:lstStyle/>
+                <a:p>
+                  <a:r>
+                    <a:rPr lang="zh-CN" altLang="en-US">
+                      <a:noFill/>
+                    </a:rPr>
+                    <a:t> </a:t>
+                  </a:r>
+                </a:p>
+              </p:txBody>
+            </p:sp>
+          </mc:Fallback>
+        </mc:AlternateContent>
+        <mc:AlternateContent xmlns:mc="http://schemas.openxmlformats.org/markup-compatibility/2006" xmlns:a14="http://schemas.microsoft.com/office/drawing/2010/main">
+          <mc:Choice Requires="a14">
+            <p:sp>
+              <p:nvSpPr>
+                <p:cNvPr id="54" name="TextBox 53">
+                  <a:extLst>
+                    <a:ext uri="{FF2B5EF4-FFF2-40B4-BE49-F238E27FC236}">
+                      <a16:creationId xmlns:a16="http://schemas.microsoft.com/office/drawing/2014/main" id="{D7F950FE-0664-7AFB-551A-8D56D7F6BFE5}"/>
+                    </a:ext>
+                  </a:extLst>
+                </p:cNvPr>
+                <p:cNvSpPr txBox="1"/>
+                <p:nvPr/>
+              </p:nvSpPr>
+              <p:spPr>
+                <a:xfrm>
+                  <a:off x="8649787" y="2049282"/>
+                  <a:ext cx="475066" cy="369332"/>
+                </a:xfrm>
+                <a:prstGeom prst="rect">
+                  <a:avLst/>
+                </a:prstGeom>
+                <a:noFill/>
+              </p:spPr>
+              <p:txBody>
+                <a:bodyPr wrap="none" rtlCol="0">
+                  <a:spAutoFit/>
+                </a:bodyPr>
+                <a:lstStyle/>
+                <a:p>
+                  <a:pPr/>
+                  <a14:m>
+                    <m:oMathPara xmlns:m="http://schemas.openxmlformats.org/officeDocument/2006/math">
+                      <m:oMathParaPr>
+                        <m:jc m:val="centerGroup"/>
+                      </m:oMathParaPr>
+                      <m:oMath xmlns:m="http://schemas.openxmlformats.org/officeDocument/2006/math">
+                        <m:sSub>
+                          <m:sSubPr>
+                            <m:ctrlPr>
+                              <a:rPr lang="en-US" i="1" smtClean="0">
+                                <a:solidFill>
+                                  <a:schemeClr val="accent3"/>
+                                </a:solidFill>
+                                <a:latin typeface="Cambria Math" panose="02040503050406030204" pitchFamily="18" charset="0"/>
+                              </a:rPr>
+                            </m:ctrlPr>
+                          </m:sSubPr>
+                          <m:e>
+                            <m:r>
+                              <a:rPr lang="en-US" b="0" i="1" smtClean="0">
+                                <a:solidFill>
+                                  <a:schemeClr val="accent3"/>
+                                </a:solidFill>
+                                <a:latin typeface="Cambria Math" panose="02040503050406030204" pitchFamily="18" charset="0"/>
+                              </a:rPr>
+                              <m:t>𝑞</m:t>
+                            </m:r>
+                          </m:e>
+                          <m:sub>
+                            <m:r>
+                              <a:rPr lang="en-US" b="0" i="1" smtClean="0">
+                                <a:solidFill>
+                                  <a:schemeClr val="accent3"/>
+                                </a:solidFill>
+                                <a:latin typeface="Cambria Math" panose="02040503050406030204" pitchFamily="18" charset="0"/>
+                              </a:rPr>
+                              <m:t>0</m:t>
+                            </m:r>
+                          </m:sub>
+                        </m:sSub>
+                      </m:oMath>
+                    </m:oMathPara>
+                  </a14:m>
+                  <a:endParaRPr lang="en-US" altLang="zh-CN" dirty="0">
+                    <a:solidFill>
+                      <a:schemeClr val="accent3"/>
+                    </a:solidFill>
+                  </a:endParaRPr>
+                </a:p>
+              </p:txBody>
+            </p:sp>
+          </mc:Choice>
+          <mc:Fallback xmlns="">
+            <p:sp>
+              <p:nvSpPr>
+                <p:cNvPr id="54" name="TextBox 53">
+                  <a:extLst>
+                    <a:ext uri="{FF2B5EF4-FFF2-40B4-BE49-F238E27FC236}">
+                      <a16:creationId xmlns:a16="http://schemas.microsoft.com/office/drawing/2014/main" id="{D7F950FE-0664-7AFB-551A-8D56D7F6BFE5}"/>
+                    </a:ext>
+                  </a:extLst>
+                </p:cNvPr>
+                <p:cNvSpPr txBox="1">
+                  <a:spLocks noRot="1" noChangeAspect="1" noMove="1" noResize="1" noEditPoints="1" noAdjustHandles="1" noChangeArrowheads="1" noChangeShapeType="1" noTextEdit="1"/>
+                </p:cNvSpPr>
+                <p:nvPr/>
+              </p:nvSpPr>
+              <p:spPr>
+                <a:xfrm>
+                  <a:off x="8649787" y="2049282"/>
+                  <a:ext cx="475066" cy="369332"/>
+                </a:xfrm>
+                <a:prstGeom prst="rect">
+                  <a:avLst/>
+                </a:prstGeom>
+                <a:blipFill>
+                  <a:blip r:embed="rId27"/>
+                  <a:stretch>
+                    <a:fillRect b="-6557"/>
+                  </a:stretch>
+                </a:blipFill>
+              </p:spPr>
+              <p:txBody>
+                <a:bodyPr/>
+                <a:lstStyle/>
+                <a:p>
+                  <a:r>
+                    <a:rPr lang="zh-CN" altLang="en-US">
+                      <a:noFill/>
+                    </a:rPr>
+                    <a:t> </a:t>
+                  </a:r>
+                </a:p>
+              </p:txBody>
+            </p:sp>
+          </mc:Fallback>
+        </mc:AlternateContent>
+        <mc:AlternateContent xmlns:mc="http://schemas.openxmlformats.org/markup-compatibility/2006" xmlns:a14="http://schemas.microsoft.com/office/drawing/2010/main">
+          <mc:Choice Requires="a14">
+            <p:sp>
+              <p:nvSpPr>
+                <p:cNvPr id="56" name="TextBox 55">
+                  <a:extLst>
+                    <a:ext uri="{FF2B5EF4-FFF2-40B4-BE49-F238E27FC236}">
+                      <a16:creationId xmlns:a16="http://schemas.microsoft.com/office/drawing/2014/main" id="{B36F3496-6ADC-A9A1-E1CB-83795578F4F8}"/>
+                    </a:ext>
+                  </a:extLst>
+                </p:cNvPr>
+                <p:cNvSpPr txBox="1"/>
+                <p:nvPr/>
+              </p:nvSpPr>
+              <p:spPr>
+                <a:xfrm>
+                  <a:off x="8535846" y="2983427"/>
+                  <a:ext cx="702948" cy="369332"/>
+                </a:xfrm>
+                <a:prstGeom prst="rect">
+                  <a:avLst/>
+                </a:prstGeom>
+                <a:noFill/>
+              </p:spPr>
+              <p:txBody>
+                <a:bodyPr wrap="none" rtlCol="0">
+                  <a:spAutoFit/>
+                </a:bodyPr>
+                <a:lstStyle/>
+                <a:p>
+                  <a:pPr/>
+                  <a14:m>
+                    <m:oMathPara xmlns:m="http://schemas.openxmlformats.org/officeDocument/2006/math">
+                      <m:oMathParaPr>
+                        <m:jc m:val="centerGroup"/>
+                      </m:oMathParaPr>
+                      <m:oMath xmlns:m="http://schemas.openxmlformats.org/officeDocument/2006/math">
+                        <m:sSub>
+                          <m:sSubPr>
+                            <m:ctrlPr>
+                              <a:rPr lang="en-US" i="1" smtClean="0">
+                                <a:solidFill>
+                                  <a:schemeClr val="accent3"/>
+                                </a:solidFill>
+                                <a:latin typeface="Cambria Math" panose="02040503050406030204" pitchFamily="18" charset="0"/>
+                              </a:rPr>
+                            </m:ctrlPr>
+                          </m:sSubPr>
+                          <m:e>
+                            <m:r>
+                              <a:rPr lang="en-US" b="0" i="1" smtClean="0">
+                                <a:solidFill>
+                                  <a:schemeClr val="accent3"/>
+                                </a:solidFill>
+                                <a:latin typeface="Cambria Math" panose="02040503050406030204" pitchFamily="18" charset="0"/>
+                              </a:rPr>
+                              <m:t>𝑞</m:t>
+                            </m:r>
+                          </m:e>
+                          <m:sub>
+                            <m:r>
+                              <a:rPr lang="en-US" b="0" i="1" smtClean="0">
+                                <a:solidFill>
+                                  <a:schemeClr val="accent3"/>
+                                </a:solidFill>
+                                <a:latin typeface="Cambria Math" panose="02040503050406030204" pitchFamily="18" charset="0"/>
+                              </a:rPr>
+                              <m:t>0</m:t>
+                            </m:r>
+                          </m:sub>
+                        </m:sSub>
+                        <m:sSub>
+                          <m:sSubPr>
+                            <m:ctrlPr>
+                              <a:rPr lang="en-US" altLang="zh-CN" i="1" smtClean="0">
+                                <a:solidFill>
+                                  <a:schemeClr val="accent3"/>
+                                </a:solidFill>
+                                <a:latin typeface="Cambria Math" panose="02040503050406030204" pitchFamily="18" charset="0"/>
+                              </a:rPr>
+                            </m:ctrlPr>
+                          </m:sSubPr>
+                          <m:e>
+                            <m:r>
+                              <a:rPr lang="en-US" altLang="zh-CN" i="1">
+                                <a:solidFill>
+                                  <a:schemeClr val="accent3"/>
+                                </a:solidFill>
+                                <a:latin typeface="Cambria Math" panose="02040503050406030204" pitchFamily="18" charset="0"/>
+                              </a:rPr>
+                              <m:t>𝑞</m:t>
+                            </m:r>
+                          </m:e>
+                          <m:sub>
+                            <m:r>
+                              <a:rPr lang="en-US" altLang="zh-CN" i="1">
+                                <a:solidFill>
+                                  <a:schemeClr val="accent3"/>
+                                </a:solidFill>
+                                <a:latin typeface="Cambria Math" panose="02040503050406030204" pitchFamily="18" charset="0"/>
+                              </a:rPr>
+                              <m:t>2</m:t>
+                            </m:r>
+                          </m:sub>
+                        </m:sSub>
+                      </m:oMath>
+                    </m:oMathPara>
+                  </a14:m>
+                  <a:endParaRPr lang="en-US" altLang="zh-CN" dirty="0"/>
+                </a:p>
+              </p:txBody>
+            </p:sp>
+          </mc:Choice>
+          <mc:Fallback xmlns="">
+            <p:sp>
+              <p:nvSpPr>
+                <p:cNvPr id="56" name="TextBox 55">
+                  <a:extLst>
+                    <a:ext uri="{FF2B5EF4-FFF2-40B4-BE49-F238E27FC236}">
+                      <a16:creationId xmlns:a16="http://schemas.microsoft.com/office/drawing/2014/main" id="{B36F3496-6ADC-A9A1-E1CB-83795578F4F8}"/>
+                    </a:ext>
+                  </a:extLst>
+                </p:cNvPr>
+                <p:cNvSpPr txBox="1">
+                  <a:spLocks noRot="1" noChangeAspect="1" noMove="1" noResize="1" noEditPoints="1" noAdjustHandles="1" noChangeArrowheads="1" noChangeShapeType="1" noTextEdit="1"/>
+                </p:cNvSpPr>
+                <p:nvPr/>
+              </p:nvSpPr>
+              <p:spPr>
+                <a:xfrm>
+                  <a:off x="8535846" y="2983427"/>
+                  <a:ext cx="702948" cy="369332"/>
+                </a:xfrm>
+                <a:prstGeom prst="rect">
+                  <a:avLst/>
+                </a:prstGeom>
+                <a:blipFill>
+                  <a:blip r:embed="rId28"/>
+                  <a:stretch>
+                    <a:fillRect b="-6557"/>
+                  </a:stretch>
+                </a:blipFill>
+              </p:spPr>
+              <p:txBody>
+                <a:bodyPr/>
+                <a:lstStyle/>
+                <a:p>
+                  <a:r>
+                    <a:rPr lang="zh-CN" altLang="en-US">
+                      <a:noFill/>
+                    </a:rPr>
+                    <a:t> </a:t>
+                  </a:r>
+                </a:p>
+              </p:txBody>
+            </p:sp>
+          </mc:Fallback>
+        </mc:AlternateContent>
+      </p:grpSp>
+    </p:spTree>
+    <p:extLst>
+      <p:ext uri="{BB962C8B-B14F-4D97-AF65-F5344CB8AC3E}">
+        <p14:creationId xmlns:p14="http://schemas.microsoft.com/office/powerpoint/2010/main" val="4194833127"/>
       </p:ext>
     </p:extLst>
   </p:cSld>
@@ -20266,4 +25604,299 @@
     </a:ext>
   </a:extLst>
 </a:theme>
+</file>
+
+<file path=ppt/theme/theme2.xml><?xml version="1.0" encoding="utf-8"?>
+<a:theme xmlns:a="http://schemas.openxmlformats.org/drawingml/2006/main" name="Office Theme">
+  <a:themeElements>
+    <a:clrScheme name="Office">
+      <a:dk1>
+        <a:sysClr val="windowText" lastClr="000000"/>
+      </a:dk1>
+      <a:lt1>
+        <a:sysClr val="window" lastClr="FFFFFF"/>
+      </a:lt1>
+      <a:dk2>
+        <a:srgbClr val="44546A"/>
+      </a:dk2>
+      <a:lt2>
+        <a:srgbClr val="E7E6E6"/>
+      </a:lt2>
+      <a:accent1>
+        <a:srgbClr val="4472C4"/>
+      </a:accent1>
+      <a:accent2>
+        <a:srgbClr val="ED7D31"/>
+      </a:accent2>
+      <a:accent3>
+        <a:srgbClr val="A5A5A5"/>
+      </a:accent3>
+      <a:accent4>
+        <a:srgbClr val="FFC000"/>
+      </a:accent4>
+      <a:accent5>
+        <a:srgbClr val="5B9BD5"/>
+      </a:accent5>
+      <a:accent6>
+        <a:srgbClr val="70AD47"/>
+      </a:accent6>
+      <a:hlink>
+        <a:srgbClr val="0563C1"/>
+      </a:hlink>
+      <a:folHlink>
+        <a:srgbClr val="954F72"/>
+      </a:folHlink>
+    </a:clrScheme>
+    <a:fontScheme name="Office">
+      <a:majorFont>
+        <a:latin typeface="等线 Light" panose="020F0302020204030204"/>
+        <a:ea typeface=""/>
+        <a:cs typeface=""/>
+        <a:font script="Jpan" typeface="游ゴシック Light"/>
+        <a:font script="Hang" typeface="맑은 고딕"/>
+        <a:font script="Hans" typeface="等线 Light"/>
+        <a:font script="Hant" typeface="新細明體"/>
+        <a:font script="Arab" typeface="Times New Roman"/>
+        <a:font script="Hebr" typeface="Times New Roman"/>
+        <a:font script="Thai" typeface="Angsana New"/>
+        <a:font script="Ethi" typeface="Nyala"/>
+        <a:font script="Beng" typeface="Vrinda"/>
+        <a:font script="Gujr" typeface="Shruti"/>
+        <a:font script="Khmr" typeface="MoolBoran"/>
+        <a:font script="Knda" typeface="Tunga"/>
+        <a:font script="Guru" typeface="Raavi"/>
+        <a:font script="Cans" typeface="Euphemia"/>
+        <a:font script="Cher" typeface="Plantagenet Cherokee"/>
+        <a:font script="Yiii" typeface="Microsoft Yi Baiti"/>
+        <a:font script="Tibt" typeface="Microsoft Himalaya"/>
+        <a:font script="Thaa" typeface="MV Boli"/>
+        <a:font script="Deva" typeface="Mangal"/>
+        <a:font script="Telu" typeface="Gautami"/>
+        <a:font script="Taml" typeface="Latha"/>
+        <a:font script="Syrc" typeface="Estrangelo Edessa"/>
+        <a:font script="Orya" typeface="Kalinga"/>
+        <a:font script="Mlym" typeface="Kartika"/>
+        <a:font script="Laoo" typeface="DokChampa"/>
+        <a:font script="Sinh" typeface="Iskoola Pota"/>
+        <a:font script="Mong" typeface="Mongolian Baiti"/>
+        <a:font script="Viet" typeface="Times New Roman"/>
+        <a:font script="Uigh" typeface="Microsoft Uighur"/>
+        <a:font script="Geor" typeface="Sylfaen"/>
+        <a:font script="Armn" typeface="Arial"/>
+        <a:font script="Bugi" typeface="Leelawadee UI"/>
+        <a:font script="Bopo" typeface="Microsoft JhengHei"/>
+        <a:font script="Java" typeface="Javanese Text"/>
+        <a:font script="Lisu" typeface="Segoe UI"/>
+        <a:font script="Mymr" typeface="Myanmar Text"/>
+        <a:font script="Nkoo" typeface="Ebrima"/>
+        <a:font script="Olck" typeface="Nirmala UI"/>
+        <a:font script="Osma" typeface="Ebrima"/>
+        <a:font script="Phag" typeface="Phagspa"/>
+        <a:font script="Syrn" typeface="Estrangelo Edessa"/>
+        <a:font script="Syrj" typeface="Estrangelo Edessa"/>
+        <a:font script="Syre" typeface="Estrangelo Edessa"/>
+        <a:font script="Sora" typeface="Nirmala UI"/>
+        <a:font script="Tale" typeface="Microsoft Tai Le"/>
+        <a:font script="Talu" typeface="Microsoft New Tai Lue"/>
+        <a:font script="Tfng" typeface="Ebrima"/>
+      </a:majorFont>
+      <a:minorFont>
+        <a:latin typeface="等线" panose="020F0502020204030204"/>
+        <a:ea typeface=""/>
+        <a:cs typeface=""/>
+        <a:font script="Jpan" typeface="游ゴシック"/>
+        <a:font script="Hang" typeface="맑은 고딕"/>
+        <a:font script="Hans" typeface="等线"/>
+        <a:font script="Hant" typeface="新細明體"/>
+        <a:font script="Arab" typeface="Arial"/>
+        <a:font script="Hebr" typeface="Arial"/>
+        <a:font script="Thai" typeface="Cordia New"/>
+        <a:font script="Ethi" typeface="Nyala"/>
+        <a:font script="Beng" typeface="Vrinda"/>
+        <a:font script="Gujr" typeface="Shruti"/>
+        <a:font script="Khmr" typeface="DaunPenh"/>
+        <a:font script="Knda" typeface="Tunga"/>
+        <a:font script="Guru" typeface="Raavi"/>
+        <a:font script="Cans" typeface="Euphemia"/>
+        <a:font script="Cher" typeface="Plantagenet Cherokee"/>
+        <a:font script="Yiii" typeface="Microsoft Yi Baiti"/>
+        <a:font script="Tibt" typeface="Microsoft Himalaya"/>
+        <a:font script="Thaa" typeface="MV Boli"/>
+        <a:font script="Deva" typeface="Mangal"/>
+        <a:font script="Telu" typeface="Gautami"/>
+        <a:font script="Taml" typeface="Latha"/>
+        <a:font script="Syrc" typeface="Estrangelo Edessa"/>
+        <a:font script="Orya" typeface="Kalinga"/>
+        <a:font script="Mlym" typeface="Kartika"/>
+        <a:font script="Laoo" typeface="DokChampa"/>
+        <a:font script="Sinh" typeface="Iskoola Pota"/>
+        <a:font script="Mong" typeface="Mongolian Baiti"/>
+        <a:font script="Viet" typeface="Arial"/>
+        <a:font script="Uigh" typeface="Microsoft Uighur"/>
+        <a:font script="Geor" typeface="Sylfaen"/>
+        <a:font script="Armn" typeface="Arial"/>
+        <a:font script="Bugi" typeface="Leelawadee UI"/>
+        <a:font script="Bopo" typeface="Microsoft JhengHei"/>
+        <a:font script="Java" typeface="Javanese Text"/>
+        <a:font script="Lisu" typeface="Segoe UI"/>
+        <a:font script="Mymr" typeface="Myanmar Text"/>
+        <a:font script="Nkoo" typeface="Ebrima"/>
+        <a:font script="Olck" typeface="Nirmala UI"/>
+        <a:font script="Osma" typeface="Ebrima"/>
+        <a:font script="Phag" typeface="Phagspa"/>
+        <a:font script="Syrn" typeface="Estrangelo Edessa"/>
+        <a:font script="Syrj" typeface="Estrangelo Edessa"/>
+        <a:font script="Syre" typeface="Estrangelo Edessa"/>
+        <a:font script="Sora" typeface="Nirmala UI"/>
+        <a:font script="Tale" typeface="Microsoft Tai Le"/>
+        <a:font script="Talu" typeface="Microsoft New Tai Lue"/>
+        <a:font script="Tfng" typeface="Ebrima"/>
+      </a:minorFont>
+    </a:fontScheme>
+    <a:fmtScheme name="Office">
+      <a:fillStyleLst>
+        <a:solidFill>
+          <a:schemeClr val="phClr"/>
+        </a:solidFill>
+        <a:gradFill rotWithShape="1">
+          <a:gsLst>
+            <a:gs pos="0">
+              <a:schemeClr val="phClr">
+                <a:lumMod val="110000"/>
+                <a:satMod val="105000"/>
+                <a:tint val="67000"/>
+              </a:schemeClr>
+            </a:gs>
+            <a:gs pos="50000">
+              <a:schemeClr val="phClr">
+                <a:lumMod val="105000"/>
+                <a:satMod val="103000"/>
+                <a:tint val="73000"/>
+              </a:schemeClr>
+            </a:gs>
+            <a:gs pos="100000">
+              <a:schemeClr val="phClr">
+                <a:lumMod val="105000"/>
+                <a:satMod val="109000"/>
+                <a:tint val="81000"/>
+              </a:schemeClr>
+            </a:gs>
+          </a:gsLst>
+          <a:lin ang="5400000" scaled="0"/>
+        </a:gradFill>
+        <a:gradFill rotWithShape="1">
+          <a:gsLst>
+            <a:gs pos="0">
+              <a:schemeClr val="phClr">
+                <a:satMod val="103000"/>
+                <a:lumMod val="102000"/>
+                <a:tint val="94000"/>
+              </a:schemeClr>
+            </a:gs>
+            <a:gs pos="50000">
+              <a:schemeClr val="phClr">
+                <a:satMod val="110000"/>
+                <a:lumMod val="100000"/>
+                <a:shade val="100000"/>
+              </a:schemeClr>
+            </a:gs>
+            <a:gs pos="100000">
+              <a:schemeClr val="phClr">
+                <a:lumMod val="99000"/>
+                <a:satMod val="120000"/>
+                <a:shade val="78000"/>
+              </a:schemeClr>
+            </a:gs>
+          </a:gsLst>
+          <a:lin ang="5400000" scaled="0"/>
+        </a:gradFill>
+      </a:fillStyleLst>
+      <a:lnStyleLst>
+        <a:ln w="6350" cap="flat" cmpd="sng" algn="ctr">
+          <a:solidFill>
+            <a:schemeClr val="phClr"/>
+          </a:solidFill>
+          <a:prstDash val="solid"/>
+          <a:miter lim="800000"/>
+        </a:ln>
+        <a:ln w="12700" cap="flat" cmpd="sng" algn="ctr">
+          <a:solidFill>
+            <a:schemeClr val="phClr"/>
+          </a:solidFill>
+          <a:prstDash val="solid"/>
+          <a:miter lim="800000"/>
+        </a:ln>
+        <a:ln w="19050" cap="flat" cmpd="sng" algn="ctr">
+          <a:solidFill>
+            <a:schemeClr val="phClr"/>
+          </a:solidFill>
+          <a:prstDash val="solid"/>
+          <a:miter lim="800000"/>
+        </a:ln>
+      </a:lnStyleLst>
+      <a:effectStyleLst>
+        <a:effectStyle>
+          <a:effectLst/>
+        </a:effectStyle>
+        <a:effectStyle>
+          <a:effectLst/>
+        </a:effectStyle>
+        <a:effectStyle>
+          <a:effectLst>
+            <a:outerShdw blurRad="57150" dist="19050" dir="5400000" algn="ctr" rotWithShape="0">
+              <a:srgbClr val="000000">
+                <a:alpha val="63000"/>
+              </a:srgbClr>
+            </a:outerShdw>
+          </a:effectLst>
+        </a:effectStyle>
+      </a:effectStyleLst>
+      <a:bgFillStyleLst>
+        <a:solidFill>
+          <a:schemeClr val="phClr"/>
+        </a:solidFill>
+        <a:solidFill>
+          <a:schemeClr val="phClr">
+            <a:tint val="95000"/>
+            <a:satMod val="170000"/>
+          </a:schemeClr>
+        </a:solidFill>
+        <a:gradFill rotWithShape="1">
+          <a:gsLst>
+            <a:gs pos="0">
+              <a:schemeClr val="phClr">
+                <a:tint val="93000"/>
+                <a:satMod val="150000"/>
+                <a:shade val="98000"/>
+                <a:lumMod val="102000"/>
+              </a:schemeClr>
+            </a:gs>
+            <a:gs pos="50000">
+              <a:schemeClr val="phClr">
+                <a:tint val="98000"/>
+                <a:satMod val="130000"/>
+                <a:shade val="90000"/>
+                <a:lumMod val="103000"/>
+              </a:schemeClr>
+            </a:gs>
+            <a:gs pos="100000">
+              <a:schemeClr val="phClr">
+                <a:shade val="63000"/>
+                <a:satMod val="120000"/>
+              </a:schemeClr>
+            </a:gs>
+          </a:gsLst>
+          <a:lin ang="5400000" scaled="0"/>
+        </a:gradFill>
+      </a:bgFillStyleLst>
+    </a:fmtScheme>
+  </a:themeElements>
+  <a:objectDefaults/>
+  <a:extraClrSchemeLst/>
+  <a:extLst>
+    <a:ext uri="{05A4C25C-085E-4340-85A3-A5531E510DB2}">
+      <thm15:themeFamily xmlns:thm15="http://schemas.microsoft.com/office/thememl/2012/main" name="Office Theme" id="{62F939B6-93AF-4DB8-9C6B-D6C7DFDC589F}" vid="{4A3C46E8-61CC-4603-A589-7422A47A8E4A}"/>
+    </a:ext>
+  </a:extLst>
+</a:theme>
 </file>
--- a/experiment/figure_generation/figure5/figure5_final_figures/rotation_merging.pptx
+++ b/experiment/figure_generation/figure5/figure5_final_figures/rotation_merging.pptx
@@ -201,7 +201,7 @@
           <a:p>
             <a:fld id="{2F5D0EBD-042C-479E-925E-39E711ECD269}" type="datetimeFigureOut">
               <a:rPr lang="zh-CN" altLang="en-US" smtClean="0"/>
-              <a:t>2022-07-06</a:t>
+              <a:t>2022-10-07</a:t>
             </a:fld>
             <a:endParaRPr lang="zh-CN" altLang="en-US"/>
           </a:p>
@@ -702,7 +702,7 @@
           <a:p>
             <a:fld id="{AD07F860-6E23-47F1-9774-45A3CEB1056B}" type="datetimeFigureOut">
               <a:rPr lang="zh-CN" altLang="en-US" smtClean="0"/>
-              <a:t>2022-07-06</a:t>
+              <a:t>2022-10-07</a:t>
             </a:fld>
             <a:endParaRPr lang="zh-CN" altLang="en-US"/>
           </a:p>
@@ -902,7 +902,7 @@
           <a:p>
             <a:fld id="{AD07F860-6E23-47F1-9774-45A3CEB1056B}" type="datetimeFigureOut">
               <a:rPr lang="zh-CN" altLang="en-US" smtClean="0"/>
-              <a:t>2022-07-06</a:t>
+              <a:t>2022-10-07</a:t>
             </a:fld>
             <a:endParaRPr lang="zh-CN" altLang="en-US"/>
           </a:p>
@@ -1112,7 +1112,7 @@
           <a:p>
             <a:fld id="{AD07F860-6E23-47F1-9774-45A3CEB1056B}" type="datetimeFigureOut">
               <a:rPr lang="zh-CN" altLang="en-US" smtClean="0"/>
-              <a:t>2022-07-06</a:t>
+              <a:t>2022-10-07</a:t>
             </a:fld>
             <a:endParaRPr lang="zh-CN" altLang="en-US"/>
           </a:p>
@@ -1312,7 +1312,7 @@
           <a:p>
             <a:fld id="{AD07F860-6E23-47F1-9774-45A3CEB1056B}" type="datetimeFigureOut">
               <a:rPr lang="zh-CN" altLang="en-US" smtClean="0"/>
-              <a:t>2022-07-06</a:t>
+              <a:t>2022-10-07</a:t>
             </a:fld>
             <a:endParaRPr lang="zh-CN" altLang="en-US"/>
           </a:p>
@@ -1588,7 +1588,7 @@
           <a:p>
             <a:fld id="{AD07F860-6E23-47F1-9774-45A3CEB1056B}" type="datetimeFigureOut">
               <a:rPr lang="zh-CN" altLang="en-US" smtClean="0"/>
-              <a:t>2022-07-06</a:t>
+              <a:t>2022-10-07</a:t>
             </a:fld>
             <a:endParaRPr lang="zh-CN" altLang="en-US"/>
           </a:p>
@@ -1856,7 +1856,7 @@
           <a:p>
             <a:fld id="{AD07F860-6E23-47F1-9774-45A3CEB1056B}" type="datetimeFigureOut">
               <a:rPr lang="zh-CN" altLang="en-US" smtClean="0"/>
-              <a:t>2022-07-06</a:t>
+              <a:t>2022-10-07</a:t>
             </a:fld>
             <a:endParaRPr lang="zh-CN" altLang="en-US"/>
           </a:p>
@@ -2271,7 +2271,7 @@
           <a:p>
             <a:fld id="{AD07F860-6E23-47F1-9774-45A3CEB1056B}" type="datetimeFigureOut">
               <a:rPr lang="zh-CN" altLang="en-US" smtClean="0"/>
-              <a:t>2022-07-06</a:t>
+              <a:t>2022-10-07</a:t>
             </a:fld>
             <a:endParaRPr lang="zh-CN" altLang="en-US"/>
           </a:p>
@@ -2413,7 +2413,7 @@
           <a:p>
             <a:fld id="{AD07F860-6E23-47F1-9774-45A3CEB1056B}" type="datetimeFigureOut">
               <a:rPr lang="zh-CN" altLang="en-US" smtClean="0"/>
-              <a:t>2022-07-06</a:t>
+              <a:t>2022-10-07</a:t>
             </a:fld>
             <a:endParaRPr lang="zh-CN" altLang="en-US"/>
           </a:p>
@@ -2526,7 +2526,7 @@
           <a:p>
             <a:fld id="{AD07F860-6E23-47F1-9774-45A3CEB1056B}" type="datetimeFigureOut">
               <a:rPr lang="zh-CN" altLang="en-US" smtClean="0"/>
-              <a:t>2022-07-06</a:t>
+              <a:t>2022-10-07</a:t>
             </a:fld>
             <a:endParaRPr lang="zh-CN" altLang="en-US"/>
           </a:p>
@@ -2839,7 +2839,7 @@
           <a:p>
             <a:fld id="{AD07F860-6E23-47F1-9774-45A3CEB1056B}" type="datetimeFigureOut">
               <a:rPr lang="zh-CN" altLang="en-US" smtClean="0"/>
-              <a:t>2022-07-06</a:t>
+              <a:t>2022-10-07</a:t>
             </a:fld>
             <a:endParaRPr lang="zh-CN" altLang="en-US"/>
           </a:p>
@@ -3128,7 +3128,7 @@
           <a:p>
             <a:fld id="{AD07F860-6E23-47F1-9774-45A3CEB1056B}" type="datetimeFigureOut">
               <a:rPr lang="zh-CN" altLang="en-US" smtClean="0"/>
-              <a:t>2022-07-06</a:t>
+              <a:t>2022-10-07</a:t>
             </a:fld>
             <a:endParaRPr lang="zh-CN" altLang="en-US"/>
           </a:p>
@@ -3371,7 +3371,7 @@
           <a:p>
             <a:fld id="{AD07F860-6E23-47F1-9774-45A3CEB1056B}" type="datetimeFigureOut">
               <a:rPr lang="zh-CN" altLang="en-US" smtClean="0"/>
-              <a:t>2022-07-06</a:t>
+              <a:t>2022-10-07</a:t>
             </a:fld>
             <a:endParaRPr lang="zh-CN" altLang="en-US"/>
           </a:p>
@@ -3790,10 +3790,10 @@
       </p:grpSpPr>
       <p:grpSp>
         <p:nvGrpSpPr>
-          <p:cNvPr id="21" name="Group 20">
+          <p:cNvPr id="4" name="Group 3">
             <a:extLst>
               <a:ext uri="{FF2B5EF4-FFF2-40B4-BE49-F238E27FC236}">
-                <a16:creationId xmlns:a16="http://schemas.microsoft.com/office/drawing/2014/main" id="{8AA4BD26-4A32-90CE-5848-F5108EF94896}"/>
+                <a16:creationId xmlns:a16="http://schemas.microsoft.com/office/drawing/2014/main" id="{A39E37F5-3ACA-1FA0-77E7-D1FAF7DB9728}"/>
               </a:ext>
             </a:extLst>
           </p:cNvPr>
@@ -3802,18 +3802,18 @@
         </p:nvGrpSpPr>
         <p:grpSpPr>
           <a:xfrm>
-            <a:off x="1660848" y="617220"/>
-            <a:ext cx="8308481" cy="1887220"/>
-            <a:chOff x="1660848" y="617220"/>
-            <a:chExt cx="8308481" cy="1887220"/>
+            <a:off x="2288971" y="696946"/>
+            <a:ext cx="7614057" cy="5464107"/>
+            <a:chOff x="1660148" y="541222"/>
+            <a:chExt cx="7614057" cy="5464107"/>
           </a:xfrm>
         </p:grpSpPr>
         <p:sp>
           <p:nvSpPr>
-            <p:cNvPr id="16" name="Freeform: Shape 15">
+            <p:cNvPr id="3" name="Rectangle 2">
               <a:extLst>
                 <a:ext uri="{FF2B5EF4-FFF2-40B4-BE49-F238E27FC236}">
-                  <a16:creationId xmlns:a16="http://schemas.microsoft.com/office/drawing/2014/main" id="{A2620EC9-D07A-F868-A304-25799FB2EC39}"/>
+                  <a16:creationId xmlns:a16="http://schemas.microsoft.com/office/drawing/2014/main" id="{252941BF-1C7B-CC41-BE46-916C1A3A9AEB}"/>
                 </a:ext>
               </a:extLst>
             </p:cNvPr>
@@ -3822,101 +3822,68 @@
           </p:nvSpPr>
           <p:spPr>
             <a:xfrm>
-              <a:off x="5077460" y="617220"/>
-              <a:ext cx="2890520" cy="1887220"/>
+              <a:off x="5281445" y="3306683"/>
+              <a:ext cx="2946874" cy="1944414"/>
             </a:xfrm>
-            <a:custGeom>
+            <a:prstGeom prst="rect">
               <a:avLst/>
-              <a:gdLst>
-                <a:gd name="connsiteX0" fmla="*/ 5080 w 2890520"/>
-                <a:gd name="connsiteY0" fmla="*/ 695960 h 1887220"/>
-                <a:gd name="connsiteX1" fmla="*/ 0 w 2890520"/>
-                <a:gd name="connsiteY1" fmla="*/ 1887220 h 1887220"/>
-                <a:gd name="connsiteX2" fmla="*/ 2890520 w 2890520"/>
-                <a:gd name="connsiteY2" fmla="*/ 1882140 h 1887220"/>
-                <a:gd name="connsiteX3" fmla="*/ 2885440 w 2890520"/>
-                <a:gd name="connsiteY3" fmla="*/ 2540 h 1887220"/>
-                <a:gd name="connsiteX4" fmla="*/ 2346960 w 2890520"/>
-                <a:gd name="connsiteY4" fmla="*/ 0 h 1887220"/>
-                <a:gd name="connsiteX5" fmla="*/ 2359660 w 2890520"/>
-                <a:gd name="connsiteY5" fmla="*/ 1221740 h 1887220"/>
-                <a:gd name="connsiteX6" fmla="*/ 1176020 w 2890520"/>
-                <a:gd name="connsiteY6" fmla="*/ 1226820 h 1887220"/>
-                <a:gd name="connsiteX7" fmla="*/ 1170940 w 2890520"/>
-                <a:gd name="connsiteY7" fmla="*/ 693420 h 1887220"/>
-                <a:gd name="connsiteX8" fmla="*/ 5080 w 2890520"/>
-                <a:gd name="connsiteY8" fmla="*/ 695960 h 1887220"/>
-              </a:gdLst>
-              <a:ahLst/>
-              <a:cxnLst>
-                <a:cxn ang="0">
-                  <a:pos x="connsiteX0" y="connsiteY0"/>
-                </a:cxn>
-                <a:cxn ang="0">
-                  <a:pos x="connsiteX1" y="connsiteY1"/>
-                </a:cxn>
-                <a:cxn ang="0">
-                  <a:pos x="connsiteX2" y="connsiteY2"/>
-                </a:cxn>
-                <a:cxn ang="0">
-                  <a:pos x="connsiteX3" y="connsiteY3"/>
-                </a:cxn>
-                <a:cxn ang="0">
-                  <a:pos x="connsiteX4" y="connsiteY4"/>
-                </a:cxn>
-                <a:cxn ang="0">
-                  <a:pos x="connsiteX5" y="connsiteY5"/>
-                </a:cxn>
-                <a:cxn ang="0">
-                  <a:pos x="connsiteX6" y="connsiteY6"/>
-                </a:cxn>
-                <a:cxn ang="0">
-                  <a:pos x="connsiteX7" y="connsiteY7"/>
-                </a:cxn>
-                <a:cxn ang="0">
-                  <a:pos x="connsiteX8" y="connsiteY8"/>
-                </a:cxn>
-              </a:cxnLst>
-              <a:rect l="l" t="t" r="r" b="b"/>
-              <a:pathLst>
-                <a:path w="2890520" h="1887220">
-                  <a:moveTo>
-                    <a:pt x="5080" y="695960"/>
-                  </a:moveTo>
-                  <a:cubicBezTo>
-                    <a:pt x="3387" y="1093047"/>
-                    <a:pt x="1693" y="1490133"/>
-                    <a:pt x="0" y="1887220"/>
-                  </a:cubicBezTo>
-                  <a:lnTo>
-                    <a:pt x="2890520" y="1882140"/>
-                  </a:lnTo>
-                  <a:cubicBezTo>
-                    <a:pt x="2888827" y="1255607"/>
-                    <a:pt x="2887133" y="629073"/>
-                    <a:pt x="2885440" y="2540"/>
-                  </a:cubicBezTo>
-                  <a:lnTo>
-                    <a:pt x="2346960" y="0"/>
-                  </a:lnTo>
-                  <a:lnTo>
-                    <a:pt x="2359660" y="1221740"/>
-                  </a:lnTo>
-                  <a:lnTo>
-                    <a:pt x="1176020" y="1226820"/>
-                  </a:lnTo>
-                  <a:cubicBezTo>
-                    <a:pt x="1174327" y="1049020"/>
-                    <a:pt x="1172633" y="871220"/>
-                    <a:pt x="1170940" y="693420"/>
-                  </a:cubicBezTo>
-                  <a:lnTo>
-                    <a:pt x="5080" y="695960"/>
-                  </a:lnTo>
-                  <a:close/>
-                </a:path>
-              </a:pathLst>
-            </a:custGeom>
+            </a:prstGeom>
+            <a:solidFill>
+              <a:srgbClr val="E2F0D9">
+                <a:alpha val="50196"/>
+              </a:srgbClr>
+            </a:solidFill>
+            <a:ln w="28575">
+              <a:solidFill>
+                <a:schemeClr val="accent6"/>
+              </a:solidFill>
+            </a:ln>
+          </p:spPr>
+          <p:style>
+            <a:lnRef idx="2">
+              <a:schemeClr val="accent1">
+                <a:shade val="50000"/>
+              </a:schemeClr>
+            </a:lnRef>
+            <a:fillRef idx="1">
+              <a:schemeClr val="accent1"/>
+            </a:fillRef>
+            <a:effectRef idx="0">
+              <a:schemeClr val="accent1"/>
+            </a:effectRef>
+            <a:fontRef idx="minor">
+              <a:schemeClr val="lt1"/>
+            </a:fontRef>
+          </p:style>
+          <p:txBody>
+            <a:bodyPr rtlCol="0" anchor="ctr"/>
+            <a:lstStyle/>
+            <a:p>
+              <a:pPr algn="ctr"/>
+              <a:endParaRPr lang="zh-CN" altLang="en-US"/>
+            </a:p>
+          </p:txBody>
+        </p:sp>
+        <p:sp>
+          <p:nvSpPr>
+            <p:cNvPr id="2" name="Rectangle 1">
+              <a:extLst>
+                <a:ext uri="{FF2B5EF4-FFF2-40B4-BE49-F238E27FC236}">
+                  <a16:creationId xmlns:a16="http://schemas.microsoft.com/office/drawing/2014/main" id="{5DA44989-1C09-8E14-F7D8-37E1D08C25B5}"/>
+                </a:ext>
+              </a:extLst>
+            </p:cNvPr>
+            <p:cNvSpPr/>
+            <p:nvPr/>
+          </p:nvSpPr>
+          <p:spPr>
+            <a:xfrm>
+              <a:off x="5053128" y="541222"/>
+              <a:ext cx="2946874" cy="1944414"/>
+            </a:xfrm>
+            <a:prstGeom prst="rect">
+              <a:avLst/>
+            </a:prstGeom>
             <a:solidFill>
               <a:srgbClr val="E2F0D9">
                 <a:alpha val="50196"/>
@@ -3966,8 +3933,8 @@
             <p:nvPr/>
           </p:nvSpPr>
           <p:spPr>
-            <a:xfrm>
-              <a:off x="9463274" y="1274273"/>
+            <a:xfrm rot="5400000">
+              <a:off x="6331286" y="2645935"/>
               <a:ext cx="506055" cy="502322"/>
             </a:xfrm>
             <a:prstGeom prst="rightArrow">
@@ -6395,166 +6362,6 @@
             </p:sp>
           </mc:Fallback>
         </mc:AlternateContent>
-      </p:grpSp>
-      <p:grpSp>
-        <p:nvGrpSpPr>
-          <p:cNvPr id="23" name="Group 22">
-            <a:extLst>
-              <a:ext uri="{FF2B5EF4-FFF2-40B4-BE49-F238E27FC236}">
-                <a16:creationId xmlns:a16="http://schemas.microsoft.com/office/drawing/2014/main" id="{BE60FE07-C0BF-68AB-982B-257E0F25302E}"/>
-              </a:ext>
-            </a:extLst>
-          </p:cNvPr>
-          <p:cNvGrpSpPr/>
-          <p:nvPr/>
-        </p:nvGrpSpPr>
-        <p:grpSpPr>
-          <a:xfrm>
-            <a:off x="1660148" y="3313386"/>
-            <a:ext cx="8309180" cy="2091470"/>
-            <a:chOff x="1660148" y="3313386"/>
-            <a:chExt cx="8309180" cy="2091470"/>
-          </a:xfrm>
-        </p:grpSpPr>
-        <p:sp>
-          <p:nvSpPr>
-            <p:cNvPr id="22" name="Freeform: Shape 21">
-              <a:extLst>
-                <a:ext uri="{FF2B5EF4-FFF2-40B4-BE49-F238E27FC236}">
-                  <a16:creationId xmlns:a16="http://schemas.microsoft.com/office/drawing/2014/main" id="{9FDC18C0-DD3A-2416-DFE6-F07A81E50491}"/>
-                </a:ext>
-              </a:extLst>
-            </p:cNvPr>
-            <p:cNvSpPr/>
-            <p:nvPr/>
-          </p:nvSpPr>
-          <p:spPr>
-            <a:xfrm>
-              <a:off x="5315607" y="3313386"/>
-              <a:ext cx="2898227" cy="1944414"/>
-            </a:xfrm>
-            <a:custGeom>
-              <a:avLst/>
-              <a:gdLst>
-                <a:gd name="connsiteX0" fmla="*/ 0 w 2898227"/>
-                <a:gd name="connsiteY0" fmla="*/ 704193 h 1944414"/>
-                <a:gd name="connsiteX1" fmla="*/ 0 w 2898227"/>
-                <a:gd name="connsiteY1" fmla="*/ 1944414 h 1944414"/>
-                <a:gd name="connsiteX2" fmla="*/ 2898227 w 2898227"/>
-                <a:gd name="connsiteY2" fmla="*/ 1939159 h 1944414"/>
-                <a:gd name="connsiteX3" fmla="*/ 2879834 w 2898227"/>
-                <a:gd name="connsiteY3" fmla="*/ 0 h 1944414"/>
-                <a:gd name="connsiteX4" fmla="*/ 1849821 w 2898227"/>
-                <a:gd name="connsiteY4" fmla="*/ 0 h 1944414"/>
-                <a:gd name="connsiteX5" fmla="*/ 1849821 w 2898227"/>
-                <a:gd name="connsiteY5" fmla="*/ 1326931 h 1944414"/>
-                <a:gd name="connsiteX6" fmla="*/ 596462 w 2898227"/>
-                <a:gd name="connsiteY6" fmla="*/ 1324304 h 1944414"/>
-                <a:gd name="connsiteX7" fmla="*/ 593834 w 2898227"/>
-                <a:gd name="connsiteY7" fmla="*/ 706821 h 1944414"/>
-                <a:gd name="connsiteX8" fmla="*/ 0 w 2898227"/>
-                <a:gd name="connsiteY8" fmla="*/ 704193 h 1944414"/>
-              </a:gdLst>
-              <a:ahLst/>
-              <a:cxnLst>
-                <a:cxn ang="0">
-                  <a:pos x="connsiteX0" y="connsiteY0"/>
-                </a:cxn>
-                <a:cxn ang="0">
-                  <a:pos x="connsiteX1" y="connsiteY1"/>
-                </a:cxn>
-                <a:cxn ang="0">
-                  <a:pos x="connsiteX2" y="connsiteY2"/>
-                </a:cxn>
-                <a:cxn ang="0">
-                  <a:pos x="connsiteX3" y="connsiteY3"/>
-                </a:cxn>
-                <a:cxn ang="0">
-                  <a:pos x="connsiteX4" y="connsiteY4"/>
-                </a:cxn>
-                <a:cxn ang="0">
-                  <a:pos x="connsiteX5" y="connsiteY5"/>
-                </a:cxn>
-                <a:cxn ang="0">
-                  <a:pos x="connsiteX6" y="connsiteY6"/>
-                </a:cxn>
-                <a:cxn ang="0">
-                  <a:pos x="connsiteX7" y="connsiteY7"/>
-                </a:cxn>
-                <a:cxn ang="0">
-                  <a:pos x="connsiteX8" y="connsiteY8"/>
-                </a:cxn>
-              </a:cxnLst>
-              <a:rect l="l" t="t" r="r" b="b"/>
-              <a:pathLst>
-                <a:path w="2898227" h="1944414">
-                  <a:moveTo>
-                    <a:pt x="0" y="704193"/>
-                  </a:moveTo>
-                  <a:lnTo>
-                    <a:pt x="0" y="1944414"/>
-                  </a:lnTo>
-                  <a:lnTo>
-                    <a:pt x="2898227" y="1939159"/>
-                  </a:lnTo>
-                  <a:lnTo>
-                    <a:pt x="2879834" y="0"/>
-                  </a:lnTo>
-                  <a:lnTo>
-                    <a:pt x="1849821" y="0"/>
-                  </a:lnTo>
-                  <a:lnTo>
-                    <a:pt x="1849821" y="1326931"/>
-                  </a:lnTo>
-                  <a:lnTo>
-                    <a:pt x="596462" y="1324304"/>
-                  </a:lnTo>
-                  <a:lnTo>
-                    <a:pt x="593834" y="706821"/>
-                  </a:lnTo>
-                  <a:lnTo>
-                    <a:pt x="0" y="704193"/>
-                  </a:lnTo>
-                  <a:close/>
-                </a:path>
-              </a:pathLst>
-            </a:custGeom>
-            <a:solidFill>
-              <a:srgbClr val="E2F0D9">
-                <a:alpha val="50196"/>
-              </a:srgbClr>
-            </a:solidFill>
-            <a:ln w="28575">
-              <a:solidFill>
-                <a:schemeClr val="accent6"/>
-              </a:solidFill>
-            </a:ln>
-          </p:spPr>
-          <p:style>
-            <a:lnRef idx="2">
-              <a:schemeClr val="accent1">
-                <a:shade val="50000"/>
-              </a:schemeClr>
-            </a:lnRef>
-            <a:fillRef idx="1">
-              <a:schemeClr val="accent1"/>
-            </a:fillRef>
-            <a:effectRef idx="0">
-              <a:schemeClr val="accent1"/>
-            </a:effectRef>
-            <a:fontRef idx="minor">
-              <a:schemeClr val="lt1"/>
-            </a:fontRef>
-          </p:style>
-          <p:txBody>
-            <a:bodyPr rtlCol="0" anchor="ctr"/>
-            <a:lstStyle/>
-            <a:p>
-              <a:pPr algn="ctr"/>
-              <a:endParaRPr lang="zh-CN" altLang="en-US"/>
-            </a:p>
-          </p:txBody>
-        </p:sp>
         <p:sp>
           <p:nvSpPr>
             <p:cNvPr id="96" name="Rectangle 95">
@@ -6569,8 +6376,8 @@
           </p:nvSpPr>
           <p:spPr>
             <a:xfrm>
-              <a:off x="7488028" y="4573500"/>
-              <a:ext cx="1421858" cy="831356"/>
+              <a:off x="7545540" y="4573500"/>
+              <a:ext cx="1364346" cy="831356"/>
             </a:xfrm>
             <a:prstGeom prst="rect">
               <a:avLst/>
@@ -8566,8 +8373,8 @@
             <p:nvPr/>
           </p:nvSpPr>
           <p:spPr>
-            <a:xfrm>
-              <a:off x="9463273" y="4013409"/>
+            <a:xfrm rot="5400000">
+              <a:off x="7971396" y="5501141"/>
               <a:ext cx="506055" cy="502322"/>
             </a:xfrm>
             <a:prstGeom prst="rightArrow">
@@ -9088,10 +8895,10 @@
       </p:grpSpPr>
       <p:grpSp>
         <p:nvGrpSpPr>
-          <p:cNvPr id="79" name="Group 78">
+          <p:cNvPr id="2" name="Group 1">
             <a:extLst>
               <a:ext uri="{FF2B5EF4-FFF2-40B4-BE49-F238E27FC236}">
-                <a16:creationId xmlns:a16="http://schemas.microsoft.com/office/drawing/2014/main" id="{1756A3EE-1AED-B167-BD8E-98AD8E2A6FA9}"/>
+                <a16:creationId xmlns:a16="http://schemas.microsoft.com/office/drawing/2014/main" id="{CBCD4426-6E9A-C4A4-9BD2-DF235F981816}"/>
               </a:ext>
             </a:extLst>
           </p:cNvPr>
@@ -9100,10 +8907,10 @@
         </p:nvGrpSpPr>
         <p:grpSpPr>
           <a:xfrm>
-            <a:off x="1783240" y="535909"/>
-            <a:ext cx="8478503" cy="2073754"/>
+            <a:off x="2194437" y="839278"/>
+            <a:ext cx="7803125" cy="5179443"/>
             <a:chOff x="1783240" y="535909"/>
-            <a:chExt cx="8478503" cy="2073754"/>
+            <a:chExt cx="7803125" cy="5179443"/>
           </a:xfrm>
         </p:grpSpPr>
         <p:sp>
@@ -11020,8 +10827,8 @@
             <p:nvPr/>
           </p:nvSpPr>
           <p:spPr>
-            <a:xfrm>
-              <a:off x="9755688" y="1297579"/>
+            <a:xfrm rot="5400000">
+              <a:off x="6367781" y="2648400"/>
               <a:ext cx="506055" cy="502322"/>
             </a:xfrm>
             <a:prstGeom prst="rightArrow">
@@ -11371,27 +11178,6 @@
             </p:sp>
           </mc:Fallback>
         </mc:AlternateContent>
-      </p:grpSp>
-      <p:grpSp>
-        <p:nvGrpSpPr>
-          <p:cNvPr id="80" name="Group 79">
-            <a:extLst>
-              <a:ext uri="{FF2B5EF4-FFF2-40B4-BE49-F238E27FC236}">
-                <a16:creationId xmlns:a16="http://schemas.microsoft.com/office/drawing/2014/main" id="{887A2DBD-0276-E5F3-1027-7515F1A5928E}"/>
-              </a:ext>
-            </a:extLst>
-          </p:cNvPr>
-          <p:cNvGrpSpPr/>
-          <p:nvPr/>
-        </p:nvGrpSpPr>
-        <p:grpSpPr>
-          <a:xfrm>
-            <a:off x="2430166" y="3254694"/>
-            <a:ext cx="7061822" cy="2737756"/>
-            <a:chOff x="1783240" y="3439882"/>
-            <a:chExt cx="7061822" cy="2737756"/>
-          </a:xfrm>
-        </p:grpSpPr>
         <p:sp>
           <p:nvSpPr>
             <p:cNvPr id="78" name="Right Arrow 47">
@@ -11406,7 +11192,7 @@
           </p:nvSpPr>
           <p:spPr>
             <a:xfrm rot="5400000">
-              <a:off x="4921693" y="5673450"/>
+              <a:off x="3935132" y="5211164"/>
               <a:ext cx="506055" cy="502322"/>
             </a:xfrm>
             <a:prstGeom prst="rightArrow">
@@ -11477,7 +11263,7 @@
           </p:nvSpPr>
           <p:spPr>
             <a:xfrm>
-              <a:off x="4967425" y="3567956"/>
+              <a:off x="4967425" y="3373110"/>
               <a:ext cx="2842160" cy="1873830"/>
             </a:xfrm>
             <a:prstGeom prst="rect">
@@ -11535,7 +11321,7 @@
           </p:nvSpPr>
           <p:spPr>
             <a:xfrm>
-              <a:off x="2995227" y="3439882"/>
+              <a:off x="2995227" y="3245036"/>
               <a:ext cx="2576935" cy="1206682"/>
             </a:xfrm>
             <a:prstGeom prst="rect">
@@ -11595,7 +11381,7 @@
               </p:nvSpPr>
               <p:spPr>
                 <a:xfrm>
-                  <a:off x="1785100" y="4958930"/>
+                  <a:off x="1785100" y="4764084"/>
                   <a:ext cx="465447" cy="369332"/>
                 </a:xfrm>
                 <a:prstGeom prst="rect">
@@ -11666,7 +11452,7 @@
               </p:nvSpPr>
               <p:spPr>
                 <a:xfrm>
-                  <a:off x="1785100" y="4958930"/>
+                  <a:off x="1785100" y="4764084"/>
                   <a:ext cx="465447" cy="369332"/>
                 </a:xfrm>
                 <a:prstGeom prst="rect">
@@ -11675,7 +11461,7 @@
                 <a:blipFill>
                   <a:blip r:embed="rId10"/>
                   <a:stretch>
-                    <a:fillRect b="-6557"/>
+                    <a:fillRect b="-6667"/>
                   </a:stretch>
                 </a:blipFill>
               </p:spPr>
@@ -11710,7 +11496,7 @@
               </p:nvSpPr>
               <p:spPr>
                 <a:xfrm>
-                  <a:off x="1785100" y="4280618"/>
+                  <a:off x="1785100" y="4085772"/>
                   <a:ext cx="465447" cy="369332"/>
                 </a:xfrm>
                 <a:prstGeom prst="rect">
@@ -11781,7 +11567,7 @@
               </p:nvSpPr>
               <p:spPr>
                 <a:xfrm>
-                  <a:off x="1785100" y="4280618"/>
+                  <a:off x="1785100" y="4085772"/>
                   <a:ext cx="465447" cy="369332"/>
                 </a:xfrm>
                 <a:prstGeom prst="rect">
@@ -11790,7 +11576,7 @@
                 <a:blipFill>
                   <a:blip r:embed="rId11"/>
                   <a:stretch>
-                    <a:fillRect b="-6667"/>
+                    <a:fillRect b="-6557"/>
                   </a:stretch>
                 </a:blipFill>
               </p:spPr>
@@ -11825,7 +11611,7 @@
               </p:nvSpPr>
               <p:spPr>
                 <a:xfrm>
-                  <a:off x="1783240" y="3616092"/>
+                  <a:off x="1783240" y="3421246"/>
                   <a:ext cx="465447" cy="369332"/>
                 </a:xfrm>
                 <a:prstGeom prst="rect">
@@ -11896,7 +11682,7 @@
               </p:nvSpPr>
               <p:spPr>
                 <a:xfrm>
-                  <a:off x="1783240" y="3616092"/>
+                  <a:off x="1783240" y="3421246"/>
                   <a:ext cx="465447" cy="369332"/>
                 </a:xfrm>
                 <a:prstGeom prst="rect">
@@ -11905,7 +11691,7 @@
                 <a:blipFill>
                   <a:blip r:embed="rId12"/>
                   <a:stretch>
-                    <a:fillRect b="-6667"/>
+                    <a:fillRect b="-6557"/>
                   </a:stretch>
                 </a:blipFill>
               </p:spPr>
@@ -11938,8 +11724,8 @@
           </p:nvGrpSpPr>
           <p:grpSpPr>
             <a:xfrm>
-              <a:off x="2260352" y="3800758"/>
-              <a:ext cx="6584710" cy="1342838"/>
+              <a:off x="2260352" y="3605912"/>
+              <a:ext cx="7322432" cy="1342838"/>
               <a:chOff x="3753948" y="1031665"/>
               <a:chExt cx="3082898" cy="1342838"/>
             </a:xfrm>
@@ -12096,7 +11882,7 @@
               </p:nvSpPr>
               <p:spPr>
                 <a:xfrm>
-                  <a:off x="3712116" y="3567956"/>
+                  <a:off x="3712116" y="3373110"/>
                   <a:ext cx="454483" cy="430924"/>
                 </a:xfrm>
                 <a:prstGeom prst="rect">
@@ -12185,7 +11971,7 @@
               </p:nvSpPr>
               <p:spPr>
                 <a:xfrm>
-                  <a:off x="3712116" y="3567956"/>
+                  <a:off x="3712116" y="3373110"/>
                   <a:ext cx="454483" cy="430924"/>
                 </a:xfrm>
                 <a:prstGeom prst="rect">
@@ -12232,7 +12018,7 @@
           </p:nvGrpSpPr>
           <p:grpSpPr>
             <a:xfrm>
-              <a:off x="7368780" y="4325038"/>
+              <a:off x="7368780" y="4130192"/>
               <a:ext cx="288705" cy="880346"/>
               <a:chOff x="7216975" y="4763508"/>
               <a:chExt cx="288705" cy="880346"/>
@@ -12406,7 +12192,7 @@
           </p:nvGrpSpPr>
           <p:grpSpPr>
             <a:xfrm>
-              <a:off x="3171930" y="3658060"/>
+              <a:off x="3171930" y="3463214"/>
               <a:ext cx="288705" cy="871463"/>
               <a:chOff x="6355062" y="908275"/>
               <a:chExt cx="288705" cy="871463"/>
@@ -12582,7 +12368,7 @@
               </p:nvSpPr>
               <p:spPr>
                 <a:xfrm>
-                  <a:off x="4428840" y="3567956"/>
+                  <a:off x="4428840" y="3373110"/>
                   <a:ext cx="454483" cy="430924"/>
                 </a:xfrm>
                 <a:prstGeom prst="rect">
@@ -12671,7 +12457,7 @@
               </p:nvSpPr>
               <p:spPr>
                 <a:xfrm>
-                  <a:off x="4428840" y="3567956"/>
+                  <a:off x="4428840" y="3373110"/>
                   <a:ext cx="454483" cy="430924"/>
                 </a:xfrm>
                 <a:prstGeom prst="rect">
@@ -12718,7 +12504,7 @@
           </p:nvGrpSpPr>
           <p:grpSpPr>
             <a:xfrm rot="10800000">
-              <a:off x="6884096" y="3731702"/>
+              <a:off x="6884096" y="3536856"/>
               <a:ext cx="288705" cy="1558526"/>
               <a:chOff x="7216975" y="4085328"/>
               <a:chExt cx="288705" cy="1558526"/>
@@ -12894,7 +12680,7 @@
               </p:nvSpPr>
               <p:spPr>
                 <a:xfrm>
-                  <a:off x="7997816" y="3582932"/>
+                  <a:off x="7997816" y="3388086"/>
                   <a:ext cx="454483" cy="430924"/>
                 </a:xfrm>
                 <a:prstGeom prst="rect">
@@ -13000,7 +12786,7 @@
               </p:nvSpPr>
               <p:spPr>
                 <a:xfrm>
-                  <a:off x="7997816" y="3582932"/>
+                  <a:off x="7997816" y="3388086"/>
                   <a:ext cx="454483" cy="430924"/>
                 </a:xfrm>
                 <a:prstGeom prst="rect">
@@ -13009,7 +12795,7 @@
                 <a:blipFill>
                   <a:blip r:embed="rId15"/>
                   <a:stretch>
-                    <a:fillRect l="-1282" r="-11538"/>
+                    <a:fillRect l="-2564" r="-10256"/>
                   </a:stretch>
                 </a:blipFill>
                 <a:ln w="19050">
@@ -13047,7 +12833,7 @@
           </p:nvGrpSpPr>
           <p:grpSpPr>
             <a:xfrm>
-              <a:off x="5174721" y="3658060"/>
+              <a:off x="5174721" y="3463214"/>
               <a:ext cx="288705" cy="871463"/>
               <a:chOff x="6355062" y="908275"/>
               <a:chExt cx="288705" cy="871463"/>
@@ -13223,7 +13009,7 @@
               </p:nvSpPr>
               <p:spPr>
                 <a:xfrm>
-                  <a:off x="6200063" y="4935075"/>
+                  <a:off x="6200063" y="4740229"/>
                   <a:ext cx="454483" cy="430924"/>
                 </a:xfrm>
                 <a:prstGeom prst="rect">
@@ -13312,7 +13098,7 @@
               </p:nvSpPr>
               <p:spPr>
                 <a:xfrm>
-                  <a:off x="6200063" y="4935075"/>
+                  <a:off x="6200063" y="4740229"/>
                   <a:ext cx="454483" cy="430924"/>
                 </a:xfrm>
                 <a:prstGeom prst="rect">
@@ -13359,7 +13145,7 @@
           </p:nvGrpSpPr>
           <p:grpSpPr>
             <a:xfrm rot="10800000">
-              <a:off x="5685178" y="4407163"/>
+              <a:off x="5685178" y="4212317"/>
               <a:ext cx="288705" cy="876740"/>
               <a:chOff x="6355062" y="908275"/>
               <a:chExt cx="288705" cy="876740"/>
@@ -13535,7 +13321,7 @@
               </p:nvSpPr>
               <p:spPr>
                 <a:xfrm>
-                  <a:off x="2396392" y="3583241"/>
+                  <a:off x="2396392" y="3388395"/>
                   <a:ext cx="454483" cy="430924"/>
                 </a:xfrm>
                 <a:prstGeom prst="rect">
@@ -13624,7 +13410,7 @@
               </p:nvSpPr>
               <p:spPr>
                 <a:xfrm>
-                  <a:off x="2396392" y="3583241"/>
+                  <a:off x="2396392" y="3388395"/>
                   <a:ext cx="454483" cy="430924"/>
                 </a:xfrm>
                 <a:prstGeom prst="rect">
@@ -13690,10 +13476,10 @@
       </p:grpSpPr>
       <p:grpSp>
         <p:nvGrpSpPr>
-          <p:cNvPr id="6" name="Group 5">
+          <p:cNvPr id="2" name="Group 1">
             <a:extLst>
               <a:ext uri="{FF2B5EF4-FFF2-40B4-BE49-F238E27FC236}">
-                <a16:creationId xmlns:a16="http://schemas.microsoft.com/office/drawing/2014/main" id="{01AB1575-DF15-50AF-F801-B818B8C99EFF}"/>
+                <a16:creationId xmlns:a16="http://schemas.microsoft.com/office/drawing/2014/main" id="{A817437E-6CCF-FE12-FCF9-074E6CB1D5DE}"/>
               </a:ext>
             </a:extLst>
           </p:cNvPr>
@@ -13702,12 +13488,193 @@
         </p:nvGrpSpPr>
         <p:grpSpPr>
           <a:xfrm>
-            <a:off x="2424486" y="1000760"/>
-            <a:ext cx="7588193" cy="1996440"/>
-            <a:chOff x="2424486" y="1000760"/>
-            <a:chExt cx="7588193" cy="1996440"/>
+            <a:off x="2629632" y="897643"/>
+            <a:ext cx="6932736" cy="5062713"/>
+            <a:chOff x="3112309" y="-1143990"/>
+            <a:chExt cx="6932736" cy="5062713"/>
           </a:xfrm>
         </p:grpSpPr>
+        <p:sp>
+          <p:nvSpPr>
+            <p:cNvPr id="75" name="Rectangle 74">
+              <a:extLst>
+                <a:ext uri="{FF2B5EF4-FFF2-40B4-BE49-F238E27FC236}">
+                  <a16:creationId xmlns:a16="http://schemas.microsoft.com/office/drawing/2014/main" id="{08A9092C-FEC0-327C-773A-686F60EDDB9B}"/>
+                </a:ext>
+              </a:extLst>
+            </p:cNvPr>
+            <p:cNvSpPr/>
+            <p:nvPr/>
+          </p:nvSpPr>
+          <p:spPr>
+            <a:xfrm>
+              <a:off x="3684331" y="1351324"/>
+              <a:ext cx="3371790" cy="1380291"/>
+            </a:xfrm>
+            <a:prstGeom prst="rect">
+              <a:avLst/>
+            </a:prstGeom>
+            <a:solidFill>
+              <a:srgbClr val="DEEBF7">
+                <a:alpha val="50196"/>
+              </a:srgbClr>
+            </a:solidFill>
+            <a:ln w="28575">
+              <a:solidFill>
+                <a:schemeClr val="accent5"/>
+              </a:solidFill>
+            </a:ln>
+          </p:spPr>
+          <p:style>
+            <a:lnRef idx="2">
+              <a:schemeClr val="accent1">
+                <a:shade val="50000"/>
+              </a:schemeClr>
+            </a:lnRef>
+            <a:fillRef idx="1">
+              <a:schemeClr val="accent1"/>
+            </a:fillRef>
+            <a:effectRef idx="0">
+              <a:schemeClr val="accent1"/>
+            </a:effectRef>
+            <a:fontRef idx="minor">
+              <a:schemeClr val="lt1"/>
+            </a:fontRef>
+          </p:style>
+          <p:txBody>
+            <a:bodyPr rtlCol="0" anchor="ctr"/>
+            <a:lstStyle/>
+            <a:p>
+              <a:pPr algn="ctr"/>
+              <a:endParaRPr lang="zh-CN" altLang="en-US"/>
+            </a:p>
+          </p:txBody>
+        </p:sp>
+        <p:sp>
+          <p:nvSpPr>
+            <p:cNvPr id="80" name="Freeform: Shape 79">
+              <a:extLst>
+                <a:ext uri="{FF2B5EF4-FFF2-40B4-BE49-F238E27FC236}">
+                  <a16:creationId xmlns:a16="http://schemas.microsoft.com/office/drawing/2014/main" id="{F110A44A-1329-0451-6718-E3F0BE5BB57E}"/>
+                </a:ext>
+              </a:extLst>
+            </p:cNvPr>
+            <p:cNvSpPr/>
+            <p:nvPr/>
+          </p:nvSpPr>
+          <p:spPr>
+            <a:xfrm>
+              <a:off x="6381750" y="1439863"/>
+              <a:ext cx="2357438" cy="1841500"/>
+            </a:xfrm>
+            <a:custGeom>
+              <a:avLst/>
+              <a:gdLst>
+                <a:gd name="connsiteX0" fmla="*/ 0 w 2357438"/>
+                <a:gd name="connsiteY0" fmla="*/ 3175 h 1841500"/>
+                <a:gd name="connsiteX1" fmla="*/ 2341563 w 2357438"/>
+                <a:gd name="connsiteY1" fmla="*/ 0 h 1841500"/>
+                <a:gd name="connsiteX2" fmla="*/ 2357438 w 2357438"/>
+                <a:gd name="connsiteY2" fmla="*/ 1838325 h 1841500"/>
+                <a:gd name="connsiteX3" fmla="*/ 1919288 w 2357438"/>
+                <a:gd name="connsiteY3" fmla="*/ 1841500 h 1841500"/>
+                <a:gd name="connsiteX4" fmla="*/ 1906588 w 2357438"/>
+                <a:gd name="connsiteY4" fmla="*/ 598487 h 1841500"/>
+                <a:gd name="connsiteX5" fmla="*/ 11113 w 2357438"/>
+                <a:gd name="connsiteY5" fmla="*/ 596900 h 1841500"/>
+                <a:gd name="connsiteX6" fmla="*/ 0 w 2357438"/>
+                <a:gd name="connsiteY6" fmla="*/ 3175 h 1841500"/>
+              </a:gdLst>
+              <a:ahLst/>
+              <a:cxnLst>
+                <a:cxn ang="0">
+                  <a:pos x="connsiteX0" y="connsiteY0"/>
+                </a:cxn>
+                <a:cxn ang="0">
+                  <a:pos x="connsiteX1" y="connsiteY1"/>
+                </a:cxn>
+                <a:cxn ang="0">
+                  <a:pos x="connsiteX2" y="connsiteY2"/>
+                </a:cxn>
+                <a:cxn ang="0">
+                  <a:pos x="connsiteX3" y="connsiteY3"/>
+                </a:cxn>
+                <a:cxn ang="0">
+                  <a:pos x="connsiteX4" y="connsiteY4"/>
+                </a:cxn>
+                <a:cxn ang="0">
+                  <a:pos x="connsiteX5" y="connsiteY5"/>
+                </a:cxn>
+                <a:cxn ang="0">
+                  <a:pos x="connsiteX6" y="connsiteY6"/>
+                </a:cxn>
+              </a:cxnLst>
+              <a:rect l="l" t="t" r="r" b="b"/>
+              <a:pathLst>
+                <a:path w="2357438" h="1841500">
+                  <a:moveTo>
+                    <a:pt x="0" y="3175"/>
+                  </a:moveTo>
+                  <a:lnTo>
+                    <a:pt x="2341563" y="0"/>
+                  </a:lnTo>
+                  <a:lnTo>
+                    <a:pt x="2357438" y="1838325"/>
+                  </a:lnTo>
+                  <a:lnTo>
+                    <a:pt x="1919288" y="1841500"/>
+                  </a:lnTo>
+                  <a:lnTo>
+                    <a:pt x="1906588" y="598487"/>
+                  </a:lnTo>
+                  <a:lnTo>
+                    <a:pt x="11113" y="596900"/>
+                  </a:lnTo>
+                  <a:cubicBezTo>
+                    <a:pt x="10584" y="396346"/>
+                    <a:pt x="10054" y="195791"/>
+                    <a:pt x="0" y="3175"/>
+                  </a:cubicBezTo>
+                  <a:close/>
+                </a:path>
+              </a:pathLst>
+            </a:custGeom>
+            <a:solidFill>
+              <a:srgbClr val="FFF2CC">
+                <a:alpha val="50196"/>
+              </a:srgbClr>
+            </a:solidFill>
+            <a:ln w="28575">
+              <a:solidFill>
+                <a:schemeClr val="accent4"/>
+              </a:solidFill>
+            </a:ln>
+          </p:spPr>
+          <p:style>
+            <a:lnRef idx="2">
+              <a:schemeClr val="accent1">
+                <a:shade val="50000"/>
+              </a:schemeClr>
+            </a:lnRef>
+            <a:fillRef idx="1">
+              <a:schemeClr val="accent1"/>
+            </a:fillRef>
+            <a:effectRef idx="0">
+              <a:schemeClr val="accent1"/>
+            </a:effectRef>
+            <a:fontRef idx="minor">
+              <a:schemeClr val="lt1"/>
+            </a:fontRef>
+          </p:style>
+          <p:txBody>
+            <a:bodyPr rtlCol="0" anchor="ctr"/>
+            <a:lstStyle/>
+            <a:p>
+              <a:pPr algn="ctr"/>
+              <a:endParaRPr lang="zh-CN" altLang="en-US"/>
+            </a:p>
+          </p:txBody>
+        </p:sp>
         <p:sp>
           <p:nvSpPr>
             <p:cNvPr id="127" name="Rectangle 126">
@@ -13722,7 +13689,7 @@
           </p:nvSpPr>
           <p:spPr>
             <a:xfrm>
-              <a:off x="4360458" y="1146740"/>
+              <a:off x="4392085" y="-1005363"/>
               <a:ext cx="2602608" cy="1205427"/>
             </a:xfrm>
             <a:prstGeom prst="rect">
@@ -13768,10 +13735,10 @@
         </p:sp>
         <p:sp>
           <p:nvSpPr>
-            <p:cNvPr id="4" name="Freeform: Shape 3">
+            <p:cNvPr id="74" name="Rectangle 73">
               <a:extLst>
                 <a:ext uri="{FF2B5EF4-FFF2-40B4-BE49-F238E27FC236}">
-                  <a16:creationId xmlns:a16="http://schemas.microsoft.com/office/drawing/2014/main" id="{A5D3DE69-4BE9-EC17-D281-58D0394749F0}"/>
+                  <a16:creationId xmlns:a16="http://schemas.microsoft.com/office/drawing/2014/main" id="{3843CE48-DCBE-5252-E310-C7297EA18A9E}"/>
                 </a:ext>
               </a:extLst>
             </p:cNvPr>
@@ -13780,137 +13747,12 @@
           </p:nvSpPr>
           <p:spPr>
             <a:xfrm>
-              <a:off x="3662680" y="1000760"/>
-              <a:ext cx="5090160" cy="1996440"/>
+              <a:off x="3676650" y="-1143990"/>
+              <a:ext cx="3497167" cy="1383817"/>
             </a:xfrm>
-            <a:custGeom>
+            <a:prstGeom prst="rect">
               <a:avLst/>
-              <a:gdLst>
-                <a:gd name="connsiteX0" fmla="*/ 0 w 5090160"/>
-                <a:gd name="connsiteY0" fmla="*/ 15240 h 1996440"/>
-                <a:gd name="connsiteX1" fmla="*/ 10160 w 5090160"/>
-                <a:gd name="connsiteY1" fmla="*/ 1264920 h 1996440"/>
-                <a:gd name="connsiteX2" fmla="*/ 1188720 w 5090160"/>
-                <a:gd name="connsiteY2" fmla="*/ 1264920 h 1996440"/>
-                <a:gd name="connsiteX3" fmla="*/ 1193800 w 5090160"/>
-                <a:gd name="connsiteY3" fmla="*/ 619760 h 1996440"/>
-                <a:gd name="connsiteX4" fmla="*/ 2733040 w 5090160"/>
-                <a:gd name="connsiteY4" fmla="*/ 619760 h 1996440"/>
-                <a:gd name="connsiteX5" fmla="*/ 2733040 w 5090160"/>
-                <a:gd name="connsiteY5" fmla="*/ 1254760 h 1996440"/>
-                <a:gd name="connsiteX6" fmla="*/ 3408680 w 5090160"/>
-                <a:gd name="connsiteY6" fmla="*/ 1254760 h 1996440"/>
-                <a:gd name="connsiteX7" fmla="*/ 3413760 w 5090160"/>
-                <a:gd name="connsiteY7" fmla="*/ 619760 h 1996440"/>
-                <a:gd name="connsiteX8" fmla="*/ 4516120 w 5090160"/>
-                <a:gd name="connsiteY8" fmla="*/ 619760 h 1996440"/>
-                <a:gd name="connsiteX9" fmla="*/ 4526280 w 5090160"/>
-                <a:gd name="connsiteY9" fmla="*/ 1996440 h 1996440"/>
-                <a:gd name="connsiteX10" fmla="*/ 5090160 w 5090160"/>
-                <a:gd name="connsiteY10" fmla="*/ 1996440 h 1996440"/>
-                <a:gd name="connsiteX11" fmla="*/ 5085080 w 5090160"/>
-                <a:gd name="connsiteY11" fmla="*/ 0 h 1996440"/>
-                <a:gd name="connsiteX12" fmla="*/ 0 w 5090160"/>
-                <a:gd name="connsiteY12" fmla="*/ 15240 h 1996440"/>
-              </a:gdLst>
-              <a:ahLst/>
-              <a:cxnLst>
-                <a:cxn ang="0">
-                  <a:pos x="connsiteX0" y="connsiteY0"/>
-                </a:cxn>
-                <a:cxn ang="0">
-                  <a:pos x="connsiteX1" y="connsiteY1"/>
-                </a:cxn>
-                <a:cxn ang="0">
-                  <a:pos x="connsiteX2" y="connsiteY2"/>
-                </a:cxn>
-                <a:cxn ang="0">
-                  <a:pos x="connsiteX3" y="connsiteY3"/>
-                </a:cxn>
-                <a:cxn ang="0">
-                  <a:pos x="connsiteX4" y="connsiteY4"/>
-                </a:cxn>
-                <a:cxn ang="0">
-                  <a:pos x="connsiteX5" y="connsiteY5"/>
-                </a:cxn>
-                <a:cxn ang="0">
-                  <a:pos x="connsiteX6" y="connsiteY6"/>
-                </a:cxn>
-                <a:cxn ang="0">
-                  <a:pos x="connsiteX7" y="connsiteY7"/>
-                </a:cxn>
-                <a:cxn ang="0">
-                  <a:pos x="connsiteX8" y="connsiteY8"/>
-                </a:cxn>
-                <a:cxn ang="0">
-                  <a:pos x="connsiteX9" y="connsiteY9"/>
-                </a:cxn>
-                <a:cxn ang="0">
-                  <a:pos x="connsiteX10" y="connsiteY10"/>
-                </a:cxn>
-                <a:cxn ang="0">
-                  <a:pos x="connsiteX11" y="connsiteY11"/>
-                </a:cxn>
-                <a:cxn ang="0">
-                  <a:pos x="connsiteX12" y="connsiteY12"/>
-                </a:cxn>
-              </a:cxnLst>
-              <a:rect l="l" t="t" r="r" b="b"/>
-              <a:pathLst>
-                <a:path w="5090160" h="1996440">
-                  <a:moveTo>
-                    <a:pt x="0" y="15240"/>
-                  </a:moveTo>
-                  <a:cubicBezTo>
-                    <a:pt x="3387" y="431800"/>
-                    <a:pt x="6773" y="848360"/>
-                    <a:pt x="10160" y="1264920"/>
-                  </a:cubicBezTo>
-                  <a:lnTo>
-                    <a:pt x="1188720" y="1264920"/>
-                  </a:lnTo>
-                  <a:cubicBezTo>
-                    <a:pt x="1190413" y="1049867"/>
-                    <a:pt x="1192107" y="834813"/>
-                    <a:pt x="1193800" y="619760"/>
-                  </a:cubicBezTo>
-                  <a:lnTo>
-                    <a:pt x="2733040" y="619760"/>
-                  </a:lnTo>
-                  <a:lnTo>
-                    <a:pt x="2733040" y="1254760"/>
-                  </a:lnTo>
-                  <a:lnTo>
-                    <a:pt x="3408680" y="1254760"/>
-                  </a:lnTo>
-                  <a:cubicBezTo>
-                    <a:pt x="3410373" y="1043093"/>
-                    <a:pt x="3412067" y="831427"/>
-                    <a:pt x="3413760" y="619760"/>
-                  </a:cubicBezTo>
-                  <a:lnTo>
-                    <a:pt x="4516120" y="619760"/>
-                  </a:lnTo>
-                  <a:cubicBezTo>
-                    <a:pt x="4519507" y="1078653"/>
-                    <a:pt x="4522893" y="1537547"/>
-                    <a:pt x="4526280" y="1996440"/>
-                  </a:cubicBezTo>
-                  <a:lnTo>
-                    <a:pt x="5090160" y="1996440"/>
-                  </a:lnTo>
-                  <a:cubicBezTo>
-                    <a:pt x="5088467" y="1330960"/>
-                    <a:pt x="5086773" y="665480"/>
-                    <a:pt x="5085080" y="0"/>
-                  </a:cubicBezTo>
-                  <a:lnTo>
-                    <a:pt x="0" y="15240"/>
-                  </a:lnTo>
-                  <a:close/>
-                </a:path>
-              </a:pathLst>
-            </a:custGeom>
+            </a:prstGeom>
             <a:solidFill>
               <a:srgbClr val="DEEBF7">
                 <a:alpha val="50196"/>
@@ -13947,8 +13789,8 @@
             </a:p>
           </p:txBody>
         </p:sp>
-        <mc:AlternateContent xmlns:mc="http://schemas.openxmlformats.org/markup-compatibility/2006" xmlns:a14="http://schemas.microsoft.com/office/drawing/2010/main">
-          <mc:Choice Requires="a14">
+        <mc:AlternateContent xmlns:mc="http://schemas.openxmlformats.org/markup-compatibility/2006">
+          <mc:Choice xmlns:a14="http://schemas.microsoft.com/office/drawing/2010/main" Requires="a14">
             <p:sp>
               <p:nvSpPr>
                 <p:cNvPr id="91" name="TextBox 90">
@@ -13963,7 +13805,7 @@
               </p:nvSpPr>
               <p:spPr>
                 <a:xfrm>
-                  <a:off x="3082542" y="2525403"/>
+                  <a:off x="3114169" y="373300"/>
                   <a:ext cx="465447" cy="369332"/>
                 </a:xfrm>
                 <a:prstGeom prst="rect">
@@ -14017,7 +13859,7 @@
               </p:txBody>
             </p:sp>
           </mc:Choice>
-          <mc:Fallback xmlns="">
+          <mc:Fallback>
             <p:sp>
               <p:nvSpPr>
                 <p:cNvPr id="91" name="TextBox 90">
@@ -14034,7 +13876,7 @@
               </p:nvSpPr>
               <p:spPr>
                 <a:xfrm>
-                  <a:off x="3082542" y="2525403"/>
+                  <a:off x="3114169" y="373300"/>
                   <a:ext cx="465447" cy="369332"/>
                 </a:xfrm>
                 <a:prstGeom prst="rect">
@@ -14062,8 +13904,8 @@
             </p:sp>
           </mc:Fallback>
         </mc:AlternateContent>
-        <mc:AlternateContent xmlns:mc="http://schemas.openxmlformats.org/markup-compatibility/2006" xmlns:a14="http://schemas.microsoft.com/office/drawing/2010/main">
-          <mc:Choice Requires="a14">
+        <mc:AlternateContent xmlns:mc="http://schemas.openxmlformats.org/markup-compatibility/2006">
+          <mc:Choice xmlns:a14="http://schemas.microsoft.com/office/drawing/2010/main" Requires="a14">
             <p:sp>
               <p:nvSpPr>
                 <p:cNvPr id="92" name="TextBox 91">
@@ -14078,7 +13920,7 @@
               </p:nvSpPr>
               <p:spPr>
                 <a:xfrm>
-                  <a:off x="3082542" y="1847091"/>
+                  <a:off x="3114169" y="-305012"/>
                   <a:ext cx="465447" cy="369332"/>
                 </a:xfrm>
                 <a:prstGeom prst="rect">
@@ -14132,7 +13974,7 @@
               </p:txBody>
             </p:sp>
           </mc:Choice>
-          <mc:Fallback xmlns="">
+          <mc:Fallback>
             <p:sp>
               <p:nvSpPr>
                 <p:cNvPr id="92" name="TextBox 91">
@@ -14149,7 +13991,7 @@
               </p:nvSpPr>
               <p:spPr>
                 <a:xfrm>
-                  <a:off x="3082542" y="1847091"/>
+                  <a:off x="3114169" y="-305012"/>
                   <a:ext cx="465447" cy="369332"/>
                 </a:xfrm>
                 <a:prstGeom prst="rect">
@@ -14158,7 +14000,7 @@
                 <a:blipFill>
                   <a:blip r:embed="rId3"/>
                   <a:stretch>
-                    <a:fillRect b="-4918"/>
+                    <a:fillRect b="-6667"/>
                   </a:stretch>
                 </a:blipFill>
               </p:spPr>
@@ -14177,8 +14019,8 @@
             </p:sp>
           </mc:Fallback>
         </mc:AlternateContent>
-        <mc:AlternateContent xmlns:mc="http://schemas.openxmlformats.org/markup-compatibility/2006" xmlns:a14="http://schemas.microsoft.com/office/drawing/2010/main">
-          <mc:Choice Requires="a14">
+        <mc:AlternateContent xmlns:mc="http://schemas.openxmlformats.org/markup-compatibility/2006">
+          <mc:Choice xmlns:a14="http://schemas.microsoft.com/office/drawing/2010/main" Requires="a14">
             <p:sp>
               <p:nvSpPr>
                 <p:cNvPr id="94" name="TextBox 93">
@@ -14193,7 +14035,7 @@
               </p:nvSpPr>
               <p:spPr>
                 <a:xfrm>
-                  <a:off x="3080682" y="1182565"/>
+                  <a:off x="3112309" y="-969538"/>
                   <a:ext cx="465447" cy="369332"/>
                 </a:xfrm>
                 <a:prstGeom prst="rect">
@@ -14247,7 +14089,7 @@
               </p:txBody>
             </p:sp>
           </mc:Choice>
-          <mc:Fallback xmlns="">
+          <mc:Fallback>
             <p:sp>
               <p:nvSpPr>
                 <p:cNvPr id="94" name="TextBox 93">
@@ -14264,7 +14106,7 @@
               </p:nvSpPr>
               <p:spPr>
                 <a:xfrm>
-                  <a:off x="3080682" y="1182565"/>
+                  <a:off x="3112309" y="-969538"/>
                   <a:ext cx="465447" cy="369332"/>
                 </a:xfrm>
                 <a:prstGeom prst="rect">
@@ -14273,7 +14115,7 @@
                 <a:blipFill>
                   <a:blip r:embed="rId4"/>
                   <a:stretch>
-                    <a:fillRect b="-4918"/>
+                    <a:fillRect b="-6667"/>
                   </a:stretch>
                 </a:blipFill>
               </p:spPr>
@@ -14306,7 +14148,7 @@
           </p:nvGrpSpPr>
           <p:grpSpPr>
             <a:xfrm>
-              <a:off x="3557794" y="1367231"/>
+              <a:off x="3589421" y="-784872"/>
               <a:ext cx="6454885" cy="1342838"/>
               <a:chOff x="3753948" y="1031665"/>
               <a:chExt cx="3082898" cy="1342838"/>
@@ -14448,8 +14290,8 @@
             </p:style>
           </p:cxnSp>
         </p:grpSp>
-        <mc:AlternateContent xmlns:mc="http://schemas.openxmlformats.org/markup-compatibility/2006" xmlns:a14="http://schemas.microsoft.com/office/drawing/2010/main">
-          <mc:Choice Requires="a14">
+        <mc:AlternateContent xmlns:mc="http://schemas.openxmlformats.org/markup-compatibility/2006">
+          <mc:Choice xmlns:a14="http://schemas.microsoft.com/office/drawing/2010/main" Requires="a14">
             <p:sp>
               <p:nvSpPr>
                 <p:cNvPr id="100" name="Rectangle 99">
@@ -14464,7 +14306,7 @@
               </p:nvSpPr>
               <p:spPr>
                 <a:xfrm>
-                  <a:off x="5057750" y="1818668"/>
+                  <a:off x="5089377" y="-333435"/>
                   <a:ext cx="454483" cy="430924"/>
                 </a:xfrm>
                 <a:prstGeom prst="rect">
@@ -14536,7 +14378,7 @@
               </p:txBody>
             </p:sp>
           </mc:Choice>
-          <mc:Fallback xmlns="">
+          <mc:Fallback>
             <p:sp>
               <p:nvSpPr>
                 <p:cNvPr id="100" name="Rectangle 99">
@@ -14553,7 +14395,7 @@
               </p:nvSpPr>
               <p:spPr>
                 <a:xfrm>
-                  <a:off x="5057750" y="1818668"/>
+                  <a:off x="5089377" y="-333435"/>
                   <a:ext cx="454483" cy="430924"/>
                 </a:xfrm>
                 <a:prstGeom prst="rect">
@@ -14600,7 +14442,7 @@
           </p:nvGrpSpPr>
           <p:grpSpPr>
             <a:xfrm>
-              <a:off x="8953413" y="1888248"/>
+              <a:off x="8985040" y="-263855"/>
               <a:ext cx="288705" cy="880346"/>
               <a:chOff x="7216975" y="4763508"/>
               <a:chExt cx="288705" cy="880346"/>
@@ -14774,7 +14616,7 @@
           </p:nvGrpSpPr>
           <p:grpSpPr>
             <a:xfrm rot="10800000">
-              <a:off x="4424249" y="1315762"/>
+              <a:off x="4455876" y="-836341"/>
               <a:ext cx="288705" cy="863843"/>
               <a:chOff x="6355062" y="1586455"/>
               <a:chExt cx="288705" cy="863843"/>
@@ -14934,8 +14776,8 @@
             </p:style>
           </p:cxnSp>
         </p:grpSp>
-        <mc:AlternateContent xmlns:mc="http://schemas.openxmlformats.org/markup-compatibility/2006" xmlns:a14="http://schemas.microsoft.com/office/drawing/2010/main">
-          <mc:Choice Requires="a14">
+        <mc:AlternateContent xmlns:mc="http://schemas.openxmlformats.org/markup-compatibility/2006">
+          <mc:Choice xmlns:a14="http://schemas.microsoft.com/office/drawing/2010/main" Requires="a14">
             <p:sp>
               <p:nvSpPr>
                 <p:cNvPr id="109" name="Rectangle 108">
@@ -14950,7 +14792,7 @@
               </p:nvSpPr>
               <p:spPr>
                 <a:xfrm>
-                  <a:off x="5797205" y="1811048"/>
+                  <a:off x="5828832" y="-341055"/>
                   <a:ext cx="454483" cy="430924"/>
                 </a:xfrm>
                 <a:prstGeom prst="rect">
@@ -15022,7 +14864,7 @@
               </p:txBody>
             </p:sp>
           </mc:Choice>
-          <mc:Fallback xmlns="">
+          <mc:Fallback>
             <p:sp>
               <p:nvSpPr>
                 <p:cNvPr id="109" name="Rectangle 108">
@@ -15039,7 +14881,7 @@
               </p:nvSpPr>
               <p:spPr>
                 <a:xfrm>
-                  <a:off x="5797205" y="1811048"/>
+                  <a:off x="5828832" y="-341055"/>
                   <a:ext cx="454483" cy="430924"/>
                 </a:xfrm>
                 <a:prstGeom prst="rect">
@@ -15086,7 +14928,7 @@
           </p:nvGrpSpPr>
           <p:grpSpPr>
             <a:xfrm rot="10800000">
-              <a:off x="8330952" y="1315762"/>
+              <a:off x="8362579" y="-836341"/>
               <a:ext cx="288705" cy="1538946"/>
               <a:chOff x="7216975" y="4077708"/>
               <a:chExt cx="288705" cy="1566146"/>
@@ -15246,8 +15088,8 @@
             </p:style>
           </p:cxnSp>
         </p:grpSp>
-        <mc:AlternateContent xmlns:mc="http://schemas.openxmlformats.org/markup-compatibility/2006" xmlns:a14="http://schemas.microsoft.com/office/drawing/2010/main">
-          <mc:Choice Requires="a14">
+        <mc:AlternateContent xmlns:mc="http://schemas.openxmlformats.org/markup-compatibility/2006">
+          <mc:Choice xmlns:a14="http://schemas.microsoft.com/office/drawing/2010/main" Requires="a14">
             <p:sp>
               <p:nvSpPr>
                 <p:cNvPr id="114" name="Rectangle 113">
@@ -15262,7 +15104,7 @@
               </p:nvSpPr>
               <p:spPr>
                 <a:xfrm>
-                  <a:off x="8870523" y="1154626"/>
+                  <a:off x="8902150" y="-997477"/>
                   <a:ext cx="454483" cy="430924"/>
                 </a:xfrm>
                 <a:prstGeom prst="rect">
@@ -15351,7 +15193,7 @@
               </p:txBody>
             </p:sp>
           </mc:Choice>
-          <mc:Fallback xmlns="">
+          <mc:Fallback>
             <p:sp>
               <p:nvSpPr>
                 <p:cNvPr id="114" name="Rectangle 113">
@@ -15368,7 +15210,7 @@
               </p:nvSpPr>
               <p:spPr>
                 <a:xfrm>
-                  <a:off x="8870523" y="1154626"/>
+                  <a:off x="8902150" y="-997477"/>
                   <a:ext cx="454483" cy="430924"/>
                 </a:xfrm>
                 <a:prstGeom prst="rect">
@@ -15415,7 +15257,7 @@
           </p:nvGrpSpPr>
           <p:grpSpPr>
             <a:xfrm rot="10800000">
-              <a:off x="6585888" y="1317478"/>
+              <a:off x="6617515" y="-834625"/>
               <a:ext cx="288705" cy="856223"/>
               <a:chOff x="6355062" y="1594075"/>
               <a:chExt cx="288705" cy="856223"/>
@@ -15575,8 +15417,8 @@
             </p:style>
           </p:cxnSp>
         </p:grpSp>
-        <mc:AlternateContent xmlns:mc="http://schemas.openxmlformats.org/markup-compatibility/2006" xmlns:a14="http://schemas.microsoft.com/office/drawing/2010/main">
-          <mc:Choice Requires="a14">
+        <mc:AlternateContent xmlns:mc="http://schemas.openxmlformats.org/markup-compatibility/2006">
+          <mc:Choice xmlns:a14="http://schemas.microsoft.com/office/drawing/2010/main" Requires="a14">
             <p:sp>
               <p:nvSpPr>
                 <p:cNvPr id="119" name="Rectangle 118">
@@ -15591,7 +15433,7 @@
               </p:nvSpPr>
               <p:spPr>
                 <a:xfrm>
-                  <a:off x="7616440" y="2486855"/>
+                  <a:off x="7648067" y="334752"/>
                   <a:ext cx="454483" cy="430924"/>
                 </a:xfrm>
                 <a:prstGeom prst="rect">
@@ -15663,7 +15505,7 @@
               </p:txBody>
             </p:sp>
           </mc:Choice>
-          <mc:Fallback xmlns="">
+          <mc:Fallback>
             <p:sp>
               <p:nvSpPr>
                 <p:cNvPr id="119" name="Rectangle 118">
@@ -15680,7 +15522,7 @@
               </p:nvSpPr>
               <p:spPr>
                 <a:xfrm>
-                  <a:off x="7616440" y="2486855"/>
+                  <a:off x="7648067" y="334752"/>
                   <a:ext cx="454483" cy="430924"/>
                 </a:xfrm>
                 <a:prstGeom prst="rect">
@@ -15727,7 +15569,7 @@
           </p:nvGrpSpPr>
           <p:grpSpPr>
             <a:xfrm rot="10800000">
-              <a:off x="7142195" y="1974183"/>
+              <a:off x="7173822" y="-177920"/>
               <a:ext cx="288705" cy="876740"/>
               <a:chOff x="6355062" y="908275"/>
               <a:chExt cx="288705" cy="876740"/>
@@ -15900,8 +15742,8 @@
             <p:nvPr/>
           </p:nvSpPr>
           <p:spPr>
-            <a:xfrm rot="10800000">
-              <a:off x="2424486" y="1773107"/>
+            <a:xfrm rot="5400000">
+              <a:off x="5122073" y="703601"/>
               <a:ext cx="506055" cy="502322"/>
             </a:xfrm>
             <a:prstGeom prst="rightArrow">
@@ -15958,8 +15800,8 @@
             </a:p>
           </p:txBody>
         </p:sp>
-        <mc:AlternateContent xmlns:mc="http://schemas.openxmlformats.org/markup-compatibility/2006" xmlns:a14="http://schemas.microsoft.com/office/drawing/2010/main">
-          <mc:Choice Requires="a14">
+        <mc:AlternateContent xmlns:mc="http://schemas.openxmlformats.org/markup-compatibility/2006">
+          <mc:Choice xmlns:a14="http://schemas.microsoft.com/office/drawing/2010/main" Requires="a14">
             <p:sp>
               <p:nvSpPr>
                 <p:cNvPr id="125" name="Rectangle 124">
@@ -15974,7 +15816,7 @@
               </p:nvSpPr>
               <p:spPr>
                 <a:xfrm>
-                  <a:off x="3761623" y="1146740"/>
+                  <a:off x="3793250" y="-1005363"/>
                   <a:ext cx="454483" cy="430924"/>
                 </a:xfrm>
                 <a:prstGeom prst="rect">
@@ -16046,7 +15888,7 @@
               </p:txBody>
             </p:sp>
           </mc:Choice>
-          <mc:Fallback xmlns="">
+          <mc:Fallback>
             <p:sp>
               <p:nvSpPr>
                 <p:cNvPr id="125" name="Rectangle 124">
@@ -16063,7 +15905,7 @@
               </p:nvSpPr>
               <p:spPr>
                 <a:xfrm>
-                  <a:off x="3761623" y="1146740"/>
+                  <a:off x="3793250" y="-1005363"/>
                   <a:ext cx="454483" cy="430924"/>
                 </a:xfrm>
                 <a:prstGeom prst="rect">
@@ -16096,33 +15938,12 @@
             </p:sp>
           </mc:Fallback>
         </mc:AlternateContent>
-      </p:grpSp>
-      <p:grpSp>
-        <p:nvGrpSpPr>
-          <p:cNvPr id="10" name="Group 9">
-            <a:extLst>
-              <a:ext uri="{FF2B5EF4-FFF2-40B4-BE49-F238E27FC236}">
-                <a16:creationId xmlns:a16="http://schemas.microsoft.com/office/drawing/2014/main" id="{F1E9F1CF-710C-FD9D-B49C-9EDE0EE008A7}"/>
-              </a:ext>
-            </a:extLst>
-          </p:cNvPr>
-          <p:cNvGrpSpPr/>
-          <p:nvPr/>
-        </p:nvGrpSpPr>
-        <p:grpSpPr>
-          <a:xfrm>
-            <a:off x="2457591" y="3922779"/>
-            <a:ext cx="7588193" cy="1990341"/>
-            <a:chOff x="2457591" y="3922779"/>
-            <a:chExt cx="7588193" cy="1990341"/>
-          </a:xfrm>
-        </p:grpSpPr>
         <p:sp>
           <p:nvSpPr>
-            <p:cNvPr id="9" name="Freeform: Shape 8">
+            <p:cNvPr id="180" name="Right Arrow 47">
               <a:extLst>
                 <a:ext uri="{FF2B5EF4-FFF2-40B4-BE49-F238E27FC236}">
-                  <a16:creationId xmlns:a16="http://schemas.microsoft.com/office/drawing/2014/main" id="{9405F58B-42D6-1AB2-C58C-F50F7F79491E}"/>
+                  <a16:creationId xmlns:a16="http://schemas.microsoft.com/office/drawing/2014/main" id="{70249344-CF3D-4F95-C8B3-B7BE5AA29481}"/>
                 </a:ext>
               </a:extLst>
             </p:cNvPr>
@@ -16130,238 +15951,72 @@
             <p:nvPr/>
           </p:nvSpPr>
           <p:spPr>
-            <a:xfrm>
-              <a:off x="3676650" y="4065270"/>
-              <a:ext cx="5181600" cy="1847850"/>
+            <a:xfrm rot="5400000">
+              <a:off x="7860708" y="3414535"/>
+              <a:ext cx="506055" cy="502322"/>
             </a:xfrm>
-            <a:custGeom>
-              <a:avLst/>
-              <a:gdLst>
-                <a:gd name="connsiteX0" fmla="*/ 3810 w 5181600"/>
-                <a:gd name="connsiteY0" fmla="*/ 91440 h 1847850"/>
-                <a:gd name="connsiteX1" fmla="*/ 3810 w 5181600"/>
-                <a:gd name="connsiteY1" fmla="*/ 1127760 h 1847850"/>
-                <a:gd name="connsiteX2" fmla="*/ 541020 w 5181600"/>
-                <a:gd name="connsiteY2" fmla="*/ 1127760 h 1847850"/>
-                <a:gd name="connsiteX3" fmla="*/ 544830 w 5181600"/>
-                <a:gd name="connsiteY3" fmla="*/ 487680 h 1847850"/>
-                <a:gd name="connsiteX4" fmla="*/ 2110740 w 5181600"/>
-                <a:gd name="connsiteY4" fmla="*/ 487680 h 1847850"/>
-                <a:gd name="connsiteX5" fmla="*/ 2118360 w 5181600"/>
-                <a:gd name="connsiteY5" fmla="*/ 1123950 h 1847850"/>
-                <a:gd name="connsiteX6" fmla="*/ 2750820 w 5181600"/>
-                <a:gd name="connsiteY6" fmla="*/ 1123950 h 1847850"/>
-                <a:gd name="connsiteX7" fmla="*/ 2747010 w 5181600"/>
-                <a:gd name="connsiteY7" fmla="*/ 483870 h 1847850"/>
-                <a:gd name="connsiteX8" fmla="*/ 3878580 w 5181600"/>
-                <a:gd name="connsiteY8" fmla="*/ 480060 h 1847850"/>
-                <a:gd name="connsiteX9" fmla="*/ 3901440 w 5181600"/>
-                <a:gd name="connsiteY9" fmla="*/ 1847850 h 1847850"/>
-                <a:gd name="connsiteX10" fmla="*/ 5181600 w 5181600"/>
-                <a:gd name="connsiteY10" fmla="*/ 1844040 h 1847850"/>
-                <a:gd name="connsiteX11" fmla="*/ 5162550 w 5181600"/>
-                <a:gd name="connsiteY11" fmla="*/ 0 h 1847850"/>
-                <a:gd name="connsiteX12" fmla="*/ 0 w 5181600"/>
-                <a:gd name="connsiteY12" fmla="*/ 7620 h 1847850"/>
-                <a:gd name="connsiteX13" fmla="*/ 3810 w 5181600"/>
-                <a:gd name="connsiteY13" fmla="*/ 91440 h 1847850"/>
-              </a:gdLst>
-              <a:ahLst/>
-              <a:cxnLst>
-                <a:cxn ang="0">
-                  <a:pos x="connsiteX0" y="connsiteY0"/>
-                </a:cxn>
-                <a:cxn ang="0">
-                  <a:pos x="connsiteX1" y="connsiteY1"/>
-                </a:cxn>
-                <a:cxn ang="0">
-                  <a:pos x="connsiteX2" y="connsiteY2"/>
-                </a:cxn>
-                <a:cxn ang="0">
-                  <a:pos x="connsiteX3" y="connsiteY3"/>
-                </a:cxn>
-                <a:cxn ang="0">
-                  <a:pos x="connsiteX4" y="connsiteY4"/>
-                </a:cxn>
-                <a:cxn ang="0">
-                  <a:pos x="connsiteX5" y="connsiteY5"/>
-                </a:cxn>
-                <a:cxn ang="0">
-                  <a:pos x="connsiteX6" y="connsiteY6"/>
-                </a:cxn>
-                <a:cxn ang="0">
-                  <a:pos x="connsiteX7" y="connsiteY7"/>
-                </a:cxn>
-                <a:cxn ang="0">
-                  <a:pos x="connsiteX8" y="connsiteY8"/>
-                </a:cxn>
-                <a:cxn ang="0">
-                  <a:pos x="connsiteX9" y="connsiteY9"/>
-                </a:cxn>
-                <a:cxn ang="0">
-                  <a:pos x="connsiteX10" y="connsiteY10"/>
-                </a:cxn>
-                <a:cxn ang="0">
-                  <a:pos x="connsiteX11" y="connsiteY11"/>
-                </a:cxn>
-                <a:cxn ang="0">
-                  <a:pos x="connsiteX12" y="connsiteY12"/>
-                </a:cxn>
-                <a:cxn ang="0">
-                  <a:pos x="connsiteX13" y="connsiteY13"/>
-                </a:cxn>
-              </a:cxnLst>
-              <a:rect l="l" t="t" r="r" b="b"/>
-              <a:pathLst>
-                <a:path w="5181600" h="1847850">
-                  <a:moveTo>
-                    <a:pt x="3810" y="91440"/>
-                  </a:moveTo>
-                  <a:lnTo>
-                    <a:pt x="3810" y="1127760"/>
-                  </a:lnTo>
-                  <a:lnTo>
-                    <a:pt x="541020" y="1127760"/>
-                  </a:lnTo>
-                  <a:lnTo>
-                    <a:pt x="544830" y="487680"/>
-                  </a:lnTo>
-                  <a:lnTo>
-                    <a:pt x="2110740" y="487680"/>
-                  </a:lnTo>
-                  <a:lnTo>
-                    <a:pt x="2118360" y="1123950"/>
-                  </a:lnTo>
-                  <a:lnTo>
-                    <a:pt x="2750820" y="1123950"/>
-                  </a:lnTo>
-                  <a:lnTo>
-                    <a:pt x="2747010" y="483870"/>
-                  </a:lnTo>
-                  <a:lnTo>
-                    <a:pt x="3878580" y="480060"/>
-                  </a:lnTo>
-                  <a:lnTo>
-                    <a:pt x="3901440" y="1847850"/>
-                  </a:lnTo>
-                  <a:lnTo>
-                    <a:pt x="5181600" y="1844040"/>
-                  </a:lnTo>
-                  <a:lnTo>
-                    <a:pt x="5162550" y="0"/>
-                  </a:lnTo>
-                  <a:lnTo>
-                    <a:pt x="0" y="7620"/>
-                  </a:lnTo>
-                  <a:lnTo>
-                    <a:pt x="3810" y="91440"/>
-                  </a:lnTo>
-                  <a:close/>
-                </a:path>
-              </a:pathLst>
-            </a:custGeom>
-            <a:solidFill>
-              <a:srgbClr val="DEEBF7">
-                <a:alpha val="50196"/>
-              </a:srgbClr>
-            </a:solidFill>
-            <a:ln w="28575">
-              <a:solidFill>
-                <a:schemeClr val="accent5"/>
-              </a:solidFill>
-            </a:ln>
-          </p:spPr>
-          <p:style>
-            <a:lnRef idx="2">
-              <a:schemeClr val="accent1">
-                <a:shade val="50000"/>
-              </a:schemeClr>
-            </a:lnRef>
-            <a:fillRef idx="1">
-              <a:schemeClr val="accent1"/>
-            </a:fillRef>
-            <a:effectRef idx="0">
-              <a:schemeClr val="accent1"/>
-            </a:effectRef>
-            <a:fontRef idx="minor">
-              <a:schemeClr val="lt1"/>
-            </a:fontRef>
-          </p:style>
-          <p:txBody>
-            <a:bodyPr rtlCol="0" anchor="ctr"/>
-            <a:lstStyle/>
-            <a:p>
-              <a:pPr algn="ctr"/>
-              <a:endParaRPr lang="zh-CN" altLang="en-US"/>
-            </a:p>
-          </p:txBody>
-        </p:sp>
-        <p:sp>
-          <p:nvSpPr>
-            <p:cNvPr id="200" name="Rectangle 199">
-              <a:extLst>
-                <a:ext uri="{FF2B5EF4-FFF2-40B4-BE49-F238E27FC236}">
-                  <a16:creationId xmlns:a16="http://schemas.microsoft.com/office/drawing/2014/main" id="{BFF3F9FF-BF0C-2B51-893E-491EA69CC8F1}"/>
-                </a:ext>
-              </a:extLst>
-            </p:cNvPr>
-            <p:cNvSpPr/>
-            <p:nvPr/>
-          </p:nvSpPr>
-          <p:spPr>
-            <a:xfrm>
-              <a:off x="8022648" y="3922779"/>
-              <a:ext cx="1640153" cy="741790"/>
-            </a:xfrm>
-            <a:prstGeom prst="rect">
+            <a:prstGeom prst="rightArrow">
               <a:avLst/>
             </a:prstGeom>
             <a:solidFill>
               <a:schemeClr val="accent4">
                 <a:lumMod val="20000"/>
                 <a:lumOff val="80000"/>
-                <a:alpha val="50000"/>
               </a:schemeClr>
             </a:solidFill>
-            <a:ln w="28575">
+            <a:ln w="28575" cap="flat" cmpd="sng" algn="ctr">
               <a:solidFill>
                 <a:schemeClr val="accent4"/>
               </a:solidFill>
+              <a:prstDash val="solid"/>
             </a:ln>
+            <a:effectLst/>
           </p:spPr>
-          <p:style>
-            <a:lnRef idx="2">
-              <a:schemeClr val="accent1">
-                <a:shade val="50000"/>
-              </a:schemeClr>
-            </a:lnRef>
-            <a:fillRef idx="1">
-              <a:schemeClr val="accent1"/>
-            </a:fillRef>
-            <a:effectRef idx="0">
-              <a:schemeClr val="accent1"/>
-            </a:effectRef>
-            <a:fontRef idx="minor">
-              <a:schemeClr val="lt1"/>
-            </a:fontRef>
-          </p:style>
           <p:txBody>
             <a:bodyPr rtlCol="0" anchor="ctr"/>
             <a:lstStyle/>
             <a:p>
-              <a:pPr algn="ctr"/>
-              <a:endParaRPr lang="en-US"/>
+              <a:pPr marL="0" marR="0" lvl="0" indent="0" algn="ctr" defTabSz="457200" eaLnBrk="1" fontAlgn="auto" latinLnBrk="0" hangingPunct="1">
+                <a:lnSpc>
+                  <a:spcPct val="100000"/>
+                </a:lnSpc>
+                <a:spcBef>
+                  <a:spcPts val="0"/>
+                </a:spcBef>
+                <a:spcAft>
+                  <a:spcPts val="0"/>
+                </a:spcAft>
+                <a:buClrTx/>
+                <a:buSzTx/>
+                <a:buFontTx/>
+                <a:buNone/>
+                <a:tabLst/>
+                <a:defRPr/>
+              </a:pPr>
+              <a:endParaRPr kumimoji="0" lang="en-US" sz="1800" b="0" i="0" u="none" strike="noStrike" kern="0" cap="none" spc="0" normalizeH="0" baseline="0" noProof="0" dirty="0">
+                <a:ln>
+                  <a:noFill/>
+                </a:ln>
+                <a:solidFill>
+                  <a:srgbClr val="FFFFFF"/>
+                </a:solidFill>
+                <a:effectLst/>
+                <a:uLnTx/>
+                <a:uFillTx/>
+                <a:ea typeface="+mn-ea"/>
+                <a:cs typeface="+mn-cs"/>
+              </a:endParaRPr>
             </a:p>
           </p:txBody>
         </p:sp>
-        <mc:AlternateContent xmlns:mc="http://schemas.openxmlformats.org/markup-compatibility/2006" xmlns:a14="http://schemas.microsoft.com/office/drawing/2010/main">
-          <mc:Choice Requires="a14">
+        <mc:AlternateContent xmlns:mc="http://schemas.openxmlformats.org/markup-compatibility/2006">
+          <mc:Choice xmlns:a14="http://schemas.microsoft.com/office/drawing/2010/main" Requires="a14">
             <p:sp>
               <p:nvSpPr>
-                <p:cNvPr id="167" name="TextBox 166">
+                <p:cNvPr id="7" name="TextBox 6">
                   <a:extLst>
                     <a:ext uri="{FF2B5EF4-FFF2-40B4-BE49-F238E27FC236}">
-                      <a16:creationId xmlns:a16="http://schemas.microsoft.com/office/drawing/2014/main" id="{52661503-36EF-6807-7A6A-67DA23AE1DEB}"/>
+                      <a16:creationId xmlns:a16="http://schemas.microsoft.com/office/drawing/2014/main" id="{AAF278FA-F84F-7CE3-F309-F59F4421C5B6}"/>
                     </a:ext>
                   </a:extLst>
                 </p:cNvPr>
@@ -16370,7 +16025,7 @@
               </p:nvSpPr>
               <p:spPr>
                 <a:xfrm>
-                  <a:off x="3115647" y="5487909"/>
+                  <a:off x="3114908" y="2881782"/>
                   <a:ext cx="465447" cy="369332"/>
                 </a:xfrm>
                 <a:prstGeom prst="rect">
@@ -16424,13 +16079,13 @@
               </p:txBody>
             </p:sp>
           </mc:Choice>
-          <mc:Fallback xmlns="">
+          <mc:Fallback>
             <p:sp>
               <p:nvSpPr>
-                <p:cNvPr id="167" name="TextBox 166">
+                <p:cNvPr id="7" name="TextBox 6">
                   <a:extLst>
                     <a:ext uri="{FF2B5EF4-FFF2-40B4-BE49-F238E27FC236}">
-                      <a16:creationId xmlns:a16="http://schemas.microsoft.com/office/drawing/2014/main" id="{52661503-36EF-6807-7A6A-67DA23AE1DEB}"/>
+                      <a16:creationId xmlns:a16="http://schemas.microsoft.com/office/drawing/2014/main" id="{AAF278FA-F84F-7CE3-F309-F59F4421C5B6}"/>
                     </a:ext>
                   </a:extLst>
                 </p:cNvPr>
@@ -16441,7 +16096,7 @@
               </p:nvSpPr>
               <p:spPr>
                 <a:xfrm>
-                  <a:off x="3115647" y="5487909"/>
+                  <a:off x="3114908" y="2881782"/>
                   <a:ext cx="465447" cy="369332"/>
                 </a:xfrm>
                 <a:prstGeom prst="rect">
@@ -16450,7 +16105,7 @@
                 <a:blipFill>
                   <a:blip r:embed="rId10"/>
                   <a:stretch>
-                    <a:fillRect b="-6557"/>
+                    <a:fillRect b="-6667"/>
                   </a:stretch>
                 </a:blipFill>
               </p:spPr>
@@ -16469,14 +16124,14 @@
             </p:sp>
           </mc:Fallback>
         </mc:AlternateContent>
-        <mc:AlternateContent xmlns:mc="http://schemas.openxmlformats.org/markup-compatibility/2006" xmlns:a14="http://schemas.microsoft.com/office/drawing/2010/main">
-          <mc:Choice Requires="a14">
+        <mc:AlternateContent xmlns:mc="http://schemas.openxmlformats.org/markup-compatibility/2006">
+          <mc:Choice xmlns:a14="http://schemas.microsoft.com/office/drawing/2010/main" Requires="a14">
             <p:sp>
               <p:nvSpPr>
-                <p:cNvPr id="168" name="TextBox 167">
+                <p:cNvPr id="8" name="TextBox 7">
                   <a:extLst>
                     <a:ext uri="{FF2B5EF4-FFF2-40B4-BE49-F238E27FC236}">
-                      <a16:creationId xmlns:a16="http://schemas.microsoft.com/office/drawing/2014/main" id="{1D58692F-4E3B-5C09-EC77-0B2CCCE8C415}"/>
+                      <a16:creationId xmlns:a16="http://schemas.microsoft.com/office/drawing/2014/main" id="{BB8FB5A6-D301-43F2-1151-5AB89B16C930}"/>
                     </a:ext>
                   </a:extLst>
                 </p:cNvPr>
@@ -16485,7 +16140,7 @@
               </p:nvSpPr>
               <p:spPr>
                 <a:xfrm>
-                  <a:off x="3115647" y="4809597"/>
+                  <a:off x="3114908" y="2203470"/>
                   <a:ext cx="465447" cy="369332"/>
                 </a:xfrm>
                 <a:prstGeom prst="rect">
@@ -16539,13 +16194,13 @@
               </p:txBody>
             </p:sp>
           </mc:Choice>
-          <mc:Fallback xmlns="">
+          <mc:Fallback>
             <p:sp>
               <p:nvSpPr>
-                <p:cNvPr id="168" name="TextBox 167">
+                <p:cNvPr id="8" name="TextBox 7">
                   <a:extLst>
                     <a:ext uri="{FF2B5EF4-FFF2-40B4-BE49-F238E27FC236}">
-                      <a16:creationId xmlns:a16="http://schemas.microsoft.com/office/drawing/2014/main" id="{1D58692F-4E3B-5C09-EC77-0B2CCCE8C415}"/>
+                      <a16:creationId xmlns:a16="http://schemas.microsoft.com/office/drawing/2014/main" id="{BB8FB5A6-D301-43F2-1151-5AB89B16C930}"/>
                     </a:ext>
                   </a:extLst>
                 </p:cNvPr>
@@ -16556,7 +16211,7 @@
               </p:nvSpPr>
               <p:spPr>
                 <a:xfrm>
-                  <a:off x="3115647" y="4809597"/>
+                  <a:off x="3114908" y="2203470"/>
                   <a:ext cx="465447" cy="369332"/>
                 </a:xfrm>
                 <a:prstGeom prst="rect">
@@ -16565,7 +16220,7 @@
                 <a:blipFill>
                   <a:blip r:embed="rId11"/>
                   <a:stretch>
-                    <a:fillRect b="-4918"/>
+                    <a:fillRect b="-6557"/>
                   </a:stretch>
                 </a:blipFill>
               </p:spPr>
@@ -16584,14 +16239,14 @@
             </p:sp>
           </mc:Fallback>
         </mc:AlternateContent>
-        <mc:AlternateContent xmlns:mc="http://schemas.openxmlformats.org/markup-compatibility/2006" xmlns:a14="http://schemas.microsoft.com/office/drawing/2010/main">
-          <mc:Choice Requires="a14">
+        <mc:AlternateContent xmlns:mc="http://schemas.openxmlformats.org/markup-compatibility/2006">
+          <mc:Choice xmlns:a14="http://schemas.microsoft.com/office/drawing/2010/main" Requires="a14">
             <p:sp>
               <p:nvSpPr>
-                <p:cNvPr id="169" name="TextBox 168">
+                <p:cNvPr id="11" name="TextBox 10">
                   <a:extLst>
                     <a:ext uri="{FF2B5EF4-FFF2-40B4-BE49-F238E27FC236}">
-                      <a16:creationId xmlns:a16="http://schemas.microsoft.com/office/drawing/2014/main" id="{CD2BD60B-36DB-5DCE-AF64-EB8FF024D5FF}"/>
+                      <a16:creationId xmlns:a16="http://schemas.microsoft.com/office/drawing/2014/main" id="{146EAEFC-1C24-77CF-A3EB-3B0F504A1587}"/>
                     </a:ext>
                   </a:extLst>
                 </p:cNvPr>
@@ -16600,7 +16255,7 @@
               </p:nvSpPr>
               <p:spPr>
                 <a:xfrm>
-                  <a:off x="3113787" y="4145071"/>
+                  <a:off x="3113048" y="1538944"/>
                   <a:ext cx="465447" cy="369332"/>
                 </a:xfrm>
                 <a:prstGeom prst="rect">
@@ -16654,13 +16309,13 @@
               </p:txBody>
             </p:sp>
           </mc:Choice>
-          <mc:Fallback xmlns="">
+          <mc:Fallback>
             <p:sp>
               <p:nvSpPr>
-                <p:cNvPr id="169" name="TextBox 168">
+                <p:cNvPr id="11" name="TextBox 10">
                   <a:extLst>
                     <a:ext uri="{FF2B5EF4-FFF2-40B4-BE49-F238E27FC236}">
-                      <a16:creationId xmlns:a16="http://schemas.microsoft.com/office/drawing/2014/main" id="{CD2BD60B-36DB-5DCE-AF64-EB8FF024D5FF}"/>
+                      <a16:creationId xmlns:a16="http://schemas.microsoft.com/office/drawing/2014/main" id="{146EAEFC-1C24-77CF-A3EB-3B0F504A1587}"/>
                     </a:ext>
                   </a:extLst>
                 </p:cNvPr>
@@ -16671,7 +16326,7 @@
               </p:nvSpPr>
               <p:spPr>
                 <a:xfrm>
-                  <a:off x="3113787" y="4145071"/>
+                  <a:off x="3113048" y="1538944"/>
                   <a:ext cx="465447" cy="369332"/>
                 </a:xfrm>
                 <a:prstGeom prst="rect">
@@ -16680,7 +16335,7 @@
                 <a:blipFill>
                   <a:blip r:embed="rId12"/>
                   <a:stretch>
-                    <a:fillRect b="-4918"/>
+                    <a:fillRect b="-6557"/>
                   </a:stretch>
                 </a:blipFill>
               </p:spPr>
@@ -16701,10 +16356,10 @@
         </mc:AlternateContent>
         <p:grpSp>
           <p:nvGrpSpPr>
-            <p:cNvPr id="170" name="Group 169">
+            <p:cNvPr id="12" name="Group 11">
               <a:extLst>
                 <a:ext uri="{FF2B5EF4-FFF2-40B4-BE49-F238E27FC236}">
-                  <a16:creationId xmlns:a16="http://schemas.microsoft.com/office/drawing/2014/main" id="{A0304480-32F6-717A-9CB9-61A41C36B28D}"/>
+                  <a16:creationId xmlns:a16="http://schemas.microsoft.com/office/drawing/2014/main" id="{FD1D773B-5640-6FA6-3368-2D6A02163F2F}"/>
                 </a:ext>
               </a:extLst>
             </p:cNvPr>
@@ -16713,7 +16368,7 @@
           </p:nvGrpSpPr>
           <p:grpSpPr>
             <a:xfrm>
-              <a:off x="3590899" y="4329737"/>
+              <a:off x="3590160" y="1723610"/>
               <a:ext cx="6454885" cy="1342838"/>
               <a:chOff x="3753948" y="1031665"/>
               <a:chExt cx="3082898" cy="1342838"/>
@@ -16721,10 +16376,10 @@
           </p:grpSpPr>
           <p:cxnSp>
             <p:nvCxnSpPr>
-              <p:cNvPr id="197" name="Straight Connector 196">
+              <p:cNvPr id="71" name="Straight Connector 70">
                 <a:extLst>
                   <a:ext uri="{FF2B5EF4-FFF2-40B4-BE49-F238E27FC236}">
-                    <a16:creationId xmlns:a16="http://schemas.microsoft.com/office/drawing/2014/main" id="{035B26BB-7C10-D91A-B943-1D158F4318DC}"/>
+                    <a16:creationId xmlns:a16="http://schemas.microsoft.com/office/drawing/2014/main" id="{CC79D8E0-38E8-10EE-4AFD-416C4B9DE0D8}"/>
                   </a:ext>
                 </a:extLst>
               </p:cNvPr>
@@ -16766,10 +16421,10 @@
           </p:cxnSp>
           <p:cxnSp>
             <p:nvCxnSpPr>
-              <p:cNvPr id="198" name="Straight Connector 197">
+              <p:cNvPr id="72" name="Straight Connector 71">
                 <a:extLst>
                   <a:ext uri="{FF2B5EF4-FFF2-40B4-BE49-F238E27FC236}">
-                    <a16:creationId xmlns:a16="http://schemas.microsoft.com/office/drawing/2014/main" id="{16615FD2-4392-7C37-AC05-24B1354C96A3}"/>
+                    <a16:creationId xmlns:a16="http://schemas.microsoft.com/office/drawing/2014/main" id="{A9575525-AFEC-E9AE-656F-0D05B5FDD0F6}"/>
                   </a:ext>
                 </a:extLst>
               </p:cNvPr>
@@ -16811,10 +16466,10 @@
           </p:cxnSp>
           <p:cxnSp>
             <p:nvCxnSpPr>
-              <p:cNvPr id="199" name="Straight Connector 198">
+              <p:cNvPr id="73" name="Straight Connector 72">
                 <a:extLst>
                   <a:ext uri="{FF2B5EF4-FFF2-40B4-BE49-F238E27FC236}">
-                    <a16:creationId xmlns:a16="http://schemas.microsoft.com/office/drawing/2014/main" id="{2534C347-C173-CEA6-27F9-4B8C6793BD8C}"/>
+                    <a16:creationId xmlns:a16="http://schemas.microsoft.com/office/drawing/2014/main" id="{301DF38C-11FA-B05B-F429-90633A0F6B0D}"/>
                   </a:ext>
                 </a:extLst>
               </p:cNvPr>
@@ -16855,14 +16510,14 @@
             </p:style>
           </p:cxnSp>
         </p:grpSp>
-        <mc:AlternateContent xmlns:mc="http://schemas.openxmlformats.org/markup-compatibility/2006" xmlns:a14="http://schemas.microsoft.com/office/drawing/2010/main">
-          <mc:Choice Requires="a14">
+        <mc:AlternateContent xmlns:mc="http://schemas.openxmlformats.org/markup-compatibility/2006">
+          <mc:Choice xmlns:a14="http://schemas.microsoft.com/office/drawing/2010/main" Requires="a14">
             <p:sp>
               <p:nvSpPr>
-                <p:cNvPr id="171" name="Rectangle 170">
+                <p:cNvPr id="13" name="Rectangle 12">
                   <a:extLst>
                     <a:ext uri="{FF2B5EF4-FFF2-40B4-BE49-F238E27FC236}">
-                      <a16:creationId xmlns:a16="http://schemas.microsoft.com/office/drawing/2014/main" id="{3DFCB80A-2466-5F76-E2BE-578054924F03}"/>
+                      <a16:creationId xmlns:a16="http://schemas.microsoft.com/office/drawing/2014/main" id="{0D51A258-6027-2B22-9972-539603EE946B}"/>
                     </a:ext>
                   </a:extLst>
                 </p:cNvPr>
@@ -16871,7 +16526,7 @@
               </p:nvSpPr>
               <p:spPr>
                 <a:xfrm>
-                  <a:off x="4443155" y="4781174"/>
+                  <a:off x="4399932" y="2170699"/>
                   <a:ext cx="454483" cy="430924"/>
                 </a:xfrm>
                 <a:prstGeom prst="rect">
@@ -16943,13 +16598,13 @@
               </p:txBody>
             </p:sp>
           </mc:Choice>
-          <mc:Fallback xmlns="">
+          <mc:Fallback>
             <p:sp>
               <p:nvSpPr>
-                <p:cNvPr id="171" name="Rectangle 170">
+                <p:cNvPr id="13" name="Rectangle 12">
                   <a:extLst>
                     <a:ext uri="{FF2B5EF4-FFF2-40B4-BE49-F238E27FC236}">
-                      <a16:creationId xmlns:a16="http://schemas.microsoft.com/office/drawing/2014/main" id="{3DFCB80A-2466-5F76-E2BE-578054924F03}"/>
+                      <a16:creationId xmlns:a16="http://schemas.microsoft.com/office/drawing/2014/main" id="{0D51A258-6027-2B22-9972-539603EE946B}"/>
                     </a:ext>
                   </a:extLst>
                 </p:cNvPr>
@@ -16960,7 +16615,7 @@
               </p:nvSpPr>
               <p:spPr>
                 <a:xfrm>
-                  <a:off x="4443155" y="4781174"/>
+                  <a:off x="4399932" y="2170699"/>
                   <a:ext cx="454483" cy="430924"/>
                 </a:xfrm>
                 <a:prstGeom prst="rect">
@@ -16995,10 +16650,10 @@
         </mc:AlternateContent>
         <p:grpSp>
           <p:nvGrpSpPr>
-            <p:cNvPr id="172" name="Group 171">
+            <p:cNvPr id="14" name="Group 13">
               <a:extLst>
                 <a:ext uri="{FF2B5EF4-FFF2-40B4-BE49-F238E27FC236}">
-                  <a16:creationId xmlns:a16="http://schemas.microsoft.com/office/drawing/2014/main" id="{FEA062EE-A74A-781E-05CA-EA15F8724D0B}"/>
+                  <a16:creationId xmlns:a16="http://schemas.microsoft.com/office/drawing/2014/main" id="{B3820E80-88A0-08D9-742B-90CA65876068}"/>
                 </a:ext>
               </a:extLst>
             </p:cNvPr>
@@ -17007,7 +16662,7 @@
           </p:nvGrpSpPr>
           <p:grpSpPr>
             <a:xfrm>
-              <a:off x="9114941" y="4850753"/>
+              <a:off x="8985779" y="2244627"/>
               <a:ext cx="288705" cy="880346"/>
               <a:chOff x="7216975" y="4763508"/>
               <a:chExt cx="288705" cy="880346"/>
@@ -17015,10 +16670,10 @@
           </p:grpSpPr>
           <p:sp>
             <p:nvSpPr>
-              <p:cNvPr id="194" name="Or 71">
+              <p:cNvPr id="68" name="Or 71">
                 <a:extLst>
                   <a:ext uri="{FF2B5EF4-FFF2-40B4-BE49-F238E27FC236}">
-                    <a16:creationId xmlns:a16="http://schemas.microsoft.com/office/drawing/2014/main" id="{C3FFD90D-B430-A6DF-066E-60F9F263245F}"/>
+                    <a16:creationId xmlns:a16="http://schemas.microsoft.com/office/drawing/2014/main" id="{7A7CCC64-FF76-C9F4-9501-A01338B2F797}"/>
                   </a:ext>
                 </a:extLst>
               </p:cNvPr>
@@ -17069,10 +16724,10 @@
           </p:sp>
           <p:sp>
             <p:nvSpPr>
-              <p:cNvPr id="195" name="Connector 72">
+              <p:cNvPr id="69" name="Connector 72">
                 <a:extLst>
                   <a:ext uri="{FF2B5EF4-FFF2-40B4-BE49-F238E27FC236}">
-                    <a16:creationId xmlns:a16="http://schemas.microsoft.com/office/drawing/2014/main" id="{6CEEF551-A35A-DC5E-3E77-2A5B70FD2107}"/>
+                    <a16:creationId xmlns:a16="http://schemas.microsoft.com/office/drawing/2014/main" id="{AB8C714D-BF4B-CD87-E19A-FAFF1D2516EE}"/>
                   </a:ext>
                 </a:extLst>
               </p:cNvPr>
@@ -17121,17 +16776,17 @@
           </p:sp>
           <p:cxnSp>
             <p:nvCxnSpPr>
-              <p:cNvPr id="196" name="Straight Connector 195">
+              <p:cNvPr id="70" name="Straight Connector 69">
                 <a:extLst>
                   <a:ext uri="{FF2B5EF4-FFF2-40B4-BE49-F238E27FC236}">
-                    <a16:creationId xmlns:a16="http://schemas.microsoft.com/office/drawing/2014/main" id="{A8E7EE15-D59D-90D7-E6EB-D2342A11995B}"/>
+                    <a16:creationId xmlns:a16="http://schemas.microsoft.com/office/drawing/2014/main" id="{D36559C4-8F44-733C-5A76-2F62A05DBE63}"/>
                   </a:ext>
                 </a:extLst>
               </p:cNvPr>
               <p:cNvCxnSpPr>
                 <a:cxnSpLocks/>
-                <a:stCxn id="194" idx="4"/>
-                <a:endCxn id="195" idx="0"/>
+                <a:stCxn id="68" idx="4"/>
+                <a:endCxn id="69" idx="0"/>
               </p:cNvCxnSpPr>
               <p:nvPr/>
             </p:nvCxnSpPr>
@@ -17169,10 +16824,10 @@
         </p:grpSp>
         <p:grpSp>
           <p:nvGrpSpPr>
-            <p:cNvPr id="173" name="Group 172">
+            <p:cNvPr id="15" name="Group 14">
               <a:extLst>
                 <a:ext uri="{FF2B5EF4-FFF2-40B4-BE49-F238E27FC236}">
-                  <a16:creationId xmlns:a16="http://schemas.microsoft.com/office/drawing/2014/main" id="{B5F91401-6885-982C-B464-5153B680F9EA}"/>
+                  <a16:creationId xmlns:a16="http://schemas.microsoft.com/office/drawing/2014/main" id="{C2FFB6ED-A586-E880-8D03-EB9A77DF73D6}"/>
                 </a:ext>
               </a:extLst>
             </p:cNvPr>
@@ -17181,7 +16836,7 @@
           </p:nvGrpSpPr>
           <p:grpSpPr>
             <a:xfrm rot="10800000">
-              <a:off x="3809654" y="4270648"/>
+              <a:off x="3766431" y="1667793"/>
               <a:ext cx="288705" cy="863843"/>
               <a:chOff x="6355062" y="1586455"/>
               <a:chExt cx="288705" cy="863843"/>
@@ -17189,10 +16844,10 @@
           </p:grpSpPr>
           <p:sp>
             <p:nvSpPr>
-              <p:cNvPr id="191" name="Or 77">
+              <p:cNvPr id="65" name="Or 77">
                 <a:extLst>
                   <a:ext uri="{FF2B5EF4-FFF2-40B4-BE49-F238E27FC236}">
-                    <a16:creationId xmlns:a16="http://schemas.microsoft.com/office/drawing/2014/main" id="{8A7436A4-6970-FC34-FD97-B1F40F6017B8}"/>
+                    <a16:creationId xmlns:a16="http://schemas.microsoft.com/office/drawing/2014/main" id="{B94E2484-24C4-D3C0-9697-73D96CD3865A}"/>
                   </a:ext>
                 </a:extLst>
               </p:cNvPr>
@@ -17243,10 +16898,10 @@
           </p:sp>
           <p:sp>
             <p:nvSpPr>
-              <p:cNvPr id="192" name="Connector 78">
+              <p:cNvPr id="66" name="Connector 78">
                 <a:extLst>
                   <a:ext uri="{FF2B5EF4-FFF2-40B4-BE49-F238E27FC236}">
-                    <a16:creationId xmlns:a16="http://schemas.microsoft.com/office/drawing/2014/main" id="{0A584EDF-3C6A-6984-3FF9-3B5982AFC0A5}"/>
+                    <a16:creationId xmlns:a16="http://schemas.microsoft.com/office/drawing/2014/main" id="{244E004F-5CA5-1B0F-84C2-7166141573C1}"/>
                   </a:ext>
                 </a:extLst>
               </p:cNvPr>
@@ -17295,17 +16950,17 @@
           </p:sp>
           <p:cxnSp>
             <p:nvCxnSpPr>
-              <p:cNvPr id="193" name="Straight Connector 192">
+              <p:cNvPr id="67" name="Straight Connector 66">
                 <a:extLst>
                   <a:ext uri="{FF2B5EF4-FFF2-40B4-BE49-F238E27FC236}">
-                    <a16:creationId xmlns:a16="http://schemas.microsoft.com/office/drawing/2014/main" id="{E178B6FE-2E44-DCBF-4E34-7C7B6FF4938B}"/>
+                    <a16:creationId xmlns:a16="http://schemas.microsoft.com/office/drawing/2014/main" id="{FA7BFCDB-DB75-1DFF-154D-A797AA7D9CB3}"/>
                   </a:ext>
                 </a:extLst>
               </p:cNvPr>
               <p:cNvCxnSpPr>
                 <a:cxnSpLocks/>
-                <a:stCxn id="192" idx="0"/>
-                <a:endCxn id="191" idx="4"/>
+                <a:stCxn id="66" idx="0"/>
+                <a:endCxn id="65" idx="4"/>
               </p:cNvCxnSpPr>
               <p:nvPr/>
             </p:nvCxnSpPr>
@@ -17341,14 +16996,14 @@
             </p:style>
           </p:cxnSp>
         </p:grpSp>
-        <mc:AlternateContent xmlns:mc="http://schemas.openxmlformats.org/markup-compatibility/2006" xmlns:a14="http://schemas.microsoft.com/office/drawing/2010/main">
-          <mc:Choice Requires="a14">
+        <mc:AlternateContent xmlns:mc="http://schemas.openxmlformats.org/markup-compatibility/2006">
+          <mc:Choice xmlns:a14="http://schemas.microsoft.com/office/drawing/2010/main" Requires="a14">
             <p:sp>
               <p:nvSpPr>
-                <p:cNvPr id="174" name="Rectangle 173">
+                <p:cNvPr id="16" name="Rectangle 15">
                   <a:extLst>
                     <a:ext uri="{FF2B5EF4-FFF2-40B4-BE49-F238E27FC236}">
-                      <a16:creationId xmlns:a16="http://schemas.microsoft.com/office/drawing/2014/main" id="{625B2ECB-A998-3C76-35B8-C2C404C26646}"/>
+                      <a16:creationId xmlns:a16="http://schemas.microsoft.com/office/drawing/2014/main" id="{87ACCECA-EC08-A19C-BA9C-24DAC95C54C4}"/>
                     </a:ext>
                   </a:extLst>
                 </p:cNvPr>
@@ -17357,7 +17012,7 @@
               </p:nvSpPr>
               <p:spPr>
                 <a:xfrm>
-                  <a:off x="5182610" y="4773554"/>
+                  <a:off x="5139387" y="2173389"/>
                   <a:ext cx="454483" cy="430924"/>
                 </a:xfrm>
                 <a:prstGeom prst="rect">
@@ -17429,13 +17084,13 @@
               </p:txBody>
             </p:sp>
           </mc:Choice>
-          <mc:Fallback xmlns="">
+          <mc:Fallback>
             <p:sp>
               <p:nvSpPr>
-                <p:cNvPr id="174" name="Rectangle 173">
+                <p:cNvPr id="16" name="Rectangle 15">
                   <a:extLst>
                     <a:ext uri="{FF2B5EF4-FFF2-40B4-BE49-F238E27FC236}">
-                      <a16:creationId xmlns:a16="http://schemas.microsoft.com/office/drawing/2014/main" id="{625B2ECB-A998-3C76-35B8-C2C404C26646}"/>
+                      <a16:creationId xmlns:a16="http://schemas.microsoft.com/office/drawing/2014/main" id="{87ACCECA-EC08-A19C-BA9C-24DAC95C54C4}"/>
                     </a:ext>
                   </a:extLst>
                 </p:cNvPr>
@@ -17446,7 +17101,7 @@
               </p:nvSpPr>
               <p:spPr>
                 <a:xfrm>
-                  <a:off x="5182610" y="4773554"/>
+                  <a:off x="5139387" y="2173389"/>
                   <a:ext cx="454483" cy="430924"/>
                 </a:xfrm>
                 <a:prstGeom prst="rect">
@@ -17481,10 +17136,10 @@
         </mc:AlternateContent>
         <p:grpSp>
           <p:nvGrpSpPr>
-            <p:cNvPr id="175" name="Group 174">
+            <p:cNvPr id="17" name="Group 16">
               <a:extLst>
                 <a:ext uri="{FF2B5EF4-FFF2-40B4-BE49-F238E27FC236}">
-                  <a16:creationId xmlns:a16="http://schemas.microsoft.com/office/drawing/2014/main" id="{B097297B-A113-F104-DB87-C83CEF68AA8E}"/>
+                  <a16:creationId xmlns:a16="http://schemas.microsoft.com/office/drawing/2014/main" id="{755838F9-BB34-5E4D-2D25-78F419780A02}"/>
                 </a:ext>
               </a:extLst>
             </p:cNvPr>
@@ -17493,7 +17148,7 @@
           </p:nvGrpSpPr>
           <p:grpSpPr>
             <a:xfrm rot="10800000">
-              <a:off x="7716357" y="4278268"/>
+              <a:off x="8363318" y="1672141"/>
               <a:ext cx="288705" cy="1538946"/>
               <a:chOff x="7216975" y="4077708"/>
               <a:chExt cx="288705" cy="1566146"/>
@@ -17501,10 +17156,10 @@
           </p:grpSpPr>
           <p:sp>
             <p:nvSpPr>
-              <p:cNvPr id="188" name="Or 71">
+              <p:cNvPr id="30" name="Or 71">
                 <a:extLst>
                   <a:ext uri="{FF2B5EF4-FFF2-40B4-BE49-F238E27FC236}">
-                    <a16:creationId xmlns:a16="http://schemas.microsoft.com/office/drawing/2014/main" id="{9C3D43A2-C63A-CB33-6D86-66FD67A00A3A}"/>
+                    <a16:creationId xmlns:a16="http://schemas.microsoft.com/office/drawing/2014/main" id="{E7EF2460-49D0-1E97-DA76-18B473692279}"/>
                   </a:ext>
                 </a:extLst>
               </p:cNvPr>
@@ -17555,10 +17210,10 @@
           </p:sp>
           <p:sp>
             <p:nvSpPr>
-              <p:cNvPr id="189" name="Connector 72">
+              <p:cNvPr id="31" name="Connector 72">
                 <a:extLst>
                   <a:ext uri="{FF2B5EF4-FFF2-40B4-BE49-F238E27FC236}">
-                    <a16:creationId xmlns:a16="http://schemas.microsoft.com/office/drawing/2014/main" id="{DAA80945-CDFA-E93C-52C7-9FEB238CD779}"/>
+                    <a16:creationId xmlns:a16="http://schemas.microsoft.com/office/drawing/2014/main" id="{1546935B-5BB4-E25D-75C0-FD34B6083A74}"/>
                   </a:ext>
                 </a:extLst>
               </p:cNvPr>
@@ -17607,17 +17262,17 @@
           </p:sp>
           <p:cxnSp>
             <p:nvCxnSpPr>
-              <p:cNvPr id="190" name="Straight Connector 189">
+              <p:cNvPr id="64" name="Straight Connector 63">
                 <a:extLst>
                   <a:ext uri="{FF2B5EF4-FFF2-40B4-BE49-F238E27FC236}">
-                    <a16:creationId xmlns:a16="http://schemas.microsoft.com/office/drawing/2014/main" id="{5FCDF602-3DD9-DC14-C7BE-7A3E89128A32}"/>
+                    <a16:creationId xmlns:a16="http://schemas.microsoft.com/office/drawing/2014/main" id="{5A710B34-6820-C469-3FC7-2592B50EBCD7}"/>
                   </a:ext>
                 </a:extLst>
               </p:cNvPr>
               <p:cNvCxnSpPr>
                 <a:cxnSpLocks/>
-                <a:stCxn id="188" idx="4"/>
-                <a:endCxn id="189" idx="0"/>
+                <a:stCxn id="30" idx="4"/>
+                <a:endCxn id="31" idx="0"/>
               </p:cNvCxnSpPr>
               <p:nvPr/>
             </p:nvCxnSpPr>
@@ -17653,14 +17308,14 @@
             </p:style>
           </p:cxnSp>
         </p:grpSp>
-        <mc:AlternateContent xmlns:mc="http://schemas.openxmlformats.org/markup-compatibility/2006" xmlns:a14="http://schemas.microsoft.com/office/drawing/2010/main">
-          <mc:Choice Requires="a14">
+        <mc:AlternateContent xmlns:mc="http://schemas.openxmlformats.org/markup-compatibility/2006">
+          <mc:Choice xmlns:a14="http://schemas.microsoft.com/office/drawing/2010/main" Requires="a14">
             <p:sp>
               <p:nvSpPr>
-                <p:cNvPr id="176" name="Rectangle 175">
+                <p:cNvPr id="18" name="Rectangle 17">
                   <a:extLst>
                     <a:ext uri="{FF2B5EF4-FFF2-40B4-BE49-F238E27FC236}">
-                      <a16:creationId xmlns:a16="http://schemas.microsoft.com/office/drawing/2014/main" id="{01C3AB4E-6D51-E7CA-8A19-248CCB28D913}"/>
+                      <a16:creationId xmlns:a16="http://schemas.microsoft.com/office/drawing/2014/main" id="{FEDB2B40-9449-93B0-E9CD-11C2E55DD2BD}"/>
                     </a:ext>
                   </a:extLst>
                 </p:cNvPr>
@@ -17669,7 +17324,7 @@
               </p:nvSpPr>
               <p:spPr>
                 <a:xfrm>
-                  <a:off x="9037740" y="4117132"/>
+                  <a:off x="8902889" y="1511005"/>
                   <a:ext cx="454483" cy="430924"/>
                 </a:xfrm>
                 <a:prstGeom prst="rect">
@@ -17758,13 +17413,13 @@
               </p:txBody>
             </p:sp>
           </mc:Choice>
-          <mc:Fallback xmlns="">
+          <mc:Fallback>
             <p:sp>
               <p:nvSpPr>
-                <p:cNvPr id="176" name="Rectangle 175">
+                <p:cNvPr id="18" name="Rectangle 17">
                   <a:extLst>
                     <a:ext uri="{FF2B5EF4-FFF2-40B4-BE49-F238E27FC236}">
-                      <a16:creationId xmlns:a16="http://schemas.microsoft.com/office/drawing/2014/main" id="{01C3AB4E-6D51-E7CA-8A19-248CCB28D913}"/>
+                      <a16:creationId xmlns:a16="http://schemas.microsoft.com/office/drawing/2014/main" id="{FEDB2B40-9449-93B0-E9CD-11C2E55DD2BD}"/>
                     </a:ext>
                   </a:extLst>
                 </p:cNvPr>
@@ -17775,7 +17430,7 @@
               </p:nvSpPr>
               <p:spPr>
                 <a:xfrm>
-                  <a:off x="9037740" y="4117132"/>
+                  <a:off x="8902889" y="1511005"/>
                   <a:ext cx="454483" cy="430924"/>
                 </a:xfrm>
                 <a:prstGeom prst="rect">
@@ -17784,7 +17439,7 @@
                 <a:blipFill>
                   <a:blip r:embed="rId15"/>
                   <a:stretch>
-                    <a:fillRect l="-2597" r="-11688"/>
+                    <a:fillRect l="-1282" r="-11538"/>
                   </a:stretch>
                 </a:blipFill>
                 <a:ln w="19050">
@@ -17810,10 +17465,10 @@
         </mc:AlternateContent>
         <p:grpSp>
           <p:nvGrpSpPr>
-            <p:cNvPr id="177" name="Group 176">
+            <p:cNvPr id="19" name="Group 18">
               <a:extLst>
                 <a:ext uri="{FF2B5EF4-FFF2-40B4-BE49-F238E27FC236}">
-                  <a16:creationId xmlns:a16="http://schemas.microsoft.com/office/drawing/2014/main" id="{5A4E073C-7000-F8AC-C964-03540E90BAAB}"/>
+                  <a16:creationId xmlns:a16="http://schemas.microsoft.com/office/drawing/2014/main" id="{7AA21851-3A65-9290-BBC9-9475EAFC532F}"/>
                 </a:ext>
               </a:extLst>
             </p:cNvPr>
@@ -17822,7 +17477,7 @@
           </p:nvGrpSpPr>
           <p:grpSpPr>
             <a:xfrm rot="10800000">
-              <a:off x="5971293" y="4279984"/>
+              <a:off x="5928070" y="1675861"/>
               <a:ext cx="288705" cy="856223"/>
               <a:chOff x="6355062" y="1594075"/>
               <a:chExt cx="288705" cy="856223"/>
@@ -17830,10 +17485,10 @@
           </p:grpSpPr>
           <p:sp>
             <p:nvSpPr>
-              <p:cNvPr id="185" name="Or 77">
+              <p:cNvPr id="27" name="Or 77">
                 <a:extLst>
                   <a:ext uri="{FF2B5EF4-FFF2-40B4-BE49-F238E27FC236}">
-                    <a16:creationId xmlns:a16="http://schemas.microsoft.com/office/drawing/2014/main" id="{A61B9241-DEDB-76A6-A40C-DA3129BF5FB7}"/>
+                    <a16:creationId xmlns:a16="http://schemas.microsoft.com/office/drawing/2014/main" id="{B53200AA-8E5C-3DF0-6DC6-76C3A6444BA4}"/>
                   </a:ext>
                 </a:extLst>
               </p:cNvPr>
@@ -17884,10 +17539,10 @@
           </p:sp>
           <p:sp>
             <p:nvSpPr>
-              <p:cNvPr id="186" name="Connector 78">
+              <p:cNvPr id="28" name="Connector 78">
                 <a:extLst>
                   <a:ext uri="{FF2B5EF4-FFF2-40B4-BE49-F238E27FC236}">
-                    <a16:creationId xmlns:a16="http://schemas.microsoft.com/office/drawing/2014/main" id="{F26CC5C2-3BA2-F0CB-B205-F8101839F2BA}"/>
+                    <a16:creationId xmlns:a16="http://schemas.microsoft.com/office/drawing/2014/main" id="{FF2B215E-D7F7-D55C-397F-D34733A75D99}"/>
                   </a:ext>
                 </a:extLst>
               </p:cNvPr>
@@ -17936,17 +17591,17 @@
           </p:sp>
           <p:cxnSp>
             <p:nvCxnSpPr>
-              <p:cNvPr id="187" name="Straight Connector 186">
+              <p:cNvPr id="29" name="Straight Connector 28">
                 <a:extLst>
                   <a:ext uri="{FF2B5EF4-FFF2-40B4-BE49-F238E27FC236}">
-                    <a16:creationId xmlns:a16="http://schemas.microsoft.com/office/drawing/2014/main" id="{1D222A86-50D2-9C5D-C0C8-52B1D7E78539}"/>
+                    <a16:creationId xmlns:a16="http://schemas.microsoft.com/office/drawing/2014/main" id="{80000FFF-1C5F-CCD2-D1F5-B3414E759B1A}"/>
                   </a:ext>
                 </a:extLst>
               </p:cNvPr>
               <p:cNvCxnSpPr>
                 <a:cxnSpLocks/>
-                <a:stCxn id="186" idx="0"/>
-                <a:endCxn id="185" idx="4"/>
+                <a:stCxn id="28" idx="0"/>
+                <a:endCxn id="27" idx="4"/>
               </p:cNvCxnSpPr>
               <p:nvPr/>
             </p:nvCxnSpPr>
@@ -17982,14 +17637,14 @@
             </p:style>
           </p:cxnSp>
         </p:grpSp>
-        <mc:AlternateContent xmlns:mc="http://schemas.openxmlformats.org/markup-compatibility/2006" xmlns:a14="http://schemas.microsoft.com/office/drawing/2010/main">
-          <mc:Choice Requires="a14">
+        <mc:AlternateContent xmlns:mc="http://schemas.openxmlformats.org/markup-compatibility/2006">
+          <mc:Choice xmlns:a14="http://schemas.microsoft.com/office/drawing/2010/main" Requires="a14">
             <p:sp>
               <p:nvSpPr>
-                <p:cNvPr id="178" name="Rectangle 177">
+                <p:cNvPr id="20" name="Rectangle 19">
                   <a:extLst>
                     <a:ext uri="{FF2B5EF4-FFF2-40B4-BE49-F238E27FC236}">
-                      <a16:creationId xmlns:a16="http://schemas.microsoft.com/office/drawing/2014/main" id="{DF62839E-3F59-12B3-482C-03C1B77AF24D}"/>
+                      <a16:creationId xmlns:a16="http://schemas.microsoft.com/office/drawing/2014/main" id="{5AA3B3F3-C37D-BDA5-0B1B-A4425ACB3823}"/>
                     </a:ext>
                   </a:extLst>
                 </p:cNvPr>
@@ -17998,7 +17653,7 @@
               </p:nvSpPr>
               <p:spPr>
                 <a:xfrm>
-                  <a:off x="7001845" y="5449361"/>
+                  <a:off x="7648806" y="2843234"/>
                   <a:ext cx="454483" cy="430924"/>
                 </a:xfrm>
                 <a:prstGeom prst="rect">
@@ -18070,13 +17725,13 @@
               </p:txBody>
             </p:sp>
           </mc:Choice>
-          <mc:Fallback xmlns="">
+          <mc:Fallback>
             <p:sp>
               <p:nvSpPr>
-                <p:cNvPr id="178" name="Rectangle 177">
+                <p:cNvPr id="20" name="Rectangle 19">
                   <a:extLst>
                     <a:ext uri="{FF2B5EF4-FFF2-40B4-BE49-F238E27FC236}">
-                      <a16:creationId xmlns:a16="http://schemas.microsoft.com/office/drawing/2014/main" id="{DF62839E-3F59-12B3-482C-03C1B77AF24D}"/>
+                      <a16:creationId xmlns:a16="http://schemas.microsoft.com/office/drawing/2014/main" id="{5AA3B3F3-C37D-BDA5-0B1B-A4425ACB3823}"/>
                     </a:ext>
                   </a:extLst>
                 </p:cNvPr>
@@ -18087,7 +17742,7 @@
               </p:nvSpPr>
               <p:spPr>
                 <a:xfrm>
-                  <a:off x="7001845" y="5449361"/>
+                  <a:off x="7648806" y="2843234"/>
                   <a:ext cx="454483" cy="430924"/>
                 </a:xfrm>
                 <a:prstGeom prst="rect">
@@ -18122,10 +17777,10 @@
         </mc:AlternateContent>
         <p:grpSp>
           <p:nvGrpSpPr>
-            <p:cNvPr id="179" name="Group 178">
+            <p:cNvPr id="21" name="Group 20">
               <a:extLst>
                 <a:ext uri="{FF2B5EF4-FFF2-40B4-BE49-F238E27FC236}">
-                  <a16:creationId xmlns:a16="http://schemas.microsoft.com/office/drawing/2014/main" id="{A99B2C8E-1CCE-A29A-1F99-15B3167387FD}"/>
+                  <a16:creationId xmlns:a16="http://schemas.microsoft.com/office/drawing/2014/main" id="{D8AEB50D-BFC1-24E0-E86B-C1F7D5556A54}"/>
                 </a:ext>
               </a:extLst>
             </p:cNvPr>
@@ -18134,7 +17789,7 @@
           </p:nvGrpSpPr>
           <p:grpSpPr>
             <a:xfrm rot="10800000">
-              <a:off x="6527600" y="4936689"/>
+              <a:off x="7174561" y="2330562"/>
               <a:ext cx="288705" cy="876740"/>
               <a:chOff x="6355062" y="908275"/>
               <a:chExt cx="288705" cy="876740"/>
@@ -18142,10 +17797,10 @@
           </p:grpSpPr>
           <p:sp>
             <p:nvSpPr>
-              <p:cNvPr id="182" name="Or 77">
+              <p:cNvPr id="24" name="Or 77">
                 <a:extLst>
                   <a:ext uri="{FF2B5EF4-FFF2-40B4-BE49-F238E27FC236}">
-                    <a16:creationId xmlns:a16="http://schemas.microsoft.com/office/drawing/2014/main" id="{312E87A0-772C-CE2F-FDD9-D934CBA66591}"/>
+                    <a16:creationId xmlns:a16="http://schemas.microsoft.com/office/drawing/2014/main" id="{B45F08DF-B209-BB34-14BD-87EF281D5893}"/>
                   </a:ext>
                 </a:extLst>
               </p:cNvPr>
@@ -18196,10 +17851,10 @@
           </p:sp>
           <p:sp>
             <p:nvSpPr>
-              <p:cNvPr id="183" name="Connector 78">
+              <p:cNvPr id="25" name="Connector 78">
                 <a:extLst>
                   <a:ext uri="{FF2B5EF4-FFF2-40B4-BE49-F238E27FC236}">
-                    <a16:creationId xmlns:a16="http://schemas.microsoft.com/office/drawing/2014/main" id="{5B6B474E-F930-591E-8865-BCAC08FBFEF7}"/>
+                    <a16:creationId xmlns:a16="http://schemas.microsoft.com/office/drawing/2014/main" id="{23528C7F-4DAC-26B8-2C8B-06A0EB4DA164}"/>
                   </a:ext>
                 </a:extLst>
               </p:cNvPr>
@@ -18248,17 +17903,17 @@
           </p:sp>
           <p:cxnSp>
             <p:nvCxnSpPr>
-              <p:cNvPr id="184" name="Straight Connector 183">
+              <p:cNvPr id="26" name="Straight Connector 25">
                 <a:extLst>
                   <a:ext uri="{FF2B5EF4-FFF2-40B4-BE49-F238E27FC236}">
-                    <a16:creationId xmlns:a16="http://schemas.microsoft.com/office/drawing/2014/main" id="{C8EB9B55-ABF2-5C0E-FAF3-6AC14E2AE001}"/>
+                    <a16:creationId xmlns:a16="http://schemas.microsoft.com/office/drawing/2014/main" id="{BBE05BC2-4EBE-3392-5BB4-A23482F20960}"/>
                   </a:ext>
                 </a:extLst>
               </p:cNvPr>
               <p:cNvCxnSpPr>
                 <a:cxnSpLocks/>
-                <a:stCxn id="183" idx="0"/>
-                <a:endCxn id="182" idx="4"/>
+                <a:stCxn id="25" idx="0"/>
+                <a:endCxn id="24" idx="4"/>
               </p:cNvCxnSpPr>
               <p:nvPr/>
             </p:nvCxnSpPr>
@@ -18294,85 +17949,14 @@
             </p:style>
           </p:cxnSp>
         </p:grpSp>
-        <p:sp>
-          <p:nvSpPr>
-            <p:cNvPr id="180" name="Right Arrow 47">
-              <a:extLst>
-                <a:ext uri="{FF2B5EF4-FFF2-40B4-BE49-F238E27FC236}">
-                  <a16:creationId xmlns:a16="http://schemas.microsoft.com/office/drawing/2014/main" id="{70249344-CF3D-4F95-C8B3-B7BE5AA29481}"/>
-                </a:ext>
-              </a:extLst>
-            </p:cNvPr>
-            <p:cNvSpPr/>
-            <p:nvPr/>
-          </p:nvSpPr>
-          <p:spPr>
-            <a:xfrm rot="10800000">
-              <a:off x="2457591" y="4735613"/>
-              <a:ext cx="506055" cy="502322"/>
-            </a:xfrm>
-            <a:prstGeom prst="rightArrow">
-              <a:avLst/>
-            </a:prstGeom>
-            <a:solidFill>
-              <a:schemeClr val="accent4">
-                <a:lumMod val="20000"/>
-                <a:lumOff val="80000"/>
-              </a:schemeClr>
-            </a:solidFill>
-            <a:ln w="28575" cap="flat" cmpd="sng" algn="ctr">
-              <a:solidFill>
-                <a:schemeClr val="accent4"/>
-              </a:solidFill>
-              <a:prstDash val="solid"/>
-            </a:ln>
-            <a:effectLst/>
-          </p:spPr>
-          <p:txBody>
-            <a:bodyPr rtlCol="0" anchor="ctr"/>
-            <a:lstStyle/>
-            <a:p>
-              <a:pPr marL="0" marR="0" lvl="0" indent="0" algn="ctr" defTabSz="457200" eaLnBrk="1" fontAlgn="auto" latinLnBrk="0" hangingPunct="1">
-                <a:lnSpc>
-                  <a:spcPct val="100000"/>
-                </a:lnSpc>
-                <a:spcBef>
-                  <a:spcPts val="0"/>
-                </a:spcBef>
-                <a:spcAft>
-                  <a:spcPts val="0"/>
-                </a:spcAft>
-                <a:buClrTx/>
-                <a:buSzTx/>
-                <a:buFontTx/>
-                <a:buNone/>
-                <a:tabLst/>
-                <a:defRPr/>
-              </a:pPr>
-              <a:endParaRPr kumimoji="0" lang="en-US" sz="1800" b="0" i="0" u="none" strike="noStrike" kern="0" cap="none" spc="0" normalizeH="0" baseline="0" noProof="0" dirty="0">
-                <a:ln>
-                  <a:noFill/>
-                </a:ln>
-                <a:solidFill>
-                  <a:srgbClr val="FFFFFF"/>
-                </a:solidFill>
-                <a:effectLst/>
-                <a:uLnTx/>
-                <a:uFillTx/>
-                <a:ea typeface="+mn-ea"/>
-                <a:cs typeface="+mn-cs"/>
-              </a:endParaRPr>
-            </a:p>
-          </p:txBody>
-        </p:sp>
-        <mc:AlternateContent xmlns:mc="http://schemas.openxmlformats.org/markup-compatibility/2006" xmlns:a14="http://schemas.microsoft.com/office/drawing/2010/main">
-          <mc:Choice Requires="a14">
+        <mc:AlternateContent xmlns:mc="http://schemas.openxmlformats.org/markup-compatibility/2006">
+          <mc:Choice xmlns:a14="http://schemas.microsoft.com/office/drawing/2010/main" Requires="a14">
             <p:sp>
               <p:nvSpPr>
-                <p:cNvPr id="181" name="Rectangle 180">
+                <p:cNvPr id="23" name="Rectangle 22">
                   <a:extLst>
                     <a:ext uri="{FF2B5EF4-FFF2-40B4-BE49-F238E27FC236}">
-                      <a16:creationId xmlns:a16="http://schemas.microsoft.com/office/drawing/2014/main" id="{58C3C71D-2AAA-CC1E-0BDD-A574D3BDA565}"/>
+                      <a16:creationId xmlns:a16="http://schemas.microsoft.com/office/drawing/2014/main" id="{181837BE-3B83-14FF-AFCC-5A0E73913707}"/>
                     </a:ext>
                   </a:extLst>
                 </p:cNvPr>
@@ -18381,7 +17965,7 @@
               </p:nvSpPr>
               <p:spPr>
                 <a:xfrm>
-                  <a:off x="8162813" y="4117132"/>
+                  <a:off x="6439229" y="1504020"/>
                   <a:ext cx="454483" cy="430924"/>
                 </a:xfrm>
                 <a:prstGeom prst="rect">
@@ -18453,13 +18037,13 @@
               </p:txBody>
             </p:sp>
           </mc:Choice>
-          <mc:Fallback xmlns="">
+          <mc:Fallback>
             <p:sp>
               <p:nvSpPr>
-                <p:cNvPr id="181" name="Rectangle 180">
+                <p:cNvPr id="23" name="Rectangle 22">
                   <a:extLst>
                     <a:ext uri="{FF2B5EF4-FFF2-40B4-BE49-F238E27FC236}">
-                      <a16:creationId xmlns:a16="http://schemas.microsoft.com/office/drawing/2014/main" id="{58C3C71D-2AAA-CC1E-0BDD-A574D3BDA565}"/>
+                      <a16:creationId xmlns:a16="http://schemas.microsoft.com/office/drawing/2014/main" id="{181837BE-3B83-14FF-AFCC-5A0E73913707}"/>
                     </a:ext>
                   </a:extLst>
                 </p:cNvPr>
@@ -18470,7 +18054,7 @@
               </p:nvSpPr>
               <p:spPr>
                 <a:xfrm>
-                  <a:off x="8162813" y="4117132"/>
+                  <a:off x="6439229" y="1504020"/>
                   <a:ext cx="454483" cy="430924"/>
                 </a:xfrm>
                 <a:prstGeom prst="rect">
@@ -18536,10 +18120,10 @@
       </p:grpSpPr>
       <p:grpSp>
         <p:nvGrpSpPr>
-          <p:cNvPr id="2" name="Group 1">
+          <p:cNvPr id="176" name="Group 175">
             <a:extLst>
               <a:ext uri="{FF2B5EF4-FFF2-40B4-BE49-F238E27FC236}">
-                <a16:creationId xmlns:a16="http://schemas.microsoft.com/office/drawing/2014/main" id="{1D938752-7118-FFE5-BD5A-2B40EA22475D}"/>
+                <a16:creationId xmlns:a16="http://schemas.microsoft.com/office/drawing/2014/main" id="{C6058DD5-7169-56F2-3516-FBC3011E2F24}"/>
               </a:ext>
             </a:extLst>
           </p:cNvPr>
@@ -18548,18 +18132,18 @@
         </p:nvGrpSpPr>
         <p:grpSpPr>
           <a:xfrm>
-            <a:off x="2832433" y="1009202"/>
-            <a:ext cx="6030213" cy="1925660"/>
-            <a:chOff x="3113787" y="3954625"/>
-            <a:chExt cx="6030213" cy="1925660"/>
+            <a:off x="2630001" y="1155435"/>
+            <a:ext cx="6931997" cy="4547129"/>
+            <a:chOff x="2787262" y="-1612267"/>
+            <a:chExt cx="6931997" cy="4547129"/>
           </a:xfrm>
         </p:grpSpPr>
         <p:sp>
           <p:nvSpPr>
-            <p:cNvPr id="200" name="Rectangle 199">
+            <p:cNvPr id="165" name="Rectangle 164">
               <a:extLst>
                 <a:ext uri="{FF2B5EF4-FFF2-40B4-BE49-F238E27FC236}">
-                  <a16:creationId xmlns:a16="http://schemas.microsoft.com/office/drawing/2014/main" id="{BFF3F9FF-BF0C-2B51-893E-491EA69CC8F1}"/>
+                  <a16:creationId xmlns:a16="http://schemas.microsoft.com/office/drawing/2014/main" id="{A86412E5-E751-0524-FA5F-86AA5BF1704E}"/>
                 </a:ext>
               </a:extLst>
             </p:cNvPr>
@@ -18568,14 +18152,14 @@
           </p:nvSpPr>
           <p:spPr>
             <a:xfrm>
-              <a:off x="8157497" y="3954625"/>
-              <a:ext cx="741644" cy="741790"/>
+              <a:off x="8236229" y="1101713"/>
+              <a:ext cx="802656" cy="570097"/>
             </a:xfrm>
             <a:prstGeom prst="rect">
               <a:avLst/>
             </a:prstGeom>
             <a:solidFill>
-              <a:schemeClr val="accent4">
+              <a:schemeClr val="accent6">
                 <a:lumMod val="20000"/>
                 <a:lumOff val="80000"/>
                 <a:alpha val="50000"/>
@@ -18583,7 +18167,7 @@
             </a:solidFill>
             <a:ln w="28575">
               <a:solidFill>
-                <a:schemeClr val="accent4"/>
+                <a:schemeClr val="accent6"/>
               </a:solidFill>
             </a:ln>
           </p:spPr>
@@ -18608,12 +18192,12 @@
             <a:lstStyle/>
             <a:p>
               <a:pPr algn="ctr"/>
-              <a:endParaRPr lang="en-US"/>
+              <a:endParaRPr lang="en-US" dirty="0"/>
             </a:p>
           </p:txBody>
         </p:sp>
-        <mc:AlternateContent xmlns:mc="http://schemas.openxmlformats.org/markup-compatibility/2006" xmlns:a14="http://schemas.microsoft.com/office/drawing/2010/main">
-          <mc:Choice Requires="a14">
+        <mc:AlternateContent xmlns:mc="http://schemas.openxmlformats.org/markup-compatibility/2006">
+          <mc:Choice xmlns:a14="http://schemas.microsoft.com/office/drawing/2010/main" Requires="a14">
             <p:sp>
               <p:nvSpPr>
                 <p:cNvPr id="167" name="TextBox 166">
@@ -18628,7 +18212,7 @@
               </p:nvSpPr>
               <p:spPr>
                 <a:xfrm>
-                  <a:off x="3115647" y="5487909"/>
+                  <a:off x="2834293" y="2542486"/>
                   <a:ext cx="465447" cy="369332"/>
                 </a:xfrm>
                 <a:prstGeom prst="rect">
@@ -18682,7 +18266,7 @@
               </p:txBody>
             </p:sp>
           </mc:Choice>
-          <mc:Fallback xmlns="">
+          <mc:Fallback>
             <p:sp>
               <p:nvSpPr>
                 <p:cNvPr id="167" name="TextBox 166">
@@ -18699,7 +18283,7 @@
               </p:nvSpPr>
               <p:spPr>
                 <a:xfrm>
-                  <a:off x="3115647" y="5487909"/>
+                  <a:off x="2834293" y="2542486"/>
                   <a:ext cx="465447" cy="369332"/>
                 </a:xfrm>
                 <a:prstGeom prst="rect">
@@ -18727,8 +18311,8 @@
             </p:sp>
           </mc:Fallback>
         </mc:AlternateContent>
-        <mc:AlternateContent xmlns:mc="http://schemas.openxmlformats.org/markup-compatibility/2006" xmlns:a14="http://schemas.microsoft.com/office/drawing/2010/main">
-          <mc:Choice Requires="a14">
+        <mc:AlternateContent xmlns:mc="http://schemas.openxmlformats.org/markup-compatibility/2006">
+          <mc:Choice xmlns:a14="http://schemas.microsoft.com/office/drawing/2010/main" Requires="a14">
             <p:sp>
               <p:nvSpPr>
                 <p:cNvPr id="168" name="TextBox 167">
@@ -18743,7 +18327,7 @@
               </p:nvSpPr>
               <p:spPr>
                 <a:xfrm>
-                  <a:off x="3115647" y="4809597"/>
+                  <a:off x="2834293" y="1864174"/>
                   <a:ext cx="465447" cy="369332"/>
                 </a:xfrm>
                 <a:prstGeom prst="rect">
@@ -18797,7 +18381,7 @@
               </p:txBody>
             </p:sp>
           </mc:Choice>
-          <mc:Fallback xmlns="">
+          <mc:Fallback>
             <p:sp>
               <p:nvSpPr>
                 <p:cNvPr id="168" name="TextBox 167">
@@ -18814,7 +18398,7 @@
               </p:nvSpPr>
               <p:spPr>
                 <a:xfrm>
-                  <a:off x="3115647" y="4809597"/>
+                  <a:off x="2834293" y="1864174"/>
                   <a:ext cx="465447" cy="369332"/>
                 </a:xfrm>
                 <a:prstGeom prst="rect">
@@ -18842,8 +18426,8 @@
             </p:sp>
           </mc:Fallback>
         </mc:AlternateContent>
-        <mc:AlternateContent xmlns:mc="http://schemas.openxmlformats.org/markup-compatibility/2006" xmlns:a14="http://schemas.microsoft.com/office/drawing/2010/main">
-          <mc:Choice Requires="a14">
+        <mc:AlternateContent xmlns:mc="http://schemas.openxmlformats.org/markup-compatibility/2006">
+          <mc:Choice xmlns:a14="http://schemas.microsoft.com/office/drawing/2010/main" Requires="a14">
             <p:sp>
               <p:nvSpPr>
                 <p:cNvPr id="169" name="TextBox 168">
@@ -18858,7 +18442,7 @@
               </p:nvSpPr>
               <p:spPr>
                 <a:xfrm>
-                  <a:off x="3113787" y="4145071"/>
+                  <a:off x="2832433" y="1199648"/>
                   <a:ext cx="465447" cy="369332"/>
                 </a:xfrm>
                 <a:prstGeom prst="rect">
@@ -18912,7 +18496,7 @@
               </p:txBody>
             </p:sp>
           </mc:Choice>
-          <mc:Fallback xmlns="">
+          <mc:Fallback>
             <p:sp>
               <p:nvSpPr>
                 <p:cNvPr id="169" name="TextBox 168">
@@ -18929,7 +18513,7 @@
               </p:nvSpPr>
               <p:spPr>
                 <a:xfrm>
-                  <a:off x="3113787" y="4145071"/>
+                  <a:off x="2832433" y="1199648"/>
                   <a:ext cx="465447" cy="369332"/>
                 </a:xfrm>
                 <a:prstGeom prst="rect">
@@ -18971,8 +18555,8 @@
           </p:nvGrpSpPr>
           <p:grpSpPr>
             <a:xfrm>
-              <a:off x="3590899" y="4329737"/>
-              <a:ext cx="5553101" cy="1342838"/>
+              <a:off x="3309545" y="1384314"/>
+              <a:ext cx="6408975" cy="1342838"/>
               <a:chOff x="3753948" y="1031665"/>
               <a:chExt cx="3082898" cy="1342838"/>
             </a:xfrm>
@@ -19113,8 +18697,8 @@
             </p:style>
           </p:cxnSp>
         </p:grpSp>
-        <mc:AlternateContent xmlns:mc="http://schemas.openxmlformats.org/markup-compatibility/2006" xmlns:a14="http://schemas.microsoft.com/office/drawing/2010/main">
-          <mc:Choice Requires="a14">
+        <mc:AlternateContent xmlns:mc="http://schemas.openxmlformats.org/markup-compatibility/2006">
+          <mc:Choice xmlns:a14="http://schemas.microsoft.com/office/drawing/2010/main" Requires="a14">
             <p:sp>
               <p:nvSpPr>
                 <p:cNvPr id="171" name="Rectangle 170">
@@ -19129,7 +18713,7 @@
               </p:nvSpPr>
               <p:spPr>
                 <a:xfrm>
-                  <a:off x="4443155" y="4781174"/>
+                  <a:off x="4161801" y="1835751"/>
                   <a:ext cx="454483" cy="430924"/>
                 </a:xfrm>
                 <a:prstGeom prst="rect">
@@ -19201,7 +18785,7 @@
               </p:txBody>
             </p:sp>
           </mc:Choice>
-          <mc:Fallback xmlns="">
+          <mc:Fallback>
             <p:sp>
               <p:nvSpPr>
                 <p:cNvPr id="171" name="Rectangle 170">
@@ -19218,7 +18802,7 @@
               </p:nvSpPr>
               <p:spPr>
                 <a:xfrm>
-                  <a:off x="4443155" y="4781174"/>
+                  <a:off x="4161801" y="1835751"/>
                   <a:ext cx="454483" cy="430924"/>
                 </a:xfrm>
                 <a:prstGeom prst="rect">
@@ -19265,7 +18849,7 @@
           </p:nvGrpSpPr>
           <p:grpSpPr>
             <a:xfrm>
-              <a:off x="8382820" y="4847568"/>
+              <a:off x="8101466" y="1902145"/>
               <a:ext cx="288705" cy="880346"/>
               <a:chOff x="7216975" y="4763508"/>
               <a:chExt cx="288705" cy="880346"/>
@@ -19439,7 +19023,7 @@
           </p:nvGrpSpPr>
           <p:grpSpPr>
             <a:xfrm rot="10800000">
-              <a:off x="3809654" y="4270648"/>
+              <a:off x="3528300" y="1325225"/>
               <a:ext cx="288705" cy="863843"/>
               <a:chOff x="6355062" y="1586455"/>
               <a:chExt cx="288705" cy="863843"/>
@@ -19599,8 +19183,8 @@
             </p:style>
           </p:cxnSp>
         </p:grpSp>
-        <mc:AlternateContent xmlns:mc="http://schemas.openxmlformats.org/markup-compatibility/2006" xmlns:a14="http://schemas.microsoft.com/office/drawing/2010/main">
-          <mc:Choice Requires="a14">
+        <mc:AlternateContent xmlns:mc="http://schemas.openxmlformats.org/markup-compatibility/2006">
+          <mc:Choice xmlns:a14="http://schemas.microsoft.com/office/drawing/2010/main" Requires="a14">
             <p:sp>
               <p:nvSpPr>
                 <p:cNvPr id="174" name="Rectangle 173">
@@ -19615,7 +19199,7 @@
               </p:nvSpPr>
               <p:spPr>
                 <a:xfrm>
-                  <a:off x="5182610" y="4773554"/>
+                  <a:off x="4901256" y="1828131"/>
                   <a:ext cx="454483" cy="430924"/>
                 </a:xfrm>
                 <a:prstGeom prst="rect">
@@ -19687,7 +19271,7 @@
               </p:txBody>
             </p:sp>
           </mc:Choice>
-          <mc:Fallback xmlns="">
+          <mc:Fallback>
             <p:sp>
               <p:nvSpPr>
                 <p:cNvPr id="174" name="Rectangle 173">
@@ -19704,7 +19288,7 @@
               </p:nvSpPr>
               <p:spPr>
                 <a:xfrm>
-                  <a:off x="5182610" y="4773554"/>
+                  <a:off x="4901256" y="1828131"/>
                   <a:ext cx="454483" cy="430924"/>
                 </a:xfrm>
                 <a:prstGeom prst="rect">
@@ -19751,7 +19335,7 @@
           </p:nvGrpSpPr>
           <p:grpSpPr>
             <a:xfrm rot="10800000">
-              <a:off x="7716357" y="4278268"/>
+              <a:off x="7435003" y="1332845"/>
               <a:ext cx="288705" cy="1538946"/>
               <a:chOff x="7216975" y="4077708"/>
               <a:chExt cx="288705" cy="1566146"/>
@@ -19925,7 +19509,7 @@
           </p:nvGrpSpPr>
           <p:grpSpPr>
             <a:xfrm rot="10800000">
-              <a:off x="5971293" y="4279984"/>
+              <a:off x="5689939" y="1334561"/>
               <a:ext cx="288705" cy="856223"/>
               <a:chOff x="6355062" y="1594075"/>
               <a:chExt cx="288705" cy="856223"/>
@@ -20085,8 +19669,8 @@
             </p:style>
           </p:cxnSp>
         </p:grpSp>
-        <mc:AlternateContent xmlns:mc="http://schemas.openxmlformats.org/markup-compatibility/2006" xmlns:a14="http://schemas.microsoft.com/office/drawing/2010/main">
-          <mc:Choice Requires="a14">
+        <mc:AlternateContent xmlns:mc="http://schemas.openxmlformats.org/markup-compatibility/2006">
+          <mc:Choice xmlns:a14="http://schemas.microsoft.com/office/drawing/2010/main" Requires="a14">
             <p:sp>
               <p:nvSpPr>
                 <p:cNvPr id="178" name="Rectangle 177">
@@ -20101,7 +19685,7 @@
               </p:nvSpPr>
               <p:spPr>
                 <a:xfrm>
-                  <a:off x="7001845" y="5449361"/>
+                  <a:off x="6720491" y="2503938"/>
                   <a:ext cx="454483" cy="430924"/>
                 </a:xfrm>
                 <a:prstGeom prst="rect">
@@ -20173,7 +19757,7 @@
               </p:txBody>
             </p:sp>
           </mc:Choice>
-          <mc:Fallback xmlns="">
+          <mc:Fallback>
             <p:sp>
               <p:nvSpPr>
                 <p:cNvPr id="178" name="Rectangle 177">
@@ -20190,7 +19774,7 @@
               </p:nvSpPr>
               <p:spPr>
                 <a:xfrm>
-                  <a:off x="7001845" y="5449361"/>
+                  <a:off x="6720491" y="2503938"/>
                   <a:ext cx="454483" cy="430924"/>
                 </a:xfrm>
                 <a:prstGeom prst="rect">
@@ -20237,7 +19821,7 @@
           </p:nvGrpSpPr>
           <p:grpSpPr>
             <a:xfrm rot="10800000">
-              <a:off x="6527600" y="4936689"/>
+              <a:off x="6246246" y="1991266"/>
               <a:ext cx="288705" cy="876740"/>
               <a:chOff x="6355062" y="908275"/>
               <a:chExt cx="288705" cy="876740"/>
@@ -20397,6 +19981,2268 @@
             </p:style>
           </p:cxnSp>
         </p:grpSp>
+        <p:sp>
+          <p:nvSpPr>
+            <p:cNvPr id="3" name="Rectangle 2">
+              <a:extLst>
+                <a:ext uri="{FF2B5EF4-FFF2-40B4-BE49-F238E27FC236}">
+                  <a16:creationId xmlns:a16="http://schemas.microsoft.com/office/drawing/2014/main" id="{5104DBA1-9A1C-C1E7-C3F8-92E66A7BA466}"/>
+                </a:ext>
+              </a:extLst>
+            </p:cNvPr>
+            <p:cNvSpPr/>
+            <p:nvPr/>
+          </p:nvSpPr>
+          <p:spPr>
+            <a:xfrm>
+              <a:off x="7244737" y="-1525473"/>
+              <a:ext cx="1145434" cy="1905000"/>
+            </a:xfrm>
+            <a:prstGeom prst="rect">
+              <a:avLst/>
+            </a:prstGeom>
+            <a:solidFill>
+              <a:schemeClr val="accent4">
+                <a:lumMod val="20000"/>
+                <a:lumOff val="80000"/>
+                <a:alpha val="50000"/>
+              </a:schemeClr>
+            </a:solidFill>
+            <a:ln w="28575">
+              <a:solidFill>
+                <a:schemeClr val="accent4"/>
+              </a:solidFill>
+            </a:ln>
+          </p:spPr>
+          <p:style>
+            <a:lnRef idx="2">
+              <a:schemeClr val="accent1">
+                <a:shade val="50000"/>
+              </a:schemeClr>
+            </a:lnRef>
+            <a:fillRef idx="1">
+              <a:schemeClr val="accent1"/>
+            </a:fillRef>
+            <a:effectRef idx="0">
+              <a:schemeClr val="accent1"/>
+            </a:effectRef>
+            <a:fontRef idx="minor">
+              <a:schemeClr val="lt1"/>
+            </a:fontRef>
+          </p:style>
+          <p:txBody>
+            <a:bodyPr rtlCol="0" anchor="ctr"/>
+            <a:lstStyle/>
+            <a:p>
+              <a:pPr algn="ctr"/>
+              <a:endParaRPr lang="en-US"/>
+            </a:p>
+          </p:txBody>
+        </p:sp>
+        <p:sp>
+          <p:nvSpPr>
+            <p:cNvPr id="4" name="Rectangle 3">
+              <a:extLst>
+                <a:ext uri="{FF2B5EF4-FFF2-40B4-BE49-F238E27FC236}">
+                  <a16:creationId xmlns:a16="http://schemas.microsoft.com/office/drawing/2014/main" id="{E1D2C203-5A5E-211F-A81F-360DAC0E4CD5}"/>
+                </a:ext>
+              </a:extLst>
+            </p:cNvPr>
+            <p:cNvSpPr/>
+            <p:nvPr/>
+          </p:nvSpPr>
+          <p:spPr>
+            <a:xfrm>
+              <a:off x="7735571" y="-1612267"/>
+              <a:ext cx="1670801" cy="822687"/>
+            </a:xfrm>
+            <a:prstGeom prst="rect">
+              <a:avLst/>
+            </a:prstGeom>
+            <a:solidFill>
+              <a:schemeClr val="accent6">
+                <a:lumMod val="20000"/>
+                <a:lumOff val="80000"/>
+                <a:alpha val="50000"/>
+              </a:schemeClr>
+            </a:solidFill>
+            <a:ln w="28575">
+              <a:solidFill>
+                <a:schemeClr val="accent6"/>
+              </a:solidFill>
+            </a:ln>
+          </p:spPr>
+          <p:style>
+            <a:lnRef idx="2">
+              <a:schemeClr val="accent1">
+                <a:shade val="50000"/>
+              </a:schemeClr>
+            </a:lnRef>
+            <a:fillRef idx="1">
+              <a:schemeClr val="accent1"/>
+            </a:fillRef>
+            <a:effectRef idx="0">
+              <a:schemeClr val="accent1"/>
+            </a:effectRef>
+            <a:fontRef idx="minor">
+              <a:schemeClr val="lt1"/>
+            </a:fontRef>
+          </p:style>
+          <p:txBody>
+            <a:bodyPr rtlCol="0" anchor="ctr"/>
+            <a:lstStyle/>
+            <a:p>
+              <a:pPr algn="ctr"/>
+              <a:endParaRPr lang="en-US"/>
+            </a:p>
+          </p:txBody>
+        </p:sp>
+        <mc:AlternateContent xmlns:mc="http://schemas.openxmlformats.org/markup-compatibility/2006">
+          <mc:Choice xmlns:a14="http://schemas.microsoft.com/office/drawing/2010/main" Requires="a14">
+            <p:sp>
+              <p:nvSpPr>
+                <p:cNvPr id="5" name="TextBox 4">
+                  <a:extLst>
+                    <a:ext uri="{FF2B5EF4-FFF2-40B4-BE49-F238E27FC236}">
+                      <a16:creationId xmlns:a16="http://schemas.microsoft.com/office/drawing/2014/main" id="{E58D11B0-F97B-5E96-7D0C-78E29B90200E}"/>
+                    </a:ext>
+                  </a:extLst>
+                </p:cNvPr>
+                <p:cNvSpPr txBox="1"/>
+                <p:nvPr/>
+              </p:nvSpPr>
+              <p:spPr>
+                <a:xfrm>
+                  <a:off x="2789122" y="-59231"/>
+                  <a:ext cx="465447" cy="369332"/>
+                </a:xfrm>
+                <a:prstGeom prst="rect">
+                  <a:avLst/>
+                </a:prstGeom>
+                <a:noFill/>
+              </p:spPr>
+              <p:txBody>
+                <a:bodyPr wrap="none" rtlCol="0">
+                  <a:spAutoFit/>
+                </a:bodyPr>
+                <a:lstStyle/>
+                <a:p>
+                  <a:pPr/>
+                  <a14:m>
+                    <m:oMathPara xmlns:m="http://schemas.openxmlformats.org/officeDocument/2006/math">
+                      <m:oMathParaPr>
+                        <m:jc m:val="centerGroup"/>
+                      </m:oMathParaPr>
+                      <m:oMath xmlns:m="http://schemas.openxmlformats.org/officeDocument/2006/math">
+                        <m:sSub>
+                          <m:sSubPr>
+                            <m:ctrlPr>
+                              <a:rPr lang="en-US" i="1" smtClean="0">
+                                <a:latin typeface="Cambria Math" panose="02040503050406030204" pitchFamily="18" charset="0"/>
+                              </a:rPr>
+                            </m:ctrlPr>
+                          </m:sSubPr>
+                          <m:e>
+                            <m:r>
+                              <a:rPr lang="en-US" b="0" i="1" smtClean="0">
+                                <a:latin typeface="Cambria Math" panose="02040503050406030204" pitchFamily="18" charset="0"/>
+                              </a:rPr>
+                              <m:t>𝑞</m:t>
+                            </m:r>
+                          </m:e>
+                          <m:sub>
+                            <m:r>
+                              <a:rPr lang="en-US" b="0" i="1" smtClean="0">
+                                <a:latin typeface="Cambria Math" panose="02040503050406030204" pitchFamily="18" charset="0"/>
+                              </a:rPr>
+                              <m:t>2</m:t>
+                            </m:r>
+                          </m:sub>
+                        </m:sSub>
+                      </m:oMath>
+                    </m:oMathPara>
+                  </a14:m>
+                  <a:endParaRPr lang="en-US" dirty="0"/>
+                </a:p>
+              </p:txBody>
+            </p:sp>
+          </mc:Choice>
+          <mc:Fallback>
+            <p:sp>
+              <p:nvSpPr>
+                <p:cNvPr id="5" name="TextBox 4">
+                  <a:extLst>
+                    <a:ext uri="{FF2B5EF4-FFF2-40B4-BE49-F238E27FC236}">
+                      <a16:creationId xmlns:a16="http://schemas.microsoft.com/office/drawing/2014/main" id="{E58D11B0-F97B-5E96-7D0C-78E29B90200E}"/>
+                    </a:ext>
+                  </a:extLst>
+                </p:cNvPr>
+                <p:cNvSpPr txBox="1">
+                  <a:spLocks noRot="1" noChangeAspect="1" noMove="1" noResize="1" noEditPoints="1" noAdjustHandles="1" noChangeArrowheads="1" noChangeShapeType="1" noTextEdit="1"/>
+                </p:cNvSpPr>
+                <p:nvPr/>
+              </p:nvSpPr>
+              <p:spPr>
+                <a:xfrm>
+                  <a:off x="2789122" y="-59231"/>
+                  <a:ext cx="465447" cy="369332"/>
+                </a:xfrm>
+                <a:prstGeom prst="rect">
+                  <a:avLst/>
+                </a:prstGeom>
+                <a:blipFill>
+                  <a:blip r:embed="rId8"/>
+                  <a:stretch>
+                    <a:fillRect b="-6557"/>
+                  </a:stretch>
+                </a:blipFill>
+              </p:spPr>
+              <p:txBody>
+                <a:bodyPr/>
+                <a:lstStyle/>
+                <a:p>
+                  <a:r>
+                    <a:rPr lang="zh-CN" altLang="en-US">
+                      <a:noFill/>
+                    </a:rPr>
+                    <a:t> </a:t>
+                  </a:r>
+                </a:p>
+              </p:txBody>
+            </p:sp>
+          </mc:Fallback>
+        </mc:AlternateContent>
+        <mc:AlternateContent xmlns:mc="http://schemas.openxmlformats.org/markup-compatibility/2006">
+          <mc:Choice xmlns:a14="http://schemas.microsoft.com/office/drawing/2010/main" Requires="a14">
+            <p:sp>
+              <p:nvSpPr>
+                <p:cNvPr id="6" name="TextBox 5">
+                  <a:extLst>
+                    <a:ext uri="{FF2B5EF4-FFF2-40B4-BE49-F238E27FC236}">
+                      <a16:creationId xmlns:a16="http://schemas.microsoft.com/office/drawing/2014/main" id="{D973D59B-9CB2-9BE3-E231-A4DFC97D3A78}"/>
+                    </a:ext>
+                  </a:extLst>
+                </p:cNvPr>
+                <p:cNvSpPr txBox="1"/>
+                <p:nvPr/>
+              </p:nvSpPr>
+              <p:spPr>
+                <a:xfrm>
+                  <a:off x="2789122" y="-737543"/>
+                  <a:ext cx="465447" cy="369332"/>
+                </a:xfrm>
+                <a:prstGeom prst="rect">
+                  <a:avLst/>
+                </a:prstGeom>
+                <a:noFill/>
+              </p:spPr>
+              <p:txBody>
+                <a:bodyPr wrap="none" rtlCol="0">
+                  <a:spAutoFit/>
+                </a:bodyPr>
+                <a:lstStyle/>
+                <a:p>
+                  <a:pPr/>
+                  <a14:m>
+                    <m:oMathPara xmlns:m="http://schemas.openxmlformats.org/officeDocument/2006/math">
+                      <m:oMathParaPr>
+                        <m:jc m:val="centerGroup"/>
+                      </m:oMathParaPr>
+                      <m:oMath xmlns:m="http://schemas.openxmlformats.org/officeDocument/2006/math">
+                        <m:sSub>
+                          <m:sSubPr>
+                            <m:ctrlPr>
+                              <a:rPr lang="en-US" i="1" smtClean="0">
+                                <a:latin typeface="Cambria Math" panose="02040503050406030204" pitchFamily="18" charset="0"/>
+                              </a:rPr>
+                            </m:ctrlPr>
+                          </m:sSubPr>
+                          <m:e>
+                            <m:r>
+                              <a:rPr lang="en-US" b="0" i="1" smtClean="0">
+                                <a:latin typeface="Cambria Math" panose="02040503050406030204" pitchFamily="18" charset="0"/>
+                              </a:rPr>
+                              <m:t>𝑞</m:t>
+                            </m:r>
+                          </m:e>
+                          <m:sub>
+                            <m:r>
+                              <a:rPr lang="en-US" b="0" i="1" smtClean="0">
+                                <a:latin typeface="Cambria Math" panose="02040503050406030204" pitchFamily="18" charset="0"/>
+                              </a:rPr>
+                              <m:t>1</m:t>
+                            </m:r>
+                          </m:sub>
+                        </m:sSub>
+                      </m:oMath>
+                    </m:oMathPara>
+                  </a14:m>
+                  <a:endParaRPr lang="en-US" dirty="0"/>
+                </a:p>
+              </p:txBody>
+            </p:sp>
+          </mc:Choice>
+          <mc:Fallback>
+            <p:sp>
+              <p:nvSpPr>
+                <p:cNvPr id="6" name="TextBox 5">
+                  <a:extLst>
+                    <a:ext uri="{FF2B5EF4-FFF2-40B4-BE49-F238E27FC236}">
+                      <a16:creationId xmlns:a16="http://schemas.microsoft.com/office/drawing/2014/main" id="{D973D59B-9CB2-9BE3-E231-A4DFC97D3A78}"/>
+                    </a:ext>
+                  </a:extLst>
+                </p:cNvPr>
+                <p:cNvSpPr txBox="1">
+                  <a:spLocks noRot="1" noChangeAspect="1" noMove="1" noResize="1" noEditPoints="1" noAdjustHandles="1" noChangeArrowheads="1" noChangeShapeType="1" noTextEdit="1"/>
+                </p:cNvSpPr>
+                <p:nvPr/>
+              </p:nvSpPr>
+              <p:spPr>
+                <a:xfrm>
+                  <a:off x="2789122" y="-737543"/>
+                  <a:ext cx="465447" cy="369332"/>
+                </a:xfrm>
+                <a:prstGeom prst="rect">
+                  <a:avLst/>
+                </a:prstGeom>
+                <a:blipFill>
+                  <a:blip r:embed="rId9"/>
+                  <a:stretch>
+                    <a:fillRect b="-6557"/>
+                  </a:stretch>
+                </a:blipFill>
+              </p:spPr>
+              <p:txBody>
+                <a:bodyPr/>
+                <a:lstStyle/>
+                <a:p>
+                  <a:r>
+                    <a:rPr lang="zh-CN" altLang="en-US">
+                      <a:noFill/>
+                    </a:rPr>
+                    <a:t> </a:t>
+                  </a:r>
+                </a:p>
+              </p:txBody>
+            </p:sp>
+          </mc:Fallback>
+        </mc:AlternateContent>
+        <mc:AlternateContent xmlns:mc="http://schemas.openxmlformats.org/markup-compatibility/2006">
+          <mc:Choice xmlns:a14="http://schemas.microsoft.com/office/drawing/2010/main" Requires="a14">
+            <p:sp>
+              <p:nvSpPr>
+                <p:cNvPr id="7" name="TextBox 6">
+                  <a:extLst>
+                    <a:ext uri="{FF2B5EF4-FFF2-40B4-BE49-F238E27FC236}">
+                      <a16:creationId xmlns:a16="http://schemas.microsoft.com/office/drawing/2014/main" id="{50DF6F6C-49A4-7CD2-8F69-FAAE689905CD}"/>
+                    </a:ext>
+                  </a:extLst>
+                </p:cNvPr>
+                <p:cNvSpPr txBox="1"/>
+                <p:nvPr/>
+              </p:nvSpPr>
+              <p:spPr>
+                <a:xfrm>
+                  <a:off x="2787262" y="-1402069"/>
+                  <a:ext cx="465447" cy="369332"/>
+                </a:xfrm>
+                <a:prstGeom prst="rect">
+                  <a:avLst/>
+                </a:prstGeom>
+                <a:noFill/>
+              </p:spPr>
+              <p:txBody>
+                <a:bodyPr wrap="none" rtlCol="0">
+                  <a:spAutoFit/>
+                </a:bodyPr>
+                <a:lstStyle/>
+                <a:p>
+                  <a:pPr/>
+                  <a14:m>
+                    <m:oMathPara xmlns:m="http://schemas.openxmlformats.org/officeDocument/2006/math">
+                      <m:oMathParaPr>
+                        <m:jc m:val="centerGroup"/>
+                      </m:oMathParaPr>
+                      <m:oMath xmlns:m="http://schemas.openxmlformats.org/officeDocument/2006/math">
+                        <m:sSub>
+                          <m:sSubPr>
+                            <m:ctrlPr>
+                              <a:rPr lang="en-US" i="1" smtClean="0">
+                                <a:latin typeface="Cambria Math" panose="02040503050406030204" pitchFamily="18" charset="0"/>
+                              </a:rPr>
+                            </m:ctrlPr>
+                          </m:sSubPr>
+                          <m:e>
+                            <m:r>
+                              <a:rPr lang="en-US" b="0" i="1" smtClean="0">
+                                <a:latin typeface="Cambria Math" panose="02040503050406030204" pitchFamily="18" charset="0"/>
+                              </a:rPr>
+                              <m:t>𝑞</m:t>
+                            </m:r>
+                          </m:e>
+                          <m:sub>
+                            <m:r>
+                              <a:rPr lang="en-US" b="0" i="1" smtClean="0">
+                                <a:latin typeface="Cambria Math" panose="02040503050406030204" pitchFamily="18" charset="0"/>
+                              </a:rPr>
+                              <m:t>0</m:t>
+                            </m:r>
+                          </m:sub>
+                        </m:sSub>
+                      </m:oMath>
+                    </m:oMathPara>
+                  </a14:m>
+                  <a:endParaRPr lang="en-US" dirty="0"/>
+                </a:p>
+              </p:txBody>
+            </p:sp>
+          </mc:Choice>
+          <mc:Fallback>
+            <p:sp>
+              <p:nvSpPr>
+                <p:cNvPr id="7" name="TextBox 6">
+                  <a:extLst>
+                    <a:ext uri="{FF2B5EF4-FFF2-40B4-BE49-F238E27FC236}">
+                      <a16:creationId xmlns:a16="http://schemas.microsoft.com/office/drawing/2014/main" id="{50DF6F6C-49A4-7CD2-8F69-FAAE689905CD}"/>
+                    </a:ext>
+                  </a:extLst>
+                </p:cNvPr>
+                <p:cNvSpPr txBox="1">
+                  <a:spLocks noRot="1" noChangeAspect="1" noMove="1" noResize="1" noEditPoints="1" noAdjustHandles="1" noChangeArrowheads="1" noChangeShapeType="1" noTextEdit="1"/>
+                </p:cNvSpPr>
+                <p:nvPr/>
+              </p:nvSpPr>
+              <p:spPr>
+                <a:xfrm>
+                  <a:off x="2787262" y="-1402069"/>
+                  <a:ext cx="465447" cy="369332"/>
+                </a:xfrm>
+                <a:prstGeom prst="rect">
+                  <a:avLst/>
+                </a:prstGeom>
+                <a:blipFill>
+                  <a:blip r:embed="rId10"/>
+                  <a:stretch>
+                    <a:fillRect b="-6557"/>
+                  </a:stretch>
+                </a:blipFill>
+              </p:spPr>
+              <p:txBody>
+                <a:bodyPr/>
+                <a:lstStyle/>
+                <a:p>
+                  <a:r>
+                    <a:rPr lang="zh-CN" altLang="en-US">
+                      <a:noFill/>
+                    </a:rPr>
+                    <a:t> </a:t>
+                  </a:r>
+                </a:p>
+              </p:txBody>
+            </p:sp>
+          </mc:Fallback>
+        </mc:AlternateContent>
+        <p:grpSp>
+          <p:nvGrpSpPr>
+            <p:cNvPr id="8" name="Group 7">
+              <a:extLst>
+                <a:ext uri="{FF2B5EF4-FFF2-40B4-BE49-F238E27FC236}">
+                  <a16:creationId xmlns:a16="http://schemas.microsoft.com/office/drawing/2014/main" id="{CC5549B9-6B31-02B3-DA1B-44B6310C4546}"/>
+                </a:ext>
+              </a:extLst>
+            </p:cNvPr>
+            <p:cNvGrpSpPr/>
+            <p:nvPr/>
+          </p:nvGrpSpPr>
+          <p:grpSpPr>
+            <a:xfrm>
+              <a:off x="3264374" y="-1217403"/>
+              <a:ext cx="6454885" cy="1342838"/>
+              <a:chOff x="3753948" y="1031665"/>
+              <a:chExt cx="3082898" cy="1342838"/>
+            </a:xfrm>
+          </p:grpSpPr>
+          <p:cxnSp>
+            <p:nvCxnSpPr>
+              <p:cNvPr id="9" name="Straight Connector 8">
+                <a:extLst>
+                  <a:ext uri="{FF2B5EF4-FFF2-40B4-BE49-F238E27FC236}">
+                    <a16:creationId xmlns:a16="http://schemas.microsoft.com/office/drawing/2014/main" id="{24FF2183-FC68-BD31-B819-BF080B8E03A0}"/>
+                  </a:ext>
+                </a:extLst>
+              </p:cNvPr>
+              <p:cNvCxnSpPr>
+                <a:cxnSpLocks/>
+              </p:cNvCxnSpPr>
+              <p:nvPr/>
+            </p:nvCxnSpPr>
+            <p:spPr>
+              <a:xfrm>
+                <a:off x="3755455" y="2374503"/>
+                <a:ext cx="3081391" cy="0"/>
+              </a:xfrm>
+              <a:prstGeom prst="line">
+                <a:avLst/>
+              </a:prstGeom>
+              <a:ln w="19050">
+                <a:solidFill>
+                  <a:schemeClr val="tx1"/>
+                </a:solidFill>
+                <a:headEnd type="none" w="med" len="med"/>
+                <a:tailEnd type="none" w="med" len="med"/>
+              </a:ln>
+            </p:spPr>
+            <p:style>
+              <a:lnRef idx="1">
+                <a:schemeClr val="accent1"/>
+              </a:lnRef>
+              <a:fillRef idx="0">
+                <a:schemeClr val="accent1"/>
+              </a:fillRef>
+              <a:effectRef idx="0">
+                <a:schemeClr val="accent1"/>
+              </a:effectRef>
+              <a:fontRef idx="minor">
+                <a:schemeClr val="tx1"/>
+              </a:fontRef>
+            </p:style>
+          </p:cxnSp>
+          <p:cxnSp>
+            <p:nvCxnSpPr>
+              <p:cNvPr id="10" name="Straight Connector 9">
+                <a:extLst>
+                  <a:ext uri="{FF2B5EF4-FFF2-40B4-BE49-F238E27FC236}">
+                    <a16:creationId xmlns:a16="http://schemas.microsoft.com/office/drawing/2014/main" id="{F6F373A5-CA02-B8F3-87D4-66A117F51C84}"/>
+                  </a:ext>
+                </a:extLst>
+              </p:cNvPr>
+              <p:cNvCxnSpPr>
+                <a:cxnSpLocks/>
+              </p:cNvCxnSpPr>
+              <p:nvPr/>
+            </p:nvCxnSpPr>
+            <p:spPr>
+              <a:xfrm>
+                <a:off x="3755455" y="1696191"/>
+                <a:ext cx="3081391" cy="0"/>
+              </a:xfrm>
+              <a:prstGeom prst="line">
+                <a:avLst/>
+              </a:prstGeom>
+              <a:ln w="19050">
+                <a:solidFill>
+                  <a:schemeClr val="tx1"/>
+                </a:solidFill>
+                <a:headEnd type="none" w="med" len="med"/>
+                <a:tailEnd type="none" w="med" len="med"/>
+              </a:ln>
+            </p:spPr>
+            <p:style>
+              <a:lnRef idx="1">
+                <a:schemeClr val="accent1"/>
+              </a:lnRef>
+              <a:fillRef idx="0">
+                <a:schemeClr val="accent1"/>
+              </a:fillRef>
+              <a:effectRef idx="0">
+                <a:schemeClr val="accent1"/>
+              </a:effectRef>
+              <a:fontRef idx="minor">
+                <a:schemeClr val="tx1"/>
+              </a:fontRef>
+            </p:style>
+          </p:cxnSp>
+          <p:cxnSp>
+            <p:nvCxnSpPr>
+              <p:cNvPr id="11" name="Straight Connector 10">
+                <a:extLst>
+                  <a:ext uri="{FF2B5EF4-FFF2-40B4-BE49-F238E27FC236}">
+                    <a16:creationId xmlns:a16="http://schemas.microsoft.com/office/drawing/2014/main" id="{F67D958C-D5E2-2ECB-46EC-64D0621A8B00}"/>
+                  </a:ext>
+                </a:extLst>
+              </p:cNvPr>
+              <p:cNvCxnSpPr>
+                <a:cxnSpLocks/>
+              </p:cNvCxnSpPr>
+              <p:nvPr/>
+            </p:nvCxnSpPr>
+            <p:spPr>
+              <a:xfrm>
+                <a:off x="3753948" y="1031665"/>
+                <a:ext cx="3082545" cy="0"/>
+              </a:xfrm>
+              <a:prstGeom prst="line">
+                <a:avLst/>
+              </a:prstGeom>
+              <a:ln w="19050">
+                <a:solidFill>
+                  <a:schemeClr val="tx1"/>
+                </a:solidFill>
+                <a:headEnd type="none" w="med" len="med"/>
+                <a:tailEnd type="none" w="med" len="med"/>
+              </a:ln>
+            </p:spPr>
+            <p:style>
+              <a:lnRef idx="1">
+                <a:schemeClr val="accent1"/>
+              </a:lnRef>
+              <a:fillRef idx="0">
+                <a:schemeClr val="accent1"/>
+              </a:fillRef>
+              <a:effectRef idx="0">
+                <a:schemeClr val="accent1"/>
+              </a:effectRef>
+              <a:fontRef idx="minor">
+                <a:schemeClr val="tx1"/>
+              </a:fontRef>
+            </p:style>
+          </p:cxnSp>
+        </p:grpSp>
+        <mc:AlternateContent xmlns:mc="http://schemas.openxmlformats.org/markup-compatibility/2006">
+          <mc:Choice xmlns:a14="http://schemas.microsoft.com/office/drawing/2010/main" Requires="a14">
+            <p:sp>
+              <p:nvSpPr>
+                <p:cNvPr id="12" name="Rectangle 11">
+                  <a:extLst>
+                    <a:ext uri="{FF2B5EF4-FFF2-40B4-BE49-F238E27FC236}">
+                      <a16:creationId xmlns:a16="http://schemas.microsoft.com/office/drawing/2014/main" id="{7644E6B0-B808-4851-1327-694DF6AD8D19}"/>
+                    </a:ext>
+                  </a:extLst>
+                </p:cNvPr>
+                <p:cNvSpPr/>
+                <p:nvPr/>
+              </p:nvSpPr>
+              <p:spPr>
+                <a:xfrm>
+                  <a:off x="4116630" y="-765966"/>
+                  <a:ext cx="454483" cy="430924"/>
+                </a:xfrm>
+                <a:prstGeom prst="rect">
+                  <a:avLst/>
+                </a:prstGeom>
+                <a:solidFill>
+                  <a:schemeClr val="bg1"/>
+                </a:solidFill>
+                <a:ln w="19050">
+                  <a:solidFill>
+                    <a:schemeClr val="accent2"/>
+                  </a:solidFill>
+                </a:ln>
+              </p:spPr>
+              <p:style>
+                <a:lnRef idx="2">
+                  <a:schemeClr val="accent1">
+                    <a:shade val="50000"/>
+                  </a:schemeClr>
+                </a:lnRef>
+                <a:fillRef idx="1">
+                  <a:schemeClr val="accent1"/>
+                </a:fillRef>
+                <a:effectRef idx="0">
+                  <a:schemeClr val="accent1"/>
+                </a:effectRef>
+                <a:fontRef idx="minor">
+                  <a:schemeClr val="lt1"/>
+                </a:fontRef>
+              </p:style>
+              <p:txBody>
+                <a:bodyPr rtlCol="0" anchor="ctr"/>
+                <a:lstStyle/>
+                <a:p>
+                  <a:pPr algn="ctr"/>
+                  <a14:m>
+                    <m:oMathPara xmlns:m="http://schemas.openxmlformats.org/officeDocument/2006/math">
+                      <m:oMathParaPr>
+                        <m:jc m:val="left"/>
+                      </m:oMathParaPr>
+                      <m:oMath xmlns:m="http://schemas.openxmlformats.org/officeDocument/2006/math">
+                        <m:r>
+                          <a:rPr lang="en-US" altLang="zh-CN" sz="2400" b="0" i="1" dirty="0" smtClean="0">
+                            <a:solidFill>
+                              <a:schemeClr val="accent2"/>
+                            </a:solidFill>
+                            <a:latin typeface="Cambria Math" panose="02040503050406030204" pitchFamily="18" charset="0"/>
+                          </a:rPr>
+                          <m:t> </m:t>
+                        </m:r>
+                        <m:r>
+                          <a:rPr lang="en-US" altLang="zh-CN" sz="2400" b="0" i="1" dirty="0" smtClean="0">
+                            <a:solidFill>
+                              <a:schemeClr val="accent2"/>
+                            </a:solidFill>
+                            <a:latin typeface="Cambria Math" panose="02040503050406030204" pitchFamily="18" charset="0"/>
+                          </a:rPr>
+                          <m:t>𝑇</m:t>
+                        </m:r>
+                      </m:oMath>
+                    </m:oMathPara>
+                  </a14:m>
+                  <a:endParaRPr lang="en-US" sz="2400" i="1" dirty="0">
+                    <a:solidFill>
+                      <a:schemeClr val="accent2"/>
+                    </a:solidFill>
+                  </a:endParaRPr>
+                </a:p>
+              </p:txBody>
+            </p:sp>
+          </mc:Choice>
+          <mc:Fallback>
+            <p:sp>
+              <p:nvSpPr>
+                <p:cNvPr id="12" name="Rectangle 11">
+                  <a:extLst>
+                    <a:ext uri="{FF2B5EF4-FFF2-40B4-BE49-F238E27FC236}">
+                      <a16:creationId xmlns:a16="http://schemas.microsoft.com/office/drawing/2014/main" id="{7644E6B0-B808-4851-1327-694DF6AD8D19}"/>
+                    </a:ext>
+                  </a:extLst>
+                </p:cNvPr>
+                <p:cNvSpPr>
+                  <a:spLocks noRot="1" noChangeAspect="1" noMove="1" noResize="1" noEditPoints="1" noAdjustHandles="1" noChangeArrowheads="1" noChangeShapeType="1" noTextEdit="1"/>
+                </p:cNvSpPr>
+                <p:nvPr/>
+              </p:nvSpPr>
+              <p:spPr>
+                <a:xfrm>
+                  <a:off x="4116630" y="-765966"/>
+                  <a:ext cx="454483" cy="430924"/>
+                </a:xfrm>
+                <a:prstGeom prst="rect">
+                  <a:avLst/>
+                </a:prstGeom>
+                <a:blipFill>
+                  <a:blip r:embed="rId11"/>
+                  <a:stretch>
+                    <a:fillRect/>
+                  </a:stretch>
+                </a:blipFill>
+                <a:ln w="19050">
+                  <a:solidFill>
+                    <a:schemeClr val="accent2"/>
+                  </a:solidFill>
+                </a:ln>
+              </p:spPr>
+              <p:txBody>
+                <a:bodyPr/>
+                <a:lstStyle/>
+                <a:p>
+                  <a:r>
+                    <a:rPr lang="zh-CN" altLang="en-US">
+                      <a:noFill/>
+                    </a:rPr>
+                    <a:t> </a:t>
+                  </a:r>
+                </a:p>
+              </p:txBody>
+            </p:sp>
+          </mc:Fallback>
+        </mc:AlternateContent>
+        <p:grpSp>
+          <p:nvGrpSpPr>
+            <p:cNvPr id="13" name="Group 12">
+              <a:extLst>
+                <a:ext uri="{FF2B5EF4-FFF2-40B4-BE49-F238E27FC236}">
+                  <a16:creationId xmlns:a16="http://schemas.microsoft.com/office/drawing/2014/main" id="{3660BBEA-03EF-A33C-1114-2F06DB4C8474}"/>
+                </a:ext>
+              </a:extLst>
+            </p:cNvPr>
+            <p:cNvGrpSpPr/>
+            <p:nvPr/>
+          </p:nvGrpSpPr>
+          <p:grpSpPr>
+            <a:xfrm>
+              <a:off x="8788416" y="-696387"/>
+              <a:ext cx="288705" cy="880346"/>
+              <a:chOff x="7216975" y="4763508"/>
+              <a:chExt cx="288705" cy="880346"/>
+            </a:xfrm>
+          </p:grpSpPr>
+          <p:sp>
+            <p:nvSpPr>
+              <p:cNvPr id="14" name="Or 71">
+                <a:extLst>
+                  <a:ext uri="{FF2B5EF4-FFF2-40B4-BE49-F238E27FC236}">
+                    <a16:creationId xmlns:a16="http://schemas.microsoft.com/office/drawing/2014/main" id="{4EAA3300-B3FB-839B-8476-D06B4F9E83AC}"/>
+                  </a:ext>
+                </a:extLst>
+              </p:cNvPr>
+              <p:cNvSpPr/>
+              <p:nvPr/>
+            </p:nvSpPr>
+            <p:spPr>
+              <a:xfrm>
+                <a:off x="7216975" y="4763508"/>
+                <a:ext cx="288705" cy="288705"/>
+              </a:xfrm>
+              <a:prstGeom prst="flowChartOr">
+                <a:avLst/>
+              </a:prstGeom>
+              <a:solidFill>
+                <a:schemeClr val="bg1"/>
+              </a:solidFill>
+              <a:ln w="19050">
+                <a:solidFill>
+                  <a:schemeClr val="accent2"/>
+                </a:solidFill>
+              </a:ln>
+            </p:spPr>
+            <p:style>
+              <a:lnRef idx="2">
+                <a:schemeClr val="accent1">
+                  <a:shade val="50000"/>
+                </a:schemeClr>
+              </a:lnRef>
+              <a:fillRef idx="1">
+                <a:schemeClr val="accent1"/>
+              </a:fillRef>
+              <a:effectRef idx="0">
+                <a:schemeClr val="accent1"/>
+              </a:effectRef>
+              <a:fontRef idx="minor">
+                <a:schemeClr val="lt1"/>
+              </a:fontRef>
+            </p:style>
+            <p:txBody>
+              <a:bodyPr rtlCol="0" anchor="ctr"/>
+              <a:lstStyle/>
+              <a:p>
+                <a:pPr algn="ctr"/>
+                <a:endParaRPr lang="en-US"/>
+              </a:p>
+            </p:txBody>
+          </p:sp>
+          <p:sp>
+            <p:nvSpPr>
+              <p:cNvPr id="15" name="Connector 72">
+                <a:extLst>
+                  <a:ext uri="{FF2B5EF4-FFF2-40B4-BE49-F238E27FC236}">
+                    <a16:creationId xmlns:a16="http://schemas.microsoft.com/office/drawing/2014/main" id="{1FAD02C1-6AB9-A080-F1A2-015BEF47E91D}"/>
+                  </a:ext>
+                </a:extLst>
+              </p:cNvPr>
+              <p:cNvSpPr/>
+              <p:nvPr/>
+            </p:nvSpPr>
+            <p:spPr>
+              <a:xfrm>
+                <a:off x="7304293" y="5529786"/>
+                <a:ext cx="114068" cy="114068"/>
+              </a:xfrm>
+              <a:prstGeom prst="flowChartConnector">
+                <a:avLst/>
+              </a:prstGeom>
+              <a:solidFill>
+                <a:schemeClr val="accent2"/>
+              </a:solidFill>
+              <a:ln>
+                <a:noFill/>
+              </a:ln>
+            </p:spPr>
+            <p:style>
+              <a:lnRef idx="2">
+                <a:schemeClr val="accent1">
+                  <a:shade val="50000"/>
+                </a:schemeClr>
+              </a:lnRef>
+              <a:fillRef idx="1">
+                <a:schemeClr val="accent1"/>
+              </a:fillRef>
+              <a:effectRef idx="0">
+                <a:schemeClr val="accent1"/>
+              </a:effectRef>
+              <a:fontRef idx="minor">
+                <a:schemeClr val="lt1"/>
+              </a:fontRef>
+            </p:style>
+            <p:txBody>
+              <a:bodyPr rtlCol="0" anchor="ctr"/>
+              <a:lstStyle/>
+              <a:p>
+                <a:pPr algn="ctr"/>
+                <a:endParaRPr lang="en-US"/>
+              </a:p>
+            </p:txBody>
+          </p:sp>
+          <p:cxnSp>
+            <p:nvCxnSpPr>
+              <p:cNvPr id="16" name="Straight Connector 15">
+                <a:extLst>
+                  <a:ext uri="{FF2B5EF4-FFF2-40B4-BE49-F238E27FC236}">
+                    <a16:creationId xmlns:a16="http://schemas.microsoft.com/office/drawing/2014/main" id="{7BB6B1C4-29CC-A955-3917-074695378022}"/>
+                  </a:ext>
+                </a:extLst>
+              </p:cNvPr>
+              <p:cNvCxnSpPr>
+                <a:cxnSpLocks/>
+                <a:stCxn id="14" idx="4"/>
+                <a:endCxn id="15" idx="0"/>
+              </p:cNvCxnSpPr>
+              <p:nvPr/>
+            </p:nvCxnSpPr>
+            <p:spPr>
+              <a:xfrm flipH="1">
+                <a:off x="7361327" y="5052213"/>
+                <a:ext cx="1" cy="477573"/>
+              </a:xfrm>
+              <a:prstGeom prst="line">
+                <a:avLst/>
+              </a:prstGeom>
+              <a:ln w="19050">
+                <a:solidFill>
+                  <a:schemeClr val="accent2"/>
+                </a:solidFill>
+                <a:headEnd type="none" w="med" len="med"/>
+                <a:tailEnd type="none" w="med" len="med"/>
+              </a:ln>
+            </p:spPr>
+            <p:style>
+              <a:lnRef idx="1">
+                <a:schemeClr val="accent1"/>
+              </a:lnRef>
+              <a:fillRef idx="0">
+                <a:schemeClr val="accent1"/>
+              </a:fillRef>
+              <a:effectRef idx="0">
+                <a:schemeClr val="accent1"/>
+              </a:effectRef>
+              <a:fontRef idx="minor">
+                <a:schemeClr val="tx1"/>
+              </a:fontRef>
+            </p:style>
+          </p:cxnSp>
+        </p:grpSp>
+        <p:grpSp>
+          <p:nvGrpSpPr>
+            <p:cNvPr id="17" name="Group 16">
+              <a:extLst>
+                <a:ext uri="{FF2B5EF4-FFF2-40B4-BE49-F238E27FC236}">
+                  <a16:creationId xmlns:a16="http://schemas.microsoft.com/office/drawing/2014/main" id="{F2A7B37B-6731-8A29-00AB-97BC7A9CDF52}"/>
+                </a:ext>
+              </a:extLst>
+            </p:cNvPr>
+            <p:cNvGrpSpPr/>
+            <p:nvPr/>
+          </p:nvGrpSpPr>
+          <p:grpSpPr>
+            <a:xfrm rot="10800000">
+              <a:off x="3483129" y="-1276492"/>
+              <a:ext cx="288705" cy="863843"/>
+              <a:chOff x="6355062" y="1586455"/>
+              <a:chExt cx="288705" cy="863843"/>
+            </a:xfrm>
+          </p:grpSpPr>
+          <p:sp>
+            <p:nvSpPr>
+              <p:cNvPr id="18" name="Or 77">
+                <a:extLst>
+                  <a:ext uri="{FF2B5EF4-FFF2-40B4-BE49-F238E27FC236}">
+                    <a16:creationId xmlns:a16="http://schemas.microsoft.com/office/drawing/2014/main" id="{197CF410-EE47-D9BE-DA7C-F1CDD997A1A9}"/>
+                  </a:ext>
+                </a:extLst>
+              </p:cNvPr>
+              <p:cNvSpPr/>
+              <p:nvPr/>
+            </p:nvSpPr>
+            <p:spPr>
+              <a:xfrm>
+                <a:off x="6355062" y="1586455"/>
+                <a:ext cx="288705" cy="288705"/>
+              </a:xfrm>
+              <a:prstGeom prst="flowChartOr">
+                <a:avLst/>
+              </a:prstGeom>
+              <a:solidFill>
+                <a:schemeClr val="bg1"/>
+              </a:solidFill>
+              <a:ln w="19050">
+                <a:solidFill>
+                  <a:schemeClr val="accent2"/>
+                </a:solidFill>
+              </a:ln>
+            </p:spPr>
+            <p:style>
+              <a:lnRef idx="2">
+                <a:schemeClr val="accent1">
+                  <a:shade val="50000"/>
+                </a:schemeClr>
+              </a:lnRef>
+              <a:fillRef idx="1">
+                <a:schemeClr val="accent1"/>
+              </a:fillRef>
+              <a:effectRef idx="0">
+                <a:schemeClr val="accent1"/>
+              </a:effectRef>
+              <a:fontRef idx="minor">
+                <a:schemeClr val="lt1"/>
+              </a:fontRef>
+            </p:style>
+            <p:txBody>
+              <a:bodyPr rtlCol="0" anchor="ctr"/>
+              <a:lstStyle/>
+              <a:p>
+                <a:pPr algn="ctr"/>
+                <a:endParaRPr lang="en-US"/>
+              </a:p>
+            </p:txBody>
+          </p:sp>
+          <p:sp>
+            <p:nvSpPr>
+              <p:cNvPr id="19" name="Connector 78">
+                <a:extLst>
+                  <a:ext uri="{FF2B5EF4-FFF2-40B4-BE49-F238E27FC236}">
+                    <a16:creationId xmlns:a16="http://schemas.microsoft.com/office/drawing/2014/main" id="{B3776A24-EDBD-CB6B-B90F-B589D7E31DB6}"/>
+                  </a:ext>
+                </a:extLst>
+              </p:cNvPr>
+              <p:cNvSpPr/>
+              <p:nvPr/>
+            </p:nvSpPr>
+            <p:spPr>
+              <a:xfrm>
+                <a:off x="6442381" y="2336230"/>
+                <a:ext cx="114068" cy="114068"/>
+              </a:xfrm>
+              <a:prstGeom prst="flowChartConnector">
+                <a:avLst/>
+              </a:prstGeom>
+              <a:solidFill>
+                <a:schemeClr val="accent2"/>
+              </a:solidFill>
+              <a:ln>
+                <a:noFill/>
+              </a:ln>
+            </p:spPr>
+            <p:style>
+              <a:lnRef idx="2">
+                <a:schemeClr val="accent1">
+                  <a:shade val="50000"/>
+                </a:schemeClr>
+              </a:lnRef>
+              <a:fillRef idx="1">
+                <a:schemeClr val="accent1"/>
+              </a:fillRef>
+              <a:effectRef idx="0">
+                <a:schemeClr val="accent1"/>
+              </a:effectRef>
+              <a:fontRef idx="minor">
+                <a:schemeClr val="lt1"/>
+              </a:fontRef>
+            </p:style>
+            <p:txBody>
+              <a:bodyPr rtlCol="0" anchor="ctr"/>
+              <a:lstStyle/>
+              <a:p>
+                <a:pPr algn="ctr"/>
+                <a:endParaRPr lang="en-US"/>
+              </a:p>
+            </p:txBody>
+          </p:sp>
+          <p:cxnSp>
+            <p:nvCxnSpPr>
+              <p:cNvPr id="20" name="Straight Connector 19">
+                <a:extLst>
+                  <a:ext uri="{FF2B5EF4-FFF2-40B4-BE49-F238E27FC236}">
+                    <a16:creationId xmlns:a16="http://schemas.microsoft.com/office/drawing/2014/main" id="{A421D1FC-A8DC-E61F-D098-B2926314289E}"/>
+                  </a:ext>
+                </a:extLst>
+              </p:cNvPr>
+              <p:cNvCxnSpPr>
+                <a:cxnSpLocks/>
+                <a:stCxn id="19" idx="0"/>
+                <a:endCxn id="18" idx="4"/>
+              </p:cNvCxnSpPr>
+              <p:nvPr/>
+            </p:nvCxnSpPr>
+            <p:spPr>
+              <a:xfrm>
+                <a:off x="6499415" y="1875160"/>
+                <a:ext cx="0" cy="461070"/>
+              </a:xfrm>
+              <a:prstGeom prst="line">
+                <a:avLst/>
+              </a:prstGeom>
+              <a:ln w="19050">
+                <a:solidFill>
+                  <a:schemeClr val="accent2"/>
+                </a:solidFill>
+                <a:headEnd type="none" w="med" len="med"/>
+                <a:tailEnd type="none" w="med" len="med"/>
+              </a:ln>
+            </p:spPr>
+            <p:style>
+              <a:lnRef idx="1">
+                <a:schemeClr val="accent1"/>
+              </a:lnRef>
+              <a:fillRef idx="0">
+                <a:schemeClr val="accent1"/>
+              </a:fillRef>
+              <a:effectRef idx="0">
+                <a:schemeClr val="accent1"/>
+              </a:effectRef>
+              <a:fontRef idx="minor">
+                <a:schemeClr val="tx1"/>
+              </a:fontRef>
+            </p:style>
+          </p:cxnSp>
+        </p:grpSp>
+        <mc:AlternateContent xmlns:mc="http://schemas.openxmlformats.org/markup-compatibility/2006">
+          <mc:Choice xmlns:a14="http://schemas.microsoft.com/office/drawing/2010/main" Requires="a14">
+            <p:sp>
+              <p:nvSpPr>
+                <p:cNvPr id="21" name="Rectangle 20">
+                  <a:extLst>
+                    <a:ext uri="{FF2B5EF4-FFF2-40B4-BE49-F238E27FC236}">
+                      <a16:creationId xmlns:a16="http://schemas.microsoft.com/office/drawing/2014/main" id="{EB7B5BA4-702C-CBBA-DEB3-FB81A794EEA0}"/>
+                    </a:ext>
+                  </a:extLst>
+                </p:cNvPr>
+                <p:cNvSpPr/>
+                <p:nvPr/>
+              </p:nvSpPr>
+              <p:spPr>
+                <a:xfrm>
+                  <a:off x="4856085" y="-773586"/>
+                  <a:ext cx="454483" cy="430924"/>
+                </a:xfrm>
+                <a:prstGeom prst="rect">
+                  <a:avLst/>
+                </a:prstGeom>
+                <a:solidFill>
+                  <a:schemeClr val="bg1"/>
+                </a:solidFill>
+                <a:ln w="19050">
+                  <a:solidFill>
+                    <a:schemeClr val="accent2"/>
+                  </a:solidFill>
+                </a:ln>
+              </p:spPr>
+              <p:style>
+                <a:lnRef idx="2">
+                  <a:schemeClr val="accent1">
+                    <a:shade val="50000"/>
+                  </a:schemeClr>
+                </a:lnRef>
+                <a:fillRef idx="1">
+                  <a:schemeClr val="accent1"/>
+                </a:fillRef>
+                <a:effectRef idx="0">
+                  <a:schemeClr val="accent1"/>
+                </a:effectRef>
+                <a:fontRef idx="minor">
+                  <a:schemeClr val="lt1"/>
+                </a:fontRef>
+              </p:style>
+              <p:txBody>
+                <a:bodyPr rtlCol="0" anchor="ctr"/>
+                <a:lstStyle/>
+                <a:p>
+                  <a:pPr algn="ctr"/>
+                  <a14:m>
+                    <m:oMathPara xmlns:m="http://schemas.openxmlformats.org/officeDocument/2006/math">
+                      <m:oMathParaPr>
+                        <m:jc m:val="left"/>
+                      </m:oMathParaPr>
+                      <m:oMath xmlns:m="http://schemas.openxmlformats.org/officeDocument/2006/math">
+                        <m:r>
+                          <a:rPr lang="en-US" altLang="zh-CN" sz="2400" b="0" i="1" dirty="0" smtClean="0">
+                            <a:solidFill>
+                              <a:schemeClr val="accent2"/>
+                            </a:solidFill>
+                            <a:latin typeface="Cambria Math" panose="02040503050406030204" pitchFamily="18" charset="0"/>
+                          </a:rPr>
+                          <m:t> </m:t>
+                        </m:r>
+                        <m:r>
+                          <a:rPr lang="en-US" altLang="zh-CN" sz="2400" b="0" i="1" dirty="0" smtClean="0">
+                            <a:solidFill>
+                              <a:schemeClr val="accent2"/>
+                            </a:solidFill>
+                            <a:latin typeface="Cambria Math" panose="02040503050406030204" pitchFamily="18" charset="0"/>
+                          </a:rPr>
+                          <m:t>𝑇</m:t>
+                        </m:r>
+                      </m:oMath>
+                    </m:oMathPara>
+                  </a14:m>
+                  <a:endParaRPr lang="en-US" sz="2400" i="1" dirty="0">
+                    <a:solidFill>
+                      <a:schemeClr val="accent2"/>
+                    </a:solidFill>
+                  </a:endParaRPr>
+                </a:p>
+              </p:txBody>
+            </p:sp>
+          </mc:Choice>
+          <mc:Fallback>
+            <p:sp>
+              <p:nvSpPr>
+                <p:cNvPr id="21" name="Rectangle 20">
+                  <a:extLst>
+                    <a:ext uri="{FF2B5EF4-FFF2-40B4-BE49-F238E27FC236}">
+                      <a16:creationId xmlns:a16="http://schemas.microsoft.com/office/drawing/2014/main" id="{EB7B5BA4-702C-CBBA-DEB3-FB81A794EEA0}"/>
+                    </a:ext>
+                  </a:extLst>
+                </p:cNvPr>
+                <p:cNvSpPr>
+                  <a:spLocks noRot="1" noChangeAspect="1" noMove="1" noResize="1" noEditPoints="1" noAdjustHandles="1" noChangeArrowheads="1" noChangeShapeType="1" noTextEdit="1"/>
+                </p:cNvSpPr>
+                <p:nvPr/>
+              </p:nvSpPr>
+              <p:spPr>
+                <a:xfrm>
+                  <a:off x="4856085" y="-773586"/>
+                  <a:ext cx="454483" cy="430924"/>
+                </a:xfrm>
+                <a:prstGeom prst="rect">
+                  <a:avLst/>
+                </a:prstGeom>
+                <a:blipFill>
+                  <a:blip r:embed="rId12"/>
+                  <a:stretch>
+                    <a:fillRect/>
+                  </a:stretch>
+                </a:blipFill>
+                <a:ln w="19050">
+                  <a:solidFill>
+                    <a:schemeClr val="accent2"/>
+                  </a:solidFill>
+                </a:ln>
+              </p:spPr>
+              <p:txBody>
+                <a:bodyPr/>
+                <a:lstStyle/>
+                <a:p>
+                  <a:r>
+                    <a:rPr lang="zh-CN" altLang="en-US">
+                      <a:noFill/>
+                    </a:rPr>
+                    <a:t> </a:t>
+                  </a:r>
+                </a:p>
+              </p:txBody>
+            </p:sp>
+          </mc:Fallback>
+        </mc:AlternateContent>
+        <p:grpSp>
+          <p:nvGrpSpPr>
+            <p:cNvPr id="22" name="Group 21">
+              <a:extLst>
+                <a:ext uri="{FF2B5EF4-FFF2-40B4-BE49-F238E27FC236}">
+                  <a16:creationId xmlns:a16="http://schemas.microsoft.com/office/drawing/2014/main" id="{D75E97DB-1252-5F4E-4E83-A66824B7649B}"/>
+                </a:ext>
+              </a:extLst>
+            </p:cNvPr>
+            <p:cNvGrpSpPr/>
+            <p:nvPr/>
+          </p:nvGrpSpPr>
+          <p:grpSpPr>
+            <a:xfrm rot="10800000">
+              <a:off x="7389832" y="-1268872"/>
+              <a:ext cx="288705" cy="1538946"/>
+              <a:chOff x="7216975" y="4077708"/>
+              <a:chExt cx="288705" cy="1566146"/>
+            </a:xfrm>
+          </p:grpSpPr>
+          <p:sp>
+            <p:nvSpPr>
+              <p:cNvPr id="23" name="Or 71">
+                <a:extLst>
+                  <a:ext uri="{FF2B5EF4-FFF2-40B4-BE49-F238E27FC236}">
+                    <a16:creationId xmlns:a16="http://schemas.microsoft.com/office/drawing/2014/main" id="{606481CB-93D3-7618-609F-7F69F91677BE}"/>
+                  </a:ext>
+                </a:extLst>
+              </p:cNvPr>
+              <p:cNvSpPr/>
+              <p:nvPr/>
+            </p:nvSpPr>
+            <p:spPr>
+              <a:xfrm>
+                <a:off x="7216975" y="4077708"/>
+                <a:ext cx="288705" cy="288705"/>
+              </a:xfrm>
+              <a:prstGeom prst="flowChartOr">
+                <a:avLst/>
+              </a:prstGeom>
+              <a:solidFill>
+                <a:schemeClr val="bg1"/>
+              </a:solidFill>
+              <a:ln w="19050">
+                <a:solidFill>
+                  <a:schemeClr val="accent2"/>
+                </a:solidFill>
+              </a:ln>
+            </p:spPr>
+            <p:style>
+              <a:lnRef idx="2">
+                <a:schemeClr val="accent1">
+                  <a:shade val="50000"/>
+                </a:schemeClr>
+              </a:lnRef>
+              <a:fillRef idx="1">
+                <a:schemeClr val="accent1"/>
+              </a:fillRef>
+              <a:effectRef idx="0">
+                <a:schemeClr val="accent1"/>
+              </a:effectRef>
+              <a:fontRef idx="minor">
+                <a:schemeClr val="lt1"/>
+              </a:fontRef>
+            </p:style>
+            <p:txBody>
+              <a:bodyPr rtlCol="0" anchor="ctr"/>
+              <a:lstStyle/>
+              <a:p>
+                <a:pPr algn="ctr"/>
+                <a:endParaRPr lang="en-US"/>
+              </a:p>
+            </p:txBody>
+          </p:sp>
+          <p:sp>
+            <p:nvSpPr>
+              <p:cNvPr id="24" name="Connector 72">
+                <a:extLst>
+                  <a:ext uri="{FF2B5EF4-FFF2-40B4-BE49-F238E27FC236}">
+                    <a16:creationId xmlns:a16="http://schemas.microsoft.com/office/drawing/2014/main" id="{D3A45B2E-CD72-C510-F29B-B9E9653FDDF5}"/>
+                  </a:ext>
+                </a:extLst>
+              </p:cNvPr>
+              <p:cNvSpPr/>
+              <p:nvPr/>
+            </p:nvSpPr>
+            <p:spPr>
+              <a:xfrm>
+                <a:off x="7304293" y="5529786"/>
+                <a:ext cx="114068" cy="114068"/>
+              </a:xfrm>
+              <a:prstGeom prst="flowChartConnector">
+                <a:avLst/>
+              </a:prstGeom>
+              <a:solidFill>
+                <a:schemeClr val="accent2"/>
+              </a:solidFill>
+              <a:ln>
+                <a:noFill/>
+              </a:ln>
+            </p:spPr>
+            <p:style>
+              <a:lnRef idx="2">
+                <a:schemeClr val="accent1">
+                  <a:shade val="50000"/>
+                </a:schemeClr>
+              </a:lnRef>
+              <a:fillRef idx="1">
+                <a:schemeClr val="accent1"/>
+              </a:fillRef>
+              <a:effectRef idx="0">
+                <a:schemeClr val="accent1"/>
+              </a:effectRef>
+              <a:fontRef idx="minor">
+                <a:schemeClr val="lt1"/>
+              </a:fontRef>
+            </p:style>
+            <p:txBody>
+              <a:bodyPr rtlCol="0" anchor="ctr"/>
+              <a:lstStyle/>
+              <a:p>
+                <a:pPr algn="ctr"/>
+                <a:endParaRPr lang="en-US"/>
+              </a:p>
+            </p:txBody>
+          </p:sp>
+          <p:cxnSp>
+            <p:nvCxnSpPr>
+              <p:cNvPr id="25" name="Straight Connector 24">
+                <a:extLst>
+                  <a:ext uri="{FF2B5EF4-FFF2-40B4-BE49-F238E27FC236}">
+                    <a16:creationId xmlns:a16="http://schemas.microsoft.com/office/drawing/2014/main" id="{EF6313A1-9342-9893-10C7-9AAB3EB9905E}"/>
+                  </a:ext>
+                </a:extLst>
+              </p:cNvPr>
+              <p:cNvCxnSpPr>
+                <a:cxnSpLocks/>
+                <a:stCxn id="23" idx="4"/>
+                <a:endCxn id="24" idx="0"/>
+              </p:cNvCxnSpPr>
+              <p:nvPr/>
+            </p:nvCxnSpPr>
+            <p:spPr>
+              <a:xfrm flipV="1">
+                <a:off x="7361327" y="4366413"/>
+                <a:ext cx="1" cy="1163373"/>
+              </a:xfrm>
+              <a:prstGeom prst="line">
+                <a:avLst/>
+              </a:prstGeom>
+              <a:ln w="19050">
+                <a:solidFill>
+                  <a:schemeClr val="accent2"/>
+                </a:solidFill>
+                <a:headEnd type="none" w="med" len="med"/>
+                <a:tailEnd type="none" w="med" len="med"/>
+              </a:ln>
+            </p:spPr>
+            <p:style>
+              <a:lnRef idx="1">
+                <a:schemeClr val="accent1"/>
+              </a:lnRef>
+              <a:fillRef idx="0">
+                <a:schemeClr val="accent1"/>
+              </a:fillRef>
+              <a:effectRef idx="0">
+                <a:schemeClr val="accent1"/>
+              </a:effectRef>
+              <a:fontRef idx="minor">
+                <a:schemeClr val="tx1"/>
+              </a:fontRef>
+            </p:style>
+          </p:cxnSp>
+        </p:grpSp>
+        <mc:AlternateContent xmlns:mc="http://schemas.openxmlformats.org/markup-compatibility/2006">
+          <mc:Choice xmlns:a14="http://schemas.microsoft.com/office/drawing/2010/main" Requires="a14">
+            <p:sp>
+              <p:nvSpPr>
+                <p:cNvPr id="26" name="Rectangle 25">
+                  <a:extLst>
+                    <a:ext uri="{FF2B5EF4-FFF2-40B4-BE49-F238E27FC236}">
+                      <a16:creationId xmlns:a16="http://schemas.microsoft.com/office/drawing/2014/main" id="{66A03C8C-5BF9-5C78-B5E2-FD4FF1DD7ED4}"/>
+                    </a:ext>
+                  </a:extLst>
+                </p:cNvPr>
+                <p:cNvSpPr/>
+                <p:nvPr/>
+              </p:nvSpPr>
+              <p:spPr>
+                <a:xfrm>
+                  <a:off x="8711215" y="-1430008"/>
+                  <a:ext cx="454483" cy="430924"/>
+                </a:xfrm>
+                <a:prstGeom prst="rect">
+                  <a:avLst/>
+                </a:prstGeom>
+                <a:solidFill>
+                  <a:schemeClr val="bg1"/>
+                </a:solidFill>
+                <a:ln w="19050">
+                  <a:solidFill>
+                    <a:schemeClr val="accent2"/>
+                  </a:solidFill>
+                </a:ln>
+              </p:spPr>
+              <p:style>
+                <a:lnRef idx="2">
+                  <a:schemeClr val="accent1">
+                    <a:shade val="50000"/>
+                  </a:schemeClr>
+                </a:lnRef>
+                <a:fillRef idx="1">
+                  <a:schemeClr val="accent1"/>
+                </a:fillRef>
+                <a:effectRef idx="0">
+                  <a:schemeClr val="accent1"/>
+                </a:effectRef>
+                <a:fontRef idx="minor">
+                  <a:schemeClr val="lt1"/>
+                </a:fontRef>
+              </p:style>
+              <p:txBody>
+                <a:bodyPr rtlCol="0" anchor="ctr"/>
+                <a:lstStyle/>
+                <a:p>
+                  <a:pPr algn="ctr"/>
+                  <a14:m>
+                    <m:oMathPara xmlns:m="http://schemas.openxmlformats.org/officeDocument/2006/math">
+                      <m:oMathParaPr>
+                        <m:jc m:val="left"/>
+                      </m:oMathParaPr>
+                      <m:oMath xmlns:m="http://schemas.openxmlformats.org/officeDocument/2006/math">
+                        <m:sSup>
+                          <m:sSupPr>
+                            <m:ctrlPr>
+                              <a:rPr lang="en-US" altLang="zh-CN" sz="2400" i="1" dirty="0" smtClean="0">
+                                <a:solidFill>
+                                  <a:schemeClr val="accent2"/>
+                                </a:solidFill>
+                                <a:latin typeface="Cambria Math" panose="02040503050406030204" pitchFamily="18" charset="0"/>
+                              </a:rPr>
+                            </m:ctrlPr>
+                          </m:sSupPr>
+                          <m:e>
+                            <m:r>
+                              <a:rPr lang="en-US" altLang="zh-CN" sz="2400" b="0" i="1" dirty="0" smtClean="0">
+                                <a:solidFill>
+                                  <a:schemeClr val="accent2"/>
+                                </a:solidFill>
+                                <a:latin typeface="Cambria Math" panose="02040503050406030204" pitchFamily="18" charset="0"/>
+                              </a:rPr>
+                              <m:t>𝑇</m:t>
+                            </m:r>
+                          </m:e>
+                          <m:sup>
+                            <m:r>
+                              <a:rPr lang="en-US" altLang="zh-CN" sz="2400" i="1" dirty="0" smtClean="0">
+                                <a:solidFill>
+                                  <a:schemeClr val="accent2"/>
+                                </a:solidFill>
+                                <a:latin typeface="Cambria Math" panose="02040503050406030204" pitchFamily="18" charset="0"/>
+                                <a:ea typeface="Cambria Math" panose="02040503050406030204" pitchFamily="18" charset="0"/>
+                              </a:rPr>
+                              <m:t>†</m:t>
+                            </m:r>
+                          </m:sup>
+                        </m:sSup>
+                      </m:oMath>
+                    </m:oMathPara>
+                  </a14:m>
+                  <a:endParaRPr lang="en-US" sz="2400" i="1" dirty="0">
+                    <a:solidFill>
+                      <a:schemeClr val="accent2"/>
+                    </a:solidFill>
+                  </a:endParaRPr>
+                </a:p>
+              </p:txBody>
+            </p:sp>
+          </mc:Choice>
+          <mc:Fallback>
+            <p:sp>
+              <p:nvSpPr>
+                <p:cNvPr id="26" name="Rectangle 25">
+                  <a:extLst>
+                    <a:ext uri="{FF2B5EF4-FFF2-40B4-BE49-F238E27FC236}">
+                      <a16:creationId xmlns:a16="http://schemas.microsoft.com/office/drawing/2014/main" id="{66A03C8C-5BF9-5C78-B5E2-FD4FF1DD7ED4}"/>
+                    </a:ext>
+                  </a:extLst>
+                </p:cNvPr>
+                <p:cNvSpPr>
+                  <a:spLocks noRot="1" noChangeAspect="1" noMove="1" noResize="1" noEditPoints="1" noAdjustHandles="1" noChangeArrowheads="1" noChangeShapeType="1" noTextEdit="1"/>
+                </p:cNvSpPr>
+                <p:nvPr/>
+              </p:nvSpPr>
+              <p:spPr>
+                <a:xfrm>
+                  <a:off x="8711215" y="-1430008"/>
+                  <a:ext cx="454483" cy="430924"/>
+                </a:xfrm>
+                <a:prstGeom prst="rect">
+                  <a:avLst/>
+                </a:prstGeom>
+                <a:blipFill>
+                  <a:blip r:embed="rId13"/>
+                  <a:stretch>
+                    <a:fillRect l="-1282" r="-11538"/>
+                  </a:stretch>
+                </a:blipFill>
+                <a:ln w="19050">
+                  <a:solidFill>
+                    <a:schemeClr val="accent2"/>
+                  </a:solidFill>
+                </a:ln>
+              </p:spPr>
+              <p:txBody>
+                <a:bodyPr/>
+                <a:lstStyle/>
+                <a:p>
+                  <a:r>
+                    <a:rPr lang="zh-CN" altLang="en-US">
+                      <a:noFill/>
+                    </a:rPr>
+                    <a:t> </a:t>
+                  </a:r>
+                </a:p>
+              </p:txBody>
+            </p:sp>
+          </mc:Fallback>
+        </mc:AlternateContent>
+        <p:grpSp>
+          <p:nvGrpSpPr>
+            <p:cNvPr id="27" name="Group 26">
+              <a:extLst>
+                <a:ext uri="{FF2B5EF4-FFF2-40B4-BE49-F238E27FC236}">
+                  <a16:creationId xmlns:a16="http://schemas.microsoft.com/office/drawing/2014/main" id="{70B81EB0-BF71-7B29-30BE-15BCB382602F}"/>
+                </a:ext>
+              </a:extLst>
+            </p:cNvPr>
+            <p:cNvGrpSpPr/>
+            <p:nvPr/>
+          </p:nvGrpSpPr>
+          <p:grpSpPr>
+            <a:xfrm rot="10800000">
+              <a:off x="5644768" y="-1267156"/>
+              <a:ext cx="288705" cy="856223"/>
+              <a:chOff x="6355062" y="1594075"/>
+              <a:chExt cx="288705" cy="856223"/>
+            </a:xfrm>
+          </p:grpSpPr>
+          <p:sp>
+            <p:nvSpPr>
+              <p:cNvPr id="28" name="Or 77">
+                <a:extLst>
+                  <a:ext uri="{FF2B5EF4-FFF2-40B4-BE49-F238E27FC236}">
+                    <a16:creationId xmlns:a16="http://schemas.microsoft.com/office/drawing/2014/main" id="{EEE9D22C-2D01-4AF5-F2C6-2D746171DCAB}"/>
+                  </a:ext>
+                </a:extLst>
+              </p:cNvPr>
+              <p:cNvSpPr/>
+              <p:nvPr/>
+            </p:nvSpPr>
+            <p:spPr>
+              <a:xfrm>
+                <a:off x="6355062" y="1594075"/>
+                <a:ext cx="288705" cy="288705"/>
+              </a:xfrm>
+              <a:prstGeom prst="flowChartOr">
+                <a:avLst/>
+              </a:prstGeom>
+              <a:solidFill>
+                <a:schemeClr val="bg1"/>
+              </a:solidFill>
+              <a:ln w="19050">
+                <a:solidFill>
+                  <a:schemeClr val="accent2"/>
+                </a:solidFill>
+              </a:ln>
+            </p:spPr>
+            <p:style>
+              <a:lnRef idx="2">
+                <a:schemeClr val="accent1">
+                  <a:shade val="50000"/>
+                </a:schemeClr>
+              </a:lnRef>
+              <a:fillRef idx="1">
+                <a:schemeClr val="accent1"/>
+              </a:fillRef>
+              <a:effectRef idx="0">
+                <a:schemeClr val="accent1"/>
+              </a:effectRef>
+              <a:fontRef idx="minor">
+                <a:schemeClr val="lt1"/>
+              </a:fontRef>
+            </p:style>
+            <p:txBody>
+              <a:bodyPr rtlCol="0" anchor="ctr"/>
+              <a:lstStyle/>
+              <a:p>
+                <a:pPr algn="ctr"/>
+                <a:endParaRPr lang="en-US"/>
+              </a:p>
+            </p:txBody>
+          </p:sp>
+          <p:sp>
+            <p:nvSpPr>
+              <p:cNvPr id="29" name="Connector 78">
+                <a:extLst>
+                  <a:ext uri="{FF2B5EF4-FFF2-40B4-BE49-F238E27FC236}">
+                    <a16:creationId xmlns:a16="http://schemas.microsoft.com/office/drawing/2014/main" id="{A53B4298-6353-30EE-A05E-5F181B1F8736}"/>
+                  </a:ext>
+                </a:extLst>
+              </p:cNvPr>
+              <p:cNvSpPr/>
+              <p:nvPr/>
+            </p:nvSpPr>
+            <p:spPr>
+              <a:xfrm>
+                <a:off x="6442381" y="2336230"/>
+                <a:ext cx="114068" cy="114068"/>
+              </a:xfrm>
+              <a:prstGeom prst="flowChartConnector">
+                <a:avLst/>
+              </a:prstGeom>
+              <a:solidFill>
+                <a:schemeClr val="accent2"/>
+              </a:solidFill>
+              <a:ln>
+                <a:noFill/>
+              </a:ln>
+            </p:spPr>
+            <p:style>
+              <a:lnRef idx="2">
+                <a:schemeClr val="accent1">
+                  <a:shade val="50000"/>
+                </a:schemeClr>
+              </a:lnRef>
+              <a:fillRef idx="1">
+                <a:schemeClr val="accent1"/>
+              </a:fillRef>
+              <a:effectRef idx="0">
+                <a:schemeClr val="accent1"/>
+              </a:effectRef>
+              <a:fontRef idx="minor">
+                <a:schemeClr val="lt1"/>
+              </a:fontRef>
+            </p:style>
+            <p:txBody>
+              <a:bodyPr rtlCol="0" anchor="ctr"/>
+              <a:lstStyle/>
+              <a:p>
+                <a:pPr algn="ctr"/>
+                <a:endParaRPr lang="en-US"/>
+              </a:p>
+            </p:txBody>
+          </p:sp>
+          <p:cxnSp>
+            <p:nvCxnSpPr>
+              <p:cNvPr id="30" name="Straight Connector 29">
+                <a:extLst>
+                  <a:ext uri="{FF2B5EF4-FFF2-40B4-BE49-F238E27FC236}">
+                    <a16:creationId xmlns:a16="http://schemas.microsoft.com/office/drawing/2014/main" id="{9E1EC629-8342-412C-9AA9-89C28AF2E2D4}"/>
+                  </a:ext>
+                </a:extLst>
+              </p:cNvPr>
+              <p:cNvCxnSpPr>
+                <a:cxnSpLocks/>
+                <a:stCxn id="29" idx="0"/>
+                <a:endCxn id="28" idx="4"/>
+              </p:cNvCxnSpPr>
+              <p:nvPr/>
+            </p:nvCxnSpPr>
+            <p:spPr>
+              <a:xfrm>
+                <a:off x="6499415" y="1882780"/>
+                <a:ext cx="0" cy="453450"/>
+              </a:xfrm>
+              <a:prstGeom prst="line">
+                <a:avLst/>
+              </a:prstGeom>
+              <a:ln w="19050">
+                <a:solidFill>
+                  <a:schemeClr val="accent2"/>
+                </a:solidFill>
+                <a:headEnd type="none" w="med" len="med"/>
+                <a:tailEnd type="none" w="med" len="med"/>
+              </a:ln>
+            </p:spPr>
+            <p:style>
+              <a:lnRef idx="1">
+                <a:schemeClr val="accent1"/>
+              </a:lnRef>
+              <a:fillRef idx="0">
+                <a:schemeClr val="accent1"/>
+              </a:fillRef>
+              <a:effectRef idx="0">
+                <a:schemeClr val="accent1"/>
+              </a:effectRef>
+              <a:fontRef idx="minor">
+                <a:schemeClr val="tx1"/>
+              </a:fontRef>
+            </p:style>
+          </p:cxnSp>
+        </p:grpSp>
+        <mc:AlternateContent xmlns:mc="http://schemas.openxmlformats.org/markup-compatibility/2006">
+          <mc:Choice xmlns:a14="http://schemas.microsoft.com/office/drawing/2010/main" Requires="a14">
+            <p:sp>
+              <p:nvSpPr>
+                <p:cNvPr id="31" name="Rectangle 30">
+                  <a:extLst>
+                    <a:ext uri="{FF2B5EF4-FFF2-40B4-BE49-F238E27FC236}">
+                      <a16:creationId xmlns:a16="http://schemas.microsoft.com/office/drawing/2014/main" id="{2F2B3EB0-34A0-21CC-DE82-52ED754BC18B}"/>
+                    </a:ext>
+                  </a:extLst>
+                </p:cNvPr>
+                <p:cNvSpPr/>
+                <p:nvPr/>
+              </p:nvSpPr>
+              <p:spPr>
+                <a:xfrm>
+                  <a:off x="6675320" y="-97779"/>
+                  <a:ext cx="454483" cy="430924"/>
+                </a:xfrm>
+                <a:prstGeom prst="rect">
+                  <a:avLst/>
+                </a:prstGeom>
+                <a:solidFill>
+                  <a:schemeClr val="bg1"/>
+                </a:solidFill>
+                <a:ln w="19050">
+                  <a:solidFill>
+                    <a:schemeClr val="accent2"/>
+                  </a:solidFill>
+                </a:ln>
+              </p:spPr>
+              <p:style>
+                <a:lnRef idx="2">
+                  <a:schemeClr val="accent1">
+                    <a:shade val="50000"/>
+                  </a:schemeClr>
+                </a:lnRef>
+                <a:fillRef idx="1">
+                  <a:schemeClr val="accent1"/>
+                </a:fillRef>
+                <a:effectRef idx="0">
+                  <a:schemeClr val="accent1"/>
+                </a:effectRef>
+                <a:fontRef idx="minor">
+                  <a:schemeClr val="lt1"/>
+                </a:fontRef>
+              </p:style>
+              <p:txBody>
+                <a:bodyPr rtlCol="0" anchor="ctr"/>
+                <a:lstStyle/>
+                <a:p>
+                  <a:pPr algn="ctr"/>
+                  <a14:m>
+                    <m:oMathPara xmlns:m="http://schemas.openxmlformats.org/officeDocument/2006/math">
+                      <m:oMathParaPr>
+                        <m:jc m:val="left"/>
+                      </m:oMathParaPr>
+                      <m:oMath xmlns:m="http://schemas.openxmlformats.org/officeDocument/2006/math">
+                        <m:r>
+                          <a:rPr lang="en-US" altLang="zh-CN" sz="2400" b="0" i="1" dirty="0" smtClean="0">
+                            <a:solidFill>
+                              <a:schemeClr val="accent2"/>
+                            </a:solidFill>
+                            <a:latin typeface="Cambria Math" panose="02040503050406030204" pitchFamily="18" charset="0"/>
+                          </a:rPr>
+                          <m:t> </m:t>
+                        </m:r>
+                        <m:r>
+                          <a:rPr lang="en-US" altLang="zh-CN" sz="2400" b="0" i="1" dirty="0" smtClean="0">
+                            <a:solidFill>
+                              <a:schemeClr val="accent2"/>
+                            </a:solidFill>
+                            <a:latin typeface="Cambria Math" panose="02040503050406030204" pitchFamily="18" charset="0"/>
+                          </a:rPr>
+                          <m:t>𝑇</m:t>
+                        </m:r>
+                      </m:oMath>
+                    </m:oMathPara>
+                  </a14:m>
+                  <a:endParaRPr lang="en-US" sz="2400" i="1" dirty="0">
+                    <a:solidFill>
+                      <a:schemeClr val="accent2"/>
+                    </a:solidFill>
+                  </a:endParaRPr>
+                </a:p>
+              </p:txBody>
+            </p:sp>
+          </mc:Choice>
+          <mc:Fallback>
+            <p:sp>
+              <p:nvSpPr>
+                <p:cNvPr id="31" name="Rectangle 30">
+                  <a:extLst>
+                    <a:ext uri="{FF2B5EF4-FFF2-40B4-BE49-F238E27FC236}">
+                      <a16:creationId xmlns:a16="http://schemas.microsoft.com/office/drawing/2014/main" id="{2F2B3EB0-34A0-21CC-DE82-52ED754BC18B}"/>
+                    </a:ext>
+                  </a:extLst>
+                </p:cNvPr>
+                <p:cNvSpPr>
+                  <a:spLocks noRot="1" noChangeAspect="1" noMove="1" noResize="1" noEditPoints="1" noAdjustHandles="1" noChangeArrowheads="1" noChangeShapeType="1" noTextEdit="1"/>
+                </p:cNvSpPr>
+                <p:nvPr/>
+              </p:nvSpPr>
+              <p:spPr>
+                <a:xfrm>
+                  <a:off x="6675320" y="-97779"/>
+                  <a:ext cx="454483" cy="430924"/>
+                </a:xfrm>
+                <a:prstGeom prst="rect">
+                  <a:avLst/>
+                </a:prstGeom>
+                <a:blipFill>
+                  <a:blip r:embed="rId14"/>
+                  <a:stretch>
+                    <a:fillRect/>
+                  </a:stretch>
+                </a:blipFill>
+                <a:ln w="19050">
+                  <a:solidFill>
+                    <a:schemeClr val="accent2"/>
+                  </a:solidFill>
+                </a:ln>
+              </p:spPr>
+              <p:txBody>
+                <a:bodyPr/>
+                <a:lstStyle/>
+                <a:p>
+                  <a:r>
+                    <a:rPr lang="zh-CN" altLang="en-US">
+                      <a:noFill/>
+                    </a:rPr>
+                    <a:t> </a:t>
+                  </a:r>
+                </a:p>
+              </p:txBody>
+            </p:sp>
+          </mc:Fallback>
+        </mc:AlternateContent>
+        <p:grpSp>
+          <p:nvGrpSpPr>
+            <p:cNvPr id="160" name="Group 159">
+              <a:extLst>
+                <a:ext uri="{FF2B5EF4-FFF2-40B4-BE49-F238E27FC236}">
+                  <a16:creationId xmlns:a16="http://schemas.microsoft.com/office/drawing/2014/main" id="{CF3FBBE3-D19F-FE98-F913-51D46BE66995}"/>
+                </a:ext>
+              </a:extLst>
+            </p:cNvPr>
+            <p:cNvGrpSpPr/>
+            <p:nvPr/>
+          </p:nvGrpSpPr>
+          <p:grpSpPr>
+            <a:xfrm rot="10800000">
+              <a:off x="6201075" y="-610451"/>
+              <a:ext cx="288705" cy="876740"/>
+              <a:chOff x="6355062" y="908275"/>
+              <a:chExt cx="288705" cy="876740"/>
+            </a:xfrm>
+          </p:grpSpPr>
+          <p:sp>
+            <p:nvSpPr>
+              <p:cNvPr id="161" name="Or 77">
+                <a:extLst>
+                  <a:ext uri="{FF2B5EF4-FFF2-40B4-BE49-F238E27FC236}">
+                    <a16:creationId xmlns:a16="http://schemas.microsoft.com/office/drawing/2014/main" id="{102525EE-1E92-584C-CC13-EE1876AB17C7}"/>
+                  </a:ext>
+                </a:extLst>
+              </p:cNvPr>
+              <p:cNvSpPr/>
+              <p:nvPr/>
+            </p:nvSpPr>
+            <p:spPr>
+              <a:xfrm>
+                <a:off x="6355062" y="908275"/>
+                <a:ext cx="288705" cy="288705"/>
+              </a:xfrm>
+              <a:prstGeom prst="flowChartOr">
+                <a:avLst/>
+              </a:prstGeom>
+              <a:solidFill>
+                <a:schemeClr val="bg1"/>
+              </a:solidFill>
+              <a:ln w="19050">
+                <a:solidFill>
+                  <a:schemeClr val="accent2"/>
+                </a:solidFill>
+              </a:ln>
+            </p:spPr>
+            <p:style>
+              <a:lnRef idx="2">
+                <a:schemeClr val="accent1">
+                  <a:shade val="50000"/>
+                </a:schemeClr>
+              </a:lnRef>
+              <a:fillRef idx="1">
+                <a:schemeClr val="accent1"/>
+              </a:fillRef>
+              <a:effectRef idx="0">
+                <a:schemeClr val="accent1"/>
+              </a:effectRef>
+              <a:fontRef idx="minor">
+                <a:schemeClr val="lt1"/>
+              </a:fontRef>
+            </p:style>
+            <p:txBody>
+              <a:bodyPr rtlCol="0" anchor="ctr"/>
+              <a:lstStyle/>
+              <a:p>
+                <a:pPr algn="ctr"/>
+                <a:endParaRPr lang="en-US"/>
+              </a:p>
+            </p:txBody>
+          </p:sp>
+          <p:sp>
+            <p:nvSpPr>
+              <p:cNvPr id="162" name="Connector 78">
+                <a:extLst>
+                  <a:ext uri="{FF2B5EF4-FFF2-40B4-BE49-F238E27FC236}">
+                    <a16:creationId xmlns:a16="http://schemas.microsoft.com/office/drawing/2014/main" id="{F1552971-0EBE-D198-4E22-A28C6BBB3EC9}"/>
+                  </a:ext>
+                </a:extLst>
+              </p:cNvPr>
+              <p:cNvSpPr/>
+              <p:nvPr/>
+            </p:nvSpPr>
+            <p:spPr>
+              <a:xfrm>
+                <a:off x="6442380" y="1670947"/>
+                <a:ext cx="114068" cy="114068"/>
+              </a:xfrm>
+              <a:prstGeom prst="flowChartConnector">
+                <a:avLst/>
+              </a:prstGeom>
+              <a:solidFill>
+                <a:schemeClr val="accent2"/>
+              </a:solidFill>
+              <a:ln>
+                <a:noFill/>
+              </a:ln>
+            </p:spPr>
+            <p:style>
+              <a:lnRef idx="2">
+                <a:schemeClr val="accent1">
+                  <a:shade val="50000"/>
+                </a:schemeClr>
+              </a:lnRef>
+              <a:fillRef idx="1">
+                <a:schemeClr val="accent1"/>
+              </a:fillRef>
+              <a:effectRef idx="0">
+                <a:schemeClr val="accent1"/>
+              </a:effectRef>
+              <a:fontRef idx="minor">
+                <a:schemeClr val="lt1"/>
+              </a:fontRef>
+            </p:style>
+            <p:txBody>
+              <a:bodyPr rtlCol="0" anchor="ctr"/>
+              <a:lstStyle/>
+              <a:p>
+                <a:pPr algn="ctr"/>
+                <a:endParaRPr lang="en-US"/>
+              </a:p>
+            </p:txBody>
+          </p:sp>
+          <p:cxnSp>
+            <p:nvCxnSpPr>
+              <p:cNvPr id="163" name="Straight Connector 162">
+                <a:extLst>
+                  <a:ext uri="{FF2B5EF4-FFF2-40B4-BE49-F238E27FC236}">
+                    <a16:creationId xmlns:a16="http://schemas.microsoft.com/office/drawing/2014/main" id="{832D9C14-BD41-E56B-71CC-3B2FC16E1F16}"/>
+                  </a:ext>
+                </a:extLst>
+              </p:cNvPr>
+              <p:cNvCxnSpPr>
+                <a:cxnSpLocks/>
+                <a:stCxn id="162" idx="0"/>
+                <a:endCxn id="161" idx="4"/>
+              </p:cNvCxnSpPr>
+              <p:nvPr/>
+            </p:nvCxnSpPr>
+            <p:spPr>
+              <a:xfrm flipV="1">
+                <a:off x="6499414" y="1196980"/>
+                <a:ext cx="1" cy="473967"/>
+              </a:xfrm>
+              <a:prstGeom prst="line">
+                <a:avLst/>
+              </a:prstGeom>
+              <a:ln w="19050">
+                <a:solidFill>
+                  <a:schemeClr val="accent2"/>
+                </a:solidFill>
+                <a:headEnd type="none" w="med" len="med"/>
+                <a:tailEnd type="none" w="med" len="med"/>
+              </a:ln>
+            </p:spPr>
+            <p:style>
+              <a:lnRef idx="1">
+                <a:schemeClr val="accent1"/>
+              </a:lnRef>
+              <a:fillRef idx="0">
+                <a:schemeClr val="accent1"/>
+              </a:fillRef>
+              <a:effectRef idx="0">
+                <a:schemeClr val="accent1"/>
+              </a:effectRef>
+              <a:fontRef idx="minor">
+                <a:schemeClr val="tx1"/>
+              </a:fontRef>
+            </p:style>
+          </p:cxnSp>
+        </p:grpSp>
+        <mc:AlternateContent xmlns:mc="http://schemas.openxmlformats.org/markup-compatibility/2006">
+          <mc:Choice xmlns:a14="http://schemas.microsoft.com/office/drawing/2010/main" Requires="a14">
+            <p:sp>
+              <p:nvSpPr>
+                <p:cNvPr id="164" name="Rectangle 163">
+                  <a:extLst>
+                    <a:ext uri="{FF2B5EF4-FFF2-40B4-BE49-F238E27FC236}">
+                      <a16:creationId xmlns:a16="http://schemas.microsoft.com/office/drawing/2014/main" id="{46A59D2A-9C5C-486C-EF9F-FB25056212B1}"/>
+                    </a:ext>
+                  </a:extLst>
+                </p:cNvPr>
+                <p:cNvSpPr/>
+                <p:nvPr/>
+              </p:nvSpPr>
+              <p:spPr>
+                <a:xfrm>
+                  <a:off x="7836288" y="-1430008"/>
+                  <a:ext cx="454483" cy="430924"/>
+                </a:xfrm>
+                <a:prstGeom prst="rect">
+                  <a:avLst/>
+                </a:prstGeom>
+                <a:solidFill>
+                  <a:schemeClr val="bg1"/>
+                </a:solidFill>
+                <a:ln w="19050">
+                  <a:solidFill>
+                    <a:schemeClr val="accent2"/>
+                  </a:solidFill>
+                </a:ln>
+              </p:spPr>
+              <p:style>
+                <a:lnRef idx="2">
+                  <a:schemeClr val="accent1">
+                    <a:shade val="50000"/>
+                  </a:schemeClr>
+                </a:lnRef>
+                <a:fillRef idx="1">
+                  <a:schemeClr val="accent1"/>
+                </a:fillRef>
+                <a:effectRef idx="0">
+                  <a:schemeClr val="accent1"/>
+                </a:effectRef>
+                <a:fontRef idx="minor">
+                  <a:schemeClr val="lt1"/>
+                </a:fontRef>
+              </p:style>
+              <p:txBody>
+                <a:bodyPr rtlCol="0" anchor="ctr"/>
+                <a:lstStyle/>
+                <a:p>
+                  <a:pPr algn="ctr"/>
+                  <a14:m>
+                    <m:oMathPara xmlns:m="http://schemas.openxmlformats.org/officeDocument/2006/math">
+                      <m:oMathParaPr>
+                        <m:jc m:val="left"/>
+                      </m:oMathParaPr>
+                      <m:oMath xmlns:m="http://schemas.openxmlformats.org/officeDocument/2006/math">
+                        <m:r>
+                          <a:rPr lang="en-US" altLang="zh-CN" sz="2400" b="0" i="1" dirty="0" smtClean="0">
+                            <a:solidFill>
+                              <a:schemeClr val="accent2"/>
+                            </a:solidFill>
+                            <a:latin typeface="Cambria Math" panose="02040503050406030204" pitchFamily="18" charset="0"/>
+                          </a:rPr>
+                          <m:t> </m:t>
+                        </m:r>
+                        <m:r>
+                          <a:rPr lang="en-US" altLang="zh-CN" sz="2400" b="0" i="1" dirty="0" smtClean="0">
+                            <a:solidFill>
+                              <a:schemeClr val="accent2"/>
+                            </a:solidFill>
+                            <a:latin typeface="Cambria Math" panose="02040503050406030204" pitchFamily="18" charset="0"/>
+                          </a:rPr>
+                          <m:t>𝑇</m:t>
+                        </m:r>
+                      </m:oMath>
+                    </m:oMathPara>
+                  </a14:m>
+                  <a:endParaRPr lang="en-US" sz="2400" i="1" dirty="0">
+                    <a:solidFill>
+                      <a:schemeClr val="accent2"/>
+                    </a:solidFill>
+                  </a:endParaRPr>
+                </a:p>
+              </p:txBody>
+            </p:sp>
+          </mc:Choice>
+          <mc:Fallback>
+            <p:sp>
+              <p:nvSpPr>
+                <p:cNvPr id="164" name="Rectangle 163">
+                  <a:extLst>
+                    <a:ext uri="{FF2B5EF4-FFF2-40B4-BE49-F238E27FC236}">
+                      <a16:creationId xmlns:a16="http://schemas.microsoft.com/office/drawing/2014/main" id="{46A59D2A-9C5C-486C-EF9F-FB25056212B1}"/>
+                    </a:ext>
+                  </a:extLst>
+                </p:cNvPr>
+                <p:cNvSpPr>
+                  <a:spLocks noRot="1" noChangeAspect="1" noMove="1" noResize="1" noEditPoints="1" noAdjustHandles="1" noChangeArrowheads="1" noChangeShapeType="1" noTextEdit="1"/>
+                </p:cNvSpPr>
+                <p:nvPr/>
+              </p:nvSpPr>
+              <p:spPr>
+                <a:xfrm>
+                  <a:off x="7836288" y="-1430008"/>
+                  <a:ext cx="454483" cy="430924"/>
+                </a:xfrm>
+                <a:prstGeom prst="rect">
+                  <a:avLst/>
+                </a:prstGeom>
+                <a:blipFill>
+                  <a:blip r:embed="rId15"/>
+                  <a:stretch>
+                    <a:fillRect/>
+                  </a:stretch>
+                </a:blipFill>
+                <a:ln w="19050">
+                  <a:solidFill>
+                    <a:schemeClr val="accent2"/>
+                  </a:solidFill>
+                </a:ln>
+              </p:spPr>
+              <p:txBody>
+                <a:bodyPr/>
+                <a:lstStyle/>
+                <a:p>
+                  <a:r>
+                    <a:rPr lang="zh-CN" altLang="en-US">
+                      <a:noFill/>
+                    </a:rPr>
+                    <a:t> </a:t>
+                  </a:r>
+                </a:p>
+              </p:txBody>
+            </p:sp>
+          </mc:Fallback>
+        </mc:AlternateContent>
+        <p:sp>
+          <p:nvSpPr>
+            <p:cNvPr id="166" name="Right Arrow 47">
+              <a:extLst>
+                <a:ext uri="{FF2B5EF4-FFF2-40B4-BE49-F238E27FC236}">
+                  <a16:creationId xmlns:a16="http://schemas.microsoft.com/office/drawing/2014/main" id="{A6254B08-5330-C8F1-840A-BC5174D85AD7}"/>
+                </a:ext>
+              </a:extLst>
+            </p:cNvPr>
+            <p:cNvSpPr/>
+            <p:nvPr/>
+          </p:nvSpPr>
+          <p:spPr>
+            <a:xfrm rot="5400000">
+              <a:off x="8388304" y="459181"/>
+              <a:ext cx="506055" cy="502322"/>
+            </a:xfrm>
+            <a:prstGeom prst="rightArrow">
+              <a:avLst/>
+            </a:prstGeom>
+            <a:solidFill>
+              <a:srgbClr val="E2F0D9"/>
+            </a:solidFill>
+            <a:ln w="28575" cap="flat" cmpd="sng" algn="ctr">
+              <a:solidFill>
+                <a:schemeClr val="accent6"/>
+              </a:solidFill>
+              <a:prstDash val="solid"/>
+            </a:ln>
+            <a:effectLst/>
+          </p:spPr>
+          <p:txBody>
+            <a:bodyPr rtlCol="0" anchor="ctr"/>
+            <a:lstStyle/>
+            <a:p>
+              <a:pPr marL="0" marR="0" lvl="0" indent="0" algn="ctr" defTabSz="457200" eaLnBrk="1" fontAlgn="auto" latinLnBrk="0" hangingPunct="1">
+                <a:lnSpc>
+                  <a:spcPct val="100000"/>
+                </a:lnSpc>
+                <a:spcBef>
+                  <a:spcPts val="0"/>
+                </a:spcBef>
+                <a:spcAft>
+                  <a:spcPts val="0"/>
+                </a:spcAft>
+                <a:buClrTx/>
+                <a:buSzTx/>
+                <a:buFontTx/>
+                <a:buNone/>
+                <a:tabLst/>
+                <a:defRPr/>
+              </a:pPr>
+              <a:endParaRPr kumimoji="0" lang="en-US" sz="1800" b="0" i="0" u="none" strike="noStrike" kern="0" cap="none" spc="0" normalizeH="0" baseline="0" noProof="0" dirty="0">
+                <a:ln>
+                  <a:noFill/>
+                </a:ln>
+                <a:solidFill>
+                  <a:srgbClr val="FFFFFF"/>
+                </a:solidFill>
+                <a:effectLst/>
+                <a:uLnTx/>
+                <a:uFillTx/>
+                <a:ea typeface="+mn-ea"/>
+                <a:cs typeface="+mn-cs"/>
+              </a:endParaRPr>
+            </a:p>
+          </p:txBody>
+        </p:sp>
       </p:grpSp>
     </p:spTree>
     <p:extLst>
@@ -21747,8 +23593,8 @@
             </p:style>
           </p:cxnSp>
         </p:grpSp>
-        <mc:AlternateContent xmlns:mc="http://schemas.openxmlformats.org/markup-compatibility/2006">
-          <mc:Choice xmlns:a14="http://schemas.microsoft.com/office/drawing/2010/main" Requires="a14">
+        <mc:AlternateContent xmlns:mc="http://schemas.openxmlformats.org/markup-compatibility/2006" xmlns:a14="http://schemas.microsoft.com/office/drawing/2010/main">
+          <mc:Choice Requires="a14">
             <p:sp>
               <p:nvSpPr>
                 <p:cNvPr id="14" name="Rectangle 13">
@@ -21855,7 +23701,7 @@
               </p:txBody>
             </p:sp>
           </mc:Choice>
-          <mc:Fallback>
+          <mc:Fallback xmlns="">
             <p:sp>
               <p:nvSpPr>
                 <p:cNvPr id="14" name="Rectangle 13">
@@ -22391,8 +24237,8 @@
             </p:style>
           </p:cxnSp>
         </p:grpSp>
-        <mc:AlternateContent xmlns:mc="http://schemas.openxmlformats.org/markup-compatibility/2006">
-          <mc:Choice xmlns:a14="http://schemas.microsoft.com/office/drawing/2010/main" Requires="a14">
+        <mc:AlternateContent xmlns:mc="http://schemas.openxmlformats.org/markup-compatibility/2006" xmlns:a14="http://schemas.microsoft.com/office/drawing/2010/main">
+          <mc:Choice Requires="a14">
             <p:sp>
               <p:nvSpPr>
                 <p:cNvPr id="18" name="Rectangle 17">
@@ -22482,7 +24328,7 @@
               </p:txBody>
             </p:sp>
           </mc:Choice>
-          <mc:Fallback>
+          <mc:Fallback xmlns="">
             <p:sp>
               <p:nvSpPr>
                 <p:cNvPr id="18" name="Rectangle 17">
@@ -22532,8 +24378,8 @@
             </p:sp>
           </mc:Fallback>
         </mc:AlternateContent>
-        <mc:AlternateContent xmlns:mc="http://schemas.openxmlformats.org/markup-compatibility/2006">
-          <mc:Choice xmlns:a14="http://schemas.microsoft.com/office/drawing/2010/main" Requires="a14">
+        <mc:AlternateContent xmlns:mc="http://schemas.openxmlformats.org/markup-compatibility/2006" xmlns:a14="http://schemas.microsoft.com/office/drawing/2010/main">
+          <mc:Choice Requires="a14">
             <p:sp>
               <p:nvSpPr>
                 <p:cNvPr id="19" name="Rectangle 18">
@@ -22640,7 +24486,7 @@
               </p:txBody>
             </p:sp>
           </mc:Choice>
-          <mc:Fallback>
+          <mc:Fallback xmlns="">
             <p:sp>
               <p:nvSpPr>
                 <p:cNvPr id="19" name="Rectangle 18">
@@ -22690,8 +24536,8 @@
             </p:sp>
           </mc:Fallback>
         </mc:AlternateContent>
-        <mc:AlternateContent xmlns:mc="http://schemas.openxmlformats.org/markup-compatibility/2006">
-          <mc:Choice xmlns:a14="http://schemas.microsoft.com/office/drawing/2010/main" Requires="a14">
+        <mc:AlternateContent xmlns:mc="http://schemas.openxmlformats.org/markup-compatibility/2006" xmlns:a14="http://schemas.microsoft.com/office/drawing/2010/main">
+          <mc:Choice Requires="a14">
             <p:sp>
               <p:nvSpPr>
                 <p:cNvPr id="20" name="Rectangle 19">
@@ -22781,7 +24627,7 @@
               </p:txBody>
             </p:sp>
           </mc:Choice>
-          <mc:Fallback>
+          <mc:Fallback xmlns="">
             <p:sp>
               <p:nvSpPr>
                 <p:cNvPr id="20" name="Rectangle 19">
